--- a/Notes/Diagrams.pptx
+++ b/Notes/Diagrams.pptx
@@ -9,6 +9,7 @@
     <p:sldId id="257" r:id="rId3"/>
     <p:sldId id="258" r:id="rId4"/>
     <p:sldId id="259" r:id="rId5"/>
+    <p:sldId id="260" r:id="rId6"/>
   </p:sldIdLst>
   <p:sldSz cx="12192000" cy="6858000"/>
   <p:notesSz cx="6858000" cy="9144000"/>
@@ -115,6 +116,3287 @@
 </p:presentation>
 </file>
 
+<file path=ppt/diagrams/colors1.xml><?xml version="1.0" encoding="utf-8"?>
+<dgm:colorsDef xmlns:dgm="http://schemas.openxmlformats.org/drawingml/2006/diagram" xmlns:a="http://schemas.openxmlformats.org/drawingml/2006/main" uniqueId="urn:microsoft.com/office/officeart/2005/8/colors/accent1_2">
+  <dgm:title val=""/>
+  <dgm:desc val=""/>
+  <dgm:catLst>
+    <dgm:cat type="accent1" pri="11200"/>
+  </dgm:catLst>
+  <dgm:styleLbl name="node0">
+    <dgm:fillClrLst meth="repeat">
+      <a:schemeClr val="accent1"/>
+    </dgm:fillClrLst>
+    <dgm:linClrLst meth="repeat">
+      <a:schemeClr val="lt1"/>
+    </dgm:linClrLst>
+    <dgm:effectClrLst/>
+    <dgm:txLinClrLst/>
+    <dgm:txFillClrLst/>
+    <dgm:txEffectClrLst/>
+  </dgm:styleLbl>
+  <dgm:styleLbl name="alignNode1">
+    <dgm:fillClrLst meth="repeat">
+      <a:schemeClr val="accent1"/>
+    </dgm:fillClrLst>
+    <dgm:linClrLst meth="repeat">
+      <a:schemeClr val="accent1"/>
+    </dgm:linClrLst>
+    <dgm:effectClrLst/>
+    <dgm:txLinClrLst/>
+    <dgm:txFillClrLst/>
+    <dgm:txEffectClrLst/>
+  </dgm:styleLbl>
+  <dgm:styleLbl name="node1">
+    <dgm:fillClrLst meth="repeat">
+      <a:schemeClr val="accent1"/>
+    </dgm:fillClrLst>
+    <dgm:linClrLst meth="repeat">
+      <a:schemeClr val="lt1"/>
+    </dgm:linClrLst>
+    <dgm:effectClrLst/>
+    <dgm:txLinClrLst/>
+    <dgm:txFillClrLst/>
+    <dgm:txEffectClrLst/>
+  </dgm:styleLbl>
+  <dgm:styleLbl name="lnNode1">
+    <dgm:fillClrLst meth="repeat">
+      <a:schemeClr val="accent1"/>
+    </dgm:fillClrLst>
+    <dgm:linClrLst meth="repeat">
+      <a:schemeClr val="lt1"/>
+    </dgm:linClrLst>
+    <dgm:effectClrLst/>
+    <dgm:txLinClrLst/>
+    <dgm:txFillClrLst/>
+    <dgm:txEffectClrLst/>
+  </dgm:styleLbl>
+  <dgm:styleLbl name="vennNode1">
+    <dgm:fillClrLst meth="repeat">
+      <a:schemeClr val="accent1">
+        <a:alpha val="50000"/>
+      </a:schemeClr>
+    </dgm:fillClrLst>
+    <dgm:linClrLst meth="repeat">
+      <a:schemeClr val="lt1"/>
+    </dgm:linClrLst>
+    <dgm:effectClrLst/>
+    <dgm:txLinClrLst/>
+    <dgm:txFillClrLst/>
+    <dgm:txEffectClrLst/>
+  </dgm:styleLbl>
+  <dgm:styleLbl name="node2">
+    <dgm:fillClrLst meth="repeat">
+      <a:schemeClr val="accent1"/>
+    </dgm:fillClrLst>
+    <dgm:linClrLst meth="repeat">
+      <a:schemeClr val="lt1"/>
+    </dgm:linClrLst>
+    <dgm:effectClrLst/>
+    <dgm:txLinClrLst/>
+    <dgm:txFillClrLst/>
+    <dgm:txEffectClrLst/>
+  </dgm:styleLbl>
+  <dgm:styleLbl name="node3">
+    <dgm:fillClrLst meth="repeat">
+      <a:schemeClr val="accent1"/>
+    </dgm:fillClrLst>
+    <dgm:linClrLst meth="repeat">
+      <a:schemeClr val="lt1"/>
+    </dgm:linClrLst>
+    <dgm:effectClrLst/>
+    <dgm:txLinClrLst/>
+    <dgm:txFillClrLst/>
+    <dgm:txEffectClrLst/>
+  </dgm:styleLbl>
+  <dgm:styleLbl name="node4">
+    <dgm:fillClrLst meth="repeat">
+      <a:schemeClr val="accent1"/>
+    </dgm:fillClrLst>
+    <dgm:linClrLst meth="repeat">
+      <a:schemeClr val="lt1"/>
+    </dgm:linClrLst>
+    <dgm:effectClrLst/>
+    <dgm:txLinClrLst/>
+    <dgm:txFillClrLst/>
+    <dgm:txEffectClrLst/>
+  </dgm:styleLbl>
+  <dgm:styleLbl name="fgImgPlace1">
+    <dgm:fillClrLst meth="repeat">
+      <a:schemeClr val="accent1">
+        <a:tint val="50000"/>
+      </a:schemeClr>
+    </dgm:fillClrLst>
+    <dgm:linClrLst meth="repeat">
+      <a:schemeClr val="lt1"/>
+    </dgm:linClrLst>
+    <dgm:effectClrLst/>
+    <dgm:txLinClrLst/>
+    <dgm:txFillClrLst meth="repeat">
+      <a:schemeClr val="lt1"/>
+    </dgm:txFillClrLst>
+    <dgm:txEffectClrLst/>
+  </dgm:styleLbl>
+  <dgm:styleLbl name="alignImgPlace1">
+    <dgm:fillClrLst meth="repeat">
+      <a:schemeClr val="accent1">
+        <a:tint val="50000"/>
+      </a:schemeClr>
+    </dgm:fillClrLst>
+    <dgm:linClrLst meth="repeat">
+      <a:schemeClr val="lt1"/>
+    </dgm:linClrLst>
+    <dgm:effectClrLst/>
+    <dgm:txLinClrLst/>
+    <dgm:txFillClrLst meth="repeat">
+      <a:schemeClr val="lt1"/>
+    </dgm:txFillClrLst>
+    <dgm:txEffectClrLst/>
+  </dgm:styleLbl>
+  <dgm:styleLbl name="bgImgPlace1">
+    <dgm:fillClrLst meth="repeat">
+      <a:schemeClr val="accent1">
+        <a:tint val="50000"/>
+      </a:schemeClr>
+    </dgm:fillClrLst>
+    <dgm:linClrLst meth="repeat">
+      <a:schemeClr val="lt1"/>
+    </dgm:linClrLst>
+    <dgm:effectClrLst/>
+    <dgm:txLinClrLst/>
+    <dgm:txFillClrLst meth="repeat">
+      <a:schemeClr val="lt1"/>
+    </dgm:txFillClrLst>
+    <dgm:txEffectClrLst/>
+  </dgm:styleLbl>
+  <dgm:styleLbl name="sibTrans2D1">
+    <dgm:fillClrLst meth="repeat">
+      <a:schemeClr val="accent1">
+        <a:tint val="60000"/>
+      </a:schemeClr>
+    </dgm:fillClrLst>
+    <dgm:linClrLst meth="repeat">
+      <a:schemeClr val="accent1">
+        <a:tint val="60000"/>
+      </a:schemeClr>
+    </dgm:linClrLst>
+    <dgm:effectClrLst/>
+    <dgm:txLinClrLst/>
+    <dgm:txFillClrLst/>
+    <dgm:txEffectClrLst/>
+  </dgm:styleLbl>
+  <dgm:styleLbl name="fgSibTrans2D1">
+    <dgm:fillClrLst meth="repeat">
+      <a:schemeClr val="accent1">
+        <a:tint val="60000"/>
+      </a:schemeClr>
+    </dgm:fillClrLst>
+    <dgm:linClrLst meth="repeat">
+      <a:schemeClr val="accent1">
+        <a:tint val="60000"/>
+      </a:schemeClr>
+    </dgm:linClrLst>
+    <dgm:effectClrLst/>
+    <dgm:txLinClrLst/>
+    <dgm:txFillClrLst/>
+    <dgm:txEffectClrLst/>
+  </dgm:styleLbl>
+  <dgm:styleLbl name="bgSibTrans2D1">
+    <dgm:fillClrLst meth="repeat">
+      <a:schemeClr val="accent1">
+        <a:tint val="60000"/>
+      </a:schemeClr>
+    </dgm:fillClrLst>
+    <dgm:linClrLst meth="repeat">
+      <a:schemeClr val="accent1">
+        <a:tint val="60000"/>
+      </a:schemeClr>
+    </dgm:linClrLst>
+    <dgm:effectClrLst/>
+    <dgm:txLinClrLst/>
+    <dgm:txFillClrLst/>
+    <dgm:txEffectClrLst/>
+  </dgm:styleLbl>
+  <dgm:styleLbl name="sibTrans1D1">
+    <dgm:fillClrLst meth="repeat">
+      <a:schemeClr val="accent1"/>
+    </dgm:fillClrLst>
+    <dgm:linClrLst meth="repeat">
+      <a:schemeClr val="accent1"/>
+    </dgm:linClrLst>
+    <dgm:effectClrLst/>
+    <dgm:txLinClrLst/>
+    <dgm:txFillClrLst meth="repeat">
+      <a:schemeClr val="tx1"/>
+    </dgm:txFillClrLst>
+    <dgm:txEffectClrLst/>
+  </dgm:styleLbl>
+  <dgm:styleLbl name="callout">
+    <dgm:fillClrLst meth="repeat">
+      <a:schemeClr val="accent1"/>
+    </dgm:fillClrLst>
+    <dgm:linClrLst meth="repeat">
+      <a:schemeClr val="accent1">
+        <a:tint val="50000"/>
+      </a:schemeClr>
+    </dgm:linClrLst>
+    <dgm:effectClrLst/>
+    <dgm:txLinClrLst/>
+    <dgm:txFillClrLst meth="repeat">
+      <a:schemeClr val="tx1"/>
+    </dgm:txFillClrLst>
+    <dgm:txEffectClrLst/>
+  </dgm:styleLbl>
+  <dgm:styleLbl name="asst0">
+    <dgm:fillClrLst meth="repeat">
+      <a:schemeClr val="accent1"/>
+    </dgm:fillClrLst>
+    <dgm:linClrLst meth="repeat">
+      <a:schemeClr val="lt1"/>
+    </dgm:linClrLst>
+    <dgm:effectClrLst/>
+    <dgm:txLinClrLst/>
+    <dgm:txFillClrLst/>
+    <dgm:txEffectClrLst/>
+  </dgm:styleLbl>
+  <dgm:styleLbl name="asst1">
+    <dgm:fillClrLst meth="repeat">
+      <a:schemeClr val="accent1"/>
+    </dgm:fillClrLst>
+    <dgm:linClrLst meth="repeat">
+      <a:schemeClr val="lt1"/>
+    </dgm:linClrLst>
+    <dgm:effectClrLst/>
+    <dgm:txLinClrLst/>
+    <dgm:txFillClrLst/>
+    <dgm:txEffectClrLst/>
+  </dgm:styleLbl>
+  <dgm:styleLbl name="asst2">
+    <dgm:fillClrLst meth="repeat">
+      <a:schemeClr val="accent1"/>
+    </dgm:fillClrLst>
+    <dgm:linClrLst meth="repeat">
+      <a:schemeClr val="lt1"/>
+    </dgm:linClrLst>
+    <dgm:effectClrLst/>
+    <dgm:txLinClrLst/>
+    <dgm:txFillClrLst/>
+    <dgm:txEffectClrLst/>
+  </dgm:styleLbl>
+  <dgm:styleLbl name="asst3">
+    <dgm:fillClrLst meth="repeat">
+      <a:schemeClr val="accent1"/>
+    </dgm:fillClrLst>
+    <dgm:linClrLst meth="repeat">
+      <a:schemeClr val="lt1"/>
+    </dgm:linClrLst>
+    <dgm:effectClrLst/>
+    <dgm:txLinClrLst/>
+    <dgm:txFillClrLst/>
+    <dgm:txEffectClrLst/>
+  </dgm:styleLbl>
+  <dgm:styleLbl name="asst4">
+    <dgm:fillClrLst meth="repeat">
+      <a:schemeClr val="accent1"/>
+    </dgm:fillClrLst>
+    <dgm:linClrLst meth="repeat">
+      <a:schemeClr val="lt1"/>
+    </dgm:linClrLst>
+    <dgm:effectClrLst/>
+    <dgm:txLinClrLst/>
+    <dgm:txFillClrLst/>
+    <dgm:txEffectClrLst/>
+  </dgm:styleLbl>
+  <dgm:styleLbl name="parChTrans2D1">
+    <dgm:fillClrLst meth="repeat">
+      <a:schemeClr val="accent1">
+        <a:tint val="60000"/>
+      </a:schemeClr>
+    </dgm:fillClrLst>
+    <dgm:linClrLst meth="repeat">
+      <a:schemeClr val="accent1">
+        <a:tint val="60000"/>
+      </a:schemeClr>
+    </dgm:linClrLst>
+    <dgm:effectClrLst/>
+    <dgm:txLinClrLst/>
+    <dgm:txFillClrLst meth="repeat">
+      <a:schemeClr val="lt1"/>
+    </dgm:txFillClrLst>
+    <dgm:txEffectClrLst/>
+  </dgm:styleLbl>
+  <dgm:styleLbl name="parChTrans2D2">
+    <dgm:fillClrLst meth="repeat">
+      <a:schemeClr val="accent1"/>
+    </dgm:fillClrLst>
+    <dgm:linClrLst meth="repeat">
+      <a:schemeClr val="accent1"/>
+    </dgm:linClrLst>
+    <dgm:effectClrLst/>
+    <dgm:txLinClrLst/>
+    <dgm:txFillClrLst meth="repeat">
+      <a:schemeClr val="lt1"/>
+    </dgm:txFillClrLst>
+    <dgm:txEffectClrLst/>
+  </dgm:styleLbl>
+  <dgm:styleLbl name="parChTrans2D3">
+    <dgm:fillClrLst meth="repeat">
+      <a:schemeClr val="accent1"/>
+    </dgm:fillClrLst>
+    <dgm:linClrLst meth="repeat">
+      <a:schemeClr val="accent1"/>
+    </dgm:linClrLst>
+    <dgm:effectClrLst/>
+    <dgm:txLinClrLst/>
+    <dgm:txFillClrLst meth="repeat">
+      <a:schemeClr val="lt1"/>
+    </dgm:txFillClrLst>
+    <dgm:txEffectClrLst/>
+  </dgm:styleLbl>
+  <dgm:styleLbl name="parChTrans2D4">
+    <dgm:fillClrLst meth="repeat">
+      <a:schemeClr val="accent1"/>
+    </dgm:fillClrLst>
+    <dgm:linClrLst meth="repeat">
+      <a:schemeClr val="accent1"/>
+    </dgm:linClrLst>
+    <dgm:effectClrLst/>
+    <dgm:txLinClrLst/>
+    <dgm:txFillClrLst meth="repeat">
+      <a:schemeClr val="lt1"/>
+    </dgm:txFillClrLst>
+    <dgm:txEffectClrLst/>
+  </dgm:styleLbl>
+  <dgm:styleLbl name="parChTrans1D1">
+    <dgm:fillClrLst meth="repeat">
+      <a:schemeClr val="accent1"/>
+    </dgm:fillClrLst>
+    <dgm:linClrLst meth="repeat">
+      <a:schemeClr val="accent1">
+        <a:shade val="60000"/>
+      </a:schemeClr>
+    </dgm:linClrLst>
+    <dgm:effectClrLst/>
+    <dgm:txLinClrLst/>
+    <dgm:txFillClrLst meth="repeat">
+      <a:schemeClr val="tx1"/>
+    </dgm:txFillClrLst>
+    <dgm:txEffectClrLst/>
+  </dgm:styleLbl>
+  <dgm:styleLbl name="parChTrans1D2">
+    <dgm:fillClrLst meth="repeat">
+      <a:schemeClr val="accent1"/>
+    </dgm:fillClrLst>
+    <dgm:linClrLst meth="repeat">
+      <a:schemeClr val="accent1">
+        <a:shade val="60000"/>
+      </a:schemeClr>
+    </dgm:linClrLst>
+    <dgm:effectClrLst/>
+    <dgm:txLinClrLst/>
+    <dgm:txFillClrLst meth="repeat">
+      <a:schemeClr val="tx1"/>
+    </dgm:txFillClrLst>
+    <dgm:txEffectClrLst/>
+  </dgm:styleLbl>
+  <dgm:styleLbl name="parChTrans1D3">
+    <dgm:fillClrLst meth="repeat">
+      <a:schemeClr val="accent1"/>
+    </dgm:fillClrLst>
+    <dgm:linClrLst meth="repeat">
+      <a:schemeClr val="accent1">
+        <a:shade val="80000"/>
+      </a:schemeClr>
+    </dgm:linClrLst>
+    <dgm:effectClrLst/>
+    <dgm:txLinClrLst/>
+    <dgm:txFillClrLst meth="repeat">
+      <a:schemeClr val="tx1"/>
+    </dgm:txFillClrLst>
+    <dgm:txEffectClrLst/>
+  </dgm:styleLbl>
+  <dgm:styleLbl name="parChTrans1D4">
+    <dgm:fillClrLst meth="repeat">
+      <a:schemeClr val="accent1"/>
+    </dgm:fillClrLst>
+    <dgm:linClrLst meth="repeat">
+      <a:schemeClr val="accent1">
+        <a:shade val="80000"/>
+      </a:schemeClr>
+    </dgm:linClrLst>
+    <dgm:effectClrLst/>
+    <dgm:txLinClrLst/>
+    <dgm:txFillClrLst meth="repeat">
+      <a:schemeClr val="tx1"/>
+    </dgm:txFillClrLst>
+    <dgm:txEffectClrLst/>
+  </dgm:styleLbl>
+  <dgm:styleLbl name="fgAcc1">
+    <dgm:fillClrLst meth="repeat">
+      <a:schemeClr val="lt1">
+        <a:alpha val="90000"/>
+      </a:schemeClr>
+    </dgm:fillClrLst>
+    <dgm:linClrLst meth="repeat">
+      <a:schemeClr val="accent1"/>
+    </dgm:linClrLst>
+    <dgm:effectClrLst/>
+    <dgm:txLinClrLst/>
+    <dgm:txFillClrLst meth="repeat">
+      <a:schemeClr val="dk1"/>
+    </dgm:txFillClrLst>
+    <dgm:txEffectClrLst/>
+  </dgm:styleLbl>
+  <dgm:styleLbl name="conFgAcc1">
+    <dgm:fillClrLst meth="repeat">
+      <a:schemeClr val="lt1">
+        <a:alpha val="90000"/>
+      </a:schemeClr>
+    </dgm:fillClrLst>
+    <dgm:linClrLst meth="repeat">
+      <a:schemeClr val="accent1"/>
+    </dgm:linClrLst>
+    <dgm:effectClrLst/>
+    <dgm:txLinClrLst/>
+    <dgm:txFillClrLst meth="repeat">
+      <a:schemeClr val="dk1"/>
+    </dgm:txFillClrLst>
+    <dgm:txEffectClrLst/>
+  </dgm:styleLbl>
+  <dgm:styleLbl name="alignAcc1">
+    <dgm:fillClrLst meth="repeat">
+      <a:schemeClr val="lt1">
+        <a:alpha val="90000"/>
+      </a:schemeClr>
+    </dgm:fillClrLst>
+    <dgm:linClrLst meth="repeat">
+      <a:schemeClr val="accent1"/>
+    </dgm:linClrLst>
+    <dgm:effectClrLst/>
+    <dgm:txLinClrLst/>
+    <dgm:txFillClrLst meth="repeat">
+      <a:schemeClr val="dk1"/>
+    </dgm:txFillClrLst>
+    <dgm:txEffectClrLst/>
+  </dgm:styleLbl>
+  <dgm:styleLbl name="trAlignAcc1">
+    <dgm:fillClrLst meth="repeat">
+      <a:schemeClr val="lt1">
+        <a:alpha val="40000"/>
+      </a:schemeClr>
+    </dgm:fillClrLst>
+    <dgm:linClrLst meth="repeat">
+      <a:schemeClr val="accent1"/>
+    </dgm:linClrLst>
+    <dgm:effectClrLst/>
+    <dgm:txLinClrLst/>
+    <dgm:txFillClrLst meth="repeat">
+      <a:schemeClr val="dk1"/>
+    </dgm:txFillClrLst>
+    <dgm:txEffectClrLst/>
+  </dgm:styleLbl>
+  <dgm:styleLbl name="bgAcc1">
+    <dgm:fillClrLst meth="repeat">
+      <a:schemeClr val="lt1">
+        <a:alpha val="90000"/>
+      </a:schemeClr>
+    </dgm:fillClrLst>
+    <dgm:linClrLst meth="repeat">
+      <a:schemeClr val="accent1"/>
+    </dgm:linClrLst>
+    <dgm:effectClrLst/>
+    <dgm:txLinClrLst/>
+    <dgm:txFillClrLst meth="repeat">
+      <a:schemeClr val="dk1"/>
+    </dgm:txFillClrLst>
+    <dgm:txEffectClrLst/>
+  </dgm:styleLbl>
+  <dgm:styleLbl name="solidFgAcc1">
+    <dgm:fillClrLst meth="repeat">
+      <a:schemeClr val="lt1"/>
+    </dgm:fillClrLst>
+    <dgm:linClrLst meth="repeat">
+      <a:schemeClr val="accent1"/>
+    </dgm:linClrLst>
+    <dgm:effectClrLst/>
+    <dgm:txLinClrLst/>
+    <dgm:txFillClrLst meth="repeat">
+      <a:schemeClr val="dk1"/>
+    </dgm:txFillClrLst>
+    <dgm:txEffectClrLst/>
+  </dgm:styleLbl>
+  <dgm:styleLbl name="solidAlignAcc1">
+    <dgm:fillClrLst meth="repeat">
+      <a:schemeClr val="lt1"/>
+    </dgm:fillClrLst>
+    <dgm:linClrLst meth="repeat">
+      <a:schemeClr val="accent1"/>
+    </dgm:linClrLst>
+    <dgm:effectClrLst/>
+    <dgm:txLinClrLst/>
+    <dgm:txFillClrLst meth="repeat">
+      <a:schemeClr val="dk1"/>
+    </dgm:txFillClrLst>
+    <dgm:txEffectClrLst/>
+  </dgm:styleLbl>
+  <dgm:styleLbl name="solidBgAcc1">
+    <dgm:fillClrLst meth="repeat">
+      <a:schemeClr val="lt1"/>
+    </dgm:fillClrLst>
+    <dgm:linClrLst meth="repeat">
+      <a:schemeClr val="accent1"/>
+    </dgm:linClrLst>
+    <dgm:effectClrLst/>
+    <dgm:txLinClrLst/>
+    <dgm:txFillClrLst meth="repeat">
+      <a:schemeClr val="dk1"/>
+    </dgm:txFillClrLst>
+    <dgm:txEffectClrLst/>
+  </dgm:styleLbl>
+  <dgm:styleLbl name="fgAccFollowNode1">
+    <dgm:fillClrLst meth="repeat">
+      <a:schemeClr val="accent1">
+        <a:alpha val="90000"/>
+        <a:tint val="40000"/>
+      </a:schemeClr>
+    </dgm:fillClrLst>
+    <dgm:linClrLst meth="repeat">
+      <a:schemeClr val="accent1">
+        <a:alpha val="90000"/>
+        <a:tint val="40000"/>
+      </a:schemeClr>
+    </dgm:linClrLst>
+    <dgm:effectClrLst/>
+    <dgm:txLinClrLst/>
+    <dgm:txFillClrLst meth="repeat">
+      <a:schemeClr val="dk1"/>
+    </dgm:txFillClrLst>
+    <dgm:txEffectClrLst/>
+  </dgm:styleLbl>
+  <dgm:styleLbl name="alignAccFollowNode1">
+    <dgm:fillClrLst meth="repeat">
+      <a:schemeClr val="accent1">
+        <a:alpha val="90000"/>
+        <a:tint val="40000"/>
+      </a:schemeClr>
+    </dgm:fillClrLst>
+    <dgm:linClrLst meth="repeat">
+      <a:schemeClr val="accent1">
+        <a:alpha val="90000"/>
+        <a:tint val="40000"/>
+      </a:schemeClr>
+    </dgm:linClrLst>
+    <dgm:effectClrLst/>
+    <dgm:txLinClrLst/>
+    <dgm:txFillClrLst meth="repeat">
+      <a:schemeClr val="dk1"/>
+    </dgm:txFillClrLst>
+    <dgm:txEffectClrLst/>
+  </dgm:styleLbl>
+  <dgm:styleLbl name="bgAccFollowNode1">
+    <dgm:fillClrLst meth="repeat">
+      <a:schemeClr val="accent1">
+        <a:alpha val="90000"/>
+        <a:tint val="40000"/>
+      </a:schemeClr>
+    </dgm:fillClrLst>
+    <dgm:linClrLst meth="repeat">
+      <a:schemeClr val="accent1">
+        <a:alpha val="90000"/>
+        <a:tint val="40000"/>
+      </a:schemeClr>
+    </dgm:linClrLst>
+    <dgm:effectClrLst/>
+    <dgm:txLinClrLst/>
+    <dgm:txFillClrLst meth="repeat">
+      <a:schemeClr val="dk1"/>
+    </dgm:txFillClrLst>
+    <dgm:txEffectClrLst/>
+  </dgm:styleLbl>
+  <dgm:styleLbl name="fgAcc0">
+    <dgm:fillClrLst meth="repeat">
+      <a:schemeClr val="lt1">
+        <a:alpha val="90000"/>
+      </a:schemeClr>
+    </dgm:fillClrLst>
+    <dgm:linClrLst meth="repeat">
+      <a:schemeClr val="accent1"/>
+    </dgm:linClrLst>
+    <dgm:effectClrLst/>
+    <dgm:txLinClrLst/>
+    <dgm:txFillClrLst meth="repeat">
+      <a:schemeClr val="dk1"/>
+    </dgm:txFillClrLst>
+    <dgm:txEffectClrLst/>
+  </dgm:styleLbl>
+  <dgm:styleLbl name="fgAcc2">
+    <dgm:fillClrLst meth="repeat">
+      <a:schemeClr val="lt1">
+        <a:alpha val="90000"/>
+      </a:schemeClr>
+    </dgm:fillClrLst>
+    <dgm:linClrLst meth="repeat">
+      <a:schemeClr val="accent1"/>
+    </dgm:linClrLst>
+    <dgm:effectClrLst/>
+    <dgm:txLinClrLst/>
+    <dgm:txFillClrLst meth="repeat">
+      <a:schemeClr val="dk1"/>
+    </dgm:txFillClrLst>
+    <dgm:txEffectClrLst/>
+  </dgm:styleLbl>
+  <dgm:styleLbl name="fgAcc3">
+    <dgm:fillClrLst meth="repeat">
+      <a:schemeClr val="lt1">
+        <a:alpha val="90000"/>
+      </a:schemeClr>
+    </dgm:fillClrLst>
+    <dgm:linClrLst meth="repeat">
+      <a:schemeClr val="accent1"/>
+    </dgm:linClrLst>
+    <dgm:effectClrLst/>
+    <dgm:txLinClrLst/>
+    <dgm:txFillClrLst meth="repeat">
+      <a:schemeClr val="dk1"/>
+    </dgm:txFillClrLst>
+    <dgm:txEffectClrLst/>
+  </dgm:styleLbl>
+  <dgm:styleLbl name="fgAcc4">
+    <dgm:fillClrLst meth="repeat">
+      <a:schemeClr val="lt1">
+        <a:alpha val="90000"/>
+      </a:schemeClr>
+    </dgm:fillClrLst>
+    <dgm:linClrLst meth="repeat">
+      <a:schemeClr val="accent1"/>
+    </dgm:linClrLst>
+    <dgm:effectClrLst/>
+    <dgm:txLinClrLst/>
+    <dgm:txFillClrLst meth="repeat">
+      <a:schemeClr val="dk1"/>
+    </dgm:txFillClrLst>
+    <dgm:txEffectClrLst/>
+  </dgm:styleLbl>
+  <dgm:styleLbl name="bgShp">
+    <dgm:fillClrLst meth="repeat">
+      <a:schemeClr val="accent1">
+        <a:tint val="40000"/>
+      </a:schemeClr>
+    </dgm:fillClrLst>
+    <dgm:linClrLst meth="repeat">
+      <a:schemeClr val="accent1"/>
+    </dgm:linClrLst>
+    <dgm:effectClrLst/>
+    <dgm:txLinClrLst/>
+    <dgm:txFillClrLst meth="repeat">
+      <a:schemeClr val="dk1"/>
+    </dgm:txFillClrLst>
+    <dgm:txEffectClrLst/>
+  </dgm:styleLbl>
+  <dgm:styleLbl name="dkBgShp">
+    <dgm:fillClrLst meth="repeat">
+      <a:schemeClr val="accent1">
+        <a:shade val="80000"/>
+      </a:schemeClr>
+    </dgm:fillClrLst>
+    <dgm:linClrLst meth="repeat">
+      <a:schemeClr val="accent1"/>
+    </dgm:linClrLst>
+    <dgm:effectClrLst/>
+    <dgm:txLinClrLst/>
+    <dgm:txFillClrLst meth="repeat">
+      <a:schemeClr val="lt1"/>
+    </dgm:txFillClrLst>
+    <dgm:txEffectClrLst/>
+  </dgm:styleLbl>
+  <dgm:styleLbl name="trBgShp">
+    <dgm:fillClrLst meth="repeat">
+      <a:schemeClr val="accent1">
+        <a:tint val="50000"/>
+        <a:alpha val="40000"/>
+      </a:schemeClr>
+    </dgm:fillClrLst>
+    <dgm:linClrLst meth="repeat">
+      <a:schemeClr val="accent1"/>
+    </dgm:linClrLst>
+    <dgm:effectClrLst/>
+    <dgm:txLinClrLst/>
+    <dgm:txFillClrLst meth="repeat">
+      <a:schemeClr val="lt1"/>
+    </dgm:txFillClrLst>
+    <dgm:txEffectClrLst/>
+  </dgm:styleLbl>
+  <dgm:styleLbl name="fgShp">
+    <dgm:fillClrLst meth="repeat">
+      <a:schemeClr val="accent1">
+        <a:tint val="60000"/>
+      </a:schemeClr>
+    </dgm:fillClrLst>
+    <dgm:linClrLst meth="repeat">
+      <a:schemeClr val="lt1"/>
+    </dgm:linClrLst>
+    <dgm:effectClrLst/>
+    <dgm:txLinClrLst/>
+    <dgm:txFillClrLst meth="repeat">
+      <a:schemeClr val="dk1"/>
+    </dgm:txFillClrLst>
+    <dgm:txEffectClrLst/>
+  </dgm:styleLbl>
+  <dgm:styleLbl name="revTx">
+    <dgm:fillClrLst meth="repeat">
+      <a:schemeClr val="lt1">
+        <a:alpha val="0"/>
+      </a:schemeClr>
+    </dgm:fillClrLst>
+    <dgm:linClrLst meth="repeat">
+      <a:schemeClr val="dk1">
+        <a:alpha val="0"/>
+      </a:schemeClr>
+    </dgm:linClrLst>
+    <dgm:effectClrLst/>
+    <dgm:txLinClrLst/>
+    <dgm:txFillClrLst meth="repeat">
+      <a:schemeClr val="tx1"/>
+    </dgm:txFillClrLst>
+    <dgm:txEffectClrLst/>
+  </dgm:styleLbl>
+</dgm:colorsDef>
+</file>
+
+<file path=ppt/diagrams/data1.xml><?xml version="1.0" encoding="utf-8"?>
+<dgm:dataModel xmlns:dgm="http://schemas.openxmlformats.org/drawingml/2006/diagram" xmlns:a="http://schemas.openxmlformats.org/drawingml/2006/main">
+  <dgm:ptLst>
+    <dgm:pt modelId="{91B38BA8-758F-4873-9B3A-55AF8E59746C}" type="doc">
+      <dgm:prSet loTypeId="urn:microsoft.com/office/officeart/2005/8/layout/cycle2" loCatId="cycle" qsTypeId="urn:microsoft.com/office/officeart/2005/8/quickstyle/simple1" qsCatId="simple" csTypeId="urn:microsoft.com/office/officeart/2005/8/colors/accent1_2" csCatId="accent1" phldr="1"/>
+      <dgm:spPr/>
+      <dgm:t>
+        <a:bodyPr/>
+        <a:lstStyle/>
+        <a:p>
+          <a:endParaRPr lang="en-US"/>
+        </a:p>
+      </dgm:t>
+    </dgm:pt>
+    <dgm:pt modelId="{7E1670F1-8BFE-4DAA-9C6B-65E14A02FED0}">
+      <dgm:prSet phldrT="[Text]">
+        <dgm:style>
+          <a:lnRef idx="2">
+            <a:schemeClr val="dk1"/>
+          </a:lnRef>
+          <a:fillRef idx="1">
+            <a:schemeClr val="lt1"/>
+          </a:fillRef>
+          <a:effectRef idx="0">
+            <a:schemeClr val="dk1"/>
+          </a:effectRef>
+          <a:fontRef idx="minor">
+            <a:schemeClr val="dk1"/>
+          </a:fontRef>
+        </dgm:style>
+      </dgm:prSet>
+      <dgm:spPr/>
+      <dgm:t>
+        <a:bodyPr/>
+        <a:lstStyle/>
+        <a:p>
+          <a:r>
+            <a:rPr lang="en-US" dirty="0"/>
+            <a:t>Add Test</a:t>
+          </a:r>
+        </a:p>
+      </dgm:t>
+    </dgm:pt>
+    <dgm:pt modelId="{C766B83D-BB40-44A5-825E-9B43DBFFA882}" type="parTrans" cxnId="{56DF8DBB-F24C-4DDF-9F06-6D62511705D9}">
+      <dgm:prSet/>
+      <dgm:spPr/>
+      <dgm:t>
+        <a:bodyPr/>
+        <a:lstStyle/>
+        <a:p>
+          <a:endParaRPr lang="en-US"/>
+        </a:p>
+      </dgm:t>
+    </dgm:pt>
+    <dgm:pt modelId="{E8B549B8-001A-4DEF-8F77-E29998288F75}" type="sibTrans" cxnId="{56DF8DBB-F24C-4DDF-9F06-6D62511705D9}">
+      <dgm:prSet>
+        <dgm:style>
+          <a:lnRef idx="1">
+            <a:schemeClr val="accent3"/>
+          </a:lnRef>
+          <a:fillRef idx="3">
+            <a:schemeClr val="accent3"/>
+          </a:fillRef>
+          <a:effectRef idx="2">
+            <a:schemeClr val="accent3"/>
+          </a:effectRef>
+          <a:fontRef idx="minor">
+            <a:schemeClr val="lt1"/>
+          </a:fontRef>
+        </dgm:style>
+      </dgm:prSet>
+      <dgm:spPr/>
+      <dgm:t>
+        <a:bodyPr/>
+        <a:lstStyle/>
+        <a:p>
+          <a:endParaRPr lang="en-US"/>
+        </a:p>
+      </dgm:t>
+    </dgm:pt>
+    <dgm:pt modelId="{3D139306-A689-455C-99C0-ECFD487D1CA7}">
+      <dgm:prSet phldrT="[Text]">
+        <dgm:style>
+          <a:lnRef idx="2">
+            <a:schemeClr val="dk1"/>
+          </a:lnRef>
+          <a:fillRef idx="1">
+            <a:schemeClr val="lt1"/>
+          </a:fillRef>
+          <a:effectRef idx="0">
+            <a:schemeClr val="dk1"/>
+          </a:effectRef>
+          <a:fontRef idx="minor">
+            <a:schemeClr val="dk1"/>
+          </a:fontRef>
+        </dgm:style>
+      </dgm:prSet>
+      <dgm:spPr/>
+      <dgm:t>
+        <a:bodyPr/>
+        <a:lstStyle/>
+        <a:p>
+          <a:r>
+            <a:rPr lang="en-US" dirty="0"/>
+            <a:t>Watch Test Fail</a:t>
+          </a:r>
+        </a:p>
+      </dgm:t>
+    </dgm:pt>
+    <dgm:pt modelId="{72A971AB-EF36-43F5-BC0E-59523B114B0E}" type="parTrans" cxnId="{A259452B-F054-4007-8D9A-E4362ED4FFA0}">
+      <dgm:prSet/>
+      <dgm:spPr/>
+      <dgm:t>
+        <a:bodyPr/>
+        <a:lstStyle/>
+        <a:p>
+          <a:endParaRPr lang="en-US"/>
+        </a:p>
+      </dgm:t>
+    </dgm:pt>
+    <dgm:pt modelId="{FEDD8CB3-9463-4605-BDE0-920CBA7B2E0D}" type="sibTrans" cxnId="{A259452B-F054-4007-8D9A-E4362ED4FFA0}">
+      <dgm:prSet>
+        <dgm:style>
+          <a:lnRef idx="1">
+            <a:schemeClr val="accent3"/>
+          </a:lnRef>
+          <a:fillRef idx="3">
+            <a:schemeClr val="accent3"/>
+          </a:fillRef>
+          <a:effectRef idx="2">
+            <a:schemeClr val="accent3"/>
+          </a:effectRef>
+          <a:fontRef idx="minor">
+            <a:schemeClr val="lt1"/>
+          </a:fontRef>
+        </dgm:style>
+      </dgm:prSet>
+      <dgm:spPr/>
+      <dgm:t>
+        <a:bodyPr/>
+        <a:lstStyle/>
+        <a:p>
+          <a:endParaRPr lang="en-US"/>
+        </a:p>
+      </dgm:t>
+    </dgm:pt>
+    <dgm:pt modelId="{9D140E3D-8E40-4283-BEDF-DD32733A130E}">
+      <dgm:prSet phldrT="[Text]">
+        <dgm:style>
+          <a:lnRef idx="2">
+            <a:schemeClr val="dk1"/>
+          </a:lnRef>
+          <a:fillRef idx="1">
+            <a:schemeClr val="lt1"/>
+          </a:fillRef>
+          <a:effectRef idx="0">
+            <a:schemeClr val="dk1"/>
+          </a:effectRef>
+          <a:fontRef idx="minor">
+            <a:schemeClr val="dk1"/>
+          </a:fontRef>
+        </dgm:style>
+      </dgm:prSet>
+      <dgm:spPr/>
+      <dgm:t>
+        <a:bodyPr/>
+        <a:lstStyle/>
+        <a:p>
+          <a:r>
+            <a:rPr lang="en-US" dirty="0"/>
+            <a:t>Write Code</a:t>
+          </a:r>
+        </a:p>
+      </dgm:t>
+    </dgm:pt>
+    <dgm:pt modelId="{ADFCC03F-AB57-4DAE-AE39-2D98239467F9}" type="parTrans" cxnId="{5DC2CD08-F50A-4979-80FC-F92810B5A148}">
+      <dgm:prSet/>
+      <dgm:spPr/>
+      <dgm:t>
+        <a:bodyPr/>
+        <a:lstStyle/>
+        <a:p>
+          <a:endParaRPr lang="en-US"/>
+        </a:p>
+      </dgm:t>
+    </dgm:pt>
+    <dgm:pt modelId="{2B0C0652-C1DF-4266-AAD5-F9D6EBEAF1BE}" type="sibTrans" cxnId="{5DC2CD08-F50A-4979-80FC-F92810B5A148}">
+      <dgm:prSet>
+        <dgm:style>
+          <a:lnRef idx="1">
+            <a:schemeClr val="accent3"/>
+          </a:lnRef>
+          <a:fillRef idx="3">
+            <a:schemeClr val="accent3"/>
+          </a:fillRef>
+          <a:effectRef idx="2">
+            <a:schemeClr val="accent3"/>
+          </a:effectRef>
+          <a:fontRef idx="minor">
+            <a:schemeClr val="lt1"/>
+          </a:fontRef>
+        </dgm:style>
+      </dgm:prSet>
+      <dgm:spPr/>
+      <dgm:t>
+        <a:bodyPr/>
+        <a:lstStyle/>
+        <a:p>
+          <a:endParaRPr lang="en-US"/>
+        </a:p>
+      </dgm:t>
+    </dgm:pt>
+    <dgm:pt modelId="{80C6D896-809F-4BF4-9B9E-C61ACA077256}">
+      <dgm:prSet phldrT="[Text]">
+        <dgm:style>
+          <a:lnRef idx="2">
+            <a:schemeClr val="dk1"/>
+          </a:lnRef>
+          <a:fillRef idx="1">
+            <a:schemeClr val="lt1"/>
+          </a:fillRef>
+          <a:effectRef idx="0">
+            <a:schemeClr val="dk1"/>
+          </a:effectRef>
+          <a:fontRef idx="minor">
+            <a:schemeClr val="dk1"/>
+          </a:fontRef>
+        </dgm:style>
+      </dgm:prSet>
+      <dgm:spPr/>
+      <dgm:t>
+        <a:bodyPr/>
+        <a:lstStyle/>
+        <a:p>
+          <a:r>
+            <a:rPr lang="en-US" dirty="0"/>
+            <a:t>Run Test</a:t>
+          </a:r>
+        </a:p>
+      </dgm:t>
+    </dgm:pt>
+    <dgm:pt modelId="{DFB72E10-886D-4C2B-B25C-A203210126FE}" type="parTrans" cxnId="{DCFD7DB5-F2CA-4106-95F1-399BAE83E356}">
+      <dgm:prSet/>
+      <dgm:spPr/>
+      <dgm:t>
+        <a:bodyPr/>
+        <a:lstStyle/>
+        <a:p>
+          <a:endParaRPr lang="en-US"/>
+        </a:p>
+      </dgm:t>
+    </dgm:pt>
+    <dgm:pt modelId="{1132572C-BD41-4C6A-89E1-B7B12FBCDDE6}" type="sibTrans" cxnId="{DCFD7DB5-F2CA-4106-95F1-399BAE83E356}">
+      <dgm:prSet>
+        <dgm:style>
+          <a:lnRef idx="1">
+            <a:schemeClr val="accent3"/>
+          </a:lnRef>
+          <a:fillRef idx="3">
+            <a:schemeClr val="accent3"/>
+          </a:fillRef>
+          <a:effectRef idx="2">
+            <a:schemeClr val="accent3"/>
+          </a:effectRef>
+          <a:fontRef idx="minor">
+            <a:schemeClr val="lt1"/>
+          </a:fontRef>
+        </dgm:style>
+      </dgm:prSet>
+      <dgm:spPr/>
+      <dgm:t>
+        <a:bodyPr/>
+        <a:lstStyle/>
+        <a:p>
+          <a:endParaRPr lang="en-US"/>
+        </a:p>
+      </dgm:t>
+    </dgm:pt>
+    <dgm:pt modelId="{5E6890D0-A418-41FF-BC69-B9415B083E49}">
+      <dgm:prSet phldrT="[Text]">
+        <dgm:style>
+          <a:lnRef idx="2">
+            <a:schemeClr val="dk1"/>
+          </a:lnRef>
+          <a:fillRef idx="1">
+            <a:schemeClr val="lt1"/>
+          </a:fillRef>
+          <a:effectRef idx="0">
+            <a:schemeClr val="dk1"/>
+          </a:effectRef>
+          <a:fontRef idx="minor">
+            <a:schemeClr val="dk1"/>
+          </a:fontRef>
+        </dgm:style>
+      </dgm:prSet>
+      <dgm:spPr/>
+      <dgm:t>
+        <a:bodyPr/>
+        <a:lstStyle/>
+        <a:p>
+          <a:r>
+            <a:rPr lang="en-US" dirty="0"/>
+            <a:t>Refactor</a:t>
+          </a:r>
+        </a:p>
+      </dgm:t>
+    </dgm:pt>
+    <dgm:pt modelId="{1736E937-2966-4C46-B445-702DECA16FC4}" type="parTrans" cxnId="{3EB418EA-8E6A-4049-9B7D-D57018A665F1}">
+      <dgm:prSet/>
+      <dgm:spPr/>
+      <dgm:t>
+        <a:bodyPr/>
+        <a:lstStyle/>
+        <a:p>
+          <a:endParaRPr lang="en-US"/>
+        </a:p>
+      </dgm:t>
+    </dgm:pt>
+    <dgm:pt modelId="{E136A3ED-C712-4950-927A-E8B366E46980}" type="sibTrans" cxnId="{3EB418EA-8E6A-4049-9B7D-D57018A665F1}">
+      <dgm:prSet>
+        <dgm:style>
+          <a:lnRef idx="1">
+            <a:schemeClr val="accent3"/>
+          </a:lnRef>
+          <a:fillRef idx="3">
+            <a:schemeClr val="accent3"/>
+          </a:fillRef>
+          <a:effectRef idx="2">
+            <a:schemeClr val="accent3"/>
+          </a:effectRef>
+          <a:fontRef idx="minor">
+            <a:schemeClr val="lt1"/>
+          </a:fontRef>
+        </dgm:style>
+      </dgm:prSet>
+      <dgm:spPr/>
+      <dgm:t>
+        <a:bodyPr/>
+        <a:lstStyle/>
+        <a:p>
+          <a:endParaRPr lang="en-US"/>
+        </a:p>
+      </dgm:t>
+    </dgm:pt>
+    <dgm:pt modelId="{EC38AD3B-B115-4F20-BA9F-0A9D1C8ECAE1}" type="pres">
+      <dgm:prSet presAssocID="{91B38BA8-758F-4873-9B3A-55AF8E59746C}" presName="cycle" presStyleCnt="0">
+        <dgm:presLayoutVars>
+          <dgm:dir/>
+          <dgm:resizeHandles val="exact"/>
+        </dgm:presLayoutVars>
+      </dgm:prSet>
+      <dgm:spPr/>
+    </dgm:pt>
+    <dgm:pt modelId="{98615023-9E87-41B4-9AA0-5B6F77765390}" type="pres">
+      <dgm:prSet presAssocID="{7E1670F1-8BFE-4DAA-9C6B-65E14A02FED0}" presName="node" presStyleLbl="node1" presStyleIdx="0" presStyleCnt="5">
+        <dgm:presLayoutVars>
+          <dgm:bulletEnabled val="1"/>
+        </dgm:presLayoutVars>
+      </dgm:prSet>
+      <dgm:spPr/>
+    </dgm:pt>
+    <dgm:pt modelId="{EA466058-8D39-4336-AC51-540A09AF009B}" type="pres">
+      <dgm:prSet presAssocID="{E8B549B8-001A-4DEF-8F77-E29998288F75}" presName="sibTrans" presStyleLbl="sibTrans2D1" presStyleIdx="0" presStyleCnt="5"/>
+      <dgm:spPr/>
+    </dgm:pt>
+    <dgm:pt modelId="{8C209927-D3F2-4BA9-BA65-1DC8967D2208}" type="pres">
+      <dgm:prSet presAssocID="{E8B549B8-001A-4DEF-8F77-E29998288F75}" presName="connectorText" presStyleLbl="sibTrans2D1" presStyleIdx="0" presStyleCnt="5"/>
+      <dgm:spPr/>
+    </dgm:pt>
+    <dgm:pt modelId="{58A641EB-FC0B-4B06-BF82-FB1FB9C7B69A}" type="pres">
+      <dgm:prSet presAssocID="{3D139306-A689-455C-99C0-ECFD487D1CA7}" presName="node" presStyleLbl="node1" presStyleIdx="1" presStyleCnt="5">
+        <dgm:presLayoutVars>
+          <dgm:bulletEnabled val="1"/>
+        </dgm:presLayoutVars>
+      </dgm:prSet>
+      <dgm:spPr/>
+    </dgm:pt>
+    <dgm:pt modelId="{B629D6D6-8799-4005-BDF0-B1876F67CE4E}" type="pres">
+      <dgm:prSet presAssocID="{FEDD8CB3-9463-4605-BDE0-920CBA7B2E0D}" presName="sibTrans" presStyleLbl="sibTrans2D1" presStyleIdx="1" presStyleCnt="5"/>
+      <dgm:spPr/>
+    </dgm:pt>
+    <dgm:pt modelId="{5198EE0F-93EA-42C0-9EFB-7E48E5759FA3}" type="pres">
+      <dgm:prSet presAssocID="{FEDD8CB3-9463-4605-BDE0-920CBA7B2E0D}" presName="connectorText" presStyleLbl="sibTrans2D1" presStyleIdx="1" presStyleCnt="5"/>
+      <dgm:spPr/>
+    </dgm:pt>
+    <dgm:pt modelId="{0C3D4525-B135-4459-A0BC-BC92CCA1E6D0}" type="pres">
+      <dgm:prSet presAssocID="{9D140E3D-8E40-4283-BEDF-DD32733A130E}" presName="node" presStyleLbl="node1" presStyleIdx="2" presStyleCnt="5">
+        <dgm:presLayoutVars>
+          <dgm:bulletEnabled val="1"/>
+        </dgm:presLayoutVars>
+      </dgm:prSet>
+      <dgm:spPr/>
+    </dgm:pt>
+    <dgm:pt modelId="{4FA708DF-01EE-404C-986D-9092ABC9BF5B}" type="pres">
+      <dgm:prSet presAssocID="{2B0C0652-C1DF-4266-AAD5-F9D6EBEAF1BE}" presName="sibTrans" presStyleLbl="sibTrans2D1" presStyleIdx="2" presStyleCnt="5"/>
+      <dgm:spPr/>
+    </dgm:pt>
+    <dgm:pt modelId="{9FC681C5-C91D-4EC5-BFF4-840E93352070}" type="pres">
+      <dgm:prSet presAssocID="{2B0C0652-C1DF-4266-AAD5-F9D6EBEAF1BE}" presName="connectorText" presStyleLbl="sibTrans2D1" presStyleIdx="2" presStyleCnt="5"/>
+      <dgm:spPr/>
+    </dgm:pt>
+    <dgm:pt modelId="{1A9CFF5E-3753-44CD-9620-902B6E64BB0C}" type="pres">
+      <dgm:prSet presAssocID="{80C6D896-809F-4BF4-9B9E-C61ACA077256}" presName="node" presStyleLbl="node1" presStyleIdx="3" presStyleCnt="5">
+        <dgm:presLayoutVars>
+          <dgm:bulletEnabled val="1"/>
+        </dgm:presLayoutVars>
+      </dgm:prSet>
+      <dgm:spPr/>
+    </dgm:pt>
+    <dgm:pt modelId="{2934FF17-7C5C-4D4A-94B8-198B677ED49F}" type="pres">
+      <dgm:prSet presAssocID="{1132572C-BD41-4C6A-89E1-B7B12FBCDDE6}" presName="sibTrans" presStyleLbl="sibTrans2D1" presStyleIdx="3" presStyleCnt="5"/>
+      <dgm:spPr/>
+    </dgm:pt>
+    <dgm:pt modelId="{4F3887D0-FAF8-48F6-ADBD-555F55AAEDDF}" type="pres">
+      <dgm:prSet presAssocID="{1132572C-BD41-4C6A-89E1-B7B12FBCDDE6}" presName="connectorText" presStyleLbl="sibTrans2D1" presStyleIdx="3" presStyleCnt="5"/>
+      <dgm:spPr/>
+    </dgm:pt>
+    <dgm:pt modelId="{80D8CAE1-EB86-49BE-A9E1-502A9FAB5B36}" type="pres">
+      <dgm:prSet presAssocID="{5E6890D0-A418-41FF-BC69-B9415B083E49}" presName="node" presStyleLbl="node1" presStyleIdx="4" presStyleCnt="5">
+        <dgm:presLayoutVars>
+          <dgm:bulletEnabled val="1"/>
+        </dgm:presLayoutVars>
+      </dgm:prSet>
+      <dgm:spPr/>
+    </dgm:pt>
+    <dgm:pt modelId="{C834884A-D54B-4073-B5E7-2719F21A79D1}" type="pres">
+      <dgm:prSet presAssocID="{E136A3ED-C712-4950-927A-E8B366E46980}" presName="sibTrans" presStyleLbl="sibTrans2D1" presStyleIdx="4" presStyleCnt="5"/>
+      <dgm:spPr/>
+    </dgm:pt>
+    <dgm:pt modelId="{141DA3CD-F3A2-42BA-8741-155B25FC7106}" type="pres">
+      <dgm:prSet presAssocID="{E136A3ED-C712-4950-927A-E8B366E46980}" presName="connectorText" presStyleLbl="sibTrans2D1" presStyleIdx="4" presStyleCnt="5"/>
+      <dgm:spPr/>
+    </dgm:pt>
+  </dgm:ptLst>
+  <dgm:cxnLst>
+    <dgm:cxn modelId="{5DC2CD08-F50A-4979-80FC-F92810B5A148}" srcId="{91B38BA8-758F-4873-9B3A-55AF8E59746C}" destId="{9D140E3D-8E40-4283-BEDF-DD32733A130E}" srcOrd="2" destOrd="0" parTransId="{ADFCC03F-AB57-4DAE-AE39-2D98239467F9}" sibTransId="{2B0C0652-C1DF-4266-AAD5-F9D6EBEAF1BE}"/>
+    <dgm:cxn modelId="{9CD0311B-9BE7-4063-AA4A-411E1A26D790}" type="presOf" srcId="{E136A3ED-C712-4950-927A-E8B366E46980}" destId="{C834884A-D54B-4073-B5E7-2719F21A79D1}" srcOrd="0" destOrd="0" presId="urn:microsoft.com/office/officeart/2005/8/layout/cycle2"/>
+    <dgm:cxn modelId="{FC04D927-97FD-415B-BFD3-CEAD7F3C90FB}" type="presOf" srcId="{E136A3ED-C712-4950-927A-E8B366E46980}" destId="{141DA3CD-F3A2-42BA-8741-155B25FC7106}" srcOrd="1" destOrd="0" presId="urn:microsoft.com/office/officeart/2005/8/layout/cycle2"/>
+    <dgm:cxn modelId="{A259452B-F054-4007-8D9A-E4362ED4FFA0}" srcId="{91B38BA8-758F-4873-9B3A-55AF8E59746C}" destId="{3D139306-A689-455C-99C0-ECFD487D1CA7}" srcOrd="1" destOrd="0" parTransId="{72A971AB-EF36-43F5-BC0E-59523B114B0E}" sibTransId="{FEDD8CB3-9463-4605-BDE0-920CBA7B2E0D}"/>
+    <dgm:cxn modelId="{0A35565C-5342-4C14-A4A1-0AC2E56F821F}" type="presOf" srcId="{91B38BA8-758F-4873-9B3A-55AF8E59746C}" destId="{EC38AD3B-B115-4F20-BA9F-0A9D1C8ECAE1}" srcOrd="0" destOrd="0" presId="urn:microsoft.com/office/officeart/2005/8/layout/cycle2"/>
+    <dgm:cxn modelId="{9A30FB4E-C5B0-4023-9300-DC838A03971A}" type="presOf" srcId="{2B0C0652-C1DF-4266-AAD5-F9D6EBEAF1BE}" destId="{4FA708DF-01EE-404C-986D-9092ABC9BF5B}" srcOrd="0" destOrd="0" presId="urn:microsoft.com/office/officeart/2005/8/layout/cycle2"/>
+    <dgm:cxn modelId="{20362E84-7D52-4656-8F58-88EC453B9F3D}" type="presOf" srcId="{FEDD8CB3-9463-4605-BDE0-920CBA7B2E0D}" destId="{5198EE0F-93EA-42C0-9EFB-7E48E5759FA3}" srcOrd="1" destOrd="0" presId="urn:microsoft.com/office/officeart/2005/8/layout/cycle2"/>
+    <dgm:cxn modelId="{21E61D92-22C7-4BFF-A5D0-06647AC2720D}" type="presOf" srcId="{2B0C0652-C1DF-4266-AAD5-F9D6EBEAF1BE}" destId="{9FC681C5-C91D-4EC5-BFF4-840E93352070}" srcOrd="1" destOrd="0" presId="urn:microsoft.com/office/officeart/2005/8/layout/cycle2"/>
+    <dgm:cxn modelId="{0E076496-54D9-4186-AFB8-94C5B0C56352}" type="presOf" srcId="{E8B549B8-001A-4DEF-8F77-E29998288F75}" destId="{8C209927-D3F2-4BA9-BA65-1DC8967D2208}" srcOrd="1" destOrd="0" presId="urn:microsoft.com/office/officeart/2005/8/layout/cycle2"/>
+    <dgm:cxn modelId="{DF68BC98-AA35-4952-9047-2EBB1D64A50A}" type="presOf" srcId="{1132572C-BD41-4C6A-89E1-B7B12FBCDDE6}" destId="{4F3887D0-FAF8-48F6-ADBD-555F55AAEDDF}" srcOrd="1" destOrd="0" presId="urn:microsoft.com/office/officeart/2005/8/layout/cycle2"/>
+    <dgm:cxn modelId="{1D1AB2B4-F990-4ABF-AD4E-801DF0BF2262}" type="presOf" srcId="{9D140E3D-8E40-4283-BEDF-DD32733A130E}" destId="{0C3D4525-B135-4459-A0BC-BC92CCA1E6D0}" srcOrd="0" destOrd="0" presId="urn:microsoft.com/office/officeart/2005/8/layout/cycle2"/>
+    <dgm:cxn modelId="{DCFD7DB5-F2CA-4106-95F1-399BAE83E356}" srcId="{91B38BA8-758F-4873-9B3A-55AF8E59746C}" destId="{80C6D896-809F-4BF4-9B9E-C61ACA077256}" srcOrd="3" destOrd="0" parTransId="{DFB72E10-886D-4C2B-B25C-A203210126FE}" sibTransId="{1132572C-BD41-4C6A-89E1-B7B12FBCDDE6}"/>
+    <dgm:cxn modelId="{56DF8DBB-F24C-4DDF-9F06-6D62511705D9}" srcId="{91B38BA8-758F-4873-9B3A-55AF8E59746C}" destId="{7E1670F1-8BFE-4DAA-9C6B-65E14A02FED0}" srcOrd="0" destOrd="0" parTransId="{C766B83D-BB40-44A5-825E-9B43DBFFA882}" sibTransId="{E8B549B8-001A-4DEF-8F77-E29998288F75}"/>
+    <dgm:cxn modelId="{6E0A41C1-C1A0-460F-967E-861D66971F2D}" type="presOf" srcId="{7E1670F1-8BFE-4DAA-9C6B-65E14A02FED0}" destId="{98615023-9E87-41B4-9AA0-5B6F77765390}" srcOrd="0" destOrd="0" presId="urn:microsoft.com/office/officeart/2005/8/layout/cycle2"/>
+    <dgm:cxn modelId="{F367D5D1-9A1F-4CDC-AAA5-555D171A18AA}" type="presOf" srcId="{1132572C-BD41-4C6A-89E1-B7B12FBCDDE6}" destId="{2934FF17-7C5C-4D4A-94B8-198B677ED49F}" srcOrd="0" destOrd="0" presId="urn:microsoft.com/office/officeart/2005/8/layout/cycle2"/>
+    <dgm:cxn modelId="{2CB8D5E5-1622-47DF-AD93-8B0DE2F0A3DA}" type="presOf" srcId="{3D139306-A689-455C-99C0-ECFD487D1CA7}" destId="{58A641EB-FC0B-4B06-BF82-FB1FB9C7B69A}" srcOrd="0" destOrd="0" presId="urn:microsoft.com/office/officeart/2005/8/layout/cycle2"/>
+    <dgm:cxn modelId="{AE8635E9-E093-4D6A-BA5E-1DBCED240B69}" type="presOf" srcId="{80C6D896-809F-4BF4-9B9E-C61ACA077256}" destId="{1A9CFF5E-3753-44CD-9620-902B6E64BB0C}" srcOrd="0" destOrd="0" presId="urn:microsoft.com/office/officeart/2005/8/layout/cycle2"/>
+    <dgm:cxn modelId="{3EB418EA-8E6A-4049-9B7D-D57018A665F1}" srcId="{91B38BA8-758F-4873-9B3A-55AF8E59746C}" destId="{5E6890D0-A418-41FF-BC69-B9415B083E49}" srcOrd="4" destOrd="0" parTransId="{1736E937-2966-4C46-B445-702DECA16FC4}" sibTransId="{E136A3ED-C712-4950-927A-E8B366E46980}"/>
+    <dgm:cxn modelId="{F7159EF6-E843-4E6E-A257-1CA2F8239678}" type="presOf" srcId="{5E6890D0-A418-41FF-BC69-B9415B083E49}" destId="{80D8CAE1-EB86-49BE-A9E1-502A9FAB5B36}" srcOrd="0" destOrd="0" presId="urn:microsoft.com/office/officeart/2005/8/layout/cycle2"/>
+    <dgm:cxn modelId="{C4215DF9-0D41-4054-BFE8-BB309739AACD}" type="presOf" srcId="{E8B549B8-001A-4DEF-8F77-E29998288F75}" destId="{EA466058-8D39-4336-AC51-540A09AF009B}" srcOrd="0" destOrd="0" presId="urn:microsoft.com/office/officeart/2005/8/layout/cycle2"/>
+    <dgm:cxn modelId="{671381F9-F043-4944-9B0F-CA6955FCA579}" type="presOf" srcId="{FEDD8CB3-9463-4605-BDE0-920CBA7B2E0D}" destId="{B629D6D6-8799-4005-BDF0-B1876F67CE4E}" srcOrd="0" destOrd="0" presId="urn:microsoft.com/office/officeart/2005/8/layout/cycle2"/>
+    <dgm:cxn modelId="{CA4F7A54-8212-4A44-9089-E5176E70EBB8}" type="presParOf" srcId="{EC38AD3B-B115-4F20-BA9F-0A9D1C8ECAE1}" destId="{98615023-9E87-41B4-9AA0-5B6F77765390}" srcOrd="0" destOrd="0" presId="urn:microsoft.com/office/officeart/2005/8/layout/cycle2"/>
+    <dgm:cxn modelId="{FEB2244C-A0FC-48A5-8E32-90A23196DAB7}" type="presParOf" srcId="{EC38AD3B-B115-4F20-BA9F-0A9D1C8ECAE1}" destId="{EA466058-8D39-4336-AC51-540A09AF009B}" srcOrd="1" destOrd="0" presId="urn:microsoft.com/office/officeart/2005/8/layout/cycle2"/>
+    <dgm:cxn modelId="{BE18E5CC-E76C-4A99-917F-AAA7CEEA048C}" type="presParOf" srcId="{EA466058-8D39-4336-AC51-540A09AF009B}" destId="{8C209927-D3F2-4BA9-BA65-1DC8967D2208}" srcOrd="0" destOrd="0" presId="urn:microsoft.com/office/officeart/2005/8/layout/cycle2"/>
+    <dgm:cxn modelId="{F313FB02-8C81-4FED-A819-0F7DB563C9FA}" type="presParOf" srcId="{EC38AD3B-B115-4F20-BA9F-0A9D1C8ECAE1}" destId="{58A641EB-FC0B-4B06-BF82-FB1FB9C7B69A}" srcOrd="2" destOrd="0" presId="urn:microsoft.com/office/officeart/2005/8/layout/cycle2"/>
+    <dgm:cxn modelId="{969AD3B4-C840-4949-A2E4-0FB40BB106C5}" type="presParOf" srcId="{EC38AD3B-B115-4F20-BA9F-0A9D1C8ECAE1}" destId="{B629D6D6-8799-4005-BDF0-B1876F67CE4E}" srcOrd="3" destOrd="0" presId="urn:microsoft.com/office/officeart/2005/8/layout/cycle2"/>
+    <dgm:cxn modelId="{35EEFB36-0418-4CE8-A7FC-FAB964BC9538}" type="presParOf" srcId="{B629D6D6-8799-4005-BDF0-B1876F67CE4E}" destId="{5198EE0F-93EA-42C0-9EFB-7E48E5759FA3}" srcOrd="0" destOrd="0" presId="urn:microsoft.com/office/officeart/2005/8/layout/cycle2"/>
+    <dgm:cxn modelId="{9B3649B5-FF13-4FF5-90B2-36CFBD678F3E}" type="presParOf" srcId="{EC38AD3B-B115-4F20-BA9F-0A9D1C8ECAE1}" destId="{0C3D4525-B135-4459-A0BC-BC92CCA1E6D0}" srcOrd="4" destOrd="0" presId="urn:microsoft.com/office/officeart/2005/8/layout/cycle2"/>
+    <dgm:cxn modelId="{06AA2C50-8B05-45BB-A0B3-C80ECE5DDA67}" type="presParOf" srcId="{EC38AD3B-B115-4F20-BA9F-0A9D1C8ECAE1}" destId="{4FA708DF-01EE-404C-986D-9092ABC9BF5B}" srcOrd="5" destOrd="0" presId="urn:microsoft.com/office/officeart/2005/8/layout/cycle2"/>
+    <dgm:cxn modelId="{F04A0F6F-D8B6-43F7-AF22-4F26A9683C0B}" type="presParOf" srcId="{4FA708DF-01EE-404C-986D-9092ABC9BF5B}" destId="{9FC681C5-C91D-4EC5-BFF4-840E93352070}" srcOrd="0" destOrd="0" presId="urn:microsoft.com/office/officeart/2005/8/layout/cycle2"/>
+    <dgm:cxn modelId="{B3B1C109-C374-4B85-A1E3-2D9A053CC03A}" type="presParOf" srcId="{EC38AD3B-B115-4F20-BA9F-0A9D1C8ECAE1}" destId="{1A9CFF5E-3753-44CD-9620-902B6E64BB0C}" srcOrd="6" destOrd="0" presId="urn:microsoft.com/office/officeart/2005/8/layout/cycle2"/>
+    <dgm:cxn modelId="{AC64B919-3F07-4A05-BD24-06DE83A931C6}" type="presParOf" srcId="{EC38AD3B-B115-4F20-BA9F-0A9D1C8ECAE1}" destId="{2934FF17-7C5C-4D4A-94B8-198B677ED49F}" srcOrd="7" destOrd="0" presId="urn:microsoft.com/office/officeart/2005/8/layout/cycle2"/>
+    <dgm:cxn modelId="{35D7E6A2-F2AE-41BD-B7AE-2D279425A7F9}" type="presParOf" srcId="{2934FF17-7C5C-4D4A-94B8-198B677ED49F}" destId="{4F3887D0-FAF8-48F6-ADBD-555F55AAEDDF}" srcOrd="0" destOrd="0" presId="urn:microsoft.com/office/officeart/2005/8/layout/cycle2"/>
+    <dgm:cxn modelId="{5A717303-18CC-4302-B6B3-89C3A744CA3E}" type="presParOf" srcId="{EC38AD3B-B115-4F20-BA9F-0A9D1C8ECAE1}" destId="{80D8CAE1-EB86-49BE-A9E1-502A9FAB5B36}" srcOrd="8" destOrd="0" presId="urn:microsoft.com/office/officeart/2005/8/layout/cycle2"/>
+    <dgm:cxn modelId="{EDF590A8-E05A-4D53-BDA0-752EE6E06873}" type="presParOf" srcId="{EC38AD3B-B115-4F20-BA9F-0A9D1C8ECAE1}" destId="{C834884A-D54B-4073-B5E7-2719F21A79D1}" srcOrd="9" destOrd="0" presId="urn:microsoft.com/office/officeart/2005/8/layout/cycle2"/>
+    <dgm:cxn modelId="{BA93DDDE-12DA-49AE-9013-3A15FF9E815A}" type="presParOf" srcId="{C834884A-D54B-4073-B5E7-2719F21A79D1}" destId="{141DA3CD-F3A2-42BA-8741-155B25FC7106}" srcOrd="0" destOrd="0" presId="urn:microsoft.com/office/officeart/2005/8/layout/cycle2"/>
+  </dgm:cxnLst>
+  <dgm:bg/>
+  <dgm:whole/>
+  <dgm:extLst>
+    <a:ext uri="http://schemas.microsoft.com/office/drawing/2008/diagram">
+      <dsp:dataModelExt xmlns:dsp="http://schemas.microsoft.com/office/drawing/2008/diagram" relId="rId6" minVer="http://schemas.openxmlformats.org/drawingml/2006/diagram"/>
+    </a:ext>
+  </dgm:extLst>
+</dgm:dataModel>
+</file>
+
+<file path=ppt/diagrams/drawing1.xml><?xml version="1.0" encoding="utf-8"?>
+<dsp:drawing xmlns:dgm="http://schemas.openxmlformats.org/drawingml/2006/diagram" xmlns:dsp="http://schemas.microsoft.com/office/drawing/2008/diagram" xmlns:a="http://schemas.openxmlformats.org/drawingml/2006/main">
+  <dsp:spTree>
+    <dsp:nvGrpSpPr>
+      <dsp:cNvPr id="0" name=""/>
+      <dsp:cNvGrpSpPr/>
+    </dsp:nvGrpSpPr>
+    <dsp:grpSpPr/>
+    <dsp:sp modelId="{98615023-9E87-41B4-9AA0-5B6F77765390}">
+      <dsp:nvSpPr>
+        <dsp:cNvPr id="0" name=""/>
+        <dsp:cNvSpPr/>
+      </dsp:nvSpPr>
+      <dsp:spPr>
+        <a:xfrm>
+          <a:off x="3246437" y="534"/>
+          <a:ext cx="1635124" cy="1635124"/>
+        </a:xfrm>
+        <a:prstGeom prst="ellipse">
+          <a:avLst/>
+        </a:prstGeom>
+        <a:solidFill>
+          <a:schemeClr val="lt1"/>
+        </a:solidFill>
+        <a:ln w="12700" cap="flat" cmpd="sng" algn="ctr">
+          <a:solidFill>
+            <a:schemeClr val="dk1"/>
+          </a:solidFill>
+          <a:prstDash val="solid"/>
+          <a:miter lim="800000"/>
+        </a:ln>
+        <a:effectLst/>
+      </dsp:spPr>
+      <dsp:style>
+        <a:lnRef idx="2">
+          <a:schemeClr val="dk1"/>
+        </a:lnRef>
+        <a:fillRef idx="1">
+          <a:schemeClr val="lt1"/>
+        </a:fillRef>
+        <a:effectRef idx="0">
+          <a:schemeClr val="dk1"/>
+        </a:effectRef>
+        <a:fontRef idx="minor">
+          <a:schemeClr val="dk1"/>
+        </a:fontRef>
+      </dsp:style>
+      <dsp:txBody>
+        <a:bodyPr spcFirstLastPara="0" vert="horz" wrap="square" lIns="31750" tIns="31750" rIns="31750" bIns="31750" numCol="1" spcCol="1270" anchor="ctr" anchorCtr="0">
+          <a:noAutofit/>
+        </a:bodyPr>
+        <a:lstStyle/>
+        <a:p>
+          <a:pPr marL="0" lvl="0" indent="0" algn="ctr" defTabSz="1111250">
+            <a:lnSpc>
+              <a:spcPct val="90000"/>
+            </a:lnSpc>
+            <a:spcBef>
+              <a:spcPct val="0"/>
+            </a:spcBef>
+            <a:spcAft>
+              <a:spcPct val="35000"/>
+            </a:spcAft>
+            <a:buNone/>
+          </a:pPr>
+          <a:r>
+            <a:rPr lang="en-US" sz="2500" kern="1200" dirty="0"/>
+            <a:t>Add Test</a:t>
+          </a:r>
+        </a:p>
+      </dsp:txBody>
+      <dsp:txXfrm>
+        <a:off x="3485895" y="239992"/>
+        <a:ext cx="1156208" cy="1156208"/>
+      </dsp:txXfrm>
+    </dsp:sp>
+    <dsp:sp modelId="{EA466058-8D39-4336-AC51-540A09AF009B}">
+      <dsp:nvSpPr>
+        <dsp:cNvPr id="0" name=""/>
+        <dsp:cNvSpPr/>
+      </dsp:nvSpPr>
+      <dsp:spPr>
+        <a:xfrm rot="2160000">
+          <a:off x="4830234" y="1257302"/>
+          <a:ext cx="436123" cy="551854"/>
+        </a:xfrm>
+        <a:prstGeom prst="rightArrow">
+          <a:avLst>
+            <a:gd name="adj1" fmla="val 60000"/>
+            <a:gd name="adj2" fmla="val 50000"/>
+          </a:avLst>
+        </a:prstGeom>
+        <a:gradFill rotWithShape="1">
+          <a:gsLst>
+            <a:gs pos="0">
+              <a:schemeClr val="accent3">
+                <a:satMod val="103000"/>
+                <a:lumMod val="102000"/>
+                <a:tint val="94000"/>
+              </a:schemeClr>
+            </a:gs>
+            <a:gs pos="50000">
+              <a:schemeClr val="accent3">
+                <a:satMod val="110000"/>
+                <a:lumMod val="100000"/>
+                <a:shade val="100000"/>
+              </a:schemeClr>
+            </a:gs>
+            <a:gs pos="100000">
+              <a:schemeClr val="accent3">
+                <a:lumMod val="99000"/>
+                <a:satMod val="120000"/>
+                <a:shade val="78000"/>
+              </a:schemeClr>
+            </a:gs>
+          </a:gsLst>
+          <a:lin ang="5400000" scaled="0"/>
+        </a:gradFill>
+        <a:ln w="6350" cap="flat" cmpd="sng" algn="ctr">
+          <a:solidFill>
+            <a:schemeClr val="accent3"/>
+          </a:solidFill>
+          <a:prstDash val="solid"/>
+          <a:miter lim="800000"/>
+        </a:ln>
+        <a:effectLst/>
+      </dsp:spPr>
+      <dsp:style>
+        <a:lnRef idx="1">
+          <a:schemeClr val="accent3"/>
+        </a:lnRef>
+        <a:fillRef idx="3">
+          <a:schemeClr val="accent3"/>
+        </a:fillRef>
+        <a:effectRef idx="2">
+          <a:schemeClr val="accent3"/>
+        </a:effectRef>
+        <a:fontRef idx="minor">
+          <a:schemeClr val="lt1"/>
+        </a:fontRef>
+      </dsp:style>
+      <dsp:txBody>
+        <a:bodyPr spcFirstLastPara="0" vert="horz" wrap="square" lIns="0" tIns="0" rIns="0" bIns="0" numCol="1" spcCol="1270" anchor="ctr" anchorCtr="0">
+          <a:noAutofit/>
+        </a:bodyPr>
+        <a:lstStyle/>
+        <a:p>
+          <a:pPr marL="0" lvl="0" indent="0" algn="ctr" defTabSz="889000">
+            <a:lnSpc>
+              <a:spcPct val="90000"/>
+            </a:lnSpc>
+            <a:spcBef>
+              <a:spcPct val="0"/>
+            </a:spcBef>
+            <a:spcAft>
+              <a:spcPct val="35000"/>
+            </a:spcAft>
+            <a:buNone/>
+          </a:pPr>
+          <a:endParaRPr lang="en-US" sz="2000" kern="1200"/>
+        </a:p>
+      </dsp:txBody>
+      <dsp:txXfrm>
+        <a:off x="4842728" y="1329221"/>
+        <a:ext cx="305286" cy="331112"/>
+      </dsp:txXfrm>
+    </dsp:sp>
+    <dsp:sp modelId="{58A641EB-FC0B-4B06-BF82-FB1FB9C7B69A}">
+      <dsp:nvSpPr>
+        <dsp:cNvPr id="0" name=""/>
+        <dsp:cNvSpPr/>
+      </dsp:nvSpPr>
+      <dsp:spPr>
+        <a:xfrm>
+          <a:off x="5235001" y="1445310"/>
+          <a:ext cx="1635124" cy="1635124"/>
+        </a:xfrm>
+        <a:prstGeom prst="ellipse">
+          <a:avLst/>
+        </a:prstGeom>
+        <a:solidFill>
+          <a:schemeClr val="lt1"/>
+        </a:solidFill>
+        <a:ln w="12700" cap="flat" cmpd="sng" algn="ctr">
+          <a:solidFill>
+            <a:schemeClr val="dk1"/>
+          </a:solidFill>
+          <a:prstDash val="solid"/>
+          <a:miter lim="800000"/>
+        </a:ln>
+        <a:effectLst/>
+      </dsp:spPr>
+      <dsp:style>
+        <a:lnRef idx="2">
+          <a:schemeClr val="dk1"/>
+        </a:lnRef>
+        <a:fillRef idx="1">
+          <a:schemeClr val="lt1"/>
+        </a:fillRef>
+        <a:effectRef idx="0">
+          <a:schemeClr val="dk1"/>
+        </a:effectRef>
+        <a:fontRef idx="minor">
+          <a:schemeClr val="dk1"/>
+        </a:fontRef>
+      </dsp:style>
+      <dsp:txBody>
+        <a:bodyPr spcFirstLastPara="0" vert="horz" wrap="square" lIns="31750" tIns="31750" rIns="31750" bIns="31750" numCol="1" spcCol="1270" anchor="ctr" anchorCtr="0">
+          <a:noAutofit/>
+        </a:bodyPr>
+        <a:lstStyle/>
+        <a:p>
+          <a:pPr marL="0" lvl="0" indent="0" algn="ctr" defTabSz="1111250">
+            <a:lnSpc>
+              <a:spcPct val="90000"/>
+            </a:lnSpc>
+            <a:spcBef>
+              <a:spcPct val="0"/>
+            </a:spcBef>
+            <a:spcAft>
+              <a:spcPct val="35000"/>
+            </a:spcAft>
+            <a:buNone/>
+          </a:pPr>
+          <a:r>
+            <a:rPr lang="en-US" sz="2500" kern="1200" dirty="0"/>
+            <a:t>Watch Test Fail</a:t>
+          </a:r>
+        </a:p>
+      </dsp:txBody>
+      <dsp:txXfrm>
+        <a:off x="5474459" y="1684768"/>
+        <a:ext cx="1156208" cy="1156208"/>
+      </dsp:txXfrm>
+    </dsp:sp>
+    <dsp:sp modelId="{B629D6D6-8799-4005-BDF0-B1876F67CE4E}">
+      <dsp:nvSpPr>
+        <dsp:cNvPr id="0" name=""/>
+        <dsp:cNvSpPr/>
+      </dsp:nvSpPr>
+      <dsp:spPr>
+        <a:xfrm rot="6480000">
+          <a:off x="5458534" y="3144055"/>
+          <a:ext cx="436123" cy="551854"/>
+        </a:xfrm>
+        <a:prstGeom prst="rightArrow">
+          <a:avLst>
+            <a:gd name="adj1" fmla="val 60000"/>
+            <a:gd name="adj2" fmla="val 50000"/>
+          </a:avLst>
+        </a:prstGeom>
+        <a:gradFill rotWithShape="1">
+          <a:gsLst>
+            <a:gs pos="0">
+              <a:schemeClr val="accent3">
+                <a:satMod val="103000"/>
+                <a:lumMod val="102000"/>
+                <a:tint val="94000"/>
+              </a:schemeClr>
+            </a:gs>
+            <a:gs pos="50000">
+              <a:schemeClr val="accent3">
+                <a:satMod val="110000"/>
+                <a:lumMod val="100000"/>
+                <a:shade val="100000"/>
+              </a:schemeClr>
+            </a:gs>
+            <a:gs pos="100000">
+              <a:schemeClr val="accent3">
+                <a:lumMod val="99000"/>
+                <a:satMod val="120000"/>
+                <a:shade val="78000"/>
+              </a:schemeClr>
+            </a:gs>
+          </a:gsLst>
+          <a:lin ang="5400000" scaled="0"/>
+        </a:gradFill>
+        <a:ln w="6350" cap="flat" cmpd="sng" algn="ctr">
+          <a:solidFill>
+            <a:schemeClr val="accent3"/>
+          </a:solidFill>
+          <a:prstDash val="solid"/>
+          <a:miter lim="800000"/>
+        </a:ln>
+        <a:effectLst/>
+      </dsp:spPr>
+      <dsp:style>
+        <a:lnRef idx="1">
+          <a:schemeClr val="accent3"/>
+        </a:lnRef>
+        <a:fillRef idx="3">
+          <a:schemeClr val="accent3"/>
+        </a:fillRef>
+        <a:effectRef idx="2">
+          <a:schemeClr val="accent3"/>
+        </a:effectRef>
+        <a:fontRef idx="minor">
+          <a:schemeClr val="lt1"/>
+        </a:fontRef>
+      </dsp:style>
+      <dsp:txBody>
+        <a:bodyPr spcFirstLastPara="0" vert="horz" wrap="square" lIns="0" tIns="0" rIns="0" bIns="0" numCol="1" spcCol="1270" anchor="ctr" anchorCtr="0">
+          <a:noAutofit/>
+        </a:bodyPr>
+        <a:lstStyle/>
+        <a:p>
+          <a:pPr marL="0" lvl="0" indent="0" algn="ctr" defTabSz="889000">
+            <a:lnSpc>
+              <a:spcPct val="90000"/>
+            </a:lnSpc>
+            <a:spcBef>
+              <a:spcPct val="0"/>
+            </a:spcBef>
+            <a:spcAft>
+              <a:spcPct val="35000"/>
+            </a:spcAft>
+            <a:buNone/>
+          </a:pPr>
+          <a:endParaRPr lang="en-US" sz="2000" kern="1200"/>
+        </a:p>
+      </dsp:txBody>
+      <dsp:txXfrm rot="10800000">
+        <a:off x="5544168" y="3192209"/>
+        <a:ext cx="305286" cy="331112"/>
+      </dsp:txXfrm>
+    </dsp:sp>
+    <dsp:sp modelId="{0C3D4525-B135-4459-A0BC-BC92CCA1E6D0}">
+      <dsp:nvSpPr>
+        <dsp:cNvPr id="0" name=""/>
+        <dsp:cNvSpPr/>
+      </dsp:nvSpPr>
+      <dsp:spPr>
+        <a:xfrm>
+          <a:off x="4475437" y="3783007"/>
+          <a:ext cx="1635124" cy="1635124"/>
+        </a:xfrm>
+        <a:prstGeom prst="ellipse">
+          <a:avLst/>
+        </a:prstGeom>
+        <a:solidFill>
+          <a:schemeClr val="lt1"/>
+        </a:solidFill>
+        <a:ln w="12700" cap="flat" cmpd="sng" algn="ctr">
+          <a:solidFill>
+            <a:schemeClr val="dk1"/>
+          </a:solidFill>
+          <a:prstDash val="solid"/>
+          <a:miter lim="800000"/>
+        </a:ln>
+        <a:effectLst/>
+      </dsp:spPr>
+      <dsp:style>
+        <a:lnRef idx="2">
+          <a:schemeClr val="dk1"/>
+        </a:lnRef>
+        <a:fillRef idx="1">
+          <a:schemeClr val="lt1"/>
+        </a:fillRef>
+        <a:effectRef idx="0">
+          <a:schemeClr val="dk1"/>
+        </a:effectRef>
+        <a:fontRef idx="minor">
+          <a:schemeClr val="dk1"/>
+        </a:fontRef>
+      </dsp:style>
+      <dsp:txBody>
+        <a:bodyPr spcFirstLastPara="0" vert="horz" wrap="square" lIns="31750" tIns="31750" rIns="31750" bIns="31750" numCol="1" spcCol="1270" anchor="ctr" anchorCtr="0">
+          <a:noAutofit/>
+        </a:bodyPr>
+        <a:lstStyle/>
+        <a:p>
+          <a:pPr marL="0" lvl="0" indent="0" algn="ctr" defTabSz="1111250">
+            <a:lnSpc>
+              <a:spcPct val="90000"/>
+            </a:lnSpc>
+            <a:spcBef>
+              <a:spcPct val="0"/>
+            </a:spcBef>
+            <a:spcAft>
+              <a:spcPct val="35000"/>
+            </a:spcAft>
+            <a:buNone/>
+          </a:pPr>
+          <a:r>
+            <a:rPr lang="en-US" sz="2500" kern="1200" dirty="0"/>
+            <a:t>Write Code</a:t>
+          </a:r>
+        </a:p>
+      </dsp:txBody>
+      <dsp:txXfrm>
+        <a:off x="4714895" y="4022465"/>
+        <a:ext cx="1156208" cy="1156208"/>
+      </dsp:txXfrm>
+    </dsp:sp>
+    <dsp:sp modelId="{4FA708DF-01EE-404C-986D-9092ABC9BF5B}">
+      <dsp:nvSpPr>
+        <dsp:cNvPr id="0" name=""/>
+        <dsp:cNvSpPr/>
+      </dsp:nvSpPr>
+      <dsp:spPr>
+        <a:xfrm rot="10800000">
+          <a:off x="3858281" y="4324642"/>
+          <a:ext cx="436123" cy="551854"/>
+        </a:xfrm>
+        <a:prstGeom prst="rightArrow">
+          <a:avLst>
+            <a:gd name="adj1" fmla="val 60000"/>
+            <a:gd name="adj2" fmla="val 50000"/>
+          </a:avLst>
+        </a:prstGeom>
+        <a:gradFill rotWithShape="1">
+          <a:gsLst>
+            <a:gs pos="0">
+              <a:schemeClr val="accent3">
+                <a:satMod val="103000"/>
+                <a:lumMod val="102000"/>
+                <a:tint val="94000"/>
+              </a:schemeClr>
+            </a:gs>
+            <a:gs pos="50000">
+              <a:schemeClr val="accent3">
+                <a:satMod val="110000"/>
+                <a:lumMod val="100000"/>
+                <a:shade val="100000"/>
+              </a:schemeClr>
+            </a:gs>
+            <a:gs pos="100000">
+              <a:schemeClr val="accent3">
+                <a:lumMod val="99000"/>
+                <a:satMod val="120000"/>
+                <a:shade val="78000"/>
+              </a:schemeClr>
+            </a:gs>
+          </a:gsLst>
+          <a:lin ang="5400000" scaled="0"/>
+        </a:gradFill>
+        <a:ln w="6350" cap="flat" cmpd="sng" algn="ctr">
+          <a:solidFill>
+            <a:schemeClr val="accent3"/>
+          </a:solidFill>
+          <a:prstDash val="solid"/>
+          <a:miter lim="800000"/>
+        </a:ln>
+        <a:effectLst/>
+      </dsp:spPr>
+      <dsp:style>
+        <a:lnRef idx="1">
+          <a:schemeClr val="accent3"/>
+        </a:lnRef>
+        <a:fillRef idx="3">
+          <a:schemeClr val="accent3"/>
+        </a:fillRef>
+        <a:effectRef idx="2">
+          <a:schemeClr val="accent3"/>
+        </a:effectRef>
+        <a:fontRef idx="minor">
+          <a:schemeClr val="lt1"/>
+        </a:fontRef>
+      </dsp:style>
+      <dsp:txBody>
+        <a:bodyPr spcFirstLastPara="0" vert="horz" wrap="square" lIns="0" tIns="0" rIns="0" bIns="0" numCol="1" spcCol="1270" anchor="ctr" anchorCtr="0">
+          <a:noAutofit/>
+        </a:bodyPr>
+        <a:lstStyle/>
+        <a:p>
+          <a:pPr marL="0" lvl="0" indent="0" algn="ctr" defTabSz="889000">
+            <a:lnSpc>
+              <a:spcPct val="90000"/>
+            </a:lnSpc>
+            <a:spcBef>
+              <a:spcPct val="0"/>
+            </a:spcBef>
+            <a:spcAft>
+              <a:spcPct val="35000"/>
+            </a:spcAft>
+            <a:buNone/>
+          </a:pPr>
+          <a:endParaRPr lang="en-US" sz="2000" kern="1200"/>
+        </a:p>
+      </dsp:txBody>
+      <dsp:txXfrm rot="10800000">
+        <a:off x="3989118" y="4435013"/>
+        <a:ext cx="305286" cy="331112"/>
+      </dsp:txXfrm>
+    </dsp:sp>
+    <dsp:sp modelId="{1A9CFF5E-3753-44CD-9620-902B6E64BB0C}">
+      <dsp:nvSpPr>
+        <dsp:cNvPr id="0" name=""/>
+        <dsp:cNvSpPr/>
+      </dsp:nvSpPr>
+      <dsp:spPr>
+        <a:xfrm>
+          <a:off x="2017437" y="3783007"/>
+          <a:ext cx="1635124" cy="1635124"/>
+        </a:xfrm>
+        <a:prstGeom prst="ellipse">
+          <a:avLst/>
+        </a:prstGeom>
+        <a:solidFill>
+          <a:schemeClr val="lt1"/>
+        </a:solidFill>
+        <a:ln w="12700" cap="flat" cmpd="sng" algn="ctr">
+          <a:solidFill>
+            <a:schemeClr val="dk1"/>
+          </a:solidFill>
+          <a:prstDash val="solid"/>
+          <a:miter lim="800000"/>
+        </a:ln>
+        <a:effectLst/>
+      </dsp:spPr>
+      <dsp:style>
+        <a:lnRef idx="2">
+          <a:schemeClr val="dk1"/>
+        </a:lnRef>
+        <a:fillRef idx="1">
+          <a:schemeClr val="lt1"/>
+        </a:fillRef>
+        <a:effectRef idx="0">
+          <a:schemeClr val="dk1"/>
+        </a:effectRef>
+        <a:fontRef idx="minor">
+          <a:schemeClr val="dk1"/>
+        </a:fontRef>
+      </dsp:style>
+      <dsp:txBody>
+        <a:bodyPr spcFirstLastPara="0" vert="horz" wrap="square" lIns="31750" tIns="31750" rIns="31750" bIns="31750" numCol="1" spcCol="1270" anchor="ctr" anchorCtr="0">
+          <a:noAutofit/>
+        </a:bodyPr>
+        <a:lstStyle/>
+        <a:p>
+          <a:pPr marL="0" lvl="0" indent="0" algn="ctr" defTabSz="1111250">
+            <a:lnSpc>
+              <a:spcPct val="90000"/>
+            </a:lnSpc>
+            <a:spcBef>
+              <a:spcPct val="0"/>
+            </a:spcBef>
+            <a:spcAft>
+              <a:spcPct val="35000"/>
+            </a:spcAft>
+            <a:buNone/>
+          </a:pPr>
+          <a:r>
+            <a:rPr lang="en-US" sz="2500" kern="1200" dirty="0"/>
+            <a:t>Run Test</a:t>
+          </a:r>
+        </a:p>
+      </dsp:txBody>
+      <dsp:txXfrm>
+        <a:off x="2256895" y="4022465"/>
+        <a:ext cx="1156208" cy="1156208"/>
+      </dsp:txXfrm>
+    </dsp:sp>
+    <dsp:sp modelId="{2934FF17-7C5C-4D4A-94B8-198B677ED49F}">
+      <dsp:nvSpPr>
+        <dsp:cNvPr id="0" name=""/>
+        <dsp:cNvSpPr/>
+      </dsp:nvSpPr>
+      <dsp:spPr>
+        <a:xfrm rot="15120000">
+          <a:off x="2240970" y="3167533"/>
+          <a:ext cx="436123" cy="551854"/>
+        </a:xfrm>
+        <a:prstGeom prst="rightArrow">
+          <a:avLst>
+            <a:gd name="adj1" fmla="val 60000"/>
+            <a:gd name="adj2" fmla="val 50000"/>
+          </a:avLst>
+        </a:prstGeom>
+        <a:gradFill rotWithShape="1">
+          <a:gsLst>
+            <a:gs pos="0">
+              <a:schemeClr val="accent3">
+                <a:satMod val="103000"/>
+                <a:lumMod val="102000"/>
+                <a:tint val="94000"/>
+              </a:schemeClr>
+            </a:gs>
+            <a:gs pos="50000">
+              <a:schemeClr val="accent3">
+                <a:satMod val="110000"/>
+                <a:lumMod val="100000"/>
+                <a:shade val="100000"/>
+              </a:schemeClr>
+            </a:gs>
+            <a:gs pos="100000">
+              <a:schemeClr val="accent3">
+                <a:lumMod val="99000"/>
+                <a:satMod val="120000"/>
+                <a:shade val="78000"/>
+              </a:schemeClr>
+            </a:gs>
+          </a:gsLst>
+          <a:lin ang="5400000" scaled="0"/>
+        </a:gradFill>
+        <a:ln w="6350" cap="flat" cmpd="sng" algn="ctr">
+          <a:solidFill>
+            <a:schemeClr val="accent3"/>
+          </a:solidFill>
+          <a:prstDash val="solid"/>
+          <a:miter lim="800000"/>
+        </a:ln>
+        <a:effectLst/>
+      </dsp:spPr>
+      <dsp:style>
+        <a:lnRef idx="1">
+          <a:schemeClr val="accent3"/>
+        </a:lnRef>
+        <a:fillRef idx="3">
+          <a:schemeClr val="accent3"/>
+        </a:fillRef>
+        <a:effectRef idx="2">
+          <a:schemeClr val="accent3"/>
+        </a:effectRef>
+        <a:fontRef idx="minor">
+          <a:schemeClr val="lt1"/>
+        </a:fontRef>
+      </dsp:style>
+      <dsp:txBody>
+        <a:bodyPr spcFirstLastPara="0" vert="horz" wrap="square" lIns="0" tIns="0" rIns="0" bIns="0" numCol="1" spcCol="1270" anchor="ctr" anchorCtr="0">
+          <a:noAutofit/>
+        </a:bodyPr>
+        <a:lstStyle/>
+        <a:p>
+          <a:pPr marL="0" lvl="0" indent="0" algn="ctr" defTabSz="889000">
+            <a:lnSpc>
+              <a:spcPct val="90000"/>
+            </a:lnSpc>
+            <a:spcBef>
+              <a:spcPct val="0"/>
+            </a:spcBef>
+            <a:spcAft>
+              <a:spcPct val="35000"/>
+            </a:spcAft>
+            <a:buNone/>
+          </a:pPr>
+          <a:endParaRPr lang="en-US" sz="2000" kern="1200"/>
+        </a:p>
+      </dsp:txBody>
+      <dsp:txXfrm rot="10800000">
+        <a:off x="2326604" y="3340121"/>
+        <a:ext cx="305286" cy="331112"/>
+      </dsp:txXfrm>
+    </dsp:sp>
+    <dsp:sp modelId="{80D8CAE1-EB86-49BE-A9E1-502A9FAB5B36}">
+      <dsp:nvSpPr>
+        <dsp:cNvPr id="0" name=""/>
+        <dsp:cNvSpPr/>
+      </dsp:nvSpPr>
+      <dsp:spPr>
+        <a:xfrm>
+          <a:off x="1257873" y="1445310"/>
+          <a:ext cx="1635124" cy="1635124"/>
+        </a:xfrm>
+        <a:prstGeom prst="ellipse">
+          <a:avLst/>
+        </a:prstGeom>
+        <a:solidFill>
+          <a:schemeClr val="lt1"/>
+        </a:solidFill>
+        <a:ln w="12700" cap="flat" cmpd="sng" algn="ctr">
+          <a:solidFill>
+            <a:schemeClr val="dk1"/>
+          </a:solidFill>
+          <a:prstDash val="solid"/>
+          <a:miter lim="800000"/>
+        </a:ln>
+        <a:effectLst/>
+      </dsp:spPr>
+      <dsp:style>
+        <a:lnRef idx="2">
+          <a:schemeClr val="dk1"/>
+        </a:lnRef>
+        <a:fillRef idx="1">
+          <a:schemeClr val="lt1"/>
+        </a:fillRef>
+        <a:effectRef idx="0">
+          <a:schemeClr val="dk1"/>
+        </a:effectRef>
+        <a:fontRef idx="minor">
+          <a:schemeClr val="dk1"/>
+        </a:fontRef>
+      </dsp:style>
+      <dsp:txBody>
+        <a:bodyPr spcFirstLastPara="0" vert="horz" wrap="square" lIns="31750" tIns="31750" rIns="31750" bIns="31750" numCol="1" spcCol="1270" anchor="ctr" anchorCtr="0">
+          <a:noAutofit/>
+        </a:bodyPr>
+        <a:lstStyle/>
+        <a:p>
+          <a:pPr marL="0" lvl="0" indent="0" algn="ctr" defTabSz="1111250">
+            <a:lnSpc>
+              <a:spcPct val="90000"/>
+            </a:lnSpc>
+            <a:spcBef>
+              <a:spcPct val="0"/>
+            </a:spcBef>
+            <a:spcAft>
+              <a:spcPct val="35000"/>
+            </a:spcAft>
+            <a:buNone/>
+          </a:pPr>
+          <a:r>
+            <a:rPr lang="en-US" sz="2500" kern="1200" dirty="0"/>
+            <a:t>Refactor</a:t>
+          </a:r>
+        </a:p>
+      </dsp:txBody>
+      <dsp:txXfrm>
+        <a:off x="1497331" y="1684768"/>
+        <a:ext cx="1156208" cy="1156208"/>
+      </dsp:txXfrm>
+    </dsp:sp>
+    <dsp:sp modelId="{C834884A-D54B-4073-B5E7-2719F21A79D1}">
+      <dsp:nvSpPr>
+        <dsp:cNvPr id="0" name=""/>
+        <dsp:cNvSpPr/>
+      </dsp:nvSpPr>
+      <dsp:spPr>
+        <a:xfrm rot="19440000">
+          <a:off x="2841670" y="1271812"/>
+          <a:ext cx="436123" cy="551854"/>
+        </a:xfrm>
+        <a:prstGeom prst="rightArrow">
+          <a:avLst>
+            <a:gd name="adj1" fmla="val 60000"/>
+            <a:gd name="adj2" fmla="val 50000"/>
+          </a:avLst>
+        </a:prstGeom>
+        <a:gradFill rotWithShape="1">
+          <a:gsLst>
+            <a:gs pos="0">
+              <a:schemeClr val="accent3">
+                <a:satMod val="103000"/>
+                <a:lumMod val="102000"/>
+                <a:tint val="94000"/>
+              </a:schemeClr>
+            </a:gs>
+            <a:gs pos="50000">
+              <a:schemeClr val="accent3">
+                <a:satMod val="110000"/>
+                <a:lumMod val="100000"/>
+                <a:shade val="100000"/>
+              </a:schemeClr>
+            </a:gs>
+            <a:gs pos="100000">
+              <a:schemeClr val="accent3">
+                <a:lumMod val="99000"/>
+                <a:satMod val="120000"/>
+                <a:shade val="78000"/>
+              </a:schemeClr>
+            </a:gs>
+          </a:gsLst>
+          <a:lin ang="5400000" scaled="0"/>
+        </a:gradFill>
+        <a:ln w="6350" cap="flat" cmpd="sng" algn="ctr">
+          <a:solidFill>
+            <a:schemeClr val="accent3"/>
+          </a:solidFill>
+          <a:prstDash val="solid"/>
+          <a:miter lim="800000"/>
+        </a:ln>
+        <a:effectLst/>
+      </dsp:spPr>
+      <dsp:style>
+        <a:lnRef idx="1">
+          <a:schemeClr val="accent3"/>
+        </a:lnRef>
+        <a:fillRef idx="3">
+          <a:schemeClr val="accent3"/>
+        </a:fillRef>
+        <a:effectRef idx="2">
+          <a:schemeClr val="accent3"/>
+        </a:effectRef>
+        <a:fontRef idx="minor">
+          <a:schemeClr val="lt1"/>
+        </a:fontRef>
+      </dsp:style>
+      <dsp:txBody>
+        <a:bodyPr spcFirstLastPara="0" vert="horz" wrap="square" lIns="0" tIns="0" rIns="0" bIns="0" numCol="1" spcCol="1270" anchor="ctr" anchorCtr="0">
+          <a:noAutofit/>
+        </a:bodyPr>
+        <a:lstStyle/>
+        <a:p>
+          <a:pPr marL="0" lvl="0" indent="0" algn="ctr" defTabSz="889000">
+            <a:lnSpc>
+              <a:spcPct val="90000"/>
+            </a:lnSpc>
+            <a:spcBef>
+              <a:spcPct val="0"/>
+            </a:spcBef>
+            <a:spcAft>
+              <a:spcPct val="35000"/>
+            </a:spcAft>
+            <a:buNone/>
+          </a:pPr>
+          <a:endParaRPr lang="en-US" sz="2000" kern="1200"/>
+        </a:p>
+      </dsp:txBody>
+      <dsp:txXfrm>
+        <a:off x="2854164" y="1420635"/>
+        <a:ext cx="305286" cy="331112"/>
+      </dsp:txXfrm>
+    </dsp:sp>
+  </dsp:spTree>
+</dsp:drawing>
+</file>
+
+<file path=ppt/diagrams/layout1.xml><?xml version="1.0" encoding="utf-8"?>
+<dgm:layoutDef xmlns:dgm="http://schemas.openxmlformats.org/drawingml/2006/diagram" xmlns:a="http://schemas.openxmlformats.org/drawingml/2006/main" uniqueId="urn:microsoft.com/office/officeart/2005/8/layout/cycle2">
+  <dgm:title val=""/>
+  <dgm:desc val=""/>
+  <dgm:catLst>
+    <dgm:cat type="cycle" pri="1000"/>
+    <dgm:cat type="convert" pri="10000"/>
+  </dgm:catLst>
+  <dgm:sampData>
+    <dgm:dataModel>
+      <dgm:ptLst>
+        <dgm:pt modelId="0" type="doc"/>
+        <dgm:pt modelId="1">
+          <dgm:prSet phldr="1"/>
+        </dgm:pt>
+        <dgm:pt modelId="2">
+          <dgm:prSet phldr="1"/>
+        </dgm:pt>
+        <dgm:pt modelId="3">
+          <dgm:prSet phldr="1"/>
+        </dgm:pt>
+        <dgm:pt modelId="4">
+          <dgm:prSet phldr="1"/>
+        </dgm:pt>
+        <dgm:pt modelId="5">
+          <dgm:prSet phldr="1"/>
+        </dgm:pt>
+      </dgm:ptLst>
+      <dgm:cxnLst>
+        <dgm:cxn modelId="6" srcId="0" destId="1" srcOrd="0" destOrd="0"/>
+        <dgm:cxn modelId="7" srcId="0" destId="2" srcOrd="1" destOrd="0"/>
+        <dgm:cxn modelId="8" srcId="0" destId="3" srcOrd="2" destOrd="0"/>
+        <dgm:cxn modelId="9" srcId="0" destId="4" srcOrd="3" destOrd="0"/>
+        <dgm:cxn modelId="10" srcId="0" destId="5" srcOrd="4" destOrd="0"/>
+      </dgm:cxnLst>
+      <dgm:bg/>
+      <dgm:whole/>
+    </dgm:dataModel>
+  </dgm:sampData>
+  <dgm:styleData>
+    <dgm:dataModel>
+      <dgm:ptLst>
+        <dgm:pt modelId="0" type="doc"/>
+        <dgm:pt modelId="1"/>
+        <dgm:pt modelId="2"/>
+        <dgm:pt modelId="3"/>
+      </dgm:ptLst>
+      <dgm:cxnLst>
+        <dgm:cxn modelId="4" srcId="0" destId="1" srcOrd="0" destOrd="0"/>
+        <dgm:cxn modelId="5" srcId="0" destId="2" srcOrd="1" destOrd="0"/>
+        <dgm:cxn modelId="6" srcId="0" destId="3" srcOrd="2" destOrd="0"/>
+      </dgm:cxnLst>
+      <dgm:bg/>
+      <dgm:whole/>
+    </dgm:dataModel>
+  </dgm:styleData>
+  <dgm:clrData>
+    <dgm:dataModel>
+      <dgm:ptLst>
+        <dgm:pt modelId="0" type="doc"/>
+        <dgm:pt modelId="1"/>
+        <dgm:pt modelId="2"/>
+        <dgm:pt modelId="3"/>
+        <dgm:pt modelId="4"/>
+        <dgm:pt modelId="5"/>
+        <dgm:pt modelId="6"/>
+      </dgm:ptLst>
+      <dgm:cxnLst>
+        <dgm:cxn modelId="7" srcId="0" destId="1" srcOrd="0" destOrd="0"/>
+        <dgm:cxn modelId="8" srcId="0" destId="2" srcOrd="1" destOrd="0"/>
+        <dgm:cxn modelId="9" srcId="0" destId="3" srcOrd="2" destOrd="0"/>
+        <dgm:cxn modelId="10" srcId="0" destId="4" srcOrd="3" destOrd="0"/>
+        <dgm:cxn modelId="11" srcId="0" destId="5" srcOrd="4" destOrd="0"/>
+        <dgm:cxn modelId="12" srcId="0" destId="6" srcOrd="5" destOrd="0"/>
+      </dgm:cxnLst>
+      <dgm:bg/>
+      <dgm:whole/>
+    </dgm:dataModel>
+  </dgm:clrData>
+  <dgm:layoutNode name="cycle">
+    <dgm:varLst>
+      <dgm:dir/>
+      <dgm:resizeHandles val="exact"/>
+    </dgm:varLst>
+    <dgm:choose name="Name0">
+      <dgm:if name="Name1" func="var" arg="dir" op="equ" val="norm">
+        <dgm:choose name="Name2">
+          <dgm:if name="Name3" axis="ch" ptType="node" func="cnt" op="gt" val="2">
+            <dgm:alg type="cycle">
+              <dgm:param type="stAng" val="0"/>
+              <dgm:param type="spanAng" val="360"/>
+            </dgm:alg>
+          </dgm:if>
+          <dgm:else name="Name4">
+            <dgm:alg type="cycle">
+              <dgm:param type="stAng" val="-90"/>
+              <dgm:param type="spanAng" val="360"/>
+            </dgm:alg>
+          </dgm:else>
+        </dgm:choose>
+      </dgm:if>
+      <dgm:else name="Name5">
+        <dgm:choose name="Name6">
+          <dgm:if name="Name7" axis="ch" ptType="node" func="cnt" op="gt" val="2">
+            <dgm:alg type="cycle">
+              <dgm:param type="stAng" val="0"/>
+              <dgm:param type="spanAng" val="-360"/>
+            </dgm:alg>
+          </dgm:if>
+          <dgm:else name="Name8">
+            <dgm:alg type="cycle">
+              <dgm:param type="stAng" val="90"/>
+              <dgm:param type="spanAng" val="-360"/>
+            </dgm:alg>
+          </dgm:else>
+        </dgm:choose>
+      </dgm:else>
+    </dgm:choose>
+    <dgm:shape xmlns:r="http://schemas.openxmlformats.org/officeDocument/2006/relationships" r:blip="">
+      <dgm:adjLst/>
+    </dgm:shape>
+    <dgm:presOf/>
+    <dgm:constrLst>
+      <dgm:constr type="w" for="ch" ptType="node" refType="w"/>
+      <dgm:constr type="w" for="ch" ptType="sibTrans" refType="w" refFor="ch" refPtType="node" op="equ" fact="0.25"/>
+      <dgm:constr type="sibSp" refType="w" refFor="ch" refPtType="node" fact="0.5"/>
+      <dgm:constr type="primFontSz" for="ch" ptType="node" op="equ" val="65"/>
+      <dgm:constr type="primFontSz" for="des" forName="connectorText" op="equ" val="55"/>
+      <dgm:constr type="primFontSz" for="des" forName="connectorText" refType="primFontSz" refFor="ch" refPtType="node" op="lte" fact="0.8"/>
+    </dgm:constrLst>
+    <dgm:ruleLst/>
+    <dgm:forEach name="nodesForEach" axis="ch" ptType="node">
+      <dgm:layoutNode name="node">
+        <dgm:varLst>
+          <dgm:bulletEnabled val="1"/>
+        </dgm:varLst>
+        <dgm:alg type="tx">
+          <dgm:param type="txAnchorVertCh" val="mid"/>
+        </dgm:alg>
+        <dgm:shape xmlns:r="http://schemas.openxmlformats.org/officeDocument/2006/relationships" type="ellipse" r:blip="">
+          <dgm:adjLst/>
+        </dgm:shape>
+        <dgm:presOf axis="desOrSelf" ptType="node"/>
+        <dgm:constrLst>
+          <dgm:constr type="h" refType="w"/>
+          <dgm:constr type="lMarg" refType="primFontSz" fact="0.1"/>
+          <dgm:constr type="rMarg" refType="primFontSz" fact="0.1"/>
+          <dgm:constr type="tMarg" refType="primFontSz" fact="0.1"/>
+          <dgm:constr type="bMarg" refType="primFontSz" fact="0.1"/>
+        </dgm:constrLst>
+        <dgm:ruleLst>
+          <dgm:rule type="primFontSz" val="5" fact="NaN" max="NaN"/>
+        </dgm:ruleLst>
+      </dgm:layoutNode>
+      <dgm:choose name="Name9">
+        <dgm:if name="Name10" axis="par ch" ptType="doc node" func="cnt" op="gt" val="1">
+          <dgm:forEach name="sibTransForEach" axis="followSib" ptType="sibTrans" hideLastTrans="0" cnt="1">
+            <dgm:layoutNode name="sibTrans">
+              <dgm:choose name="Name11">
+                <dgm:if name="Name12" axis="par ch" ptType="doc node" func="cnt" op="lt" val="3">
+                  <dgm:alg type="conn">
+                    <dgm:param type="begPts" val="radial"/>
+                    <dgm:param type="endPts" val="radial"/>
+                  </dgm:alg>
+                </dgm:if>
+                <dgm:else name="Name13">
+                  <dgm:alg type="conn">
+                    <dgm:param type="begPts" val="auto"/>
+                    <dgm:param type="endPts" val="auto"/>
+                  </dgm:alg>
+                </dgm:else>
+              </dgm:choose>
+              <dgm:shape xmlns:r="http://schemas.openxmlformats.org/officeDocument/2006/relationships" type="conn" r:blip="">
+                <dgm:adjLst/>
+              </dgm:shape>
+              <dgm:presOf axis="self"/>
+              <dgm:constrLst>
+                <dgm:constr type="h" refType="w" fact="1.35"/>
+                <dgm:constr type="connDist"/>
+                <dgm:constr type="w" for="ch" refType="connDist" fact="0.45"/>
+                <dgm:constr type="h" for="ch" refType="h"/>
+              </dgm:constrLst>
+              <dgm:ruleLst/>
+              <dgm:layoutNode name="connectorText">
+                <dgm:alg type="tx">
+                  <dgm:param type="autoTxRot" val="grav"/>
+                </dgm:alg>
+                <dgm:shape xmlns:r="http://schemas.openxmlformats.org/officeDocument/2006/relationships" type="conn" r:blip="" hideGeom="1">
+                  <dgm:adjLst/>
+                </dgm:shape>
+                <dgm:presOf axis="self"/>
+                <dgm:constrLst>
+                  <dgm:constr type="lMarg"/>
+                  <dgm:constr type="rMarg"/>
+                  <dgm:constr type="tMarg"/>
+                  <dgm:constr type="bMarg"/>
+                </dgm:constrLst>
+                <dgm:ruleLst>
+                  <dgm:rule type="primFontSz" val="5" fact="NaN" max="NaN"/>
+                </dgm:ruleLst>
+              </dgm:layoutNode>
+            </dgm:layoutNode>
+          </dgm:forEach>
+        </dgm:if>
+        <dgm:else name="Name14"/>
+      </dgm:choose>
+    </dgm:forEach>
+  </dgm:layoutNode>
+</dgm:layoutDef>
+</file>
+
+<file path=ppt/diagrams/quickStyle1.xml><?xml version="1.0" encoding="utf-8"?>
+<dgm:styleDef xmlns:dgm="http://schemas.openxmlformats.org/drawingml/2006/diagram" xmlns:a="http://schemas.openxmlformats.org/drawingml/2006/main" uniqueId="urn:microsoft.com/office/officeart/2005/8/quickstyle/simple1">
+  <dgm:title val=""/>
+  <dgm:desc val=""/>
+  <dgm:catLst>
+    <dgm:cat type="simple" pri="10100"/>
+  </dgm:catLst>
+  <dgm:scene3d>
+    <a:camera prst="orthographicFront"/>
+    <a:lightRig rig="threePt" dir="t"/>
+  </dgm:scene3d>
+  <dgm:styleLbl name="node0">
+    <dgm:scene3d>
+      <a:camera prst="orthographicFront"/>
+      <a:lightRig rig="threePt" dir="t"/>
+    </dgm:scene3d>
+    <dgm:sp3d/>
+    <dgm:txPr/>
+    <dgm:style>
+      <a:lnRef idx="2">
+        <a:scrgbClr r="0" g="0" b="0"/>
+      </a:lnRef>
+      <a:fillRef idx="1">
+        <a:scrgbClr r="0" g="0" b="0"/>
+      </a:fillRef>
+      <a:effectRef idx="0">
+        <a:scrgbClr r="0" g="0" b="0"/>
+      </a:effectRef>
+      <a:fontRef idx="minor">
+        <a:schemeClr val="lt1"/>
+      </a:fontRef>
+    </dgm:style>
+  </dgm:styleLbl>
+  <dgm:styleLbl name="lnNode1">
+    <dgm:scene3d>
+      <a:camera prst="orthographicFront"/>
+      <a:lightRig rig="threePt" dir="t"/>
+    </dgm:scene3d>
+    <dgm:sp3d/>
+    <dgm:txPr/>
+    <dgm:style>
+      <a:lnRef idx="2">
+        <a:scrgbClr r="0" g="0" b="0"/>
+      </a:lnRef>
+      <a:fillRef idx="1">
+        <a:scrgbClr r="0" g="0" b="0"/>
+      </a:fillRef>
+      <a:effectRef idx="0">
+        <a:scrgbClr r="0" g="0" b="0"/>
+      </a:effectRef>
+      <a:fontRef idx="minor">
+        <a:schemeClr val="lt1"/>
+      </a:fontRef>
+    </dgm:style>
+  </dgm:styleLbl>
+  <dgm:styleLbl name="vennNode1">
+    <dgm:scene3d>
+      <a:camera prst="orthographicFront"/>
+      <a:lightRig rig="threePt" dir="t"/>
+    </dgm:scene3d>
+    <dgm:sp3d/>
+    <dgm:txPr/>
+    <dgm:style>
+      <a:lnRef idx="2">
+        <a:scrgbClr r="0" g="0" b="0"/>
+      </a:lnRef>
+      <a:fillRef idx="1">
+        <a:scrgbClr r="0" g="0" b="0"/>
+      </a:fillRef>
+      <a:effectRef idx="0">
+        <a:scrgbClr r="0" g="0" b="0"/>
+      </a:effectRef>
+      <a:fontRef idx="minor">
+        <a:schemeClr val="tx1"/>
+      </a:fontRef>
+    </dgm:style>
+  </dgm:styleLbl>
+  <dgm:styleLbl name="alignNode1">
+    <dgm:scene3d>
+      <a:camera prst="orthographicFront"/>
+      <a:lightRig rig="threePt" dir="t"/>
+    </dgm:scene3d>
+    <dgm:sp3d/>
+    <dgm:txPr/>
+    <dgm:style>
+      <a:lnRef idx="2">
+        <a:scrgbClr r="0" g="0" b="0"/>
+      </a:lnRef>
+      <a:fillRef idx="1">
+        <a:scrgbClr r="0" g="0" b="0"/>
+      </a:fillRef>
+      <a:effectRef idx="0">
+        <a:scrgbClr r="0" g="0" b="0"/>
+      </a:effectRef>
+      <a:fontRef idx="minor">
+        <a:schemeClr val="lt1"/>
+      </a:fontRef>
+    </dgm:style>
+  </dgm:styleLbl>
+  <dgm:styleLbl name="node1">
+    <dgm:scene3d>
+      <a:camera prst="orthographicFront"/>
+      <a:lightRig rig="threePt" dir="t"/>
+    </dgm:scene3d>
+    <dgm:sp3d/>
+    <dgm:txPr/>
+    <dgm:style>
+      <a:lnRef idx="2">
+        <a:scrgbClr r="0" g="0" b="0"/>
+      </a:lnRef>
+      <a:fillRef idx="1">
+        <a:scrgbClr r="0" g="0" b="0"/>
+      </a:fillRef>
+      <a:effectRef idx="0">
+        <a:scrgbClr r="0" g="0" b="0"/>
+      </a:effectRef>
+      <a:fontRef idx="minor">
+        <a:schemeClr val="lt1"/>
+      </a:fontRef>
+    </dgm:style>
+  </dgm:styleLbl>
+  <dgm:styleLbl name="node2">
+    <dgm:scene3d>
+      <a:camera prst="orthographicFront"/>
+      <a:lightRig rig="threePt" dir="t"/>
+    </dgm:scene3d>
+    <dgm:sp3d/>
+    <dgm:txPr/>
+    <dgm:style>
+      <a:lnRef idx="2">
+        <a:scrgbClr r="0" g="0" b="0"/>
+      </a:lnRef>
+      <a:fillRef idx="1">
+        <a:scrgbClr r="0" g="0" b="0"/>
+      </a:fillRef>
+      <a:effectRef idx="0">
+        <a:scrgbClr r="0" g="0" b="0"/>
+      </a:effectRef>
+      <a:fontRef idx="minor">
+        <a:schemeClr val="lt1"/>
+      </a:fontRef>
+    </dgm:style>
+  </dgm:styleLbl>
+  <dgm:styleLbl name="node3">
+    <dgm:scene3d>
+      <a:camera prst="orthographicFront"/>
+      <a:lightRig rig="threePt" dir="t"/>
+    </dgm:scene3d>
+    <dgm:sp3d/>
+    <dgm:txPr/>
+    <dgm:style>
+      <a:lnRef idx="2">
+        <a:scrgbClr r="0" g="0" b="0"/>
+      </a:lnRef>
+      <a:fillRef idx="1">
+        <a:scrgbClr r="0" g="0" b="0"/>
+      </a:fillRef>
+      <a:effectRef idx="0">
+        <a:scrgbClr r="0" g="0" b="0"/>
+      </a:effectRef>
+      <a:fontRef idx="minor">
+        <a:schemeClr val="lt1"/>
+      </a:fontRef>
+    </dgm:style>
+  </dgm:styleLbl>
+  <dgm:styleLbl name="node4">
+    <dgm:scene3d>
+      <a:camera prst="orthographicFront"/>
+      <a:lightRig rig="threePt" dir="t"/>
+    </dgm:scene3d>
+    <dgm:sp3d/>
+    <dgm:txPr/>
+    <dgm:style>
+      <a:lnRef idx="2">
+        <a:scrgbClr r="0" g="0" b="0"/>
+      </a:lnRef>
+      <a:fillRef idx="1">
+        <a:scrgbClr r="0" g="0" b="0"/>
+      </a:fillRef>
+      <a:effectRef idx="0">
+        <a:scrgbClr r="0" g="0" b="0"/>
+      </a:effectRef>
+      <a:fontRef idx="minor">
+        <a:schemeClr val="lt1"/>
+      </a:fontRef>
+    </dgm:style>
+  </dgm:styleLbl>
+  <dgm:styleLbl name="fgImgPlace1">
+    <dgm:scene3d>
+      <a:camera prst="orthographicFront"/>
+      <a:lightRig rig="threePt" dir="t"/>
+    </dgm:scene3d>
+    <dgm:sp3d/>
+    <dgm:txPr/>
+    <dgm:style>
+      <a:lnRef idx="2">
+        <a:scrgbClr r="0" g="0" b="0"/>
+      </a:lnRef>
+      <a:fillRef idx="1">
+        <a:scrgbClr r="0" g="0" b="0"/>
+      </a:fillRef>
+      <a:effectRef idx="0">
+        <a:scrgbClr r="0" g="0" b="0"/>
+      </a:effectRef>
+      <a:fontRef idx="minor"/>
+    </dgm:style>
+  </dgm:styleLbl>
+  <dgm:styleLbl name="alignImgPlace1">
+    <dgm:scene3d>
+      <a:camera prst="orthographicFront"/>
+      <a:lightRig rig="threePt" dir="t"/>
+    </dgm:scene3d>
+    <dgm:sp3d/>
+    <dgm:txPr/>
+    <dgm:style>
+      <a:lnRef idx="2">
+        <a:scrgbClr r="0" g="0" b="0"/>
+      </a:lnRef>
+      <a:fillRef idx="1">
+        <a:scrgbClr r="0" g="0" b="0"/>
+      </a:fillRef>
+      <a:effectRef idx="0">
+        <a:scrgbClr r="0" g="0" b="0"/>
+      </a:effectRef>
+      <a:fontRef idx="minor"/>
+    </dgm:style>
+  </dgm:styleLbl>
+  <dgm:styleLbl name="bgImgPlace1">
+    <dgm:scene3d>
+      <a:camera prst="orthographicFront"/>
+      <a:lightRig rig="threePt" dir="t"/>
+    </dgm:scene3d>
+    <dgm:sp3d/>
+    <dgm:txPr/>
+    <dgm:style>
+      <a:lnRef idx="2">
+        <a:scrgbClr r="0" g="0" b="0"/>
+      </a:lnRef>
+      <a:fillRef idx="1">
+        <a:scrgbClr r="0" g="0" b="0"/>
+      </a:fillRef>
+      <a:effectRef idx="0">
+        <a:scrgbClr r="0" g="0" b="0"/>
+      </a:effectRef>
+      <a:fontRef idx="minor"/>
+    </dgm:style>
+  </dgm:styleLbl>
+  <dgm:styleLbl name="sibTrans2D1">
+    <dgm:scene3d>
+      <a:camera prst="orthographicFront"/>
+      <a:lightRig rig="threePt" dir="t"/>
+    </dgm:scene3d>
+    <dgm:sp3d/>
+    <dgm:txPr/>
+    <dgm:style>
+      <a:lnRef idx="0">
+        <a:scrgbClr r="0" g="0" b="0"/>
+      </a:lnRef>
+      <a:fillRef idx="1">
+        <a:scrgbClr r="0" g="0" b="0"/>
+      </a:fillRef>
+      <a:effectRef idx="0">
+        <a:scrgbClr r="0" g="0" b="0"/>
+      </a:effectRef>
+      <a:fontRef idx="minor">
+        <a:schemeClr val="lt1"/>
+      </a:fontRef>
+    </dgm:style>
+  </dgm:styleLbl>
+  <dgm:styleLbl name="fgSibTrans2D1">
+    <dgm:scene3d>
+      <a:camera prst="orthographicFront"/>
+      <a:lightRig rig="threePt" dir="t"/>
+    </dgm:scene3d>
+    <dgm:sp3d/>
+    <dgm:txPr/>
+    <dgm:style>
+      <a:lnRef idx="0">
+        <a:scrgbClr r="0" g="0" b="0"/>
+      </a:lnRef>
+      <a:fillRef idx="1">
+        <a:scrgbClr r="0" g="0" b="0"/>
+      </a:fillRef>
+      <a:effectRef idx="0">
+        <a:scrgbClr r="0" g="0" b="0"/>
+      </a:effectRef>
+      <a:fontRef idx="minor">
+        <a:schemeClr val="lt1"/>
+      </a:fontRef>
+    </dgm:style>
+  </dgm:styleLbl>
+  <dgm:styleLbl name="bgSibTrans2D1">
+    <dgm:scene3d>
+      <a:camera prst="orthographicFront"/>
+      <a:lightRig rig="threePt" dir="t"/>
+    </dgm:scene3d>
+    <dgm:sp3d/>
+    <dgm:txPr/>
+    <dgm:style>
+      <a:lnRef idx="0">
+        <a:scrgbClr r="0" g="0" b="0"/>
+      </a:lnRef>
+      <a:fillRef idx="1">
+        <a:scrgbClr r="0" g="0" b="0"/>
+      </a:fillRef>
+      <a:effectRef idx="0">
+        <a:scrgbClr r="0" g="0" b="0"/>
+      </a:effectRef>
+      <a:fontRef idx="minor">
+        <a:schemeClr val="lt1"/>
+      </a:fontRef>
+    </dgm:style>
+  </dgm:styleLbl>
+  <dgm:styleLbl name="sibTrans1D1">
+    <dgm:scene3d>
+      <a:camera prst="orthographicFront"/>
+      <a:lightRig rig="threePt" dir="t"/>
+    </dgm:scene3d>
+    <dgm:sp3d/>
+    <dgm:txPr/>
+    <dgm:style>
+      <a:lnRef idx="1">
+        <a:scrgbClr r="0" g="0" b="0"/>
+      </a:lnRef>
+      <a:fillRef idx="0">
+        <a:scrgbClr r="0" g="0" b="0"/>
+      </a:fillRef>
+      <a:effectRef idx="0">
+        <a:scrgbClr r="0" g="0" b="0"/>
+      </a:effectRef>
+      <a:fontRef idx="minor"/>
+    </dgm:style>
+  </dgm:styleLbl>
+  <dgm:styleLbl name="callout">
+    <dgm:scene3d>
+      <a:camera prst="orthographicFront"/>
+      <a:lightRig rig="threePt" dir="t"/>
+    </dgm:scene3d>
+    <dgm:sp3d/>
+    <dgm:txPr/>
+    <dgm:style>
+      <a:lnRef idx="2">
+        <a:scrgbClr r="0" g="0" b="0"/>
+      </a:lnRef>
+      <a:fillRef idx="1">
+        <a:scrgbClr r="0" g="0" b="0"/>
+      </a:fillRef>
+      <a:effectRef idx="0">
+        <a:scrgbClr r="0" g="0" b="0"/>
+      </a:effectRef>
+      <a:fontRef idx="minor"/>
+    </dgm:style>
+  </dgm:styleLbl>
+  <dgm:styleLbl name="asst0">
+    <dgm:scene3d>
+      <a:camera prst="orthographicFront"/>
+      <a:lightRig rig="threePt" dir="t"/>
+    </dgm:scene3d>
+    <dgm:sp3d/>
+    <dgm:txPr/>
+    <dgm:style>
+      <a:lnRef idx="2">
+        <a:scrgbClr r="0" g="0" b="0"/>
+      </a:lnRef>
+      <a:fillRef idx="1">
+        <a:scrgbClr r="0" g="0" b="0"/>
+      </a:fillRef>
+      <a:effectRef idx="0">
+        <a:scrgbClr r="0" g="0" b="0"/>
+      </a:effectRef>
+      <a:fontRef idx="minor">
+        <a:schemeClr val="lt1"/>
+      </a:fontRef>
+    </dgm:style>
+  </dgm:styleLbl>
+  <dgm:styleLbl name="asst1">
+    <dgm:scene3d>
+      <a:camera prst="orthographicFront"/>
+      <a:lightRig rig="threePt" dir="t"/>
+    </dgm:scene3d>
+    <dgm:sp3d/>
+    <dgm:txPr/>
+    <dgm:style>
+      <a:lnRef idx="2">
+        <a:scrgbClr r="0" g="0" b="0"/>
+      </a:lnRef>
+      <a:fillRef idx="1">
+        <a:scrgbClr r="0" g="0" b="0"/>
+      </a:fillRef>
+      <a:effectRef idx="0">
+        <a:scrgbClr r="0" g="0" b="0"/>
+      </a:effectRef>
+      <a:fontRef idx="minor">
+        <a:schemeClr val="lt1"/>
+      </a:fontRef>
+    </dgm:style>
+  </dgm:styleLbl>
+  <dgm:styleLbl name="asst2">
+    <dgm:scene3d>
+      <a:camera prst="orthographicFront"/>
+      <a:lightRig rig="threePt" dir="t"/>
+    </dgm:scene3d>
+    <dgm:sp3d/>
+    <dgm:txPr/>
+    <dgm:style>
+      <a:lnRef idx="2">
+        <a:scrgbClr r="0" g="0" b="0"/>
+      </a:lnRef>
+      <a:fillRef idx="1">
+        <a:scrgbClr r="0" g="0" b="0"/>
+      </a:fillRef>
+      <a:effectRef idx="0">
+        <a:scrgbClr r="0" g="0" b="0"/>
+      </a:effectRef>
+      <a:fontRef idx="minor">
+        <a:schemeClr val="lt1"/>
+      </a:fontRef>
+    </dgm:style>
+  </dgm:styleLbl>
+  <dgm:styleLbl name="asst3">
+    <dgm:scene3d>
+      <a:camera prst="orthographicFront"/>
+      <a:lightRig rig="threePt" dir="t"/>
+    </dgm:scene3d>
+    <dgm:sp3d/>
+    <dgm:txPr/>
+    <dgm:style>
+      <a:lnRef idx="2">
+        <a:scrgbClr r="0" g="0" b="0"/>
+      </a:lnRef>
+      <a:fillRef idx="1">
+        <a:scrgbClr r="0" g="0" b="0"/>
+      </a:fillRef>
+      <a:effectRef idx="0">
+        <a:scrgbClr r="0" g="0" b="0"/>
+      </a:effectRef>
+      <a:fontRef idx="minor">
+        <a:schemeClr val="lt1"/>
+      </a:fontRef>
+    </dgm:style>
+  </dgm:styleLbl>
+  <dgm:styleLbl name="asst4">
+    <dgm:scene3d>
+      <a:camera prst="orthographicFront"/>
+      <a:lightRig rig="threePt" dir="t"/>
+    </dgm:scene3d>
+    <dgm:sp3d/>
+    <dgm:txPr/>
+    <dgm:style>
+      <a:lnRef idx="2">
+        <a:scrgbClr r="0" g="0" b="0"/>
+      </a:lnRef>
+      <a:fillRef idx="1">
+        <a:scrgbClr r="0" g="0" b="0"/>
+      </a:fillRef>
+      <a:effectRef idx="0">
+        <a:scrgbClr r="0" g="0" b="0"/>
+      </a:effectRef>
+      <a:fontRef idx="minor">
+        <a:schemeClr val="lt1"/>
+      </a:fontRef>
+    </dgm:style>
+  </dgm:styleLbl>
+  <dgm:styleLbl name="parChTrans2D1">
+    <dgm:scene3d>
+      <a:camera prst="orthographicFront"/>
+      <a:lightRig rig="threePt" dir="t"/>
+    </dgm:scene3d>
+    <dgm:sp3d/>
+    <dgm:txPr/>
+    <dgm:style>
+      <a:lnRef idx="2">
+        <a:scrgbClr r="0" g="0" b="0"/>
+      </a:lnRef>
+      <a:fillRef idx="1">
+        <a:scrgbClr r="0" g="0" b="0"/>
+      </a:fillRef>
+      <a:effectRef idx="0">
+        <a:scrgbClr r="0" g="0" b="0"/>
+      </a:effectRef>
+      <a:fontRef idx="minor">
+        <a:schemeClr val="lt1"/>
+      </a:fontRef>
+    </dgm:style>
+  </dgm:styleLbl>
+  <dgm:styleLbl name="parChTrans2D2">
+    <dgm:scene3d>
+      <a:camera prst="orthographicFront"/>
+      <a:lightRig rig="threePt" dir="t"/>
+    </dgm:scene3d>
+    <dgm:sp3d/>
+    <dgm:txPr/>
+    <dgm:style>
+      <a:lnRef idx="2">
+        <a:scrgbClr r="0" g="0" b="0"/>
+      </a:lnRef>
+      <a:fillRef idx="1">
+        <a:scrgbClr r="0" g="0" b="0"/>
+      </a:fillRef>
+      <a:effectRef idx="0">
+        <a:scrgbClr r="0" g="0" b="0"/>
+      </a:effectRef>
+      <a:fontRef idx="minor">
+        <a:schemeClr val="lt1"/>
+      </a:fontRef>
+    </dgm:style>
+  </dgm:styleLbl>
+  <dgm:styleLbl name="parChTrans2D3">
+    <dgm:scene3d>
+      <a:camera prst="orthographicFront"/>
+      <a:lightRig rig="threePt" dir="t"/>
+    </dgm:scene3d>
+    <dgm:sp3d/>
+    <dgm:txPr/>
+    <dgm:style>
+      <a:lnRef idx="2">
+        <a:scrgbClr r="0" g="0" b="0"/>
+      </a:lnRef>
+      <a:fillRef idx="1">
+        <a:scrgbClr r="0" g="0" b="0"/>
+      </a:fillRef>
+      <a:effectRef idx="0">
+        <a:scrgbClr r="0" g="0" b="0"/>
+      </a:effectRef>
+      <a:fontRef idx="minor">
+        <a:schemeClr val="lt1"/>
+      </a:fontRef>
+    </dgm:style>
+  </dgm:styleLbl>
+  <dgm:styleLbl name="parChTrans2D4">
+    <dgm:scene3d>
+      <a:camera prst="orthographicFront"/>
+      <a:lightRig rig="threePt" dir="t"/>
+    </dgm:scene3d>
+    <dgm:sp3d/>
+    <dgm:txPr/>
+    <dgm:style>
+      <a:lnRef idx="2">
+        <a:scrgbClr r="0" g="0" b="0"/>
+      </a:lnRef>
+      <a:fillRef idx="1">
+        <a:scrgbClr r="0" g="0" b="0"/>
+      </a:fillRef>
+      <a:effectRef idx="0">
+        <a:scrgbClr r="0" g="0" b="0"/>
+      </a:effectRef>
+      <a:fontRef idx="minor">
+        <a:schemeClr val="lt1"/>
+      </a:fontRef>
+    </dgm:style>
+  </dgm:styleLbl>
+  <dgm:styleLbl name="parChTrans1D1">
+    <dgm:scene3d>
+      <a:camera prst="orthographicFront"/>
+      <a:lightRig rig="threePt" dir="t"/>
+    </dgm:scene3d>
+    <dgm:sp3d/>
+    <dgm:txPr/>
+    <dgm:style>
+      <a:lnRef idx="2">
+        <a:scrgbClr r="0" g="0" b="0"/>
+      </a:lnRef>
+      <a:fillRef idx="0">
+        <a:scrgbClr r="0" g="0" b="0"/>
+      </a:fillRef>
+      <a:effectRef idx="0">
+        <a:scrgbClr r="0" g="0" b="0"/>
+      </a:effectRef>
+      <a:fontRef idx="minor"/>
+    </dgm:style>
+  </dgm:styleLbl>
+  <dgm:styleLbl name="parChTrans1D2">
+    <dgm:scene3d>
+      <a:camera prst="orthographicFront"/>
+      <a:lightRig rig="threePt" dir="t"/>
+    </dgm:scene3d>
+    <dgm:sp3d/>
+    <dgm:txPr/>
+    <dgm:style>
+      <a:lnRef idx="2">
+        <a:scrgbClr r="0" g="0" b="0"/>
+      </a:lnRef>
+      <a:fillRef idx="0">
+        <a:scrgbClr r="0" g="0" b="0"/>
+      </a:fillRef>
+      <a:effectRef idx="0">
+        <a:scrgbClr r="0" g="0" b="0"/>
+      </a:effectRef>
+      <a:fontRef idx="minor"/>
+    </dgm:style>
+  </dgm:styleLbl>
+  <dgm:styleLbl name="parChTrans1D3">
+    <dgm:scene3d>
+      <a:camera prst="orthographicFront"/>
+      <a:lightRig rig="threePt" dir="t"/>
+    </dgm:scene3d>
+    <dgm:sp3d/>
+    <dgm:txPr/>
+    <dgm:style>
+      <a:lnRef idx="2">
+        <a:scrgbClr r="0" g="0" b="0"/>
+      </a:lnRef>
+      <a:fillRef idx="0">
+        <a:scrgbClr r="0" g="0" b="0"/>
+      </a:fillRef>
+      <a:effectRef idx="0">
+        <a:scrgbClr r="0" g="0" b="0"/>
+      </a:effectRef>
+      <a:fontRef idx="minor"/>
+    </dgm:style>
+  </dgm:styleLbl>
+  <dgm:styleLbl name="parChTrans1D4">
+    <dgm:scene3d>
+      <a:camera prst="orthographicFront"/>
+      <a:lightRig rig="threePt" dir="t"/>
+    </dgm:scene3d>
+    <dgm:sp3d/>
+    <dgm:txPr/>
+    <dgm:style>
+      <a:lnRef idx="2">
+        <a:scrgbClr r="0" g="0" b="0"/>
+      </a:lnRef>
+      <a:fillRef idx="0">
+        <a:scrgbClr r="0" g="0" b="0"/>
+      </a:fillRef>
+      <a:effectRef idx="0">
+        <a:scrgbClr r="0" g="0" b="0"/>
+      </a:effectRef>
+      <a:fontRef idx="minor"/>
+    </dgm:style>
+  </dgm:styleLbl>
+  <dgm:styleLbl name="fgAcc1">
+    <dgm:scene3d>
+      <a:camera prst="orthographicFront"/>
+      <a:lightRig rig="threePt" dir="t"/>
+    </dgm:scene3d>
+    <dgm:sp3d/>
+    <dgm:txPr/>
+    <dgm:style>
+      <a:lnRef idx="2">
+        <a:scrgbClr r="0" g="0" b="0"/>
+      </a:lnRef>
+      <a:fillRef idx="1">
+        <a:scrgbClr r="0" g="0" b="0"/>
+      </a:fillRef>
+      <a:effectRef idx="0">
+        <a:scrgbClr r="0" g="0" b="0"/>
+      </a:effectRef>
+      <a:fontRef idx="minor"/>
+    </dgm:style>
+  </dgm:styleLbl>
+  <dgm:styleLbl name="conFgAcc1">
+    <dgm:scene3d>
+      <a:camera prst="orthographicFront"/>
+      <a:lightRig rig="threePt" dir="t"/>
+    </dgm:scene3d>
+    <dgm:sp3d/>
+    <dgm:txPr/>
+    <dgm:style>
+      <a:lnRef idx="2">
+        <a:scrgbClr r="0" g="0" b="0"/>
+      </a:lnRef>
+      <a:fillRef idx="1">
+        <a:scrgbClr r="0" g="0" b="0"/>
+      </a:fillRef>
+      <a:effectRef idx="0">
+        <a:scrgbClr r="0" g="0" b="0"/>
+      </a:effectRef>
+      <a:fontRef idx="minor"/>
+    </dgm:style>
+  </dgm:styleLbl>
+  <dgm:styleLbl name="alignAcc1">
+    <dgm:scene3d>
+      <a:camera prst="orthographicFront"/>
+      <a:lightRig rig="threePt" dir="t"/>
+    </dgm:scene3d>
+    <dgm:sp3d/>
+    <dgm:txPr/>
+    <dgm:style>
+      <a:lnRef idx="2">
+        <a:scrgbClr r="0" g="0" b="0"/>
+      </a:lnRef>
+      <a:fillRef idx="1">
+        <a:scrgbClr r="0" g="0" b="0"/>
+      </a:fillRef>
+      <a:effectRef idx="0">
+        <a:scrgbClr r="0" g="0" b="0"/>
+      </a:effectRef>
+      <a:fontRef idx="minor"/>
+    </dgm:style>
+  </dgm:styleLbl>
+  <dgm:styleLbl name="trAlignAcc1">
+    <dgm:scene3d>
+      <a:camera prst="orthographicFront"/>
+      <a:lightRig rig="threePt" dir="t"/>
+    </dgm:scene3d>
+    <dgm:sp3d/>
+    <dgm:txPr/>
+    <dgm:style>
+      <a:lnRef idx="1">
+        <a:scrgbClr r="0" g="0" b="0"/>
+      </a:lnRef>
+      <a:fillRef idx="1">
+        <a:scrgbClr r="0" g="0" b="0"/>
+      </a:fillRef>
+      <a:effectRef idx="0">
+        <a:scrgbClr r="0" g="0" b="0"/>
+      </a:effectRef>
+      <a:fontRef idx="minor"/>
+    </dgm:style>
+  </dgm:styleLbl>
+  <dgm:styleLbl name="bgAcc1">
+    <dgm:scene3d>
+      <a:camera prst="orthographicFront"/>
+      <a:lightRig rig="threePt" dir="t"/>
+    </dgm:scene3d>
+    <dgm:sp3d/>
+    <dgm:txPr/>
+    <dgm:style>
+      <a:lnRef idx="2">
+        <a:scrgbClr r="0" g="0" b="0"/>
+      </a:lnRef>
+      <a:fillRef idx="1">
+        <a:scrgbClr r="0" g="0" b="0"/>
+      </a:fillRef>
+      <a:effectRef idx="0">
+        <a:scrgbClr r="0" g="0" b="0"/>
+      </a:effectRef>
+      <a:fontRef idx="minor"/>
+    </dgm:style>
+  </dgm:styleLbl>
+  <dgm:styleLbl name="solidFgAcc1">
+    <dgm:scene3d>
+      <a:camera prst="orthographicFront"/>
+      <a:lightRig rig="threePt" dir="t"/>
+    </dgm:scene3d>
+    <dgm:sp3d/>
+    <dgm:txPr/>
+    <dgm:style>
+      <a:lnRef idx="2">
+        <a:scrgbClr r="0" g="0" b="0"/>
+      </a:lnRef>
+      <a:fillRef idx="1">
+        <a:scrgbClr r="0" g="0" b="0"/>
+      </a:fillRef>
+      <a:effectRef idx="0">
+        <a:scrgbClr r="0" g="0" b="0"/>
+      </a:effectRef>
+      <a:fontRef idx="minor"/>
+    </dgm:style>
+  </dgm:styleLbl>
+  <dgm:styleLbl name="solidAlignAcc1">
+    <dgm:scene3d>
+      <a:camera prst="orthographicFront"/>
+      <a:lightRig rig="threePt" dir="t"/>
+    </dgm:scene3d>
+    <dgm:sp3d/>
+    <dgm:txPr/>
+    <dgm:style>
+      <a:lnRef idx="2">
+        <a:scrgbClr r="0" g="0" b="0"/>
+      </a:lnRef>
+      <a:fillRef idx="1">
+        <a:scrgbClr r="0" g="0" b="0"/>
+      </a:fillRef>
+      <a:effectRef idx="0">
+        <a:scrgbClr r="0" g="0" b="0"/>
+      </a:effectRef>
+      <a:fontRef idx="minor"/>
+    </dgm:style>
+  </dgm:styleLbl>
+  <dgm:styleLbl name="solidBgAcc1">
+    <dgm:scene3d>
+      <a:camera prst="orthographicFront"/>
+      <a:lightRig rig="threePt" dir="t"/>
+    </dgm:scene3d>
+    <dgm:sp3d/>
+    <dgm:txPr/>
+    <dgm:style>
+      <a:lnRef idx="2">
+        <a:scrgbClr r="0" g="0" b="0"/>
+      </a:lnRef>
+      <a:fillRef idx="1">
+        <a:scrgbClr r="0" g="0" b="0"/>
+      </a:fillRef>
+      <a:effectRef idx="0">
+        <a:scrgbClr r="0" g="0" b="0"/>
+      </a:effectRef>
+      <a:fontRef idx="minor"/>
+    </dgm:style>
+  </dgm:styleLbl>
+  <dgm:styleLbl name="fgAccFollowNode1">
+    <dgm:scene3d>
+      <a:camera prst="orthographicFront"/>
+      <a:lightRig rig="threePt" dir="t"/>
+    </dgm:scene3d>
+    <dgm:sp3d/>
+    <dgm:txPr/>
+    <dgm:style>
+      <a:lnRef idx="2">
+        <a:scrgbClr r="0" g="0" b="0"/>
+      </a:lnRef>
+      <a:fillRef idx="1">
+        <a:scrgbClr r="0" g="0" b="0"/>
+      </a:fillRef>
+      <a:effectRef idx="0">
+        <a:scrgbClr r="0" g="0" b="0"/>
+      </a:effectRef>
+      <a:fontRef idx="minor"/>
+    </dgm:style>
+  </dgm:styleLbl>
+  <dgm:styleLbl name="alignAccFollowNode1">
+    <dgm:scene3d>
+      <a:camera prst="orthographicFront"/>
+      <a:lightRig rig="threePt" dir="t"/>
+    </dgm:scene3d>
+    <dgm:sp3d/>
+    <dgm:txPr/>
+    <dgm:style>
+      <a:lnRef idx="2">
+        <a:scrgbClr r="0" g="0" b="0"/>
+      </a:lnRef>
+      <a:fillRef idx="1">
+        <a:scrgbClr r="0" g="0" b="0"/>
+      </a:fillRef>
+      <a:effectRef idx="0">
+        <a:scrgbClr r="0" g="0" b="0"/>
+      </a:effectRef>
+      <a:fontRef idx="minor"/>
+    </dgm:style>
+  </dgm:styleLbl>
+  <dgm:styleLbl name="bgAccFollowNode1">
+    <dgm:scene3d>
+      <a:camera prst="orthographicFront"/>
+      <a:lightRig rig="threePt" dir="t"/>
+    </dgm:scene3d>
+    <dgm:sp3d/>
+    <dgm:txPr/>
+    <dgm:style>
+      <a:lnRef idx="2">
+        <a:scrgbClr r="0" g="0" b="0"/>
+      </a:lnRef>
+      <a:fillRef idx="1">
+        <a:scrgbClr r="0" g="0" b="0"/>
+      </a:fillRef>
+      <a:effectRef idx="0">
+        <a:scrgbClr r="0" g="0" b="0"/>
+      </a:effectRef>
+      <a:fontRef idx="minor"/>
+    </dgm:style>
+  </dgm:styleLbl>
+  <dgm:styleLbl name="fgAcc0">
+    <dgm:scene3d>
+      <a:camera prst="orthographicFront"/>
+      <a:lightRig rig="threePt" dir="t"/>
+    </dgm:scene3d>
+    <dgm:sp3d/>
+    <dgm:txPr/>
+    <dgm:style>
+      <a:lnRef idx="2">
+        <a:scrgbClr r="0" g="0" b="0"/>
+      </a:lnRef>
+      <a:fillRef idx="1">
+        <a:scrgbClr r="0" g="0" b="0"/>
+      </a:fillRef>
+      <a:effectRef idx="0">
+        <a:scrgbClr r="0" g="0" b="0"/>
+      </a:effectRef>
+      <a:fontRef idx="minor"/>
+    </dgm:style>
+  </dgm:styleLbl>
+  <dgm:styleLbl name="fgAcc2">
+    <dgm:scene3d>
+      <a:camera prst="orthographicFront"/>
+      <a:lightRig rig="threePt" dir="t"/>
+    </dgm:scene3d>
+    <dgm:sp3d/>
+    <dgm:txPr/>
+    <dgm:style>
+      <a:lnRef idx="2">
+        <a:scrgbClr r="0" g="0" b="0"/>
+      </a:lnRef>
+      <a:fillRef idx="1">
+        <a:scrgbClr r="0" g="0" b="0"/>
+      </a:fillRef>
+      <a:effectRef idx="0">
+        <a:scrgbClr r="0" g="0" b="0"/>
+      </a:effectRef>
+      <a:fontRef idx="minor"/>
+    </dgm:style>
+  </dgm:styleLbl>
+  <dgm:styleLbl name="fgAcc3">
+    <dgm:scene3d>
+      <a:camera prst="orthographicFront"/>
+      <a:lightRig rig="threePt" dir="t"/>
+    </dgm:scene3d>
+    <dgm:sp3d/>
+    <dgm:txPr/>
+    <dgm:style>
+      <a:lnRef idx="2">
+        <a:scrgbClr r="0" g="0" b="0"/>
+      </a:lnRef>
+      <a:fillRef idx="1">
+        <a:scrgbClr r="0" g="0" b="0"/>
+      </a:fillRef>
+      <a:effectRef idx="0">
+        <a:scrgbClr r="0" g="0" b="0"/>
+      </a:effectRef>
+      <a:fontRef idx="minor"/>
+    </dgm:style>
+  </dgm:styleLbl>
+  <dgm:styleLbl name="fgAcc4">
+    <dgm:scene3d>
+      <a:camera prst="orthographicFront"/>
+      <a:lightRig rig="threePt" dir="t"/>
+    </dgm:scene3d>
+    <dgm:sp3d/>
+    <dgm:txPr/>
+    <dgm:style>
+      <a:lnRef idx="2">
+        <a:scrgbClr r="0" g="0" b="0"/>
+      </a:lnRef>
+      <a:fillRef idx="1">
+        <a:scrgbClr r="0" g="0" b="0"/>
+      </a:fillRef>
+      <a:effectRef idx="0">
+        <a:scrgbClr r="0" g="0" b="0"/>
+      </a:effectRef>
+      <a:fontRef idx="minor"/>
+    </dgm:style>
+  </dgm:styleLbl>
+  <dgm:styleLbl name="bgShp">
+    <dgm:scene3d>
+      <a:camera prst="orthographicFront"/>
+      <a:lightRig rig="threePt" dir="t"/>
+    </dgm:scene3d>
+    <dgm:sp3d/>
+    <dgm:txPr/>
+    <dgm:style>
+      <a:lnRef idx="0">
+        <a:scrgbClr r="0" g="0" b="0"/>
+      </a:lnRef>
+      <a:fillRef idx="1">
+        <a:scrgbClr r="0" g="0" b="0"/>
+      </a:fillRef>
+      <a:effectRef idx="0">
+        <a:scrgbClr r="0" g="0" b="0"/>
+      </a:effectRef>
+      <a:fontRef idx="minor"/>
+    </dgm:style>
+  </dgm:styleLbl>
+  <dgm:styleLbl name="dkBgShp">
+    <dgm:scene3d>
+      <a:camera prst="orthographicFront"/>
+      <a:lightRig rig="threePt" dir="t"/>
+    </dgm:scene3d>
+    <dgm:sp3d/>
+    <dgm:txPr/>
+    <dgm:style>
+      <a:lnRef idx="0">
+        <a:scrgbClr r="0" g="0" b="0"/>
+      </a:lnRef>
+      <a:fillRef idx="1">
+        <a:scrgbClr r="0" g="0" b="0"/>
+      </a:fillRef>
+      <a:effectRef idx="0">
+        <a:scrgbClr r="0" g="0" b="0"/>
+      </a:effectRef>
+      <a:fontRef idx="minor"/>
+    </dgm:style>
+  </dgm:styleLbl>
+  <dgm:styleLbl name="trBgShp">
+    <dgm:scene3d>
+      <a:camera prst="orthographicFront"/>
+      <a:lightRig rig="threePt" dir="t"/>
+    </dgm:scene3d>
+    <dgm:sp3d/>
+    <dgm:txPr/>
+    <dgm:style>
+      <a:lnRef idx="0">
+        <a:scrgbClr r="0" g="0" b="0"/>
+      </a:lnRef>
+      <a:fillRef idx="1">
+        <a:scrgbClr r="0" g="0" b="0"/>
+      </a:fillRef>
+      <a:effectRef idx="0">
+        <a:scrgbClr r="0" g="0" b="0"/>
+      </a:effectRef>
+      <a:fontRef idx="minor"/>
+    </dgm:style>
+  </dgm:styleLbl>
+  <dgm:styleLbl name="fgShp">
+    <dgm:scene3d>
+      <a:camera prst="orthographicFront"/>
+      <a:lightRig rig="threePt" dir="t"/>
+    </dgm:scene3d>
+    <dgm:sp3d/>
+    <dgm:txPr/>
+    <dgm:style>
+      <a:lnRef idx="2">
+        <a:scrgbClr r="0" g="0" b="0"/>
+      </a:lnRef>
+      <a:fillRef idx="1">
+        <a:scrgbClr r="0" g="0" b="0"/>
+      </a:fillRef>
+      <a:effectRef idx="0">
+        <a:scrgbClr r="0" g="0" b="0"/>
+      </a:effectRef>
+      <a:fontRef idx="minor"/>
+    </dgm:style>
+  </dgm:styleLbl>
+  <dgm:styleLbl name="revTx">
+    <dgm:scene3d>
+      <a:camera prst="orthographicFront"/>
+      <a:lightRig rig="threePt" dir="t"/>
+    </dgm:scene3d>
+    <dgm:sp3d/>
+    <dgm:txPr/>
+    <dgm:style>
+      <a:lnRef idx="0">
+        <a:scrgbClr r="0" g="0" b="0"/>
+      </a:lnRef>
+      <a:fillRef idx="0">
+        <a:scrgbClr r="0" g="0" b="0"/>
+      </a:fillRef>
+      <a:effectRef idx="0">
+        <a:scrgbClr r="0" g="0" b="0"/>
+      </a:effectRef>
+      <a:fontRef idx="minor"/>
+    </dgm:style>
+  </dgm:styleLbl>
+</dgm:styleDef>
+</file>
+
 <file path=ppt/slideLayouts/slideLayout1.xml><?xml version="1.0" encoding="utf-8"?>
 <p:sldLayout xmlns:a="http://schemas.openxmlformats.org/drawingml/2006/main" xmlns:r="http://schemas.openxmlformats.org/officeDocument/2006/relationships" xmlns:p="http://schemas.openxmlformats.org/presentationml/2006/main" type="title" preserve="1">
   <p:cSld name="Title Slide">
@@ -262,7 +3544,7 @@
           <a:p>
             <a:fld id="{4F8D6774-96D8-4B42-A844-CE0CDD408D91}" type="datetimeFigureOut">
               <a:rPr lang="en-US" smtClean="0"/>
-              <a:t>3/18/2018</a:t>
+              <a:t>3/19/2018</a:t>
             </a:fld>
             <a:endParaRPr lang="en-US"/>
           </a:p>
@@ -460,7 +3742,7 @@
           <a:p>
             <a:fld id="{4F8D6774-96D8-4B42-A844-CE0CDD408D91}" type="datetimeFigureOut">
               <a:rPr lang="en-US" smtClean="0"/>
-              <a:t>3/18/2018</a:t>
+              <a:t>3/19/2018</a:t>
             </a:fld>
             <a:endParaRPr lang="en-US"/>
           </a:p>
@@ -668,7 +3950,7 @@
           <a:p>
             <a:fld id="{4F8D6774-96D8-4B42-A844-CE0CDD408D91}" type="datetimeFigureOut">
               <a:rPr lang="en-US" smtClean="0"/>
-              <a:t>3/18/2018</a:t>
+              <a:t>3/19/2018</a:t>
             </a:fld>
             <a:endParaRPr lang="en-US"/>
           </a:p>
@@ -866,7 +4148,7 @@
           <a:p>
             <a:fld id="{4F8D6774-96D8-4B42-A844-CE0CDD408D91}" type="datetimeFigureOut">
               <a:rPr lang="en-US" smtClean="0"/>
-              <a:t>3/18/2018</a:t>
+              <a:t>3/19/2018</a:t>
             </a:fld>
             <a:endParaRPr lang="en-US"/>
           </a:p>
@@ -1141,7 +4423,7 @@
           <a:p>
             <a:fld id="{4F8D6774-96D8-4B42-A844-CE0CDD408D91}" type="datetimeFigureOut">
               <a:rPr lang="en-US" smtClean="0"/>
-              <a:t>3/18/2018</a:t>
+              <a:t>3/19/2018</a:t>
             </a:fld>
             <a:endParaRPr lang="en-US"/>
           </a:p>
@@ -1406,7 +4688,7 @@
           <a:p>
             <a:fld id="{4F8D6774-96D8-4B42-A844-CE0CDD408D91}" type="datetimeFigureOut">
               <a:rPr lang="en-US" smtClean="0"/>
-              <a:t>3/18/2018</a:t>
+              <a:t>3/19/2018</a:t>
             </a:fld>
             <a:endParaRPr lang="en-US"/>
           </a:p>
@@ -1818,7 +5100,7 @@
           <a:p>
             <a:fld id="{4F8D6774-96D8-4B42-A844-CE0CDD408D91}" type="datetimeFigureOut">
               <a:rPr lang="en-US" smtClean="0"/>
-              <a:t>3/18/2018</a:t>
+              <a:t>3/19/2018</a:t>
             </a:fld>
             <a:endParaRPr lang="en-US"/>
           </a:p>
@@ -1959,7 +5241,7 @@
           <a:p>
             <a:fld id="{4F8D6774-96D8-4B42-A844-CE0CDD408D91}" type="datetimeFigureOut">
               <a:rPr lang="en-US" smtClean="0"/>
-              <a:t>3/18/2018</a:t>
+              <a:t>3/19/2018</a:t>
             </a:fld>
             <a:endParaRPr lang="en-US"/>
           </a:p>
@@ -2072,7 +5354,7 @@
           <a:p>
             <a:fld id="{4F8D6774-96D8-4B42-A844-CE0CDD408D91}" type="datetimeFigureOut">
               <a:rPr lang="en-US" smtClean="0"/>
-              <a:t>3/18/2018</a:t>
+              <a:t>3/19/2018</a:t>
             </a:fld>
             <a:endParaRPr lang="en-US"/>
           </a:p>
@@ -2383,7 +5665,7 @@
           <a:p>
             <a:fld id="{4F8D6774-96D8-4B42-A844-CE0CDD408D91}" type="datetimeFigureOut">
               <a:rPr lang="en-US" smtClean="0"/>
-              <a:t>3/18/2018</a:t>
+              <a:t>3/19/2018</a:t>
             </a:fld>
             <a:endParaRPr lang="en-US"/>
           </a:p>
@@ -2671,7 +5953,7 @@
           <a:p>
             <a:fld id="{4F8D6774-96D8-4B42-A844-CE0CDD408D91}" type="datetimeFigureOut">
               <a:rPr lang="en-US" smtClean="0"/>
-              <a:t>3/18/2018</a:t>
+              <a:t>3/19/2018</a:t>
             </a:fld>
             <a:endParaRPr lang="en-US"/>
           </a:p>
@@ -2912,7 +6194,7 @@
           <a:p>
             <a:fld id="{4F8D6774-96D8-4B42-A844-CE0CDD408D91}" type="datetimeFigureOut">
               <a:rPr lang="en-US" smtClean="0"/>
-              <a:t>3/18/2018</a:t>
+              <a:t>3/19/2018</a:t>
             </a:fld>
             <a:endParaRPr lang="en-US"/>
           </a:p>
@@ -6216,6 +9498,67 @@
 </p:sld>
 </file>
 
+<file path=ppt/slides/slide5.xml><?xml version="1.0" encoding="utf-8"?>
+<p:sld xmlns:a="http://schemas.openxmlformats.org/drawingml/2006/main" xmlns:r="http://schemas.openxmlformats.org/officeDocument/2006/relationships" xmlns:p="http://schemas.openxmlformats.org/presentationml/2006/main">
+  <p:cSld>
+    <p:spTree>
+      <p:nvGrpSpPr>
+        <p:cNvPr id="1" name=""/>
+        <p:cNvGrpSpPr/>
+        <p:nvPr/>
+      </p:nvGrpSpPr>
+      <p:grpSpPr>
+        <a:xfrm>
+          <a:off x="0" y="0"/>
+          <a:ext cx="0" cy="0"/>
+          <a:chOff x="0" y="0"/>
+          <a:chExt cx="0" cy="0"/>
+        </a:xfrm>
+      </p:grpSpPr>
+      <p:graphicFrame>
+        <p:nvGraphicFramePr>
+          <p:cNvPr id="2" name="Diagram 1">
+            <a:extLst>
+              <a:ext uri="{FF2B5EF4-FFF2-40B4-BE49-F238E27FC236}">
+                <a16:creationId xmlns:a16="http://schemas.microsoft.com/office/drawing/2014/main" id="{5C8C11DD-B821-4218-A669-E7D00F5C3A2B}"/>
+              </a:ext>
+            </a:extLst>
+          </p:cNvPr>
+          <p:cNvGraphicFramePr/>
+          <p:nvPr>
+            <p:extLst>
+              <p:ext uri="{D42A27DB-BD31-4B8C-83A1-F6EECF244321}">
+                <p14:modId xmlns:p14="http://schemas.microsoft.com/office/powerpoint/2010/main" val="3458091561"/>
+              </p:ext>
+            </p:extLst>
+          </p:nvPr>
+        </p:nvGraphicFramePr>
+        <p:xfrm>
+          <a:off x="2032000" y="719666"/>
+          <a:ext cx="8128000" cy="5418667"/>
+        </p:xfrm>
+        <a:graphic>
+          <a:graphicData uri="http://schemas.openxmlformats.org/drawingml/2006/diagram">
+            <dgm:relIds xmlns:dgm="http://schemas.openxmlformats.org/drawingml/2006/diagram" xmlns:r="http://schemas.openxmlformats.org/officeDocument/2006/relationships" r:dm="rId2" r:lo="rId3" r:qs="rId4" r:cs="rId5"/>
+          </a:graphicData>
+        </a:graphic>
+      </p:graphicFrame>
+    </p:spTree>
+    <p:extLst>
+      <p:ext uri="{BB962C8B-B14F-4D97-AF65-F5344CB8AC3E}">
+        <p14:creationId xmlns:p14="http://schemas.microsoft.com/office/powerpoint/2010/main" val="2046667566"/>
+      </p:ext>
+    </p:extLst>
+  </p:cSld>
+  <p:clrMapOvr>
+    <a:masterClrMapping/>
+  </p:clrMapOvr>
+  <p:transition spd="slow">
+    <p:push dir="u"/>
+  </p:transition>
+</p:sld>
+</file>
+
 <file path=ppt/theme/theme1.xml><?xml version="1.0" encoding="utf-8"?>
 <a:theme xmlns:a="http://schemas.openxmlformats.org/drawingml/2006/main" name="Office Theme">
   <a:themeElements>

--- a/Notes/Diagrams.pptx
+++ b/Notes/Diagrams.pptx
@@ -10,6 +10,9 @@
     <p:sldId id="258" r:id="rId4"/>
     <p:sldId id="259" r:id="rId5"/>
     <p:sldId id="260" r:id="rId6"/>
+    <p:sldId id="261" r:id="rId7"/>
+    <p:sldId id="262" r:id="rId8"/>
+    <p:sldId id="263" r:id="rId9"/>
   </p:sldIdLst>
   <p:sldSz cx="12192000" cy="6858000"/>
   <p:notesSz cx="6858000" cy="9144000"/>
@@ -3544,7 +3547,7 @@
           <a:p>
             <a:fld id="{4F8D6774-96D8-4B42-A844-CE0CDD408D91}" type="datetimeFigureOut">
               <a:rPr lang="en-US" smtClean="0"/>
-              <a:t>3/19/2018</a:t>
+              <a:t>3/29/2018</a:t>
             </a:fld>
             <a:endParaRPr lang="en-US"/>
           </a:p>
@@ -3742,7 +3745,7 @@
           <a:p>
             <a:fld id="{4F8D6774-96D8-4B42-A844-CE0CDD408D91}" type="datetimeFigureOut">
               <a:rPr lang="en-US" smtClean="0"/>
-              <a:t>3/19/2018</a:t>
+              <a:t>3/29/2018</a:t>
             </a:fld>
             <a:endParaRPr lang="en-US"/>
           </a:p>
@@ -3950,7 +3953,7 @@
           <a:p>
             <a:fld id="{4F8D6774-96D8-4B42-A844-CE0CDD408D91}" type="datetimeFigureOut">
               <a:rPr lang="en-US" smtClean="0"/>
-              <a:t>3/19/2018</a:t>
+              <a:t>3/29/2018</a:t>
             </a:fld>
             <a:endParaRPr lang="en-US"/>
           </a:p>
@@ -4148,7 +4151,7 @@
           <a:p>
             <a:fld id="{4F8D6774-96D8-4B42-A844-CE0CDD408D91}" type="datetimeFigureOut">
               <a:rPr lang="en-US" smtClean="0"/>
-              <a:t>3/19/2018</a:t>
+              <a:t>3/29/2018</a:t>
             </a:fld>
             <a:endParaRPr lang="en-US"/>
           </a:p>
@@ -4423,7 +4426,7 @@
           <a:p>
             <a:fld id="{4F8D6774-96D8-4B42-A844-CE0CDD408D91}" type="datetimeFigureOut">
               <a:rPr lang="en-US" smtClean="0"/>
-              <a:t>3/19/2018</a:t>
+              <a:t>3/29/2018</a:t>
             </a:fld>
             <a:endParaRPr lang="en-US"/>
           </a:p>
@@ -4688,7 +4691,7 @@
           <a:p>
             <a:fld id="{4F8D6774-96D8-4B42-A844-CE0CDD408D91}" type="datetimeFigureOut">
               <a:rPr lang="en-US" smtClean="0"/>
-              <a:t>3/19/2018</a:t>
+              <a:t>3/29/2018</a:t>
             </a:fld>
             <a:endParaRPr lang="en-US"/>
           </a:p>
@@ -5100,7 +5103,7 @@
           <a:p>
             <a:fld id="{4F8D6774-96D8-4B42-A844-CE0CDD408D91}" type="datetimeFigureOut">
               <a:rPr lang="en-US" smtClean="0"/>
-              <a:t>3/19/2018</a:t>
+              <a:t>3/29/2018</a:t>
             </a:fld>
             <a:endParaRPr lang="en-US"/>
           </a:p>
@@ -5241,7 +5244,7 @@
           <a:p>
             <a:fld id="{4F8D6774-96D8-4B42-A844-CE0CDD408D91}" type="datetimeFigureOut">
               <a:rPr lang="en-US" smtClean="0"/>
-              <a:t>3/19/2018</a:t>
+              <a:t>3/29/2018</a:t>
             </a:fld>
             <a:endParaRPr lang="en-US"/>
           </a:p>
@@ -5354,7 +5357,7 @@
           <a:p>
             <a:fld id="{4F8D6774-96D8-4B42-A844-CE0CDD408D91}" type="datetimeFigureOut">
               <a:rPr lang="en-US" smtClean="0"/>
-              <a:t>3/19/2018</a:t>
+              <a:t>3/29/2018</a:t>
             </a:fld>
             <a:endParaRPr lang="en-US"/>
           </a:p>
@@ -5665,7 +5668,7 @@
           <a:p>
             <a:fld id="{4F8D6774-96D8-4B42-A844-CE0CDD408D91}" type="datetimeFigureOut">
               <a:rPr lang="en-US" smtClean="0"/>
-              <a:t>3/19/2018</a:t>
+              <a:t>3/29/2018</a:t>
             </a:fld>
             <a:endParaRPr lang="en-US"/>
           </a:p>
@@ -5953,7 +5956,7 @@
           <a:p>
             <a:fld id="{4F8D6774-96D8-4B42-A844-CE0CDD408D91}" type="datetimeFigureOut">
               <a:rPr lang="en-US" smtClean="0"/>
-              <a:t>3/19/2018</a:t>
+              <a:t>3/29/2018</a:t>
             </a:fld>
             <a:endParaRPr lang="en-US"/>
           </a:p>
@@ -6194,7 +6197,7 @@
           <a:p>
             <a:fld id="{4F8D6774-96D8-4B42-A844-CE0CDD408D91}" type="datetimeFigureOut">
               <a:rPr lang="en-US" smtClean="0"/>
-              <a:t>3/19/2018</a:t>
+              <a:t>3/29/2018</a:t>
             </a:fld>
             <a:endParaRPr lang="en-US"/>
           </a:p>
@@ -9559,6 +9562,7268 @@
 </p:sld>
 </file>
 
+<file path=ppt/slides/slide6.xml><?xml version="1.0" encoding="utf-8"?>
+<p:sld xmlns:a="http://schemas.openxmlformats.org/drawingml/2006/main" xmlns:r="http://schemas.openxmlformats.org/officeDocument/2006/relationships" xmlns:p="http://schemas.openxmlformats.org/presentationml/2006/main">
+  <p:cSld>
+    <p:spTree>
+      <p:nvGrpSpPr>
+        <p:cNvPr id="1" name=""/>
+        <p:cNvGrpSpPr/>
+        <p:nvPr/>
+      </p:nvGrpSpPr>
+      <p:grpSpPr>
+        <a:xfrm>
+          <a:off x="0" y="0"/>
+          <a:ext cx="0" cy="0"/>
+          <a:chOff x="0" y="0"/>
+          <a:chExt cx="0" cy="0"/>
+        </a:xfrm>
+      </p:grpSpPr>
+      <p:sp>
+        <p:nvSpPr>
+          <p:cNvPr id="3" name="TextBox 2">
+            <a:extLst>
+              <a:ext uri="{FF2B5EF4-FFF2-40B4-BE49-F238E27FC236}">
+                <a16:creationId xmlns:a16="http://schemas.microsoft.com/office/drawing/2014/main" id="{31879CF5-56C3-4D02-83E8-354848C43F33}"/>
+              </a:ext>
+            </a:extLst>
+          </p:cNvPr>
+          <p:cNvSpPr txBox="1"/>
+          <p:nvPr/>
+        </p:nvSpPr>
+        <p:spPr>
+          <a:xfrm>
+            <a:off x="5178284" y="1439300"/>
+            <a:ext cx="715618" cy="369332"/>
+          </a:xfrm>
+          <a:prstGeom prst="rect">
+            <a:avLst/>
+          </a:prstGeom>
+          <a:noFill/>
+        </p:spPr>
+        <p:txBody>
+          <a:bodyPr wrap="square" rtlCol="0">
+            <a:spAutoFit/>
+          </a:bodyPr>
+          <a:lstStyle/>
+          <a:p>
+            <a:r>
+              <a:rPr lang="en-US" dirty="0"/>
+              <a:t>ROOT</a:t>
+            </a:r>
+          </a:p>
+        </p:txBody>
+      </p:sp>
+      <p:sp>
+        <p:nvSpPr>
+          <p:cNvPr id="4" name="TextBox 3">
+            <a:extLst>
+              <a:ext uri="{FF2B5EF4-FFF2-40B4-BE49-F238E27FC236}">
+                <a16:creationId xmlns:a16="http://schemas.microsoft.com/office/drawing/2014/main" id="{42F0E689-552C-4F55-BBB0-FB899DE8FE0D}"/>
+              </a:ext>
+            </a:extLst>
+          </p:cNvPr>
+          <p:cNvSpPr txBox="1"/>
+          <p:nvPr/>
+        </p:nvSpPr>
+        <p:spPr>
+          <a:xfrm>
+            <a:off x="5121965" y="2498035"/>
+            <a:ext cx="834887" cy="369332"/>
+          </a:xfrm>
+          <a:prstGeom prst="rect">
+            <a:avLst/>
+          </a:prstGeom>
+          <a:noFill/>
+        </p:spPr>
+        <p:txBody>
+          <a:bodyPr wrap="square" rtlCol="0">
+            <a:spAutoFit/>
+          </a:bodyPr>
+          <a:lstStyle/>
+          <a:p>
+            <a:r>
+              <a:rPr lang="en-US" dirty="0"/>
+              <a:t>carried</a:t>
+            </a:r>
+          </a:p>
+        </p:txBody>
+      </p:sp>
+      <p:sp>
+        <p:nvSpPr>
+          <p:cNvPr id="5" name="TextBox 4">
+            <a:extLst>
+              <a:ext uri="{FF2B5EF4-FFF2-40B4-BE49-F238E27FC236}">
+                <a16:creationId xmlns:a16="http://schemas.microsoft.com/office/drawing/2014/main" id="{F6238D8E-1EF0-490E-B5F1-E5DF12B15505}"/>
+              </a:ext>
+            </a:extLst>
+          </p:cNvPr>
+          <p:cNvSpPr txBox="1"/>
+          <p:nvPr/>
+        </p:nvSpPr>
+        <p:spPr>
+          <a:xfrm>
+            <a:off x="5018493" y="3663076"/>
+            <a:ext cx="1053606" cy="369332"/>
+          </a:xfrm>
+          <a:prstGeom prst="rect">
+            <a:avLst/>
+          </a:prstGeom>
+          <a:noFill/>
+        </p:spPr>
+        <p:txBody>
+          <a:bodyPr wrap="square" rtlCol="0">
+            <a:spAutoFit/>
+          </a:bodyPr>
+          <a:lstStyle/>
+          <a:p>
+            <a:r>
+              <a:rPr lang="en-US" dirty="0"/>
+              <a:t>program</a:t>
+            </a:r>
+          </a:p>
+        </p:txBody>
+      </p:sp>
+      <p:sp>
+        <p:nvSpPr>
+          <p:cNvPr id="6" name="TextBox 5">
+            <a:extLst>
+              <a:ext uri="{FF2B5EF4-FFF2-40B4-BE49-F238E27FC236}">
+                <a16:creationId xmlns:a16="http://schemas.microsoft.com/office/drawing/2014/main" id="{A29E8033-85A6-4793-8832-E408045A4F4D}"/>
+              </a:ext>
+            </a:extLst>
+          </p:cNvPr>
+          <p:cNvSpPr txBox="1"/>
+          <p:nvPr/>
+        </p:nvSpPr>
+        <p:spPr>
+          <a:xfrm>
+            <a:off x="6643446" y="3663076"/>
+            <a:ext cx="823112" cy="369332"/>
+          </a:xfrm>
+          <a:prstGeom prst="rect">
+            <a:avLst/>
+          </a:prstGeom>
+          <a:noFill/>
+        </p:spPr>
+        <p:txBody>
+          <a:bodyPr wrap="square" rtlCol="0">
+            <a:spAutoFit/>
+          </a:bodyPr>
+          <a:lstStyle/>
+          <a:p>
+            <a:r>
+              <a:rPr lang="en-US" dirty="0"/>
+              <a:t>NASA</a:t>
+            </a:r>
+          </a:p>
+        </p:txBody>
+      </p:sp>
+      <p:sp>
+        <p:nvSpPr>
+          <p:cNvPr id="7" name="TextBox 6">
+            <a:extLst>
+              <a:ext uri="{FF2B5EF4-FFF2-40B4-BE49-F238E27FC236}">
+                <a16:creationId xmlns:a16="http://schemas.microsoft.com/office/drawing/2014/main" id="{B351B1B7-0E35-4EC9-95A3-D1F34DF2C63E}"/>
+              </a:ext>
+            </a:extLst>
+          </p:cNvPr>
+          <p:cNvSpPr txBox="1"/>
+          <p:nvPr/>
+        </p:nvSpPr>
+        <p:spPr>
+          <a:xfrm>
+            <a:off x="3727173" y="3707151"/>
+            <a:ext cx="503583" cy="369332"/>
+          </a:xfrm>
+          <a:prstGeom prst="rect">
+            <a:avLst/>
+          </a:prstGeom>
+          <a:noFill/>
+        </p:spPr>
+        <p:txBody>
+          <a:bodyPr wrap="square" rtlCol="0">
+            <a:spAutoFit/>
+          </a:bodyPr>
+          <a:lstStyle/>
+          <a:p>
+            <a:r>
+              <a:rPr lang="en-US" dirty="0"/>
+              <a:t>out</a:t>
+            </a:r>
+          </a:p>
+        </p:txBody>
+      </p:sp>
+      <p:sp>
+        <p:nvSpPr>
+          <p:cNvPr id="8" name="TextBox 7">
+            <a:extLst>
+              <a:ext uri="{FF2B5EF4-FFF2-40B4-BE49-F238E27FC236}">
+                <a16:creationId xmlns:a16="http://schemas.microsoft.com/office/drawing/2014/main" id="{942FB9FB-A9BC-4303-903A-434E4F4E4F51}"/>
+              </a:ext>
+            </a:extLst>
+          </p:cNvPr>
+          <p:cNvSpPr txBox="1"/>
+          <p:nvPr/>
+        </p:nvSpPr>
+        <p:spPr>
+          <a:xfrm>
+            <a:off x="3764408" y="5476363"/>
+            <a:ext cx="834887" cy="369332"/>
+          </a:xfrm>
+          <a:prstGeom prst="rect">
+            <a:avLst/>
+          </a:prstGeom>
+          <a:noFill/>
+        </p:spPr>
+        <p:txBody>
+          <a:bodyPr wrap="square" rtlCol="0">
+            <a:spAutoFit/>
+          </a:bodyPr>
+          <a:lstStyle/>
+          <a:p>
+            <a:r>
+              <a:rPr lang="en-US" dirty="0"/>
+              <a:t>Apollo</a:t>
+            </a:r>
+          </a:p>
+        </p:txBody>
+      </p:sp>
+      <p:sp>
+        <p:nvSpPr>
+          <p:cNvPr id="9" name="TextBox 8">
+            <a:extLst>
+              <a:ext uri="{FF2B5EF4-FFF2-40B4-BE49-F238E27FC236}">
+                <a16:creationId xmlns:a16="http://schemas.microsoft.com/office/drawing/2014/main" id="{EF26EC57-698C-4FD0-B593-59E38BD69D7E}"/>
+              </a:ext>
+            </a:extLst>
+          </p:cNvPr>
+          <p:cNvSpPr txBox="1"/>
+          <p:nvPr/>
+        </p:nvSpPr>
+        <p:spPr>
+          <a:xfrm>
+            <a:off x="6538166" y="5476363"/>
+            <a:ext cx="516836" cy="369332"/>
+          </a:xfrm>
+          <a:prstGeom prst="rect">
+            <a:avLst/>
+          </a:prstGeom>
+          <a:noFill/>
+        </p:spPr>
+        <p:txBody>
+          <a:bodyPr wrap="square" rtlCol="0">
+            <a:spAutoFit/>
+          </a:bodyPr>
+          <a:lstStyle/>
+          <a:p>
+            <a:r>
+              <a:rPr lang="en-US" dirty="0"/>
+              <a:t>the</a:t>
+            </a:r>
+          </a:p>
+        </p:txBody>
+      </p:sp>
+      <p:cxnSp>
+        <p:nvCxnSpPr>
+          <p:cNvPr id="11" name="Straight Arrow Connector 10">
+            <a:extLst>
+              <a:ext uri="{FF2B5EF4-FFF2-40B4-BE49-F238E27FC236}">
+                <a16:creationId xmlns:a16="http://schemas.microsoft.com/office/drawing/2014/main" id="{476DAB35-29CC-48DF-B835-B8AB2889085F}"/>
+              </a:ext>
+            </a:extLst>
+          </p:cNvPr>
+          <p:cNvCxnSpPr>
+            <a:stCxn id="3" idx="2"/>
+            <a:endCxn id="4" idx="0"/>
+          </p:cNvCxnSpPr>
+          <p:nvPr/>
+        </p:nvCxnSpPr>
+        <p:spPr>
+          <a:xfrm>
+            <a:off x="5536093" y="1808632"/>
+            <a:ext cx="3316" cy="689403"/>
+          </a:xfrm>
+          <a:prstGeom prst="straightConnector1">
+            <a:avLst/>
+          </a:prstGeom>
+          <a:ln>
+            <a:solidFill>
+              <a:schemeClr val="tx1"/>
+            </a:solidFill>
+            <a:tailEnd type="triangle"/>
+          </a:ln>
+        </p:spPr>
+        <p:style>
+          <a:lnRef idx="1">
+            <a:schemeClr val="accent1"/>
+          </a:lnRef>
+          <a:fillRef idx="0">
+            <a:schemeClr val="accent1"/>
+          </a:fillRef>
+          <a:effectRef idx="0">
+            <a:schemeClr val="accent1"/>
+          </a:effectRef>
+          <a:fontRef idx="minor">
+            <a:schemeClr val="tx1"/>
+          </a:fontRef>
+        </p:style>
+      </p:cxnSp>
+      <p:cxnSp>
+        <p:nvCxnSpPr>
+          <p:cNvPr id="12" name="Straight Arrow Connector 11">
+            <a:extLst>
+              <a:ext uri="{FF2B5EF4-FFF2-40B4-BE49-F238E27FC236}">
+                <a16:creationId xmlns:a16="http://schemas.microsoft.com/office/drawing/2014/main" id="{0A22C8FA-DFB9-4174-90F3-8D201793065E}"/>
+              </a:ext>
+            </a:extLst>
+          </p:cNvPr>
+          <p:cNvCxnSpPr>
+            <a:cxnSpLocks/>
+            <a:stCxn id="4" idx="2"/>
+            <a:endCxn id="5" idx="0"/>
+          </p:cNvCxnSpPr>
+          <p:nvPr/>
+        </p:nvCxnSpPr>
+        <p:spPr>
+          <a:xfrm>
+            <a:off x="5539409" y="2867367"/>
+            <a:ext cx="5887" cy="795709"/>
+          </a:xfrm>
+          <a:prstGeom prst="straightConnector1">
+            <a:avLst/>
+          </a:prstGeom>
+          <a:ln>
+            <a:solidFill>
+              <a:schemeClr val="tx1"/>
+            </a:solidFill>
+            <a:tailEnd type="triangle"/>
+          </a:ln>
+        </p:spPr>
+        <p:style>
+          <a:lnRef idx="1">
+            <a:schemeClr val="accent1"/>
+          </a:lnRef>
+          <a:fillRef idx="0">
+            <a:schemeClr val="accent1"/>
+          </a:fillRef>
+          <a:effectRef idx="0">
+            <a:schemeClr val="accent1"/>
+          </a:effectRef>
+          <a:fontRef idx="minor">
+            <a:schemeClr val="tx1"/>
+          </a:fontRef>
+        </p:style>
+      </p:cxnSp>
+      <p:cxnSp>
+        <p:nvCxnSpPr>
+          <p:cNvPr id="21" name="Connector: Curved 20">
+            <a:extLst>
+              <a:ext uri="{FF2B5EF4-FFF2-40B4-BE49-F238E27FC236}">
+                <a16:creationId xmlns:a16="http://schemas.microsoft.com/office/drawing/2014/main" id="{BFE43C9D-F4FD-440F-80F3-7556CBAD2653}"/>
+              </a:ext>
+            </a:extLst>
+          </p:cNvPr>
+          <p:cNvCxnSpPr>
+            <a:cxnSpLocks/>
+            <a:stCxn id="4" idx="3"/>
+            <a:endCxn id="6" idx="0"/>
+          </p:cNvCxnSpPr>
+          <p:nvPr/>
+        </p:nvCxnSpPr>
+        <p:spPr>
+          <a:xfrm>
+            <a:off x="5956852" y="2682701"/>
+            <a:ext cx="1098150" cy="980375"/>
+          </a:xfrm>
+          <a:prstGeom prst="curvedConnector2">
+            <a:avLst/>
+          </a:prstGeom>
+          <a:ln>
+            <a:solidFill>
+              <a:schemeClr val="tx1"/>
+            </a:solidFill>
+            <a:tailEnd type="triangle"/>
+          </a:ln>
+        </p:spPr>
+        <p:style>
+          <a:lnRef idx="1">
+            <a:schemeClr val="accent1"/>
+          </a:lnRef>
+          <a:fillRef idx="0">
+            <a:schemeClr val="accent1"/>
+          </a:fillRef>
+          <a:effectRef idx="0">
+            <a:schemeClr val="accent1"/>
+          </a:effectRef>
+          <a:fontRef idx="minor">
+            <a:schemeClr val="tx1"/>
+          </a:fontRef>
+        </p:style>
+      </p:cxnSp>
+      <p:cxnSp>
+        <p:nvCxnSpPr>
+          <p:cNvPr id="22" name="Connector: Curved 21">
+            <a:extLst>
+              <a:ext uri="{FF2B5EF4-FFF2-40B4-BE49-F238E27FC236}">
+                <a16:creationId xmlns:a16="http://schemas.microsoft.com/office/drawing/2014/main" id="{BC1E794D-A645-4C3D-91AA-9BE570C062A1}"/>
+              </a:ext>
+            </a:extLst>
+          </p:cNvPr>
+          <p:cNvCxnSpPr>
+            <a:cxnSpLocks/>
+            <a:stCxn id="4" idx="1"/>
+            <a:endCxn id="7" idx="0"/>
+          </p:cNvCxnSpPr>
+          <p:nvPr/>
+        </p:nvCxnSpPr>
+        <p:spPr>
+          <a:xfrm rot="10800000" flipV="1">
+            <a:off x="3978965" y="2682701"/>
+            <a:ext cx="1143000" cy="1024450"/>
+          </a:xfrm>
+          <a:prstGeom prst="curvedConnector2">
+            <a:avLst/>
+          </a:prstGeom>
+          <a:ln>
+            <a:solidFill>
+              <a:schemeClr val="tx1"/>
+            </a:solidFill>
+            <a:tailEnd type="triangle"/>
+          </a:ln>
+        </p:spPr>
+        <p:style>
+          <a:lnRef idx="1">
+            <a:schemeClr val="accent1"/>
+          </a:lnRef>
+          <a:fillRef idx="0">
+            <a:schemeClr val="accent1"/>
+          </a:fillRef>
+          <a:effectRef idx="0">
+            <a:schemeClr val="accent1"/>
+          </a:effectRef>
+          <a:fontRef idx="minor">
+            <a:schemeClr val="tx1"/>
+          </a:fontRef>
+        </p:style>
+      </p:cxnSp>
+      <p:cxnSp>
+        <p:nvCxnSpPr>
+          <p:cNvPr id="25" name="Connector: Curved 24">
+            <a:extLst>
+              <a:ext uri="{FF2B5EF4-FFF2-40B4-BE49-F238E27FC236}">
+                <a16:creationId xmlns:a16="http://schemas.microsoft.com/office/drawing/2014/main" id="{B4DF2B12-92D1-4177-9A6C-D9FA85DE6869}"/>
+              </a:ext>
+            </a:extLst>
+          </p:cNvPr>
+          <p:cNvCxnSpPr>
+            <a:cxnSpLocks/>
+            <a:stCxn id="5" idx="3"/>
+            <a:endCxn id="9" idx="0"/>
+          </p:cNvCxnSpPr>
+          <p:nvPr/>
+        </p:nvCxnSpPr>
+        <p:spPr>
+          <a:xfrm>
+            <a:off x="6072099" y="3847742"/>
+            <a:ext cx="724485" cy="1628621"/>
+          </a:xfrm>
+          <a:prstGeom prst="curvedConnector2">
+            <a:avLst/>
+          </a:prstGeom>
+          <a:ln>
+            <a:solidFill>
+              <a:schemeClr val="tx1"/>
+            </a:solidFill>
+            <a:tailEnd type="triangle"/>
+          </a:ln>
+        </p:spPr>
+        <p:style>
+          <a:lnRef idx="1">
+            <a:schemeClr val="accent1"/>
+          </a:lnRef>
+          <a:fillRef idx="0">
+            <a:schemeClr val="accent1"/>
+          </a:fillRef>
+          <a:effectRef idx="0">
+            <a:schemeClr val="accent1"/>
+          </a:effectRef>
+          <a:fontRef idx="minor">
+            <a:schemeClr val="tx1"/>
+          </a:fontRef>
+        </p:style>
+      </p:cxnSp>
+      <p:cxnSp>
+        <p:nvCxnSpPr>
+          <p:cNvPr id="29" name="Connector: Curved 28">
+            <a:extLst>
+              <a:ext uri="{FF2B5EF4-FFF2-40B4-BE49-F238E27FC236}">
+                <a16:creationId xmlns:a16="http://schemas.microsoft.com/office/drawing/2014/main" id="{F3E8008D-5499-41AE-AFE9-C6DF65046C6F}"/>
+              </a:ext>
+            </a:extLst>
+          </p:cNvPr>
+          <p:cNvCxnSpPr>
+            <a:cxnSpLocks/>
+            <a:stCxn id="5" idx="1"/>
+            <a:endCxn id="8" idx="0"/>
+          </p:cNvCxnSpPr>
+          <p:nvPr/>
+        </p:nvCxnSpPr>
+        <p:spPr>
+          <a:xfrm rot="10800000" flipV="1">
+            <a:off x="4181853" y="3847741"/>
+            <a:ext cx="836641" cy="1628621"/>
+          </a:xfrm>
+          <a:prstGeom prst="curvedConnector2">
+            <a:avLst/>
+          </a:prstGeom>
+          <a:ln>
+            <a:solidFill>
+              <a:schemeClr val="tx1"/>
+            </a:solidFill>
+            <a:tailEnd type="triangle"/>
+          </a:ln>
+        </p:spPr>
+        <p:style>
+          <a:lnRef idx="1">
+            <a:schemeClr val="accent1"/>
+          </a:lnRef>
+          <a:fillRef idx="0">
+            <a:schemeClr val="accent1"/>
+          </a:fillRef>
+          <a:effectRef idx="0">
+            <a:schemeClr val="accent1"/>
+          </a:effectRef>
+          <a:fontRef idx="minor">
+            <a:schemeClr val="tx1"/>
+          </a:fontRef>
+        </p:style>
+      </p:cxnSp>
+      <p:sp>
+        <p:nvSpPr>
+          <p:cNvPr id="34" name="TextBox 33">
+            <a:extLst>
+              <a:ext uri="{FF2B5EF4-FFF2-40B4-BE49-F238E27FC236}">
+                <a16:creationId xmlns:a16="http://schemas.microsoft.com/office/drawing/2014/main" id="{B58CCCDE-BC4A-4E77-9BFF-4F157844CBFA}"/>
+              </a:ext>
+            </a:extLst>
+          </p:cNvPr>
+          <p:cNvSpPr txBox="1"/>
+          <p:nvPr/>
+        </p:nvSpPr>
+        <p:spPr>
+          <a:xfrm>
+            <a:off x="5261115" y="3053955"/>
+            <a:ext cx="695737" cy="369332"/>
+          </a:xfrm>
+          <a:prstGeom prst="rect">
+            <a:avLst/>
+          </a:prstGeom>
+          <a:solidFill>
+            <a:schemeClr val="bg1"/>
+          </a:solidFill>
+        </p:spPr>
+        <p:txBody>
+          <a:bodyPr wrap="square" rtlCol="0">
+            <a:spAutoFit/>
+          </a:bodyPr>
+          <a:lstStyle/>
+          <a:p>
+            <a:r>
+              <a:rPr lang="en-US" i="1" dirty="0">
+                <a:solidFill>
+                  <a:schemeClr val="bg1">
+                    <a:lumMod val="50000"/>
+                  </a:schemeClr>
+                </a:solidFill>
+              </a:rPr>
+              <a:t>dobj</a:t>
+            </a:r>
+          </a:p>
+        </p:txBody>
+      </p:sp>
+      <p:sp>
+        <p:nvSpPr>
+          <p:cNvPr id="35" name="TextBox 34">
+            <a:extLst>
+              <a:ext uri="{FF2B5EF4-FFF2-40B4-BE49-F238E27FC236}">
+                <a16:creationId xmlns:a16="http://schemas.microsoft.com/office/drawing/2014/main" id="{1523EB01-E38C-4F31-AA8F-4372F399120F}"/>
+              </a:ext>
+            </a:extLst>
+          </p:cNvPr>
+          <p:cNvSpPr txBox="1"/>
+          <p:nvPr/>
+        </p:nvSpPr>
+        <p:spPr>
+          <a:xfrm>
+            <a:off x="5271052" y="1883595"/>
+            <a:ext cx="695737" cy="369332"/>
+          </a:xfrm>
+          <a:prstGeom prst="rect">
+            <a:avLst/>
+          </a:prstGeom>
+          <a:solidFill>
+            <a:schemeClr val="bg1"/>
+          </a:solidFill>
+        </p:spPr>
+        <p:txBody>
+          <a:bodyPr wrap="square" rtlCol="0">
+            <a:spAutoFit/>
+          </a:bodyPr>
+          <a:lstStyle/>
+          <a:p>
+            <a:r>
+              <a:rPr lang="en-US" i="1" dirty="0">
+                <a:solidFill>
+                  <a:schemeClr val="bg1">
+                    <a:lumMod val="50000"/>
+                  </a:schemeClr>
+                </a:solidFill>
+              </a:rPr>
+              <a:t>root</a:t>
+            </a:r>
+          </a:p>
+        </p:txBody>
+      </p:sp>
+      <p:sp>
+        <p:nvSpPr>
+          <p:cNvPr id="37" name="TextBox 36">
+            <a:extLst>
+              <a:ext uri="{FF2B5EF4-FFF2-40B4-BE49-F238E27FC236}">
+                <a16:creationId xmlns:a16="http://schemas.microsoft.com/office/drawing/2014/main" id="{87124D9B-1A7A-4FB2-BA97-F5D1C967B9FD}"/>
+              </a:ext>
+            </a:extLst>
+          </p:cNvPr>
+          <p:cNvSpPr txBox="1"/>
+          <p:nvPr/>
+        </p:nvSpPr>
+        <p:spPr>
+          <a:xfrm rot="19623609">
+            <a:off x="4186790" y="2759834"/>
+            <a:ext cx="518487" cy="369332"/>
+          </a:xfrm>
+          <a:prstGeom prst="rect">
+            <a:avLst/>
+          </a:prstGeom>
+          <a:solidFill>
+            <a:schemeClr val="bg1"/>
+          </a:solidFill>
+        </p:spPr>
+        <p:txBody>
+          <a:bodyPr wrap="square" rtlCol="0">
+            <a:spAutoFit/>
+          </a:bodyPr>
+          <a:lstStyle/>
+          <a:p>
+            <a:r>
+              <a:rPr lang="en-US" i="1" dirty="0">
+                <a:solidFill>
+                  <a:schemeClr val="bg1">
+                    <a:lumMod val="50000"/>
+                  </a:schemeClr>
+                </a:solidFill>
+              </a:rPr>
+              <a:t>prt</a:t>
+            </a:r>
+          </a:p>
+        </p:txBody>
+      </p:sp>
+      <p:sp>
+        <p:nvSpPr>
+          <p:cNvPr id="38" name="TextBox 37">
+            <a:extLst>
+              <a:ext uri="{FF2B5EF4-FFF2-40B4-BE49-F238E27FC236}">
+                <a16:creationId xmlns:a16="http://schemas.microsoft.com/office/drawing/2014/main" id="{4BC812DE-7F66-4F13-85D8-E2FF7753248C}"/>
+              </a:ext>
+            </a:extLst>
+          </p:cNvPr>
+          <p:cNvSpPr txBox="1"/>
+          <p:nvPr/>
+        </p:nvSpPr>
+        <p:spPr>
+          <a:xfrm rot="1405041">
+            <a:off x="6309256" y="2752553"/>
+            <a:ext cx="742491" cy="369332"/>
+          </a:xfrm>
+          <a:prstGeom prst="rect">
+            <a:avLst/>
+          </a:prstGeom>
+          <a:solidFill>
+            <a:schemeClr val="bg1"/>
+          </a:solidFill>
+        </p:spPr>
+        <p:txBody>
+          <a:bodyPr wrap="square" rtlCol="0">
+            <a:spAutoFit/>
+          </a:bodyPr>
+          <a:lstStyle/>
+          <a:p>
+            <a:r>
+              <a:rPr lang="en-US" i="1" dirty="0">
+                <a:solidFill>
+                  <a:schemeClr val="bg1">
+                    <a:lumMod val="50000"/>
+                  </a:schemeClr>
+                </a:solidFill>
+              </a:rPr>
+              <a:t>nsubj</a:t>
+            </a:r>
+          </a:p>
+        </p:txBody>
+      </p:sp>
+      <p:sp>
+        <p:nvSpPr>
+          <p:cNvPr id="39" name="TextBox 38">
+            <a:extLst>
+              <a:ext uri="{FF2B5EF4-FFF2-40B4-BE49-F238E27FC236}">
+                <a16:creationId xmlns:a16="http://schemas.microsoft.com/office/drawing/2014/main" id="{6DC4906A-159B-4261-9CCD-4EC13DA5F41E}"/>
+              </a:ext>
+            </a:extLst>
+          </p:cNvPr>
+          <p:cNvSpPr txBox="1"/>
+          <p:nvPr/>
+        </p:nvSpPr>
+        <p:spPr>
+          <a:xfrm rot="4383880">
+            <a:off x="6384202" y="4477385"/>
+            <a:ext cx="518487" cy="369332"/>
+          </a:xfrm>
+          <a:prstGeom prst="rect">
+            <a:avLst/>
+          </a:prstGeom>
+          <a:solidFill>
+            <a:schemeClr val="bg1"/>
+          </a:solidFill>
+        </p:spPr>
+        <p:txBody>
+          <a:bodyPr wrap="square" rtlCol="0">
+            <a:spAutoFit/>
+          </a:bodyPr>
+          <a:lstStyle/>
+          <a:p>
+            <a:r>
+              <a:rPr lang="en-US" i="1" dirty="0">
+                <a:solidFill>
+                  <a:schemeClr val="bg1">
+                    <a:lumMod val="50000"/>
+                  </a:schemeClr>
+                </a:solidFill>
+              </a:rPr>
+              <a:t>det</a:t>
+            </a:r>
+          </a:p>
+        </p:txBody>
+      </p:sp>
+      <p:sp>
+        <p:nvSpPr>
+          <p:cNvPr id="42" name="TextBox 41">
+            <a:extLst>
+              <a:ext uri="{FF2B5EF4-FFF2-40B4-BE49-F238E27FC236}">
+                <a16:creationId xmlns:a16="http://schemas.microsoft.com/office/drawing/2014/main" id="{CD88B33E-7818-4138-88BB-E2AD6A4E7FC9}"/>
+              </a:ext>
+            </a:extLst>
+          </p:cNvPr>
+          <p:cNvSpPr txBox="1"/>
+          <p:nvPr/>
+        </p:nvSpPr>
+        <p:spPr>
+          <a:xfrm rot="17572399">
+            <a:off x="3798639" y="4316936"/>
+            <a:ext cx="1294787" cy="369332"/>
+          </a:xfrm>
+          <a:prstGeom prst="rect">
+            <a:avLst/>
+          </a:prstGeom>
+          <a:solidFill>
+            <a:schemeClr val="bg1"/>
+          </a:solidFill>
+        </p:spPr>
+        <p:txBody>
+          <a:bodyPr wrap="square" rtlCol="0">
+            <a:spAutoFit/>
+          </a:bodyPr>
+          <a:lstStyle/>
+          <a:p>
+            <a:r>
+              <a:rPr lang="en-US" i="1" dirty="0">
+                <a:solidFill>
+                  <a:schemeClr val="bg1">
+                    <a:lumMod val="50000"/>
+                  </a:schemeClr>
+                </a:solidFill>
+              </a:rPr>
+              <a:t>compound</a:t>
+            </a:r>
+          </a:p>
+        </p:txBody>
+      </p:sp>
+    </p:spTree>
+    <p:extLst>
+      <p:ext uri="{BB962C8B-B14F-4D97-AF65-F5344CB8AC3E}">
+        <p14:creationId xmlns:p14="http://schemas.microsoft.com/office/powerpoint/2010/main" val="807170021"/>
+      </p:ext>
+    </p:extLst>
+  </p:cSld>
+  <p:clrMapOvr>
+    <a:masterClrMapping/>
+  </p:clrMapOvr>
+  <p:transition spd="slow">
+    <p:push dir="u"/>
+  </p:transition>
+</p:sld>
+</file>
+
+<file path=ppt/slides/slide7.xml><?xml version="1.0" encoding="utf-8"?>
+<p:sld xmlns:a="http://schemas.openxmlformats.org/drawingml/2006/main" xmlns:r="http://schemas.openxmlformats.org/officeDocument/2006/relationships" xmlns:p="http://schemas.openxmlformats.org/presentationml/2006/main">
+  <p:cSld>
+    <p:spTree>
+      <p:nvGrpSpPr>
+        <p:cNvPr id="1" name=""/>
+        <p:cNvGrpSpPr/>
+        <p:nvPr/>
+      </p:nvGrpSpPr>
+      <p:grpSpPr>
+        <a:xfrm>
+          <a:off x="0" y="0"/>
+          <a:ext cx="0" cy="0"/>
+          <a:chOff x="0" y="0"/>
+          <a:chExt cx="0" cy="0"/>
+        </a:xfrm>
+      </p:grpSpPr>
+      <p:sp>
+        <p:nvSpPr>
+          <p:cNvPr id="2" name="Oval 1">
+            <a:extLst>
+              <a:ext uri="{FF2B5EF4-FFF2-40B4-BE49-F238E27FC236}">
+                <a16:creationId xmlns:a16="http://schemas.microsoft.com/office/drawing/2014/main" id="{FA49AFBC-F2FE-4AF5-A92E-F28EC6BFC6DA}"/>
+              </a:ext>
+            </a:extLst>
+          </p:cNvPr>
+          <p:cNvSpPr/>
+          <p:nvPr/>
+        </p:nvSpPr>
+        <p:spPr>
+          <a:xfrm>
+            <a:off x="5208105" y="1351721"/>
+            <a:ext cx="1449870" cy="448503"/>
+          </a:xfrm>
+          <a:prstGeom prst="ellipse">
+            <a:avLst/>
+          </a:prstGeom>
+          <a:solidFill>
+            <a:schemeClr val="accent6">
+              <a:lumMod val="60000"/>
+              <a:lumOff val="40000"/>
+            </a:schemeClr>
+          </a:solidFill>
+          <a:ln w="41275" cmpd="dbl">
+            <a:solidFill>
+              <a:schemeClr val="dk1"/>
+            </a:solidFill>
+          </a:ln>
+        </p:spPr>
+        <p:style>
+          <a:lnRef idx="2">
+            <a:schemeClr val="dk1"/>
+          </a:lnRef>
+          <a:fillRef idx="1">
+            <a:schemeClr val="lt1"/>
+          </a:fillRef>
+          <a:effectRef idx="0">
+            <a:schemeClr val="dk1"/>
+          </a:effectRef>
+          <a:fontRef idx="minor">
+            <a:schemeClr val="dk1"/>
+          </a:fontRef>
+        </p:style>
+        <p:txBody>
+          <a:bodyPr rtlCol="0" anchor="ctr"/>
+          <a:lstStyle/>
+          <a:p>
+            <a:pPr algn="ctr"/>
+            <a:r>
+              <a:rPr lang="en-US" sz="1400" dirty="0"/>
+              <a:t>introduced</a:t>
+            </a:r>
+          </a:p>
+        </p:txBody>
+      </p:sp>
+      <p:sp>
+        <p:nvSpPr>
+          <p:cNvPr id="23" name="Oval 22">
+            <a:extLst>
+              <a:ext uri="{FF2B5EF4-FFF2-40B4-BE49-F238E27FC236}">
+                <a16:creationId xmlns:a16="http://schemas.microsoft.com/office/drawing/2014/main" id="{DB5925ED-16BE-4792-B80E-106320E2405C}"/>
+              </a:ext>
+            </a:extLst>
+          </p:cNvPr>
+          <p:cNvSpPr/>
+          <p:nvPr/>
+        </p:nvSpPr>
+        <p:spPr>
+          <a:xfrm>
+            <a:off x="3119027" y="2377728"/>
+            <a:ext cx="1154595" cy="362779"/>
+          </a:xfrm>
+          <a:prstGeom prst="ellipse">
+            <a:avLst/>
+          </a:prstGeom>
+          <a:solidFill>
+            <a:schemeClr val="accent5">
+              <a:lumMod val="40000"/>
+              <a:lumOff val="60000"/>
+            </a:schemeClr>
+          </a:solidFill>
+          <a:ln w="41275" cmpd="dbl">
+            <a:solidFill>
+              <a:schemeClr val="dk1"/>
+            </a:solidFill>
+          </a:ln>
+        </p:spPr>
+        <p:style>
+          <a:lnRef idx="2">
+            <a:schemeClr val="dk1"/>
+          </a:lnRef>
+          <a:fillRef idx="1">
+            <a:schemeClr val="lt1"/>
+          </a:fillRef>
+          <a:effectRef idx="0">
+            <a:schemeClr val="dk1"/>
+          </a:effectRef>
+          <a:fontRef idx="minor">
+            <a:schemeClr val="dk1"/>
+          </a:fontRef>
+        </p:style>
+        <p:txBody>
+          <a:bodyPr rtlCol="0" anchor="ctr"/>
+          <a:lstStyle/>
+          <a:p>
+            <a:pPr algn="ctr"/>
+            <a:r>
+              <a:rPr lang="en-US" sz="1400" dirty="0"/>
+              <a:t>features</a:t>
+            </a:r>
+          </a:p>
+        </p:txBody>
+      </p:sp>
+      <p:sp>
+        <p:nvSpPr>
+          <p:cNvPr id="24" name="Oval 23">
+            <a:extLst>
+              <a:ext uri="{FF2B5EF4-FFF2-40B4-BE49-F238E27FC236}">
+                <a16:creationId xmlns:a16="http://schemas.microsoft.com/office/drawing/2014/main" id="{2A00FD04-F605-4FD7-9663-918182FC73D5}"/>
+              </a:ext>
+            </a:extLst>
+          </p:cNvPr>
+          <p:cNvSpPr/>
+          <p:nvPr/>
+        </p:nvSpPr>
+        <p:spPr>
+          <a:xfrm>
+            <a:off x="5177667" y="2980496"/>
+            <a:ext cx="729698" cy="353254"/>
+          </a:xfrm>
+          <a:prstGeom prst="ellipse">
+            <a:avLst/>
+          </a:prstGeom>
+          <a:solidFill>
+            <a:schemeClr val="accent2">
+              <a:lumMod val="20000"/>
+              <a:lumOff val="80000"/>
+            </a:schemeClr>
+          </a:solidFill>
+          <a:ln w="41275" cmpd="dbl">
+            <a:solidFill>
+              <a:schemeClr val="dk1"/>
+            </a:solidFill>
+          </a:ln>
+        </p:spPr>
+        <p:style>
+          <a:lnRef idx="2">
+            <a:schemeClr val="dk1"/>
+          </a:lnRef>
+          <a:fillRef idx="1">
+            <a:schemeClr val="lt1"/>
+          </a:fillRef>
+          <a:effectRef idx="0">
+            <a:schemeClr val="dk1"/>
+          </a:effectRef>
+          <a:fontRef idx="minor">
+            <a:schemeClr val="dk1"/>
+          </a:fontRef>
+        </p:style>
+        <p:txBody>
+          <a:bodyPr rtlCol="0" anchor="ctr"/>
+          <a:lstStyle/>
+          <a:p>
+            <a:pPr algn="ctr"/>
+            <a:r>
+              <a:rPr lang="en-US" sz="1400" dirty="0"/>
+              <a:t>lets</a:t>
+            </a:r>
+          </a:p>
+        </p:txBody>
+      </p:sp>
+      <p:sp>
+        <p:nvSpPr>
+          <p:cNvPr id="26" name="Oval 25">
+            <a:extLst>
+              <a:ext uri="{FF2B5EF4-FFF2-40B4-BE49-F238E27FC236}">
+                <a16:creationId xmlns:a16="http://schemas.microsoft.com/office/drawing/2014/main" id="{95FCD03A-F864-404F-B96C-34A0BA873B1C}"/>
+              </a:ext>
+            </a:extLst>
+          </p:cNvPr>
+          <p:cNvSpPr/>
+          <p:nvPr/>
+        </p:nvSpPr>
+        <p:spPr>
+          <a:xfrm>
+            <a:off x="6553200" y="2232368"/>
+            <a:ext cx="1771650" cy="353254"/>
+          </a:xfrm>
+          <a:prstGeom prst="ellipse">
+            <a:avLst/>
+          </a:prstGeom>
+          <a:solidFill>
+            <a:schemeClr val="accent4">
+              <a:lumMod val="40000"/>
+              <a:lumOff val="60000"/>
+            </a:schemeClr>
+          </a:solidFill>
+          <a:ln w="41275" cmpd="dbl">
+            <a:solidFill>
+              <a:schemeClr val="dk1"/>
+            </a:solidFill>
+          </a:ln>
+        </p:spPr>
+        <p:style>
+          <a:lnRef idx="2">
+            <a:schemeClr val="dk1"/>
+          </a:lnRef>
+          <a:fillRef idx="1">
+            <a:schemeClr val="lt1"/>
+          </a:fillRef>
+          <a:effectRef idx="0">
+            <a:schemeClr val="dk1"/>
+          </a:effectRef>
+          <a:fontRef idx="minor">
+            <a:schemeClr val="dk1"/>
+          </a:fontRef>
+        </p:style>
+        <p:txBody>
+          <a:bodyPr rtlCol="0" anchor="ctr"/>
+          <a:lstStyle/>
+          <a:p>
+            <a:pPr algn="ctr"/>
+            <a:r>
+              <a:rPr lang="en-US" sz="1400" dirty="0"/>
+              <a:t>communicate</a:t>
+            </a:r>
+          </a:p>
+        </p:txBody>
+      </p:sp>
+      <p:sp>
+        <p:nvSpPr>
+          <p:cNvPr id="27" name="Oval 26">
+            <a:extLst>
+              <a:ext uri="{FF2B5EF4-FFF2-40B4-BE49-F238E27FC236}">
+                <a16:creationId xmlns:a16="http://schemas.microsoft.com/office/drawing/2014/main" id="{B74B89FA-8ECE-498E-B24C-590240014156}"/>
+              </a:ext>
+            </a:extLst>
+          </p:cNvPr>
+          <p:cNvSpPr/>
+          <p:nvPr/>
+        </p:nvSpPr>
+        <p:spPr>
+          <a:xfrm>
+            <a:off x="5737778" y="3783131"/>
+            <a:ext cx="1438275" cy="353254"/>
+          </a:xfrm>
+          <a:prstGeom prst="ellipse">
+            <a:avLst/>
+          </a:prstGeom>
+          <a:solidFill>
+            <a:schemeClr val="accent2">
+              <a:lumMod val="40000"/>
+              <a:lumOff val="60000"/>
+            </a:schemeClr>
+          </a:solidFill>
+          <a:ln w="41275" cmpd="dbl">
+            <a:solidFill>
+              <a:schemeClr val="dk1"/>
+            </a:solidFill>
+          </a:ln>
+        </p:spPr>
+        <p:style>
+          <a:lnRef idx="2">
+            <a:schemeClr val="dk1"/>
+          </a:lnRef>
+          <a:fillRef idx="1">
+            <a:schemeClr val="lt1"/>
+          </a:fillRef>
+          <a:effectRef idx="0">
+            <a:schemeClr val="dk1"/>
+          </a:effectRef>
+          <a:fontRef idx="minor">
+            <a:schemeClr val="dk1"/>
+          </a:fontRef>
+        </p:style>
+        <p:txBody>
+          <a:bodyPr rtlCol="0" anchor="ctr"/>
+          <a:lstStyle/>
+          <a:p>
+            <a:pPr algn="ctr"/>
+            <a:r>
+              <a:rPr lang="en-US" sz="1400" dirty="0"/>
+              <a:t>exchanging</a:t>
+            </a:r>
+          </a:p>
+        </p:txBody>
+      </p:sp>
+      <p:sp>
+        <p:nvSpPr>
+          <p:cNvPr id="10" name="Rectangle 9">
+            <a:extLst>
+              <a:ext uri="{FF2B5EF4-FFF2-40B4-BE49-F238E27FC236}">
+                <a16:creationId xmlns:a16="http://schemas.microsoft.com/office/drawing/2014/main" id="{6E5891C0-1EB7-4425-BBB5-30EED100516F}"/>
+              </a:ext>
+            </a:extLst>
+          </p:cNvPr>
+          <p:cNvSpPr/>
+          <p:nvPr/>
+        </p:nvSpPr>
+        <p:spPr>
+          <a:xfrm>
+            <a:off x="5109128" y="2151820"/>
+            <a:ext cx="866775" cy="285750"/>
+          </a:xfrm>
+          <a:prstGeom prst="rect">
+            <a:avLst/>
+          </a:prstGeom>
+          <a:solidFill>
+            <a:schemeClr val="bg1">
+              <a:lumMod val="95000"/>
+            </a:schemeClr>
+          </a:solidFill>
+        </p:spPr>
+        <p:style>
+          <a:lnRef idx="2">
+            <a:schemeClr val="dk1"/>
+          </a:lnRef>
+          <a:fillRef idx="1">
+            <a:schemeClr val="lt1"/>
+          </a:fillRef>
+          <a:effectRef idx="0">
+            <a:schemeClr val="dk1"/>
+          </a:effectRef>
+          <a:fontRef idx="minor">
+            <a:schemeClr val="dk1"/>
+          </a:fontRef>
+        </p:style>
+        <p:txBody>
+          <a:bodyPr rtlCol="0" anchor="ctr"/>
+          <a:lstStyle/>
+          <a:p>
+            <a:pPr algn="ctr"/>
+            <a:r>
+              <a:rPr lang="en-US" sz="1400" dirty="0"/>
+              <a:t>mittomo</a:t>
+            </a:r>
+          </a:p>
+        </p:txBody>
+      </p:sp>
+      <p:sp>
+        <p:nvSpPr>
+          <p:cNvPr id="28" name="Rectangle 27">
+            <a:extLst>
+              <a:ext uri="{FF2B5EF4-FFF2-40B4-BE49-F238E27FC236}">
+                <a16:creationId xmlns:a16="http://schemas.microsoft.com/office/drawing/2014/main" id="{27BDF84A-6ED3-443E-A99F-CF5FA995E487}"/>
+              </a:ext>
+            </a:extLst>
+          </p:cNvPr>
+          <p:cNvSpPr/>
+          <p:nvPr/>
+        </p:nvSpPr>
+        <p:spPr>
+          <a:xfrm>
+            <a:off x="4210880" y="846895"/>
+            <a:ext cx="866775" cy="285750"/>
+          </a:xfrm>
+          <a:prstGeom prst="rect">
+            <a:avLst/>
+          </a:prstGeom>
+          <a:solidFill>
+            <a:schemeClr val="accent6">
+              <a:lumMod val="60000"/>
+              <a:lumOff val="40000"/>
+            </a:schemeClr>
+          </a:solidFill>
+        </p:spPr>
+        <p:style>
+          <a:lnRef idx="2">
+            <a:schemeClr val="dk1"/>
+          </a:lnRef>
+          <a:fillRef idx="1">
+            <a:schemeClr val="lt1"/>
+          </a:fillRef>
+          <a:effectRef idx="0">
+            <a:schemeClr val="dk1"/>
+          </a:effectRef>
+          <a:fontRef idx="minor">
+            <a:schemeClr val="dk1"/>
+          </a:fontRef>
+        </p:style>
+        <p:txBody>
+          <a:bodyPr rtlCol="0" anchor="ctr"/>
+          <a:lstStyle/>
+          <a:p>
+            <a:pPr algn="ctr"/>
+            <a:r>
+              <a:rPr lang="en-US" sz="1400" dirty="0"/>
+              <a:t>globally</a:t>
+            </a:r>
+          </a:p>
+        </p:txBody>
+      </p:sp>
+      <p:sp>
+        <p:nvSpPr>
+          <p:cNvPr id="30" name="Rectangle 29">
+            <a:extLst>
+              <a:ext uri="{FF2B5EF4-FFF2-40B4-BE49-F238E27FC236}">
+                <a16:creationId xmlns:a16="http://schemas.microsoft.com/office/drawing/2014/main" id="{1A95AA1C-E497-4F76-AB59-ABA0E6539C5D}"/>
+              </a:ext>
+            </a:extLst>
+          </p:cNvPr>
+          <p:cNvSpPr/>
+          <p:nvPr/>
+        </p:nvSpPr>
+        <p:spPr>
+          <a:xfrm>
+            <a:off x="6553200" y="704020"/>
+            <a:ext cx="576263" cy="285750"/>
+          </a:xfrm>
+          <a:prstGeom prst="rect">
+            <a:avLst/>
+          </a:prstGeom>
+          <a:solidFill>
+            <a:schemeClr val="accent6">
+              <a:lumMod val="60000"/>
+              <a:lumOff val="40000"/>
+            </a:schemeClr>
+          </a:solidFill>
+        </p:spPr>
+        <p:style>
+          <a:lnRef idx="2">
+            <a:schemeClr val="dk1"/>
+          </a:lnRef>
+          <a:fillRef idx="1">
+            <a:schemeClr val="lt1"/>
+          </a:fillRef>
+          <a:effectRef idx="0">
+            <a:schemeClr val="dk1"/>
+          </a:effectRef>
+          <a:fontRef idx="minor">
+            <a:schemeClr val="dk1"/>
+          </a:fontRef>
+        </p:style>
+        <p:txBody>
+          <a:bodyPr rtlCol="0" anchor="ctr"/>
+          <a:lstStyle/>
+          <a:p>
+            <a:pPr algn="ctr"/>
+            <a:r>
+              <a:rPr lang="en-US" sz="1400" dirty="0"/>
+              <a:t>2016</a:t>
+            </a:r>
+          </a:p>
+        </p:txBody>
+      </p:sp>
+      <p:sp>
+        <p:nvSpPr>
+          <p:cNvPr id="31" name="Rectangle 30">
+            <a:extLst>
+              <a:ext uri="{FF2B5EF4-FFF2-40B4-BE49-F238E27FC236}">
+                <a16:creationId xmlns:a16="http://schemas.microsoft.com/office/drawing/2014/main" id="{E516CA25-12A2-41EB-84C7-E3DB70736FB4}"/>
+              </a:ext>
+            </a:extLst>
+          </p:cNvPr>
+          <p:cNvSpPr/>
+          <p:nvPr/>
+        </p:nvSpPr>
+        <p:spPr>
+          <a:xfrm>
+            <a:off x="7272337" y="1426099"/>
+            <a:ext cx="909638" cy="285750"/>
+          </a:xfrm>
+          <a:prstGeom prst="rect">
+            <a:avLst/>
+          </a:prstGeom>
+          <a:solidFill>
+            <a:schemeClr val="accent6">
+              <a:lumMod val="60000"/>
+              <a:lumOff val="40000"/>
+            </a:schemeClr>
+          </a:solidFill>
+        </p:spPr>
+        <p:style>
+          <a:lnRef idx="2">
+            <a:schemeClr val="dk1"/>
+          </a:lnRef>
+          <a:fillRef idx="1">
+            <a:schemeClr val="lt1"/>
+          </a:fillRef>
+          <a:effectRef idx="0">
+            <a:schemeClr val="dk1"/>
+          </a:effectRef>
+          <a:fontRef idx="minor">
+            <a:schemeClr val="dk1"/>
+          </a:fontRef>
+        </p:style>
+        <p:txBody>
+          <a:bodyPr rtlCol="0" anchor="ctr"/>
+          <a:lstStyle/>
+          <a:p>
+            <a:pPr algn="ctr"/>
+            <a:r>
+              <a:rPr lang="en-US" sz="1400" dirty="0"/>
+              <a:t>nintendo</a:t>
+            </a:r>
+          </a:p>
+        </p:txBody>
+      </p:sp>
+      <p:sp>
+        <p:nvSpPr>
+          <p:cNvPr id="13" name="Diamond 12">
+            <a:extLst>
+              <a:ext uri="{FF2B5EF4-FFF2-40B4-BE49-F238E27FC236}">
+                <a16:creationId xmlns:a16="http://schemas.microsoft.com/office/drawing/2014/main" id="{E3A13529-5867-4173-97D3-040511595951}"/>
+              </a:ext>
+            </a:extLst>
+          </p:cNvPr>
+          <p:cNvSpPr/>
+          <p:nvPr/>
+        </p:nvSpPr>
+        <p:spPr>
+          <a:xfrm>
+            <a:off x="7631906" y="613947"/>
+            <a:ext cx="692944" cy="465895"/>
+          </a:xfrm>
+          <a:prstGeom prst="diamond">
+            <a:avLst/>
+          </a:prstGeom>
+          <a:solidFill>
+            <a:schemeClr val="accent6">
+              <a:lumMod val="60000"/>
+              <a:lumOff val="40000"/>
+            </a:schemeClr>
+          </a:solidFill>
+        </p:spPr>
+        <p:style>
+          <a:lnRef idx="2">
+            <a:schemeClr val="dk1"/>
+          </a:lnRef>
+          <a:fillRef idx="1">
+            <a:schemeClr val="lt1"/>
+          </a:fillRef>
+          <a:effectRef idx="0">
+            <a:schemeClr val="dk1"/>
+          </a:effectRef>
+          <a:fontRef idx="minor">
+            <a:schemeClr val="dk1"/>
+          </a:fontRef>
+        </p:style>
+        <p:txBody>
+          <a:bodyPr rtlCol="0" anchor="ctr"/>
+          <a:lstStyle/>
+          <a:p>
+            <a:pPr algn="ctr"/>
+            <a:r>
+              <a:rPr lang="en-US" sz="1400" dirty="0"/>
+              <a:t>in</a:t>
+            </a:r>
+          </a:p>
+        </p:txBody>
+      </p:sp>
+      <p:cxnSp>
+        <p:nvCxnSpPr>
+          <p:cNvPr id="15" name="Connector: Curved 14">
+            <a:extLst>
+              <a:ext uri="{FF2B5EF4-FFF2-40B4-BE49-F238E27FC236}">
+                <a16:creationId xmlns:a16="http://schemas.microsoft.com/office/drawing/2014/main" id="{5E14B4EA-B355-4B7A-A1D0-85819A721437}"/>
+              </a:ext>
+            </a:extLst>
+          </p:cNvPr>
+          <p:cNvCxnSpPr>
+            <a:cxnSpLocks/>
+            <a:stCxn id="2" idx="1"/>
+            <a:endCxn id="28" idx="3"/>
+          </p:cNvCxnSpPr>
+          <p:nvPr/>
+        </p:nvCxnSpPr>
+        <p:spPr>
+          <a:xfrm rot="16200000" flipV="1">
+            <a:off x="5035229" y="1032197"/>
+            <a:ext cx="427633" cy="342779"/>
+          </a:xfrm>
+          <a:prstGeom prst="curvedConnector2">
+            <a:avLst/>
+          </a:prstGeom>
+          <a:ln>
+            <a:solidFill>
+              <a:schemeClr val="tx1"/>
+            </a:solidFill>
+            <a:tailEnd type="triangle"/>
+          </a:ln>
+        </p:spPr>
+        <p:style>
+          <a:lnRef idx="1">
+            <a:schemeClr val="accent1"/>
+          </a:lnRef>
+          <a:fillRef idx="0">
+            <a:schemeClr val="accent1"/>
+          </a:fillRef>
+          <a:effectRef idx="0">
+            <a:schemeClr val="accent1"/>
+          </a:effectRef>
+          <a:fontRef idx="minor">
+            <a:schemeClr val="tx1"/>
+          </a:fontRef>
+        </p:style>
+      </p:cxnSp>
+      <p:cxnSp>
+        <p:nvCxnSpPr>
+          <p:cNvPr id="36" name="Connector: Curved 35">
+            <a:extLst>
+              <a:ext uri="{FF2B5EF4-FFF2-40B4-BE49-F238E27FC236}">
+                <a16:creationId xmlns:a16="http://schemas.microsoft.com/office/drawing/2014/main" id="{745FFFF6-1DDB-4CA2-A6AF-F7760F7880BF}"/>
+              </a:ext>
+            </a:extLst>
+          </p:cNvPr>
+          <p:cNvCxnSpPr>
+            <a:cxnSpLocks/>
+            <a:stCxn id="2" idx="0"/>
+            <a:endCxn id="30" idx="1"/>
+          </p:cNvCxnSpPr>
+          <p:nvPr/>
+        </p:nvCxnSpPr>
+        <p:spPr>
+          <a:xfrm rot="5400000" flipH="1" flipV="1">
+            <a:off x="5990707" y="789228"/>
+            <a:ext cx="504826" cy="620160"/>
+          </a:xfrm>
+          <a:prstGeom prst="curvedConnector2">
+            <a:avLst/>
+          </a:prstGeom>
+          <a:ln>
+            <a:solidFill>
+              <a:schemeClr val="tx1"/>
+            </a:solidFill>
+            <a:tailEnd type="triangle"/>
+          </a:ln>
+        </p:spPr>
+        <p:style>
+          <a:lnRef idx="1">
+            <a:schemeClr val="accent1"/>
+          </a:lnRef>
+          <a:fillRef idx="0">
+            <a:schemeClr val="accent1"/>
+          </a:fillRef>
+          <a:effectRef idx="0">
+            <a:schemeClr val="accent1"/>
+          </a:effectRef>
+          <a:fontRef idx="minor">
+            <a:schemeClr val="tx1"/>
+          </a:fontRef>
+        </p:style>
+      </p:cxnSp>
+      <p:cxnSp>
+        <p:nvCxnSpPr>
+          <p:cNvPr id="40" name="Connector: Curved 39">
+            <a:extLst>
+              <a:ext uri="{FF2B5EF4-FFF2-40B4-BE49-F238E27FC236}">
+                <a16:creationId xmlns:a16="http://schemas.microsoft.com/office/drawing/2014/main" id="{70F70400-0767-4D6D-81EC-A67FE364C4AA}"/>
+              </a:ext>
+            </a:extLst>
+          </p:cNvPr>
+          <p:cNvCxnSpPr>
+            <a:cxnSpLocks/>
+            <a:stCxn id="2" idx="6"/>
+            <a:endCxn id="31" idx="1"/>
+          </p:cNvCxnSpPr>
+          <p:nvPr/>
+        </p:nvCxnSpPr>
+        <p:spPr>
+          <a:xfrm flipV="1">
+            <a:off x="6657975" y="1568974"/>
+            <a:ext cx="614362" cy="6999"/>
+          </a:xfrm>
+          <a:prstGeom prst="curvedConnector3">
+            <a:avLst>
+              <a:gd name="adj1" fmla="val 50000"/>
+            </a:avLst>
+          </a:prstGeom>
+          <a:ln>
+            <a:solidFill>
+              <a:schemeClr val="tx1"/>
+            </a:solidFill>
+            <a:tailEnd type="triangle"/>
+          </a:ln>
+        </p:spPr>
+        <p:style>
+          <a:lnRef idx="1">
+            <a:schemeClr val="accent1"/>
+          </a:lnRef>
+          <a:fillRef idx="0">
+            <a:schemeClr val="accent1"/>
+          </a:fillRef>
+          <a:effectRef idx="0">
+            <a:schemeClr val="accent1"/>
+          </a:effectRef>
+          <a:fontRef idx="minor">
+            <a:schemeClr val="tx1"/>
+          </a:fontRef>
+        </p:style>
+      </p:cxnSp>
+      <p:cxnSp>
+        <p:nvCxnSpPr>
+          <p:cNvPr id="43" name="Connector: Curved 42">
+            <a:extLst>
+              <a:ext uri="{FF2B5EF4-FFF2-40B4-BE49-F238E27FC236}">
+                <a16:creationId xmlns:a16="http://schemas.microsoft.com/office/drawing/2014/main" id="{EC014D79-B40C-4116-B40C-6D87D2542FE5}"/>
+              </a:ext>
+            </a:extLst>
+          </p:cNvPr>
+          <p:cNvCxnSpPr>
+            <a:cxnSpLocks/>
+            <a:stCxn id="2" idx="4"/>
+            <a:endCxn id="10" idx="0"/>
+          </p:cNvCxnSpPr>
+          <p:nvPr/>
+        </p:nvCxnSpPr>
+        <p:spPr>
+          <a:xfrm rot="5400000">
+            <a:off x="5561980" y="1780760"/>
+            <a:ext cx="351596" cy="390524"/>
+          </a:xfrm>
+          <a:prstGeom prst="curvedConnector3">
+            <a:avLst>
+              <a:gd name="adj1" fmla="val 50000"/>
+            </a:avLst>
+          </a:prstGeom>
+          <a:ln>
+            <a:solidFill>
+              <a:schemeClr val="tx1"/>
+            </a:solidFill>
+            <a:tailEnd type="triangle"/>
+          </a:ln>
+        </p:spPr>
+        <p:style>
+          <a:lnRef idx="1">
+            <a:schemeClr val="accent1"/>
+          </a:lnRef>
+          <a:fillRef idx="0">
+            <a:schemeClr val="accent1"/>
+          </a:fillRef>
+          <a:effectRef idx="0">
+            <a:schemeClr val="accent1"/>
+          </a:effectRef>
+          <a:fontRef idx="minor">
+            <a:schemeClr val="tx1"/>
+          </a:fontRef>
+        </p:style>
+      </p:cxnSp>
+      <p:cxnSp>
+        <p:nvCxnSpPr>
+          <p:cNvPr id="46" name="Connector: Curved 45">
+            <a:extLst>
+              <a:ext uri="{FF2B5EF4-FFF2-40B4-BE49-F238E27FC236}">
+                <a16:creationId xmlns:a16="http://schemas.microsoft.com/office/drawing/2014/main" id="{2E0E6A98-F6AB-4306-A8D7-4DA005527528}"/>
+              </a:ext>
+            </a:extLst>
+          </p:cNvPr>
+          <p:cNvCxnSpPr>
+            <a:cxnSpLocks/>
+            <a:stCxn id="30" idx="3"/>
+            <a:endCxn id="13" idx="1"/>
+          </p:cNvCxnSpPr>
+          <p:nvPr/>
+        </p:nvCxnSpPr>
+        <p:spPr>
+          <a:xfrm>
+            <a:off x="7129463" y="846895"/>
+            <a:ext cx="502443" cy="12700"/>
+          </a:xfrm>
+          <a:prstGeom prst="curvedConnector3">
+            <a:avLst>
+              <a:gd name="adj1" fmla="val 50000"/>
+            </a:avLst>
+          </a:prstGeom>
+          <a:ln>
+            <a:solidFill>
+              <a:schemeClr val="tx1"/>
+            </a:solidFill>
+            <a:tailEnd type="triangle"/>
+          </a:ln>
+        </p:spPr>
+        <p:style>
+          <a:lnRef idx="1">
+            <a:schemeClr val="accent1"/>
+          </a:lnRef>
+          <a:fillRef idx="0">
+            <a:schemeClr val="accent1"/>
+          </a:fillRef>
+          <a:effectRef idx="0">
+            <a:schemeClr val="accent1"/>
+          </a:effectRef>
+          <a:fontRef idx="minor">
+            <a:schemeClr val="tx1"/>
+          </a:fontRef>
+        </p:style>
+      </p:cxnSp>
+      <p:cxnSp>
+        <p:nvCxnSpPr>
+          <p:cNvPr id="51" name="Connector: Curved 50">
+            <a:extLst>
+              <a:ext uri="{FF2B5EF4-FFF2-40B4-BE49-F238E27FC236}">
+                <a16:creationId xmlns:a16="http://schemas.microsoft.com/office/drawing/2014/main" id="{D7AE38C3-588D-46AF-9A56-3FC2AAECB079}"/>
+              </a:ext>
+            </a:extLst>
+          </p:cNvPr>
+          <p:cNvCxnSpPr>
+            <a:cxnSpLocks/>
+            <a:stCxn id="23" idx="6"/>
+            <a:endCxn id="10" idx="1"/>
+          </p:cNvCxnSpPr>
+          <p:nvPr/>
+        </p:nvCxnSpPr>
+        <p:spPr>
+          <a:xfrm flipV="1">
+            <a:off x="4273622" y="2294695"/>
+            <a:ext cx="835506" cy="264423"/>
+          </a:xfrm>
+          <a:prstGeom prst="curvedConnector3">
+            <a:avLst>
+              <a:gd name="adj1" fmla="val 50000"/>
+            </a:avLst>
+          </a:prstGeom>
+          <a:ln>
+            <a:solidFill>
+              <a:schemeClr val="tx1"/>
+            </a:solidFill>
+            <a:tailEnd type="triangle"/>
+          </a:ln>
+        </p:spPr>
+        <p:style>
+          <a:lnRef idx="1">
+            <a:schemeClr val="accent1"/>
+          </a:lnRef>
+          <a:fillRef idx="0">
+            <a:schemeClr val="accent1"/>
+          </a:fillRef>
+          <a:effectRef idx="0">
+            <a:schemeClr val="accent1"/>
+          </a:effectRef>
+          <a:fontRef idx="minor">
+            <a:schemeClr val="tx1"/>
+          </a:fontRef>
+        </p:style>
+      </p:cxnSp>
+      <p:cxnSp>
+        <p:nvCxnSpPr>
+          <p:cNvPr id="55" name="Connector: Curved 54">
+            <a:extLst>
+              <a:ext uri="{FF2B5EF4-FFF2-40B4-BE49-F238E27FC236}">
+                <a16:creationId xmlns:a16="http://schemas.microsoft.com/office/drawing/2014/main" id="{E9F3F01E-211D-40D5-AFA4-DA3CD3B68701}"/>
+              </a:ext>
+            </a:extLst>
+          </p:cNvPr>
+          <p:cNvCxnSpPr>
+            <a:cxnSpLocks/>
+            <a:stCxn id="23" idx="5"/>
+            <a:endCxn id="24" idx="2"/>
+          </p:cNvCxnSpPr>
+          <p:nvPr/>
+        </p:nvCxnSpPr>
+        <p:spPr>
+          <a:xfrm rot="16200000" flipH="1">
+            <a:off x="4406229" y="2385685"/>
+            <a:ext cx="469744" cy="1073132"/>
+          </a:xfrm>
+          <a:prstGeom prst="curvedConnector2">
+            <a:avLst/>
+          </a:prstGeom>
+          <a:ln>
+            <a:solidFill>
+              <a:schemeClr val="tx1"/>
+            </a:solidFill>
+            <a:tailEnd type="triangle"/>
+          </a:ln>
+        </p:spPr>
+        <p:style>
+          <a:lnRef idx="1">
+            <a:schemeClr val="accent1"/>
+          </a:lnRef>
+          <a:fillRef idx="0">
+            <a:schemeClr val="accent1"/>
+          </a:fillRef>
+          <a:effectRef idx="0">
+            <a:schemeClr val="accent1"/>
+          </a:effectRef>
+          <a:fontRef idx="minor">
+            <a:schemeClr val="tx1"/>
+          </a:fontRef>
+        </p:style>
+      </p:cxnSp>
+      <p:sp>
+        <p:nvSpPr>
+          <p:cNvPr id="58" name="Rectangle 57">
+            <a:extLst>
+              <a:ext uri="{FF2B5EF4-FFF2-40B4-BE49-F238E27FC236}">
+                <a16:creationId xmlns:a16="http://schemas.microsoft.com/office/drawing/2014/main" id="{746BDB55-8A3B-48EA-8FD4-023D4CA6E768}"/>
+              </a:ext>
+            </a:extLst>
+          </p:cNvPr>
+          <p:cNvSpPr/>
+          <p:nvPr/>
+        </p:nvSpPr>
+        <p:spPr>
+          <a:xfrm>
+            <a:off x="2190368" y="1695033"/>
+            <a:ext cx="1246800" cy="324354"/>
+          </a:xfrm>
+          <a:prstGeom prst="rect">
+            <a:avLst/>
+          </a:prstGeom>
+          <a:solidFill>
+            <a:schemeClr val="accent5">
+              <a:lumMod val="40000"/>
+              <a:lumOff val="60000"/>
+            </a:schemeClr>
+          </a:solidFill>
+        </p:spPr>
+        <p:style>
+          <a:lnRef idx="2">
+            <a:schemeClr val="dk1"/>
+          </a:lnRef>
+          <a:fillRef idx="1">
+            <a:schemeClr val="lt1"/>
+          </a:fillRef>
+          <a:effectRef idx="0">
+            <a:schemeClr val="dk1"/>
+          </a:effectRef>
+          <a:fontRef idx="minor">
+            <a:schemeClr val="dk1"/>
+          </a:fontRef>
+        </p:style>
+        <p:txBody>
+          <a:bodyPr rtlCol="0" anchor="ctr"/>
+          <a:lstStyle/>
+          <a:p>
+            <a:pPr algn="ctr"/>
+            <a:r>
+              <a:rPr lang="en-US" sz="1400" dirty="0"/>
+              <a:t>avatar_system</a:t>
+            </a:r>
+          </a:p>
+        </p:txBody>
+      </p:sp>
+      <p:sp>
+        <p:nvSpPr>
+          <p:cNvPr id="59" name="Rectangle 58">
+            <a:extLst>
+              <a:ext uri="{FF2B5EF4-FFF2-40B4-BE49-F238E27FC236}">
+                <a16:creationId xmlns:a16="http://schemas.microsoft.com/office/drawing/2014/main" id="{DE16A9D3-F599-418D-BEC0-1EEFDAA6C4D7}"/>
+              </a:ext>
+            </a:extLst>
+          </p:cNvPr>
+          <p:cNvSpPr/>
+          <p:nvPr/>
+        </p:nvSpPr>
+        <p:spPr>
+          <a:xfrm>
+            <a:off x="2514649" y="1012338"/>
+            <a:ext cx="576263" cy="324354"/>
+          </a:xfrm>
+          <a:prstGeom prst="rect">
+            <a:avLst/>
+          </a:prstGeom>
+          <a:solidFill>
+            <a:schemeClr val="accent5">
+              <a:lumMod val="40000"/>
+              <a:lumOff val="60000"/>
+            </a:schemeClr>
+          </a:solidFill>
+        </p:spPr>
+        <p:style>
+          <a:lnRef idx="2">
+            <a:schemeClr val="dk1"/>
+          </a:lnRef>
+          <a:fillRef idx="1">
+            <a:schemeClr val="lt1"/>
+          </a:fillRef>
+          <a:effectRef idx="0">
+            <a:schemeClr val="dk1"/>
+          </a:effectRef>
+          <a:fontRef idx="minor">
+            <a:schemeClr val="dk1"/>
+          </a:fontRef>
+        </p:style>
+        <p:txBody>
+          <a:bodyPr rtlCol="0" anchor="ctr"/>
+          <a:lstStyle/>
+          <a:p>
+            <a:pPr algn="ctr"/>
+            <a:r>
+              <a:rPr lang="en-US" sz="1400" dirty="0"/>
+              <a:t>mii</a:t>
+            </a:r>
+          </a:p>
+        </p:txBody>
+      </p:sp>
+      <p:cxnSp>
+        <p:nvCxnSpPr>
+          <p:cNvPr id="62" name="Connector: Curved 61">
+            <a:extLst>
+              <a:ext uri="{FF2B5EF4-FFF2-40B4-BE49-F238E27FC236}">
+                <a16:creationId xmlns:a16="http://schemas.microsoft.com/office/drawing/2014/main" id="{8B205E70-58DE-4CCE-A3B2-81FC04B7B90F}"/>
+              </a:ext>
+            </a:extLst>
+          </p:cNvPr>
+          <p:cNvCxnSpPr>
+            <a:cxnSpLocks/>
+            <a:stCxn id="23" idx="0"/>
+            <a:endCxn id="58" idx="3"/>
+          </p:cNvCxnSpPr>
+          <p:nvPr/>
+        </p:nvCxnSpPr>
+        <p:spPr>
+          <a:xfrm rot="16200000" flipV="1">
+            <a:off x="3306488" y="1987890"/>
+            <a:ext cx="520518" cy="259157"/>
+          </a:xfrm>
+          <a:prstGeom prst="curvedConnector2">
+            <a:avLst/>
+          </a:prstGeom>
+          <a:ln>
+            <a:solidFill>
+              <a:schemeClr val="tx1"/>
+            </a:solidFill>
+            <a:tailEnd type="triangle"/>
+          </a:ln>
+        </p:spPr>
+        <p:style>
+          <a:lnRef idx="1">
+            <a:schemeClr val="accent1"/>
+          </a:lnRef>
+          <a:fillRef idx="0">
+            <a:schemeClr val="accent1"/>
+          </a:fillRef>
+          <a:effectRef idx="0">
+            <a:schemeClr val="accent1"/>
+          </a:effectRef>
+          <a:fontRef idx="minor">
+            <a:schemeClr val="tx1"/>
+          </a:fontRef>
+        </p:style>
+      </p:cxnSp>
+      <p:cxnSp>
+        <p:nvCxnSpPr>
+          <p:cNvPr id="70" name="Straight Arrow Connector 69">
+            <a:extLst>
+              <a:ext uri="{FF2B5EF4-FFF2-40B4-BE49-F238E27FC236}">
+                <a16:creationId xmlns:a16="http://schemas.microsoft.com/office/drawing/2014/main" id="{7CC60613-2D10-4AF4-94C8-C26211C18988}"/>
+              </a:ext>
+            </a:extLst>
+          </p:cNvPr>
+          <p:cNvCxnSpPr>
+            <a:stCxn id="58" idx="0"/>
+            <a:endCxn id="59" idx="2"/>
+          </p:cNvCxnSpPr>
+          <p:nvPr/>
+        </p:nvCxnSpPr>
+        <p:spPr>
+          <a:xfrm flipH="1" flipV="1">
+            <a:off x="2802781" y="1336692"/>
+            <a:ext cx="10987" cy="358341"/>
+          </a:xfrm>
+          <a:prstGeom prst="straightConnector1">
+            <a:avLst/>
+          </a:prstGeom>
+          <a:ln>
+            <a:tailEnd type="triangle"/>
+          </a:ln>
+        </p:spPr>
+        <p:style>
+          <a:lnRef idx="1">
+            <a:schemeClr val="dk1"/>
+          </a:lnRef>
+          <a:fillRef idx="0">
+            <a:schemeClr val="dk1"/>
+          </a:fillRef>
+          <a:effectRef idx="0">
+            <a:schemeClr val="dk1"/>
+          </a:effectRef>
+          <a:fontRef idx="minor">
+            <a:schemeClr val="tx1"/>
+          </a:fontRef>
+        </p:style>
+      </p:cxnSp>
+      <p:sp>
+        <p:nvSpPr>
+          <p:cNvPr id="72" name="Diamond 71">
+            <a:extLst>
+              <a:ext uri="{FF2B5EF4-FFF2-40B4-BE49-F238E27FC236}">
+                <a16:creationId xmlns:a16="http://schemas.microsoft.com/office/drawing/2014/main" id="{B5BF9575-9357-426B-90C5-28ADC2B38910}"/>
+              </a:ext>
+            </a:extLst>
+          </p:cNvPr>
+          <p:cNvSpPr/>
+          <p:nvPr/>
+        </p:nvSpPr>
+        <p:spPr>
+          <a:xfrm>
+            <a:off x="3286929" y="3039788"/>
+            <a:ext cx="923951" cy="324355"/>
+          </a:xfrm>
+          <a:prstGeom prst="diamond">
+            <a:avLst/>
+          </a:prstGeom>
+          <a:solidFill>
+            <a:schemeClr val="accent5">
+              <a:lumMod val="40000"/>
+              <a:lumOff val="60000"/>
+            </a:schemeClr>
+          </a:solidFill>
+        </p:spPr>
+        <p:style>
+          <a:lnRef idx="2">
+            <a:schemeClr val="dk1"/>
+          </a:lnRef>
+          <a:fillRef idx="1">
+            <a:schemeClr val="lt1"/>
+          </a:fillRef>
+          <a:effectRef idx="0">
+            <a:schemeClr val="dk1"/>
+          </a:effectRef>
+          <a:fontRef idx="minor">
+            <a:schemeClr val="dk1"/>
+          </a:fontRef>
+        </p:style>
+        <p:txBody>
+          <a:bodyPr rtlCol="0" anchor="ctr"/>
+          <a:lstStyle/>
+          <a:p>
+            <a:pPr algn="ctr"/>
+            <a:r>
+              <a:rPr lang="en-US" sz="1400" dirty="0"/>
+              <a:t>and</a:t>
+            </a:r>
+          </a:p>
+        </p:txBody>
+      </p:sp>
+      <p:cxnSp>
+        <p:nvCxnSpPr>
+          <p:cNvPr id="73" name="Connector: Curved 72">
+            <a:extLst>
+              <a:ext uri="{FF2B5EF4-FFF2-40B4-BE49-F238E27FC236}">
+                <a16:creationId xmlns:a16="http://schemas.microsoft.com/office/drawing/2014/main" id="{E6CAAC29-791B-45F8-A567-AA9088EF8FE1}"/>
+              </a:ext>
+            </a:extLst>
+          </p:cNvPr>
+          <p:cNvCxnSpPr>
+            <a:cxnSpLocks/>
+            <a:stCxn id="23" idx="4"/>
+            <a:endCxn id="72" idx="0"/>
+          </p:cNvCxnSpPr>
+          <p:nvPr/>
+        </p:nvCxnSpPr>
+        <p:spPr>
+          <a:xfrm rot="16200000" flipH="1">
+            <a:off x="3572975" y="2863857"/>
+            <a:ext cx="299281" cy="52580"/>
+          </a:xfrm>
+          <a:prstGeom prst="curvedConnector3">
+            <a:avLst>
+              <a:gd name="adj1" fmla="val 50000"/>
+            </a:avLst>
+          </a:prstGeom>
+          <a:ln>
+            <a:solidFill>
+              <a:schemeClr val="tx1"/>
+            </a:solidFill>
+            <a:tailEnd type="triangle"/>
+          </a:ln>
+        </p:spPr>
+        <p:style>
+          <a:lnRef idx="1">
+            <a:schemeClr val="accent1"/>
+          </a:lnRef>
+          <a:fillRef idx="0">
+            <a:schemeClr val="accent1"/>
+          </a:fillRef>
+          <a:effectRef idx="0">
+            <a:schemeClr val="accent1"/>
+          </a:effectRef>
+          <a:fontRef idx="minor">
+            <a:schemeClr val="tx1"/>
+          </a:fontRef>
+        </p:style>
+      </p:cxnSp>
+      <p:sp>
+        <p:nvSpPr>
+          <p:cNvPr id="80" name="Oval 79">
+            <a:extLst>
+              <a:ext uri="{FF2B5EF4-FFF2-40B4-BE49-F238E27FC236}">
+                <a16:creationId xmlns:a16="http://schemas.microsoft.com/office/drawing/2014/main" id="{098673B1-CE19-47D2-B2B1-93CD509B942A}"/>
+              </a:ext>
+            </a:extLst>
+          </p:cNvPr>
+          <p:cNvSpPr/>
+          <p:nvPr/>
+        </p:nvSpPr>
+        <p:spPr>
+          <a:xfrm>
+            <a:off x="4029876" y="1411810"/>
+            <a:ext cx="1002195" cy="285750"/>
+          </a:xfrm>
+          <a:prstGeom prst="ellipse">
+            <a:avLst/>
+          </a:prstGeom>
+          <a:solidFill>
+            <a:schemeClr val="bg1">
+              <a:lumMod val="95000"/>
+            </a:schemeClr>
+          </a:solidFill>
+        </p:spPr>
+        <p:style>
+          <a:lnRef idx="2">
+            <a:schemeClr val="dk1"/>
+          </a:lnRef>
+          <a:fillRef idx="1">
+            <a:schemeClr val="lt1"/>
+          </a:fillRef>
+          <a:effectRef idx="0">
+            <a:schemeClr val="dk1"/>
+          </a:effectRef>
+          <a:fontRef idx="minor">
+            <a:schemeClr val="dk1"/>
+          </a:fontRef>
+        </p:style>
+        <p:txBody>
+          <a:bodyPr rtlCol="0" anchor="ctr"/>
+          <a:lstStyle/>
+          <a:p>
+            <a:pPr algn="ctr"/>
+            <a:r>
+              <a:rPr lang="en-US" sz="1400" dirty="0"/>
+              <a:t>which</a:t>
+            </a:r>
+          </a:p>
+        </p:txBody>
+      </p:sp>
+      <p:cxnSp>
+        <p:nvCxnSpPr>
+          <p:cNvPr id="81" name="Connector: Curved 80">
+            <a:extLst>
+              <a:ext uri="{FF2B5EF4-FFF2-40B4-BE49-F238E27FC236}">
+                <a16:creationId xmlns:a16="http://schemas.microsoft.com/office/drawing/2014/main" id="{1776DD17-189E-42C8-B930-9774AEC9438E}"/>
+              </a:ext>
+            </a:extLst>
+          </p:cNvPr>
+          <p:cNvCxnSpPr>
+            <a:cxnSpLocks/>
+            <a:stCxn id="10" idx="1"/>
+            <a:endCxn id="80" idx="4"/>
+          </p:cNvCxnSpPr>
+          <p:nvPr/>
+        </p:nvCxnSpPr>
+        <p:spPr>
+          <a:xfrm rot="10800000">
+            <a:off x="4530974" y="1697561"/>
+            <a:ext cx="578154" cy="597135"/>
+          </a:xfrm>
+          <a:prstGeom prst="curvedConnector2">
+            <a:avLst/>
+          </a:prstGeom>
+          <a:ln>
+            <a:solidFill>
+              <a:schemeClr val="tx1"/>
+            </a:solidFill>
+            <a:tailEnd type="triangle"/>
+          </a:ln>
+        </p:spPr>
+        <p:style>
+          <a:lnRef idx="1">
+            <a:schemeClr val="accent1"/>
+          </a:lnRef>
+          <a:fillRef idx="0">
+            <a:schemeClr val="accent1"/>
+          </a:fillRef>
+          <a:effectRef idx="0">
+            <a:schemeClr val="accent1"/>
+          </a:effectRef>
+          <a:fontRef idx="minor">
+            <a:schemeClr val="tx1"/>
+          </a:fontRef>
+        </p:style>
+      </p:cxnSp>
+      <p:sp>
+        <p:nvSpPr>
+          <p:cNvPr id="92" name="Rectangle 91">
+            <a:extLst>
+              <a:ext uri="{FF2B5EF4-FFF2-40B4-BE49-F238E27FC236}">
+                <a16:creationId xmlns:a16="http://schemas.microsoft.com/office/drawing/2014/main" id="{3431475D-017F-4006-9D21-3502350E0F39}"/>
+              </a:ext>
+            </a:extLst>
+          </p:cNvPr>
+          <p:cNvSpPr/>
+          <p:nvPr/>
+        </p:nvSpPr>
+        <p:spPr>
+          <a:xfrm>
+            <a:off x="1636473" y="2363024"/>
+            <a:ext cx="1029563" cy="324354"/>
+          </a:xfrm>
+          <a:prstGeom prst="rect">
+            <a:avLst/>
+          </a:prstGeom>
+          <a:solidFill>
+            <a:schemeClr val="accent5">
+              <a:lumMod val="40000"/>
+              <a:lumOff val="60000"/>
+            </a:schemeClr>
+          </a:solidFill>
+        </p:spPr>
+        <p:style>
+          <a:lnRef idx="2">
+            <a:schemeClr val="dk1"/>
+          </a:lnRef>
+          <a:fillRef idx="1">
+            <a:schemeClr val="lt1"/>
+          </a:fillRef>
+          <a:effectRef idx="0">
+            <a:schemeClr val="dk1"/>
+          </a:effectRef>
+          <a:fontRef idx="minor">
+            <a:schemeClr val="dk1"/>
+          </a:fontRef>
+        </p:style>
+        <p:txBody>
+          <a:bodyPr rtlCol="0" anchor="ctr"/>
+          <a:lstStyle/>
+          <a:p>
+            <a:pPr algn="ctr"/>
+            <a:r>
+              <a:rPr lang="en-US" sz="1400" dirty="0"/>
+              <a:t>company</a:t>
+            </a:r>
+          </a:p>
+        </p:txBody>
+      </p:sp>
+      <p:cxnSp>
+        <p:nvCxnSpPr>
+          <p:cNvPr id="93" name="Straight Arrow Connector 92">
+            <a:extLst>
+              <a:ext uri="{FF2B5EF4-FFF2-40B4-BE49-F238E27FC236}">
+                <a16:creationId xmlns:a16="http://schemas.microsoft.com/office/drawing/2014/main" id="{1DCB9D44-B53F-4013-B266-213E0BCE0D82}"/>
+              </a:ext>
+            </a:extLst>
+          </p:cNvPr>
+          <p:cNvCxnSpPr>
+            <a:cxnSpLocks/>
+            <a:stCxn id="58" idx="2"/>
+            <a:endCxn id="92" idx="0"/>
+          </p:cNvCxnSpPr>
+          <p:nvPr/>
+        </p:nvCxnSpPr>
+        <p:spPr>
+          <a:xfrm flipH="1">
+            <a:off x="2151255" y="2019387"/>
+            <a:ext cx="662513" cy="343637"/>
+          </a:xfrm>
+          <a:prstGeom prst="straightConnector1">
+            <a:avLst/>
+          </a:prstGeom>
+          <a:ln>
+            <a:tailEnd type="triangle"/>
+          </a:ln>
+        </p:spPr>
+        <p:style>
+          <a:lnRef idx="1">
+            <a:schemeClr val="dk1"/>
+          </a:lnRef>
+          <a:fillRef idx="0">
+            <a:schemeClr val="dk1"/>
+          </a:fillRef>
+          <a:effectRef idx="0">
+            <a:schemeClr val="dk1"/>
+          </a:effectRef>
+          <a:fontRef idx="minor">
+            <a:schemeClr val="tx1"/>
+          </a:fontRef>
+        </p:style>
+      </p:cxnSp>
+      <p:sp>
+        <p:nvSpPr>
+          <p:cNvPr id="99" name="Rectangle 98">
+            <a:extLst>
+              <a:ext uri="{FF2B5EF4-FFF2-40B4-BE49-F238E27FC236}">
+                <a16:creationId xmlns:a16="http://schemas.microsoft.com/office/drawing/2014/main" id="{D1207D0E-68CF-422A-9B3E-26EA9C9C5C28}"/>
+              </a:ext>
+            </a:extLst>
+          </p:cNvPr>
+          <p:cNvSpPr/>
+          <p:nvPr/>
+        </p:nvSpPr>
+        <p:spPr>
+          <a:xfrm>
+            <a:off x="1227147" y="3014480"/>
+            <a:ext cx="576263" cy="324354"/>
+          </a:xfrm>
+          <a:prstGeom prst="rect">
+            <a:avLst/>
+          </a:prstGeom>
+          <a:solidFill>
+            <a:schemeClr val="accent5">
+              <a:lumMod val="40000"/>
+              <a:lumOff val="60000"/>
+            </a:schemeClr>
+          </a:solidFill>
+        </p:spPr>
+        <p:style>
+          <a:lnRef idx="2">
+            <a:schemeClr val="dk1"/>
+          </a:lnRef>
+          <a:fillRef idx="1">
+            <a:schemeClr val="lt1"/>
+          </a:fillRef>
+          <a:effectRef idx="0">
+            <a:schemeClr val="dk1"/>
+          </a:effectRef>
+          <a:fontRef idx="minor">
+            <a:schemeClr val="dk1"/>
+          </a:fontRef>
+        </p:style>
+        <p:txBody>
+          <a:bodyPr rtlCol="0" anchor="ctr"/>
+          <a:lstStyle/>
+          <a:p>
+            <a:pPr algn="ctr"/>
+            <a:r>
+              <a:rPr lang="en-US" sz="1400" dirty="0"/>
+              <a:t>the</a:t>
+            </a:r>
+          </a:p>
+        </p:txBody>
+      </p:sp>
+      <p:cxnSp>
+        <p:nvCxnSpPr>
+          <p:cNvPr id="104" name="Connector: Curved 103">
+            <a:extLst>
+              <a:ext uri="{FF2B5EF4-FFF2-40B4-BE49-F238E27FC236}">
+                <a16:creationId xmlns:a16="http://schemas.microsoft.com/office/drawing/2014/main" id="{A0AD3467-55BD-4A6E-AC92-3365EB47FF31}"/>
+              </a:ext>
+            </a:extLst>
+          </p:cNvPr>
+          <p:cNvCxnSpPr>
+            <a:cxnSpLocks/>
+            <a:stCxn id="24" idx="0"/>
+            <a:endCxn id="10" idx="2"/>
+          </p:cNvCxnSpPr>
+          <p:nvPr/>
+        </p:nvCxnSpPr>
+        <p:spPr>
+          <a:xfrm rot="5400000" flipH="1" flipV="1">
+            <a:off x="5271053" y="2709033"/>
+            <a:ext cx="542926" cy="12700"/>
+          </a:xfrm>
+          <a:prstGeom prst="curvedConnector3">
+            <a:avLst>
+              <a:gd name="adj1" fmla="val 50000"/>
+            </a:avLst>
+          </a:prstGeom>
+          <a:ln>
+            <a:solidFill>
+              <a:schemeClr val="tx1"/>
+            </a:solidFill>
+            <a:tailEnd type="triangle"/>
+          </a:ln>
+        </p:spPr>
+        <p:style>
+          <a:lnRef idx="1">
+            <a:schemeClr val="accent1"/>
+          </a:lnRef>
+          <a:fillRef idx="0">
+            <a:schemeClr val="accent1"/>
+          </a:fillRef>
+          <a:effectRef idx="0">
+            <a:schemeClr val="accent1"/>
+          </a:effectRef>
+          <a:fontRef idx="minor">
+            <a:schemeClr val="tx1"/>
+          </a:fontRef>
+        </p:style>
+      </p:cxnSp>
+      <p:cxnSp>
+        <p:nvCxnSpPr>
+          <p:cNvPr id="109" name="Connector: Curved 108">
+            <a:extLst>
+              <a:ext uri="{FF2B5EF4-FFF2-40B4-BE49-F238E27FC236}">
+                <a16:creationId xmlns:a16="http://schemas.microsoft.com/office/drawing/2014/main" id="{6B802562-E7AC-4CC5-94FB-E82A3BFD13E7}"/>
+              </a:ext>
+            </a:extLst>
+          </p:cNvPr>
+          <p:cNvCxnSpPr>
+            <a:cxnSpLocks/>
+            <a:stCxn id="24" idx="6"/>
+            <a:endCxn id="26" idx="2"/>
+          </p:cNvCxnSpPr>
+          <p:nvPr/>
+        </p:nvCxnSpPr>
+        <p:spPr>
+          <a:xfrm flipV="1">
+            <a:off x="5907365" y="2408995"/>
+            <a:ext cx="645835" cy="748128"/>
+          </a:xfrm>
+          <a:prstGeom prst="curvedConnector3">
+            <a:avLst>
+              <a:gd name="adj1" fmla="val 50000"/>
+            </a:avLst>
+          </a:prstGeom>
+          <a:ln>
+            <a:solidFill>
+              <a:schemeClr val="tx1"/>
+            </a:solidFill>
+            <a:tailEnd type="triangle"/>
+          </a:ln>
+        </p:spPr>
+        <p:style>
+          <a:lnRef idx="1">
+            <a:schemeClr val="accent1"/>
+          </a:lnRef>
+          <a:fillRef idx="0">
+            <a:schemeClr val="accent1"/>
+          </a:fillRef>
+          <a:effectRef idx="0">
+            <a:schemeClr val="accent1"/>
+          </a:effectRef>
+          <a:fontRef idx="minor">
+            <a:schemeClr val="tx1"/>
+          </a:fontRef>
+        </p:style>
+      </p:cxnSp>
+      <p:sp>
+        <p:nvSpPr>
+          <p:cNvPr id="112" name="Rectangle 111">
+            <a:extLst>
+              <a:ext uri="{FF2B5EF4-FFF2-40B4-BE49-F238E27FC236}">
+                <a16:creationId xmlns:a16="http://schemas.microsoft.com/office/drawing/2014/main" id="{19398270-1DEC-4484-B29B-4CA2F6E5136F}"/>
+              </a:ext>
+            </a:extLst>
+          </p:cNvPr>
+          <p:cNvSpPr/>
+          <p:nvPr/>
+        </p:nvSpPr>
+        <p:spPr>
+          <a:xfrm>
+            <a:off x="7869965" y="3145733"/>
+            <a:ext cx="645836" cy="324354"/>
+          </a:xfrm>
+          <a:prstGeom prst="rect">
+            <a:avLst/>
+          </a:prstGeom>
+          <a:solidFill>
+            <a:schemeClr val="accent4">
+              <a:lumMod val="40000"/>
+              <a:lumOff val="60000"/>
+            </a:schemeClr>
+          </a:solidFill>
+        </p:spPr>
+        <p:style>
+          <a:lnRef idx="2">
+            <a:schemeClr val="dk1"/>
+          </a:lnRef>
+          <a:fillRef idx="1">
+            <a:schemeClr val="lt1"/>
+          </a:fillRef>
+          <a:effectRef idx="0">
+            <a:schemeClr val="dk1"/>
+          </a:effectRef>
+          <a:fontRef idx="minor">
+            <a:schemeClr val="dk1"/>
+          </a:fontRef>
+        </p:style>
+        <p:txBody>
+          <a:bodyPr rtlCol="0" anchor="ctr"/>
+          <a:lstStyle/>
+          <a:p>
+            <a:pPr algn="ctr"/>
+            <a:r>
+              <a:rPr lang="en-US" sz="1400" dirty="0"/>
+              <a:t>users</a:t>
+            </a:r>
+          </a:p>
+        </p:txBody>
+      </p:sp>
+      <p:cxnSp>
+        <p:nvCxnSpPr>
+          <p:cNvPr id="113" name="Connector: Curved 112">
+            <a:extLst>
+              <a:ext uri="{FF2B5EF4-FFF2-40B4-BE49-F238E27FC236}">
+                <a16:creationId xmlns:a16="http://schemas.microsoft.com/office/drawing/2014/main" id="{8A78DCB6-E865-4080-B801-6AEF544BBB22}"/>
+              </a:ext>
+            </a:extLst>
+          </p:cNvPr>
+          <p:cNvCxnSpPr>
+            <a:cxnSpLocks/>
+            <a:stCxn id="26" idx="4"/>
+            <a:endCxn id="27" idx="0"/>
+          </p:cNvCxnSpPr>
+          <p:nvPr/>
+        </p:nvCxnSpPr>
+        <p:spPr>
+          <a:xfrm rot="5400000">
+            <a:off x="6349217" y="2693322"/>
+            <a:ext cx="1197509" cy="982109"/>
+          </a:xfrm>
+          <a:prstGeom prst="curvedConnector3">
+            <a:avLst>
+              <a:gd name="adj1" fmla="val 50000"/>
+            </a:avLst>
+          </a:prstGeom>
+          <a:ln>
+            <a:solidFill>
+              <a:schemeClr val="tx1"/>
+            </a:solidFill>
+            <a:tailEnd type="triangle"/>
+          </a:ln>
+        </p:spPr>
+        <p:style>
+          <a:lnRef idx="1">
+            <a:schemeClr val="accent1"/>
+          </a:lnRef>
+          <a:fillRef idx="0">
+            <a:schemeClr val="accent1"/>
+          </a:fillRef>
+          <a:effectRef idx="0">
+            <a:schemeClr val="accent1"/>
+          </a:effectRef>
+          <a:fontRef idx="minor">
+            <a:schemeClr val="tx1"/>
+          </a:fontRef>
+        </p:style>
+      </p:cxnSp>
+      <p:cxnSp>
+        <p:nvCxnSpPr>
+          <p:cNvPr id="116" name="Connector: Curved 115">
+            <a:extLst>
+              <a:ext uri="{FF2B5EF4-FFF2-40B4-BE49-F238E27FC236}">
+                <a16:creationId xmlns:a16="http://schemas.microsoft.com/office/drawing/2014/main" id="{3B2F84A0-D897-4590-84EB-D82473815D74}"/>
+              </a:ext>
+            </a:extLst>
+          </p:cNvPr>
+          <p:cNvCxnSpPr>
+            <a:cxnSpLocks/>
+            <a:stCxn id="26" idx="4"/>
+            <a:endCxn id="112" idx="0"/>
+          </p:cNvCxnSpPr>
+          <p:nvPr/>
+        </p:nvCxnSpPr>
+        <p:spPr>
+          <a:xfrm rot="16200000" flipH="1">
+            <a:off x="7535899" y="2488748"/>
+            <a:ext cx="560111" cy="753858"/>
+          </a:xfrm>
+          <a:prstGeom prst="curvedConnector3">
+            <a:avLst>
+              <a:gd name="adj1" fmla="val 50000"/>
+            </a:avLst>
+          </a:prstGeom>
+          <a:ln>
+            <a:solidFill>
+              <a:schemeClr val="tx1"/>
+            </a:solidFill>
+            <a:tailEnd type="triangle"/>
+          </a:ln>
+        </p:spPr>
+        <p:style>
+          <a:lnRef idx="1">
+            <a:schemeClr val="accent1"/>
+          </a:lnRef>
+          <a:fillRef idx="0">
+            <a:schemeClr val="accent1"/>
+          </a:fillRef>
+          <a:effectRef idx="0">
+            <a:schemeClr val="accent1"/>
+          </a:effectRef>
+          <a:fontRef idx="minor">
+            <a:schemeClr val="tx1"/>
+          </a:fontRef>
+        </p:style>
+      </p:cxnSp>
+      <p:sp>
+        <p:nvSpPr>
+          <p:cNvPr id="120" name="Rectangle 119">
+            <a:extLst>
+              <a:ext uri="{FF2B5EF4-FFF2-40B4-BE49-F238E27FC236}">
+                <a16:creationId xmlns:a16="http://schemas.microsoft.com/office/drawing/2014/main" id="{8C69B2D6-77D7-467E-BF60-4520545C3DEB}"/>
+              </a:ext>
+            </a:extLst>
+          </p:cNvPr>
+          <p:cNvSpPr/>
+          <p:nvPr/>
+        </p:nvSpPr>
+        <p:spPr>
+          <a:xfrm>
+            <a:off x="7904751" y="3880018"/>
+            <a:ext cx="576263" cy="324354"/>
+          </a:xfrm>
+          <a:prstGeom prst="rect">
+            <a:avLst/>
+          </a:prstGeom>
+          <a:solidFill>
+            <a:schemeClr val="accent4">
+              <a:lumMod val="40000"/>
+              <a:lumOff val="60000"/>
+            </a:schemeClr>
+          </a:solidFill>
+        </p:spPr>
+        <p:style>
+          <a:lnRef idx="2">
+            <a:schemeClr val="dk1"/>
+          </a:lnRef>
+          <a:fillRef idx="1">
+            <a:schemeClr val="lt1"/>
+          </a:fillRef>
+          <a:effectRef idx="0">
+            <a:schemeClr val="dk1"/>
+          </a:effectRef>
+          <a:fontRef idx="minor">
+            <a:schemeClr val="dk1"/>
+          </a:fontRef>
+        </p:style>
+        <p:txBody>
+          <a:bodyPr rtlCol="0" anchor="ctr"/>
+          <a:lstStyle/>
+          <a:p>
+            <a:pPr algn="ctr"/>
+            <a:r>
+              <a:rPr lang="en-US" sz="1400" dirty="0"/>
+              <a:t>the</a:t>
+            </a:r>
+          </a:p>
+        </p:txBody>
+      </p:sp>
+      <p:cxnSp>
+        <p:nvCxnSpPr>
+          <p:cNvPr id="121" name="Straight Arrow Connector 120">
+            <a:extLst>
+              <a:ext uri="{FF2B5EF4-FFF2-40B4-BE49-F238E27FC236}">
+                <a16:creationId xmlns:a16="http://schemas.microsoft.com/office/drawing/2014/main" id="{00956999-A0C6-463B-BAB9-A76E34D5F997}"/>
+              </a:ext>
+            </a:extLst>
+          </p:cNvPr>
+          <p:cNvCxnSpPr>
+            <a:cxnSpLocks/>
+            <a:stCxn id="112" idx="2"/>
+            <a:endCxn id="120" idx="0"/>
+          </p:cNvCxnSpPr>
+          <p:nvPr/>
+        </p:nvCxnSpPr>
+        <p:spPr>
+          <a:xfrm>
+            <a:off x="8192883" y="3470087"/>
+            <a:ext cx="0" cy="409931"/>
+          </a:xfrm>
+          <a:prstGeom prst="straightConnector1">
+            <a:avLst/>
+          </a:prstGeom>
+          <a:ln>
+            <a:tailEnd type="triangle"/>
+          </a:ln>
+        </p:spPr>
+        <p:style>
+          <a:lnRef idx="1">
+            <a:schemeClr val="dk1"/>
+          </a:lnRef>
+          <a:fillRef idx="0">
+            <a:schemeClr val="dk1"/>
+          </a:fillRef>
+          <a:effectRef idx="0">
+            <a:schemeClr val="dk1"/>
+          </a:effectRef>
+          <a:fontRef idx="minor">
+            <a:schemeClr val="tx1"/>
+          </a:fontRef>
+        </p:style>
+      </p:cxnSp>
+      <p:sp>
+        <p:nvSpPr>
+          <p:cNvPr id="124" name="Diamond 123">
+            <a:extLst>
+              <a:ext uri="{FF2B5EF4-FFF2-40B4-BE49-F238E27FC236}">
+                <a16:creationId xmlns:a16="http://schemas.microsoft.com/office/drawing/2014/main" id="{829EE4BC-E811-43BA-9D6D-CE7B70179086}"/>
+              </a:ext>
+            </a:extLst>
+          </p:cNvPr>
+          <p:cNvSpPr/>
+          <p:nvPr/>
+        </p:nvSpPr>
+        <p:spPr>
+          <a:xfrm>
+            <a:off x="6700498" y="4572821"/>
+            <a:ext cx="738527" cy="353254"/>
+          </a:xfrm>
+          <a:prstGeom prst="diamond">
+            <a:avLst/>
+          </a:prstGeom>
+          <a:solidFill>
+            <a:schemeClr val="accent2">
+              <a:lumMod val="40000"/>
+              <a:lumOff val="60000"/>
+            </a:schemeClr>
+          </a:solidFill>
+        </p:spPr>
+        <p:style>
+          <a:lnRef idx="2">
+            <a:schemeClr val="dk1"/>
+          </a:lnRef>
+          <a:fillRef idx="1">
+            <a:schemeClr val="lt1"/>
+          </a:fillRef>
+          <a:effectRef idx="0">
+            <a:schemeClr val="dk1"/>
+          </a:effectRef>
+          <a:fontRef idx="minor">
+            <a:schemeClr val="dk1"/>
+          </a:fontRef>
+        </p:style>
+        <p:txBody>
+          <a:bodyPr rtlCol="0" anchor="ctr"/>
+          <a:lstStyle/>
+          <a:p>
+            <a:pPr algn="ctr"/>
+            <a:r>
+              <a:rPr lang="en-US" sz="1400" dirty="0"/>
+              <a:t>by</a:t>
+            </a:r>
+          </a:p>
+        </p:txBody>
+      </p:sp>
+      <p:cxnSp>
+        <p:nvCxnSpPr>
+          <p:cNvPr id="125" name="Connector: Curved 124">
+            <a:extLst>
+              <a:ext uri="{FF2B5EF4-FFF2-40B4-BE49-F238E27FC236}">
+                <a16:creationId xmlns:a16="http://schemas.microsoft.com/office/drawing/2014/main" id="{123404CD-B558-44F9-8244-EFF90CB4590B}"/>
+              </a:ext>
+            </a:extLst>
+          </p:cNvPr>
+          <p:cNvCxnSpPr>
+            <a:cxnSpLocks/>
+            <a:stCxn id="27" idx="4"/>
+            <a:endCxn id="124" idx="0"/>
+          </p:cNvCxnSpPr>
+          <p:nvPr/>
+        </p:nvCxnSpPr>
+        <p:spPr>
+          <a:xfrm rot="16200000" flipH="1">
+            <a:off x="6545121" y="4048180"/>
+            <a:ext cx="436436" cy="612846"/>
+          </a:xfrm>
+          <a:prstGeom prst="curvedConnector3">
+            <a:avLst>
+              <a:gd name="adj1" fmla="val 50000"/>
+            </a:avLst>
+          </a:prstGeom>
+          <a:ln>
+            <a:solidFill>
+              <a:schemeClr val="tx1"/>
+            </a:solidFill>
+            <a:tailEnd type="triangle"/>
+          </a:ln>
+        </p:spPr>
+        <p:style>
+          <a:lnRef idx="1">
+            <a:schemeClr val="accent1"/>
+          </a:lnRef>
+          <a:fillRef idx="0">
+            <a:schemeClr val="accent1"/>
+          </a:fillRef>
+          <a:effectRef idx="0">
+            <a:schemeClr val="accent1"/>
+          </a:effectRef>
+          <a:fontRef idx="minor">
+            <a:schemeClr val="tx1"/>
+          </a:fontRef>
+        </p:style>
+      </p:cxnSp>
+      <p:sp>
+        <p:nvSpPr>
+          <p:cNvPr id="131" name="Rectangle 130">
+            <a:extLst>
+              <a:ext uri="{FF2B5EF4-FFF2-40B4-BE49-F238E27FC236}">
+                <a16:creationId xmlns:a16="http://schemas.microsoft.com/office/drawing/2014/main" id="{BE7FCAA3-08A4-4DC1-AA7E-4A93722B908A}"/>
+              </a:ext>
+            </a:extLst>
+          </p:cNvPr>
+          <p:cNvSpPr/>
+          <p:nvPr/>
+        </p:nvSpPr>
+        <p:spPr>
+          <a:xfrm>
+            <a:off x="4954937" y="4601721"/>
+            <a:ext cx="1073131" cy="324354"/>
+          </a:xfrm>
+          <a:prstGeom prst="rect">
+            <a:avLst/>
+          </a:prstGeom>
+          <a:solidFill>
+            <a:schemeClr val="accent2">
+              <a:lumMod val="40000"/>
+              <a:lumOff val="60000"/>
+            </a:schemeClr>
+          </a:solidFill>
+        </p:spPr>
+        <p:style>
+          <a:lnRef idx="2">
+            <a:schemeClr val="dk1"/>
+          </a:lnRef>
+          <a:fillRef idx="1">
+            <a:schemeClr val="lt1"/>
+          </a:fillRef>
+          <a:effectRef idx="0">
+            <a:schemeClr val="dk1"/>
+          </a:effectRef>
+          <a:fontRef idx="minor">
+            <a:schemeClr val="dk1"/>
+          </a:fontRef>
+        </p:style>
+        <p:txBody>
+          <a:bodyPr rtlCol="0" anchor="ctr"/>
+          <a:lstStyle/>
+          <a:p>
+            <a:pPr algn="ctr"/>
+            <a:r>
+              <a:rPr lang="en-US" sz="1400" dirty="0"/>
+              <a:t>information</a:t>
+            </a:r>
+          </a:p>
+        </p:txBody>
+      </p:sp>
+      <p:cxnSp>
+        <p:nvCxnSpPr>
+          <p:cNvPr id="143" name="Connector: Curved 142">
+            <a:extLst>
+              <a:ext uri="{FF2B5EF4-FFF2-40B4-BE49-F238E27FC236}">
+                <a16:creationId xmlns:a16="http://schemas.microsoft.com/office/drawing/2014/main" id="{9F167D59-281D-46DB-BC6C-ADFB7827722D}"/>
+              </a:ext>
+            </a:extLst>
+          </p:cNvPr>
+          <p:cNvCxnSpPr>
+            <a:cxnSpLocks/>
+            <a:stCxn id="27" idx="4"/>
+            <a:endCxn id="131" idx="0"/>
+          </p:cNvCxnSpPr>
+          <p:nvPr/>
+        </p:nvCxnSpPr>
+        <p:spPr>
+          <a:xfrm rot="5400000">
+            <a:off x="5741542" y="3886347"/>
+            <a:ext cx="465336" cy="965413"/>
+          </a:xfrm>
+          <a:prstGeom prst="curvedConnector3">
+            <a:avLst>
+              <a:gd name="adj1" fmla="val 50000"/>
+            </a:avLst>
+          </a:prstGeom>
+          <a:ln>
+            <a:solidFill>
+              <a:schemeClr val="tx1"/>
+            </a:solidFill>
+            <a:tailEnd type="triangle"/>
+          </a:ln>
+        </p:spPr>
+        <p:style>
+          <a:lnRef idx="1">
+            <a:schemeClr val="accent1"/>
+          </a:lnRef>
+          <a:fillRef idx="0">
+            <a:schemeClr val="accent1"/>
+          </a:fillRef>
+          <a:effectRef idx="0">
+            <a:schemeClr val="accent1"/>
+          </a:effectRef>
+          <a:fontRef idx="minor">
+            <a:schemeClr val="tx1"/>
+          </a:fontRef>
+        </p:style>
+      </p:cxnSp>
+      <p:sp>
+        <p:nvSpPr>
+          <p:cNvPr id="146" name="Rectangle 145">
+            <a:extLst>
+              <a:ext uri="{FF2B5EF4-FFF2-40B4-BE49-F238E27FC236}">
+                <a16:creationId xmlns:a16="http://schemas.microsoft.com/office/drawing/2014/main" id="{D907824E-656A-4408-ACDC-82EBC92DCDD1}"/>
+              </a:ext>
+            </a:extLst>
+          </p:cNvPr>
+          <p:cNvSpPr/>
+          <p:nvPr/>
+        </p:nvSpPr>
+        <p:spPr>
+          <a:xfrm>
+            <a:off x="3696324" y="4212760"/>
+            <a:ext cx="784565" cy="324354"/>
+          </a:xfrm>
+          <a:prstGeom prst="rect">
+            <a:avLst/>
+          </a:prstGeom>
+          <a:solidFill>
+            <a:schemeClr val="accent2">
+              <a:lumMod val="40000"/>
+              <a:lumOff val="60000"/>
+            </a:schemeClr>
+          </a:solidFill>
+        </p:spPr>
+        <p:style>
+          <a:lnRef idx="2">
+            <a:schemeClr val="dk1"/>
+          </a:lnRef>
+          <a:fillRef idx="1">
+            <a:schemeClr val="lt1"/>
+          </a:fillRef>
+          <a:effectRef idx="0">
+            <a:schemeClr val="dk1"/>
+          </a:effectRef>
+          <a:fontRef idx="minor">
+            <a:schemeClr val="dk1"/>
+          </a:fontRef>
+        </p:style>
+        <p:txBody>
+          <a:bodyPr rtlCol="0" anchor="ctr"/>
+          <a:lstStyle/>
+          <a:p>
+            <a:pPr algn="ctr"/>
+            <a:r>
+              <a:rPr lang="en-US" sz="1400" dirty="0"/>
+              <a:t>movies</a:t>
+            </a:r>
+          </a:p>
+        </p:txBody>
+      </p:sp>
+      <p:sp>
+        <p:nvSpPr>
+          <p:cNvPr id="147" name="Rectangle 146">
+            <a:extLst>
+              <a:ext uri="{FF2B5EF4-FFF2-40B4-BE49-F238E27FC236}">
+                <a16:creationId xmlns:a16="http://schemas.microsoft.com/office/drawing/2014/main" id="{21610580-5969-4239-A8CD-A74A8A38DC36}"/>
+              </a:ext>
+            </a:extLst>
+          </p:cNvPr>
+          <p:cNvSpPr/>
+          <p:nvPr/>
+        </p:nvSpPr>
+        <p:spPr>
+          <a:xfrm>
+            <a:off x="3622635" y="5135950"/>
+            <a:ext cx="902993" cy="324354"/>
+          </a:xfrm>
+          <a:prstGeom prst="rect">
+            <a:avLst/>
+          </a:prstGeom>
+          <a:solidFill>
+            <a:schemeClr val="accent2">
+              <a:lumMod val="40000"/>
+              <a:lumOff val="60000"/>
+            </a:schemeClr>
+          </a:solidFill>
+        </p:spPr>
+        <p:style>
+          <a:lnRef idx="2">
+            <a:schemeClr val="dk1"/>
+          </a:lnRef>
+          <a:fillRef idx="1">
+            <a:schemeClr val="lt1"/>
+          </a:fillRef>
+          <a:effectRef idx="0">
+            <a:schemeClr val="dk1"/>
+          </a:effectRef>
+          <a:fontRef idx="minor">
+            <a:schemeClr val="dk1"/>
+          </a:fontRef>
+        </p:style>
+        <p:txBody>
+          <a:bodyPr rtlCol="0" anchor="ctr"/>
+          <a:lstStyle/>
+          <a:p>
+            <a:pPr algn="ctr"/>
+            <a:r>
+              <a:rPr lang="en-US" sz="1400" dirty="0"/>
+              <a:t>personal</a:t>
+            </a:r>
+          </a:p>
+        </p:txBody>
+      </p:sp>
+      <p:cxnSp>
+        <p:nvCxnSpPr>
+          <p:cNvPr id="148" name="Connector: Curved 147">
+            <a:extLst>
+              <a:ext uri="{FF2B5EF4-FFF2-40B4-BE49-F238E27FC236}">
+                <a16:creationId xmlns:a16="http://schemas.microsoft.com/office/drawing/2014/main" id="{76328E28-820A-43D3-8C70-1A933B60D825}"/>
+              </a:ext>
+            </a:extLst>
+          </p:cNvPr>
+          <p:cNvCxnSpPr>
+            <a:cxnSpLocks/>
+            <a:stCxn id="131" idx="1"/>
+            <a:endCxn id="147" idx="0"/>
+          </p:cNvCxnSpPr>
+          <p:nvPr/>
+        </p:nvCxnSpPr>
+        <p:spPr>
+          <a:xfrm rot="10800000" flipV="1">
+            <a:off x="4074133" y="4763898"/>
+            <a:ext cx="880805" cy="372052"/>
+          </a:xfrm>
+          <a:prstGeom prst="curvedConnector2">
+            <a:avLst/>
+          </a:prstGeom>
+          <a:ln>
+            <a:solidFill>
+              <a:schemeClr val="tx1"/>
+            </a:solidFill>
+            <a:tailEnd type="triangle"/>
+          </a:ln>
+        </p:spPr>
+        <p:style>
+          <a:lnRef idx="1">
+            <a:schemeClr val="accent1"/>
+          </a:lnRef>
+          <a:fillRef idx="0">
+            <a:schemeClr val="accent1"/>
+          </a:fillRef>
+          <a:effectRef idx="0">
+            <a:schemeClr val="accent1"/>
+          </a:effectRef>
+          <a:fontRef idx="minor">
+            <a:schemeClr val="tx1"/>
+          </a:fontRef>
+        </p:style>
+      </p:cxnSp>
+      <p:cxnSp>
+        <p:nvCxnSpPr>
+          <p:cNvPr id="152" name="Connector: Curved 151">
+            <a:extLst>
+              <a:ext uri="{FF2B5EF4-FFF2-40B4-BE49-F238E27FC236}">
+                <a16:creationId xmlns:a16="http://schemas.microsoft.com/office/drawing/2014/main" id="{BD363900-6282-4294-9E2B-AFA4BE85E7A4}"/>
+              </a:ext>
+            </a:extLst>
+          </p:cNvPr>
+          <p:cNvCxnSpPr>
+            <a:cxnSpLocks/>
+            <a:stCxn id="131" idx="1"/>
+            <a:endCxn id="146" idx="3"/>
+          </p:cNvCxnSpPr>
+          <p:nvPr/>
+        </p:nvCxnSpPr>
+        <p:spPr>
+          <a:xfrm rot="10800000">
+            <a:off x="4480889" y="4374938"/>
+            <a:ext cx="474048" cy="388961"/>
+          </a:xfrm>
+          <a:prstGeom prst="curvedConnector3">
+            <a:avLst>
+              <a:gd name="adj1" fmla="val 50000"/>
+            </a:avLst>
+          </a:prstGeom>
+          <a:ln>
+            <a:solidFill>
+              <a:schemeClr val="tx1"/>
+            </a:solidFill>
+            <a:tailEnd type="triangle"/>
+          </a:ln>
+        </p:spPr>
+        <p:style>
+          <a:lnRef idx="1">
+            <a:schemeClr val="accent1"/>
+          </a:lnRef>
+          <a:fillRef idx="0">
+            <a:schemeClr val="accent1"/>
+          </a:fillRef>
+          <a:effectRef idx="0">
+            <a:schemeClr val="accent1"/>
+          </a:effectRef>
+          <a:fontRef idx="minor">
+            <a:schemeClr val="tx1"/>
+          </a:fontRef>
+        </p:style>
+      </p:cxnSp>
+      <p:sp>
+        <p:nvSpPr>
+          <p:cNvPr id="157" name="Rectangle 156">
+            <a:extLst>
+              <a:ext uri="{FF2B5EF4-FFF2-40B4-BE49-F238E27FC236}">
+                <a16:creationId xmlns:a16="http://schemas.microsoft.com/office/drawing/2014/main" id="{74EE175E-ACC0-4309-90E2-12DF3971AE9A}"/>
+              </a:ext>
+            </a:extLst>
+          </p:cNvPr>
+          <p:cNvSpPr/>
+          <p:nvPr/>
+        </p:nvSpPr>
+        <p:spPr>
+          <a:xfrm>
+            <a:off x="2334462" y="3846269"/>
+            <a:ext cx="856413" cy="324354"/>
+          </a:xfrm>
+          <a:prstGeom prst="rect">
+            <a:avLst/>
+          </a:prstGeom>
+          <a:solidFill>
+            <a:schemeClr val="accent2">
+              <a:lumMod val="40000"/>
+              <a:lumOff val="60000"/>
+            </a:schemeClr>
+          </a:solidFill>
+        </p:spPr>
+        <p:style>
+          <a:lnRef idx="2">
+            <a:schemeClr val="dk1"/>
+          </a:lnRef>
+          <a:fillRef idx="1">
+            <a:schemeClr val="lt1"/>
+          </a:fillRef>
+          <a:effectRef idx="0">
+            <a:schemeClr val="dk1"/>
+          </a:effectRef>
+          <a:fontRef idx="minor">
+            <a:schemeClr val="dk1"/>
+          </a:fontRef>
+        </p:style>
+        <p:txBody>
+          <a:bodyPr rtlCol="0" anchor="ctr"/>
+          <a:lstStyle/>
+          <a:p>
+            <a:pPr algn="ctr"/>
+            <a:r>
+              <a:rPr lang="en-US" sz="1400" dirty="0"/>
+              <a:t>favorite</a:t>
+            </a:r>
+          </a:p>
+        </p:txBody>
+      </p:sp>
+      <p:cxnSp>
+        <p:nvCxnSpPr>
+          <p:cNvPr id="158" name="Connector: Curved 157">
+            <a:extLst>
+              <a:ext uri="{FF2B5EF4-FFF2-40B4-BE49-F238E27FC236}">
+                <a16:creationId xmlns:a16="http://schemas.microsoft.com/office/drawing/2014/main" id="{47C4AAE3-10FE-47BD-BF3E-693190B0B8D9}"/>
+              </a:ext>
+            </a:extLst>
+          </p:cNvPr>
+          <p:cNvCxnSpPr>
+            <a:cxnSpLocks/>
+            <a:stCxn id="146" idx="1"/>
+            <a:endCxn id="157" idx="3"/>
+          </p:cNvCxnSpPr>
+          <p:nvPr/>
+        </p:nvCxnSpPr>
+        <p:spPr>
+          <a:xfrm rot="10800000">
+            <a:off x="3190876" y="4008447"/>
+            <a:ext cx="505449" cy="366491"/>
+          </a:xfrm>
+          <a:prstGeom prst="curvedConnector3">
+            <a:avLst>
+              <a:gd name="adj1" fmla="val 50000"/>
+            </a:avLst>
+          </a:prstGeom>
+          <a:ln>
+            <a:solidFill>
+              <a:schemeClr val="tx1"/>
+            </a:solidFill>
+            <a:tailEnd type="triangle"/>
+          </a:ln>
+        </p:spPr>
+        <p:style>
+          <a:lnRef idx="1">
+            <a:schemeClr val="accent1"/>
+          </a:lnRef>
+          <a:fillRef idx="0">
+            <a:schemeClr val="accent1"/>
+          </a:fillRef>
+          <a:effectRef idx="0">
+            <a:schemeClr val="accent1"/>
+          </a:effectRef>
+          <a:fontRef idx="minor">
+            <a:schemeClr val="tx1"/>
+          </a:fontRef>
+        </p:style>
+      </p:cxnSp>
+      <p:sp>
+        <p:nvSpPr>
+          <p:cNvPr id="161" name="Diamond 160">
+            <a:extLst>
+              <a:ext uri="{FF2B5EF4-FFF2-40B4-BE49-F238E27FC236}">
+                <a16:creationId xmlns:a16="http://schemas.microsoft.com/office/drawing/2014/main" id="{666514DF-10AC-4CF9-875E-98C6305629B5}"/>
+              </a:ext>
+            </a:extLst>
+          </p:cNvPr>
+          <p:cNvSpPr/>
+          <p:nvPr/>
+        </p:nvSpPr>
+        <p:spPr>
+          <a:xfrm>
+            <a:off x="2204060" y="4632084"/>
+            <a:ext cx="1082869" cy="666044"/>
+          </a:xfrm>
+          <a:prstGeom prst="diamond">
+            <a:avLst/>
+          </a:prstGeom>
+          <a:solidFill>
+            <a:schemeClr val="accent2">
+              <a:lumMod val="40000"/>
+              <a:lumOff val="60000"/>
+            </a:schemeClr>
+          </a:solidFill>
+        </p:spPr>
+        <p:style>
+          <a:lnRef idx="2">
+            <a:schemeClr val="dk1"/>
+          </a:lnRef>
+          <a:fillRef idx="1">
+            <a:schemeClr val="lt1"/>
+          </a:fillRef>
+          <a:effectRef idx="0">
+            <a:schemeClr val="dk1"/>
+          </a:effectRef>
+          <a:fontRef idx="minor">
+            <a:schemeClr val="dk1"/>
+          </a:fontRef>
+        </p:style>
+        <p:txBody>
+          <a:bodyPr rtlCol="0" anchor="ctr"/>
+          <a:lstStyle/>
+          <a:p>
+            <a:pPr algn="ctr"/>
+            <a:r>
+              <a:rPr lang="en-US" sz="1400" dirty="0"/>
+              <a:t>such as</a:t>
+            </a:r>
+          </a:p>
+        </p:txBody>
+      </p:sp>
+      <p:cxnSp>
+        <p:nvCxnSpPr>
+          <p:cNvPr id="162" name="Connector: Curved 161">
+            <a:extLst>
+              <a:ext uri="{FF2B5EF4-FFF2-40B4-BE49-F238E27FC236}">
+                <a16:creationId xmlns:a16="http://schemas.microsoft.com/office/drawing/2014/main" id="{808B9E47-29C0-4794-A2EF-E00472BCD5E2}"/>
+              </a:ext>
+            </a:extLst>
+          </p:cNvPr>
+          <p:cNvCxnSpPr>
+            <a:cxnSpLocks/>
+            <a:stCxn id="146" idx="1"/>
+            <a:endCxn id="161" idx="3"/>
+          </p:cNvCxnSpPr>
+          <p:nvPr/>
+        </p:nvCxnSpPr>
+        <p:spPr>
+          <a:xfrm rot="10800000" flipV="1">
+            <a:off x="3286930" y="4374936"/>
+            <a:ext cx="409395" cy="590169"/>
+          </a:xfrm>
+          <a:prstGeom prst="curvedConnector3">
+            <a:avLst>
+              <a:gd name="adj1" fmla="val 50000"/>
+            </a:avLst>
+          </a:prstGeom>
+          <a:ln>
+            <a:solidFill>
+              <a:schemeClr val="tx1"/>
+            </a:solidFill>
+            <a:tailEnd type="triangle"/>
+          </a:ln>
+        </p:spPr>
+        <p:style>
+          <a:lnRef idx="1">
+            <a:schemeClr val="accent1"/>
+          </a:lnRef>
+          <a:fillRef idx="0">
+            <a:schemeClr val="accent1"/>
+          </a:fillRef>
+          <a:effectRef idx="0">
+            <a:schemeClr val="accent1"/>
+          </a:effectRef>
+          <a:fontRef idx="minor">
+            <a:schemeClr val="tx1"/>
+          </a:fontRef>
+        </p:style>
+      </p:cxnSp>
+      <p:sp>
+        <p:nvSpPr>
+          <p:cNvPr id="166" name="Rectangle 165">
+            <a:extLst>
+              <a:ext uri="{FF2B5EF4-FFF2-40B4-BE49-F238E27FC236}">
+                <a16:creationId xmlns:a16="http://schemas.microsoft.com/office/drawing/2014/main" id="{1EFBDCC3-94A5-49F7-9043-1103DDED55E3}"/>
+              </a:ext>
+            </a:extLst>
+          </p:cNvPr>
+          <p:cNvSpPr/>
+          <p:nvPr/>
+        </p:nvSpPr>
+        <p:spPr>
+          <a:xfrm>
+            <a:off x="2522549" y="3009396"/>
+            <a:ext cx="316929" cy="324354"/>
+          </a:xfrm>
+          <a:prstGeom prst="rect">
+            <a:avLst/>
+          </a:prstGeom>
+          <a:solidFill>
+            <a:schemeClr val="accent5">
+              <a:lumMod val="40000"/>
+              <a:lumOff val="60000"/>
+            </a:schemeClr>
+          </a:solidFill>
+        </p:spPr>
+        <p:style>
+          <a:lnRef idx="2">
+            <a:schemeClr val="dk1"/>
+          </a:lnRef>
+          <a:fillRef idx="1">
+            <a:schemeClr val="lt1"/>
+          </a:fillRef>
+          <a:effectRef idx="0">
+            <a:schemeClr val="dk1"/>
+          </a:effectRef>
+          <a:fontRef idx="minor">
+            <a:schemeClr val="dk1"/>
+          </a:fontRef>
+        </p:style>
+        <p:txBody>
+          <a:bodyPr rtlCol="0" anchor="ctr"/>
+          <a:lstStyle/>
+          <a:p>
+            <a:pPr algn="ctr"/>
+            <a:r>
+              <a:rPr lang="en-US" sz="1400" dirty="0"/>
+              <a:t>‘s</a:t>
+            </a:r>
+          </a:p>
+        </p:txBody>
+      </p:sp>
+      <p:cxnSp>
+        <p:nvCxnSpPr>
+          <p:cNvPr id="167" name="Connector: Curved 166">
+            <a:extLst>
+              <a:ext uri="{FF2B5EF4-FFF2-40B4-BE49-F238E27FC236}">
+                <a16:creationId xmlns:a16="http://schemas.microsoft.com/office/drawing/2014/main" id="{9F5E28B9-A8EA-4F77-B10D-113190D997C6}"/>
+              </a:ext>
+            </a:extLst>
+          </p:cNvPr>
+          <p:cNvCxnSpPr>
+            <a:cxnSpLocks/>
+            <a:stCxn id="92" idx="2"/>
+            <a:endCxn id="99" idx="0"/>
+          </p:cNvCxnSpPr>
+          <p:nvPr/>
+        </p:nvCxnSpPr>
+        <p:spPr>
+          <a:xfrm rot="5400000">
+            <a:off x="1669716" y="2532941"/>
+            <a:ext cx="327102" cy="635976"/>
+          </a:xfrm>
+          <a:prstGeom prst="curvedConnector3">
+            <a:avLst>
+              <a:gd name="adj1" fmla="val 50000"/>
+            </a:avLst>
+          </a:prstGeom>
+          <a:ln>
+            <a:solidFill>
+              <a:schemeClr val="tx1"/>
+            </a:solidFill>
+            <a:tailEnd type="triangle"/>
+          </a:ln>
+        </p:spPr>
+        <p:style>
+          <a:lnRef idx="1">
+            <a:schemeClr val="accent1"/>
+          </a:lnRef>
+          <a:fillRef idx="0">
+            <a:schemeClr val="accent1"/>
+          </a:fillRef>
+          <a:effectRef idx="0">
+            <a:schemeClr val="accent1"/>
+          </a:effectRef>
+          <a:fontRef idx="minor">
+            <a:schemeClr val="tx1"/>
+          </a:fontRef>
+        </p:style>
+      </p:cxnSp>
+      <p:cxnSp>
+        <p:nvCxnSpPr>
+          <p:cNvPr id="170" name="Connector: Curved 169">
+            <a:extLst>
+              <a:ext uri="{FF2B5EF4-FFF2-40B4-BE49-F238E27FC236}">
+                <a16:creationId xmlns:a16="http://schemas.microsoft.com/office/drawing/2014/main" id="{8D893A37-3543-4776-A82C-220ECB60C62B}"/>
+              </a:ext>
+            </a:extLst>
+          </p:cNvPr>
+          <p:cNvCxnSpPr>
+            <a:cxnSpLocks/>
+            <a:stCxn id="92" idx="2"/>
+            <a:endCxn id="166" idx="0"/>
+          </p:cNvCxnSpPr>
+          <p:nvPr/>
+        </p:nvCxnSpPr>
+        <p:spPr>
+          <a:xfrm rot="16200000" flipH="1">
+            <a:off x="2255125" y="2583507"/>
+            <a:ext cx="322018" cy="529759"/>
+          </a:xfrm>
+          <a:prstGeom prst="curvedConnector3">
+            <a:avLst>
+              <a:gd name="adj1" fmla="val 50000"/>
+            </a:avLst>
+          </a:prstGeom>
+          <a:ln>
+            <a:solidFill>
+              <a:schemeClr val="tx1"/>
+            </a:solidFill>
+            <a:tailEnd type="triangle"/>
+          </a:ln>
+        </p:spPr>
+        <p:style>
+          <a:lnRef idx="1">
+            <a:schemeClr val="accent1"/>
+          </a:lnRef>
+          <a:fillRef idx="0">
+            <a:schemeClr val="accent1"/>
+          </a:fillRef>
+          <a:effectRef idx="0">
+            <a:schemeClr val="accent1"/>
+          </a:effectRef>
+          <a:fontRef idx="minor">
+            <a:schemeClr val="tx1"/>
+          </a:fontRef>
+        </p:style>
+      </p:cxnSp>
+      <p:sp>
+        <p:nvSpPr>
+          <p:cNvPr id="176" name="Heptagon 175">
+            <a:extLst>
+              <a:ext uri="{FF2B5EF4-FFF2-40B4-BE49-F238E27FC236}">
+                <a16:creationId xmlns:a16="http://schemas.microsoft.com/office/drawing/2014/main" id="{6F6245C4-DEDA-4D0C-9D47-C92F3DDC9C51}"/>
+              </a:ext>
+            </a:extLst>
+          </p:cNvPr>
+          <p:cNvSpPr/>
+          <p:nvPr/>
+        </p:nvSpPr>
+        <p:spPr>
+          <a:xfrm>
+            <a:off x="3562692" y="2198727"/>
+            <a:ext cx="272642" cy="264423"/>
+          </a:xfrm>
+          <a:prstGeom prst="heptagon">
+            <a:avLst/>
+          </a:prstGeom>
+        </p:spPr>
+        <p:style>
+          <a:lnRef idx="2">
+            <a:schemeClr val="dk1"/>
+          </a:lnRef>
+          <a:fillRef idx="1">
+            <a:schemeClr val="lt1"/>
+          </a:fillRef>
+          <a:effectRef idx="0">
+            <a:schemeClr val="dk1"/>
+          </a:effectRef>
+          <a:fontRef idx="minor">
+            <a:schemeClr val="dk1"/>
+          </a:fontRef>
+        </p:style>
+        <p:txBody>
+          <a:bodyPr rtlCol="0" anchor="ctr"/>
+          <a:lstStyle/>
+          <a:p>
+            <a:pPr algn="ctr"/>
+            <a:r>
+              <a:rPr lang="en-US" dirty="0"/>
+              <a:t>1</a:t>
+            </a:r>
+          </a:p>
+        </p:txBody>
+      </p:sp>
+      <p:sp>
+        <p:nvSpPr>
+          <p:cNvPr id="177" name="Heptagon 176">
+            <a:extLst>
+              <a:ext uri="{FF2B5EF4-FFF2-40B4-BE49-F238E27FC236}">
+                <a16:creationId xmlns:a16="http://schemas.microsoft.com/office/drawing/2014/main" id="{3DECFA94-434A-4B6A-929D-BB28165675AE}"/>
+              </a:ext>
+            </a:extLst>
+          </p:cNvPr>
+          <p:cNvSpPr/>
+          <p:nvPr/>
+        </p:nvSpPr>
+        <p:spPr>
+          <a:xfrm>
+            <a:off x="5815420" y="1187754"/>
+            <a:ext cx="272642" cy="264423"/>
+          </a:xfrm>
+          <a:prstGeom prst="heptagon">
+            <a:avLst/>
+          </a:prstGeom>
+        </p:spPr>
+        <p:style>
+          <a:lnRef idx="2">
+            <a:schemeClr val="dk1"/>
+          </a:lnRef>
+          <a:fillRef idx="1">
+            <a:schemeClr val="lt1"/>
+          </a:fillRef>
+          <a:effectRef idx="0">
+            <a:schemeClr val="dk1"/>
+          </a:effectRef>
+          <a:fontRef idx="minor">
+            <a:schemeClr val="dk1"/>
+          </a:fontRef>
+        </p:style>
+        <p:txBody>
+          <a:bodyPr rtlCol="0" anchor="ctr"/>
+          <a:lstStyle/>
+          <a:p>
+            <a:pPr algn="ctr"/>
+            <a:r>
+              <a:rPr lang="en-US" dirty="0"/>
+              <a:t>2</a:t>
+            </a:r>
+          </a:p>
+        </p:txBody>
+      </p:sp>
+      <p:sp>
+        <p:nvSpPr>
+          <p:cNvPr id="178" name="Heptagon 177">
+            <a:extLst>
+              <a:ext uri="{FF2B5EF4-FFF2-40B4-BE49-F238E27FC236}">
+                <a16:creationId xmlns:a16="http://schemas.microsoft.com/office/drawing/2014/main" id="{FA593076-E8F8-4C7B-9068-7A6CB7C77F2D}"/>
+              </a:ext>
+            </a:extLst>
+          </p:cNvPr>
+          <p:cNvSpPr/>
+          <p:nvPr/>
+        </p:nvSpPr>
+        <p:spPr>
+          <a:xfrm>
+            <a:off x="5406194" y="2775365"/>
+            <a:ext cx="272642" cy="264423"/>
+          </a:xfrm>
+          <a:prstGeom prst="heptagon">
+            <a:avLst/>
+          </a:prstGeom>
+        </p:spPr>
+        <p:style>
+          <a:lnRef idx="2">
+            <a:schemeClr val="dk1"/>
+          </a:lnRef>
+          <a:fillRef idx="1">
+            <a:schemeClr val="lt1"/>
+          </a:fillRef>
+          <a:effectRef idx="0">
+            <a:schemeClr val="dk1"/>
+          </a:effectRef>
+          <a:fontRef idx="minor">
+            <a:schemeClr val="dk1"/>
+          </a:fontRef>
+        </p:style>
+        <p:txBody>
+          <a:bodyPr rtlCol="0" anchor="ctr"/>
+          <a:lstStyle/>
+          <a:p>
+            <a:pPr algn="ctr"/>
+            <a:r>
+              <a:rPr lang="en-US" dirty="0"/>
+              <a:t>3</a:t>
+            </a:r>
+          </a:p>
+        </p:txBody>
+      </p:sp>
+      <p:sp>
+        <p:nvSpPr>
+          <p:cNvPr id="179" name="Heptagon 178">
+            <a:extLst>
+              <a:ext uri="{FF2B5EF4-FFF2-40B4-BE49-F238E27FC236}">
+                <a16:creationId xmlns:a16="http://schemas.microsoft.com/office/drawing/2014/main" id="{11FFCEB3-798B-4C67-B41B-1ED6D6822ACB}"/>
+              </a:ext>
+            </a:extLst>
+          </p:cNvPr>
+          <p:cNvSpPr/>
+          <p:nvPr/>
+        </p:nvSpPr>
+        <p:spPr>
+          <a:xfrm>
+            <a:off x="7302704" y="2046180"/>
+            <a:ext cx="272642" cy="264423"/>
+          </a:xfrm>
+          <a:prstGeom prst="heptagon">
+            <a:avLst/>
+          </a:prstGeom>
+        </p:spPr>
+        <p:style>
+          <a:lnRef idx="2">
+            <a:schemeClr val="dk1"/>
+          </a:lnRef>
+          <a:fillRef idx="1">
+            <a:schemeClr val="lt1"/>
+          </a:fillRef>
+          <a:effectRef idx="0">
+            <a:schemeClr val="dk1"/>
+          </a:effectRef>
+          <a:fontRef idx="minor">
+            <a:schemeClr val="dk1"/>
+          </a:fontRef>
+        </p:style>
+        <p:txBody>
+          <a:bodyPr rtlCol="0" anchor="ctr"/>
+          <a:lstStyle/>
+          <a:p>
+            <a:pPr algn="ctr"/>
+            <a:r>
+              <a:rPr lang="en-US" dirty="0"/>
+              <a:t>4</a:t>
+            </a:r>
+          </a:p>
+        </p:txBody>
+      </p:sp>
+      <p:sp>
+        <p:nvSpPr>
+          <p:cNvPr id="180" name="Heptagon 179">
+            <a:extLst>
+              <a:ext uri="{FF2B5EF4-FFF2-40B4-BE49-F238E27FC236}">
+                <a16:creationId xmlns:a16="http://schemas.microsoft.com/office/drawing/2014/main" id="{7A2D0475-8445-48B2-8EAC-5B5DAA58BEEB}"/>
+              </a:ext>
+            </a:extLst>
+          </p:cNvPr>
+          <p:cNvSpPr/>
+          <p:nvPr/>
+        </p:nvSpPr>
+        <p:spPr>
+          <a:xfrm>
+            <a:off x="6315762" y="4059480"/>
+            <a:ext cx="272642" cy="264423"/>
+          </a:xfrm>
+          <a:prstGeom prst="heptagon">
+            <a:avLst/>
+          </a:prstGeom>
+        </p:spPr>
+        <p:style>
+          <a:lnRef idx="2">
+            <a:schemeClr val="dk1"/>
+          </a:lnRef>
+          <a:fillRef idx="1">
+            <a:schemeClr val="lt1"/>
+          </a:fillRef>
+          <a:effectRef idx="0">
+            <a:schemeClr val="dk1"/>
+          </a:effectRef>
+          <a:fontRef idx="minor">
+            <a:schemeClr val="dk1"/>
+          </a:fontRef>
+        </p:style>
+        <p:txBody>
+          <a:bodyPr rtlCol="0" anchor="ctr"/>
+          <a:lstStyle/>
+          <a:p>
+            <a:pPr algn="ctr"/>
+            <a:r>
+              <a:rPr lang="en-US" dirty="0"/>
+              <a:t>5</a:t>
+            </a:r>
+          </a:p>
+        </p:txBody>
+      </p:sp>
+    </p:spTree>
+    <p:extLst>
+      <p:ext uri="{BB962C8B-B14F-4D97-AF65-F5344CB8AC3E}">
+        <p14:creationId xmlns:p14="http://schemas.microsoft.com/office/powerpoint/2010/main" val="1471156910"/>
+      </p:ext>
+    </p:extLst>
+  </p:cSld>
+  <p:clrMapOvr>
+    <a:masterClrMapping/>
+  </p:clrMapOvr>
+  <p:transition spd="slow">
+    <p:push dir="u"/>
+  </p:transition>
+</p:sld>
+</file>
+
+<file path=ppt/slides/slide8.xml><?xml version="1.0" encoding="utf-8"?>
+<p:sld xmlns:a="http://schemas.openxmlformats.org/drawingml/2006/main" xmlns:r="http://schemas.openxmlformats.org/officeDocument/2006/relationships" xmlns:p="http://schemas.openxmlformats.org/presentationml/2006/main">
+  <p:cSld>
+    <p:spTree>
+      <p:nvGrpSpPr>
+        <p:cNvPr id="1" name=""/>
+        <p:cNvGrpSpPr/>
+        <p:nvPr/>
+      </p:nvGrpSpPr>
+      <p:grpSpPr>
+        <a:xfrm>
+          <a:off x="0" y="0"/>
+          <a:ext cx="0" cy="0"/>
+          <a:chOff x="0" y="0"/>
+          <a:chExt cx="0" cy="0"/>
+        </a:xfrm>
+      </p:grpSpPr>
+      <p:sp>
+        <p:nvSpPr>
+          <p:cNvPr id="2" name="Oval 1">
+            <a:extLst>
+              <a:ext uri="{FF2B5EF4-FFF2-40B4-BE49-F238E27FC236}">
+                <a16:creationId xmlns:a16="http://schemas.microsoft.com/office/drawing/2014/main" id="{FA49AFBC-F2FE-4AF5-A92E-F28EC6BFC6DA}"/>
+              </a:ext>
+            </a:extLst>
+          </p:cNvPr>
+          <p:cNvSpPr/>
+          <p:nvPr/>
+        </p:nvSpPr>
+        <p:spPr>
+          <a:xfrm>
+            <a:off x="5208105" y="1351721"/>
+            <a:ext cx="1449870" cy="448503"/>
+          </a:xfrm>
+          <a:prstGeom prst="ellipse">
+            <a:avLst/>
+          </a:prstGeom>
+          <a:solidFill>
+            <a:schemeClr val="accent6">
+              <a:lumMod val="60000"/>
+              <a:lumOff val="40000"/>
+            </a:schemeClr>
+          </a:solidFill>
+          <a:ln w="41275" cmpd="dbl">
+            <a:solidFill>
+              <a:schemeClr val="dk1"/>
+            </a:solidFill>
+          </a:ln>
+        </p:spPr>
+        <p:style>
+          <a:lnRef idx="2">
+            <a:schemeClr val="dk1"/>
+          </a:lnRef>
+          <a:fillRef idx="1">
+            <a:schemeClr val="lt1"/>
+          </a:fillRef>
+          <a:effectRef idx="0">
+            <a:schemeClr val="dk1"/>
+          </a:effectRef>
+          <a:fontRef idx="minor">
+            <a:schemeClr val="dk1"/>
+          </a:fontRef>
+        </p:style>
+        <p:txBody>
+          <a:bodyPr rtlCol="0" anchor="ctr"/>
+          <a:lstStyle/>
+          <a:p>
+            <a:pPr algn="ctr"/>
+            <a:r>
+              <a:rPr lang="en-US" sz="1400" dirty="0"/>
+              <a:t>introduced</a:t>
+            </a:r>
+          </a:p>
+        </p:txBody>
+      </p:sp>
+      <p:sp>
+        <p:nvSpPr>
+          <p:cNvPr id="23" name="Oval 22">
+            <a:extLst>
+              <a:ext uri="{FF2B5EF4-FFF2-40B4-BE49-F238E27FC236}">
+                <a16:creationId xmlns:a16="http://schemas.microsoft.com/office/drawing/2014/main" id="{DB5925ED-16BE-4792-B80E-106320E2405C}"/>
+              </a:ext>
+            </a:extLst>
+          </p:cNvPr>
+          <p:cNvSpPr/>
+          <p:nvPr/>
+        </p:nvSpPr>
+        <p:spPr>
+          <a:xfrm>
+            <a:off x="3119027" y="2377728"/>
+            <a:ext cx="1154595" cy="362779"/>
+          </a:xfrm>
+          <a:prstGeom prst="ellipse">
+            <a:avLst/>
+          </a:prstGeom>
+          <a:solidFill>
+            <a:schemeClr val="accent5">
+              <a:lumMod val="40000"/>
+              <a:lumOff val="60000"/>
+            </a:schemeClr>
+          </a:solidFill>
+          <a:ln w="41275" cmpd="dbl">
+            <a:solidFill>
+              <a:schemeClr val="dk1"/>
+            </a:solidFill>
+          </a:ln>
+        </p:spPr>
+        <p:style>
+          <a:lnRef idx="2">
+            <a:schemeClr val="dk1"/>
+          </a:lnRef>
+          <a:fillRef idx="1">
+            <a:schemeClr val="lt1"/>
+          </a:fillRef>
+          <a:effectRef idx="0">
+            <a:schemeClr val="dk1"/>
+          </a:effectRef>
+          <a:fontRef idx="minor">
+            <a:schemeClr val="dk1"/>
+          </a:fontRef>
+        </p:style>
+        <p:txBody>
+          <a:bodyPr rtlCol="0" anchor="ctr"/>
+          <a:lstStyle/>
+          <a:p>
+            <a:pPr algn="ctr"/>
+            <a:r>
+              <a:rPr lang="en-US" sz="1400" dirty="0"/>
+              <a:t>features</a:t>
+            </a:r>
+          </a:p>
+        </p:txBody>
+      </p:sp>
+      <p:sp>
+        <p:nvSpPr>
+          <p:cNvPr id="24" name="Oval 23">
+            <a:extLst>
+              <a:ext uri="{FF2B5EF4-FFF2-40B4-BE49-F238E27FC236}">
+                <a16:creationId xmlns:a16="http://schemas.microsoft.com/office/drawing/2014/main" id="{2A00FD04-F605-4FD7-9663-918182FC73D5}"/>
+              </a:ext>
+            </a:extLst>
+          </p:cNvPr>
+          <p:cNvSpPr/>
+          <p:nvPr/>
+        </p:nvSpPr>
+        <p:spPr>
+          <a:xfrm>
+            <a:off x="5177667" y="2980496"/>
+            <a:ext cx="729698" cy="353254"/>
+          </a:xfrm>
+          <a:prstGeom prst="ellipse">
+            <a:avLst/>
+          </a:prstGeom>
+          <a:solidFill>
+            <a:schemeClr val="accent2">
+              <a:lumMod val="20000"/>
+              <a:lumOff val="80000"/>
+            </a:schemeClr>
+          </a:solidFill>
+          <a:ln w="41275" cmpd="dbl">
+            <a:solidFill>
+              <a:schemeClr val="dk1"/>
+            </a:solidFill>
+          </a:ln>
+        </p:spPr>
+        <p:style>
+          <a:lnRef idx="2">
+            <a:schemeClr val="dk1"/>
+          </a:lnRef>
+          <a:fillRef idx="1">
+            <a:schemeClr val="lt1"/>
+          </a:fillRef>
+          <a:effectRef idx="0">
+            <a:schemeClr val="dk1"/>
+          </a:effectRef>
+          <a:fontRef idx="minor">
+            <a:schemeClr val="dk1"/>
+          </a:fontRef>
+        </p:style>
+        <p:txBody>
+          <a:bodyPr rtlCol="0" anchor="ctr"/>
+          <a:lstStyle/>
+          <a:p>
+            <a:pPr algn="ctr"/>
+            <a:r>
+              <a:rPr lang="en-US" sz="1400" dirty="0"/>
+              <a:t>lets</a:t>
+            </a:r>
+          </a:p>
+        </p:txBody>
+      </p:sp>
+      <p:sp>
+        <p:nvSpPr>
+          <p:cNvPr id="26" name="Oval 25">
+            <a:extLst>
+              <a:ext uri="{FF2B5EF4-FFF2-40B4-BE49-F238E27FC236}">
+                <a16:creationId xmlns:a16="http://schemas.microsoft.com/office/drawing/2014/main" id="{95FCD03A-F864-404F-B96C-34A0BA873B1C}"/>
+              </a:ext>
+            </a:extLst>
+          </p:cNvPr>
+          <p:cNvSpPr/>
+          <p:nvPr/>
+        </p:nvSpPr>
+        <p:spPr>
+          <a:xfrm>
+            <a:off x="6553200" y="2232368"/>
+            <a:ext cx="1771650" cy="353254"/>
+          </a:xfrm>
+          <a:prstGeom prst="ellipse">
+            <a:avLst/>
+          </a:prstGeom>
+          <a:solidFill>
+            <a:schemeClr val="accent4">
+              <a:lumMod val="40000"/>
+              <a:lumOff val="60000"/>
+            </a:schemeClr>
+          </a:solidFill>
+          <a:ln w="41275" cmpd="dbl">
+            <a:solidFill>
+              <a:schemeClr val="dk1"/>
+            </a:solidFill>
+          </a:ln>
+        </p:spPr>
+        <p:style>
+          <a:lnRef idx="2">
+            <a:schemeClr val="dk1"/>
+          </a:lnRef>
+          <a:fillRef idx="1">
+            <a:schemeClr val="lt1"/>
+          </a:fillRef>
+          <a:effectRef idx="0">
+            <a:schemeClr val="dk1"/>
+          </a:effectRef>
+          <a:fontRef idx="minor">
+            <a:schemeClr val="dk1"/>
+          </a:fontRef>
+        </p:style>
+        <p:txBody>
+          <a:bodyPr rtlCol="0" anchor="ctr"/>
+          <a:lstStyle/>
+          <a:p>
+            <a:pPr algn="ctr"/>
+            <a:r>
+              <a:rPr lang="en-US" sz="1400" dirty="0"/>
+              <a:t>communicate</a:t>
+            </a:r>
+          </a:p>
+        </p:txBody>
+      </p:sp>
+      <p:sp>
+        <p:nvSpPr>
+          <p:cNvPr id="27" name="Oval 26">
+            <a:extLst>
+              <a:ext uri="{FF2B5EF4-FFF2-40B4-BE49-F238E27FC236}">
+                <a16:creationId xmlns:a16="http://schemas.microsoft.com/office/drawing/2014/main" id="{B74B89FA-8ECE-498E-B24C-590240014156}"/>
+              </a:ext>
+            </a:extLst>
+          </p:cNvPr>
+          <p:cNvSpPr/>
+          <p:nvPr/>
+        </p:nvSpPr>
+        <p:spPr>
+          <a:xfrm>
+            <a:off x="5737778" y="3783131"/>
+            <a:ext cx="1438275" cy="353254"/>
+          </a:xfrm>
+          <a:prstGeom prst="ellipse">
+            <a:avLst/>
+          </a:prstGeom>
+          <a:solidFill>
+            <a:schemeClr val="accent2">
+              <a:lumMod val="40000"/>
+              <a:lumOff val="60000"/>
+            </a:schemeClr>
+          </a:solidFill>
+          <a:ln w="41275" cmpd="dbl">
+            <a:solidFill>
+              <a:schemeClr val="dk1"/>
+            </a:solidFill>
+          </a:ln>
+        </p:spPr>
+        <p:style>
+          <a:lnRef idx="2">
+            <a:schemeClr val="dk1"/>
+          </a:lnRef>
+          <a:fillRef idx="1">
+            <a:schemeClr val="lt1"/>
+          </a:fillRef>
+          <a:effectRef idx="0">
+            <a:schemeClr val="dk1"/>
+          </a:effectRef>
+          <a:fontRef idx="minor">
+            <a:schemeClr val="dk1"/>
+          </a:fontRef>
+        </p:style>
+        <p:txBody>
+          <a:bodyPr rtlCol="0" anchor="ctr"/>
+          <a:lstStyle/>
+          <a:p>
+            <a:pPr algn="ctr"/>
+            <a:r>
+              <a:rPr lang="en-US" sz="1400" dirty="0"/>
+              <a:t>exchanging</a:t>
+            </a:r>
+          </a:p>
+        </p:txBody>
+      </p:sp>
+      <p:sp>
+        <p:nvSpPr>
+          <p:cNvPr id="10" name="Rectangle 9">
+            <a:extLst>
+              <a:ext uri="{FF2B5EF4-FFF2-40B4-BE49-F238E27FC236}">
+                <a16:creationId xmlns:a16="http://schemas.microsoft.com/office/drawing/2014/main" id="{6E5891C0-1EB7-4425-BBB5-30EED100516F}"/>
+              </a:ext>
+            </a:extLst>
+          </p:cNvPr>
+          <p:cNvSpPr/>
+          <p:nvPr/>
+        </p:nvSpPr>
+        <p:spPr>
+          <a:xfrm>
+            <a:off x="5109128" y="2151820"/>
+            <a:ext cx="866775" cy="285750"/>
+          </a:xfrm>
+          <a:prstGeom prst="rect">
+            <a:avLst/>
+          </a:prstGeom>
+          <a:solidFill>
+            <a:schemeClr val="bg1">
+              <a:lumMod val="95000"/>
+            </a:schemeClr>
+          </a:solidFill>
+        </p:spPr>
+        <p:style>
+          <a:lnRef idx="2">
+            <a:schemeClr val="dk1"/>
+          </a:lnRef>
+          <a:fillRef idx="1">
+            <a:schemeClr val="lt1"/>
+          </a:fillRef>
+          <a:effectRef idx="0">
+            <a:schemeClr val="dk1"/>
+          </a:effectRef>
+          <a:fontRef idx="minor">
+            <a:schemeClr val="dk1"/>
+          </a:fontRef>
+        </p:style>
+        <p:txBody>
+          <a:bodyPr rtlCol="0" anchor="ctr"/>
+          <a:lstStyle/>
+          <a:p>
+            <a:pPr algn="ctr"/>
+            <a:r>
+              <a:rPr lang="en-US" sz="1400" dirty="0"/>
+              <a:t>mittomo</a:t>
+            </a:r>
+          </a:p>
+        </p:txBody>
+      </p:sp>
+      <p:sp>
+        <p:nvSpPr>
+          <p:cNvPr id="28" name="Rectangle 27">
+            <a:extLst>
+              <a:ext uri="{FF2B5EF4-FFF2-40B4-BE49-F238E27FC236}">
+                <a16:creationId xmlns:a16="http://schemas.microsoft.com/office/drawing/2014/main" id="{27BDF84A-6ED3-443E-A99F-CF5FA995E487}"/>
+              </a:ext>
+            </a:extLst>
+          </p:cNvPr>
+          <p:cNvSpPr/>
+          <p:nvPr/>
+        </p:nvSpPr>
+        <p:spPr>
+          <a:xfrm>
+            <a:off x="4210880" y="846895"/>
+            <a:ext cx="866775" cy="285750"/>
+          </a:xfrm>
+          <a:prstGeom prst="rect">
+            <a:avLst/>
+          </a:prstGeom>
+          <a:solidFill>
+            <a:schemeClr val="accent6">
+              <a:lumMod val="60000"/>
+              <a:lumOff val="40000"/>
+            </a:schemeClr>
+          </a:solidFill>
+        </p:spPr>
+        <p:style>
+          <a:lnRef idx="2">
+            <a:schemeClr val="dk1"/>
+          </a:lnRef>
+          <a:fillRef idx="1">
+            <a:schemeClr val="lt1"/>
+          </a:fillRef>
+          <a:effectRef idx="0">
+            <a:schemeClr val="dk1"/>
+          </a:effectRef>
+          <a:fontRef idx="minor">
+            <a:schemeClr val="dk1"/>
+          </a:fontRef>
+        </p:style>
+        <p:txBody>
+          <a:bodyPr rtlCol="0" anchor="ctr"/>
+          <a:lstStyle/>
+          <a:p>
+            <a:pPr algn="ctr"/>
+            <a:r>
+              <a:rPr lang="en-US" sz="1400" dirty="0"/>
+              <a:t>globally</a:t>
+            </a:r>
+          </a:p>
+        </p:txBody>
+      </p:sp>
+      <p:sp>
+        <p:nvSpPr>
+          <p:cNvPr id="30" name="Rectangle 29">
+            <a:extLst>
+              <a:ext uri="{FF2B5EF4-FFF2-40B4-BE49-F238E27FC236}">
+                <a16:creationId xmlns:a16="http://schemas.microsoft.com/office/drawing/2014/main" id="{1A95AA1C-E497-4F76-AB59-ABA0E6539C5D}"/>
+              </a:ext>
+            </a:extLst>
+          </p:cNvPr>
+          <p:cNvSpPr/>
+          <p:nvPr/>
+        </p:nvSpPr>
+        <p:spPr>
+          <a:xfrm>
+            <a:off x="6553200" y="704020"/>
+            <a:ext cx="576263" cy="285750"/>
+          </a:xfrm>
+          <a:prstGeom prst="rect">
+            <a:avLst/>
+          </a:prstGeom>
+          <a:solidFill>
+            <a:schemeClr val="accent6">
+              <a:lumMod val="60000"/>
+              <a:lumOff val="40000"/>
+            </a:schemeClr>
+          </a:solidFill>
+        </p:spPr>
+        <p:style>
+          <a:lnRef idx="2">
+            <a:schemeClr val="dk1"/>
+          </a:lnRef>
+          <a:fillRef idx="1">
+            <a:schemeClr val="lt1"/>
+          </a:fillRef>
+          <a:effectRef idx="0">
+            <a:schemeClr val="dk1"/>
+          </a:effectRef>
+          <a:fontRef idx="minor">
+            <a:schemeClr val="dk1"/>
+          </a:fontRef>
+        </p:style>
+        <p:txBody>
+          <a:bodyPr rtlCol="0" anchor="ctr"/>
+          <a:lstStyle/>
+          <a:p>
+            <a:pPr algn="ctr"/>
+            <a:r>
+              <a:rPr lang="en-US" sz="1400" dirty="0"/>
+              <a:t>2016</a:t>
+            </a:r>
+          </a:p>
+        </p:txBody>
+      </p:sp>
+      <p:sp>
+        <p:nvSpPr>
+          <p:cNvPr id="31" name="Rectangle 30">
+            <a:extLst>
+              <a:ext uri="{FF2B5EF4-FFF2-40B4-BE49-F238E27FC236}">
+                <a16:creationId xmlns:a16="http://schemas.microsoft.com/office/drawing/2014/main" id="{E516CA25-12A2-41EB-84C7-E3DB70736FB4}"/>
+              </a:ext>
+            </a:extLst>
+          </p:cNvPr>
+          <p:cNvSpPr/>
+          <p:nvPr/>
+        </p:nvSpPr>
+        <p:spPr>
+          <a:xfrm>
+            <a:off x="7272337" y="1426099"/>
+            <a:ext cx="909638" cy="285750"/>
+          </a:xfrm>
+          <a:prstGeom prst="rect">
+            <a:avLst/>
+          </a:prstGeom>
+          <a:solidFill>
+            <a:schemeClr val="accent6">
+              <a:lumMod val="60000"/>
+              <a:lumOff val="40000"/>
+            </a:schemeClr>
+          </a:solidFill>
+        </p:spPr>
+        <p:style>
+          <a:lnRef idx="2">
+            <a:schemeClr val="dk1"/>
+          </a:lnRef>
+          <a:fillRef idx="1">
+            <a:schemeClr val="lt1"/>
+          </a:fillRef>
+          <a:effectRef idx="0">
+            <a:schemeClr val="dk1"/>
+          </a:effectRef>
+          <a:fontRef idx="minor">
+            <a:schemeClr val="dk1"/>
+          </a:fontRef>
+        </p:style>
+        <p:txBody>
+          <a:bodyPr rtlCol="0" anchor="ctr"/>
+          <a:lstStyle/>
+          <a:p>
+            <a:pPr algn="ctr"/>
+            <a:r>
+              <a:rPr lang="en-US" sz="1400" dirty="0"/>
+              <a:t>nintendo</a:t>
+            </a:r>
+          </a:p>
+        </p:txBody>
+      </p:sp>
+      <p:sp>
+        <p:nvSpPr>
+          <p:cNvPr id="13" name="Diamond 12">
+            <a:extLst>
+              <a:ext uri="{FF2B5EF4-FFF2-40B4-BE49-F238E27FC236}">
+                <a16:creationId xmlns:a16="http://schemas.microsoft.com/office/drawing/2014/main" id="{E3A13529-5867-4173-97D3-040511595951}"/>
+              </a:ext>
+            </a:extLst>
+          </p:cNvPr>
+          <p:cNvSpPr/>
+          <p:nvPr/>
+        </p:nvSpPr>
+        <p:spPr>
+          <a:xfrm>
+            <a:off x="7631906" y="613947"/>
+            <a:ext cx="692944" cy="465895"/>
+          </a:xfrm>
+          <a:prstGeom prst="diamond">
+            <a:avLst/>
+          </a:prstGeom>
+          <a:solidFill>
+            <a:schemeClr val="accent6">
+              <a:lumMod val="60000"/>
+              <a:lumOff val="40000"/>
+            </a:schemeClr>
+          </a:solidFill>
+        </p:spPr>
+        <p:style>
+          <a:lnRef idx="2">
+            <a:schemeClr val="dk1"/>
+          </a:lnRef>
+          <a:fillRef idx="1">
+            <a:schemeClr val="lt1"/>
+          </a:fillRef>
+          <a:effectRef idx="0">
+            <a:schemeClr val="dk1"/>
+          </a:effectRef>
+          <a:fontRef idx="minor">
+            <a:schemeClr val="dk1"/>
+          </a:fontRef>
+        </p:style>
+        <p:txBody>
+          <a:bodyPr rtlCol="0" anchor="ctr"/>
+          <a:lstStyle/>
+          <a:p>
+            <a:pPr algn="ctr"/>
+            <a:r>
+              <a:rPr lang="en-US" sz="1400" dirty="0"/>
+              <a:t>in</a:t>
+            </a:r>
+          </a:p>
+        </p:txBody>
+      </p:sp>
+      <p:cxnSp>
+        <p:nvCxnSpPr>
+          <p:cNvPr id="15" name="Connector: Curved 14">
+            <a:extLst>
+              <a:ext uri="{FF2B5EF4-FFF2-40B4-BE49-F238E27FC236}">
+                <a16:creationId xmlns:a16="http://schemas.microsoft.com/office/drawing/2014/main" id="{5E14B4EA-B355-4B7A-A1D0-85819A721437}"/>
+              </a:ext>
+            </a:extLst>
+          </p:cNvPr>
+          <p:cNvCxnSpPr>
+            <a:cxnSpLocks/>
+            <a:stCxn id="2" idx="1"/>
+            <a:endCxn id="28" idx="3"/>
+          </p:cNvCxnSpPr>
+          <p:nvPr/>
+        </p:nvCxnSpPr>
+        <p:spPr>
+          <a:xfrm rot="16200000" flipV="1">
+            <a:off x="5035229" y="1032197"/>
+            <a:ext cx="427633" cy="342779"/>
+          </a:xfrm>
+          <a:prstGeom prst="curvedConnector2">
+            <a:avLst/>
+          </a:prstGeom>
+          <a:ln>
+            <a:solidFill>
+              <a:schemeClr val="tx1"/>
+            </a:solidFill>
+            <a:tailEnd type="triangle"/>
+          </a:ln>
+        </p:spPr>
+        <p:style>
+          <a:lnRef idx="1">
+            <a:schemeClr val="accent1"/>
+          </a:lnRef>
+          <a:fillRef idx="0">
+            <a:schemeClr val="accent1"/>
+          </a:fillRef>
+          <a:effectRef idx="0">
+            <a:schemeClr val="accent1"/>
+          </a:effectRef>
+          <a:fontRef idx="minor">
+            <a:schemeClr val="tx1"/>
+          </a:fontRef>
+        </p:style>
+      </p:cxnSp>
+      <p:cxnSp>
+        <p:nvCxnSpPr>
+          <p:cNvPr id="36" name="Connector: Curved 35">
+            <a:extLst>
+              <a:ext uri="{FF2B5EF4-FFF2-40B4-BE49-F238E27FC236}">
+                <a16:creationId xmlns:a16="http://schemas.microsoft.com/office/drawing/2014/main" id="{745FFFF6-1DDB-4CA2-A6AF-F7760F7880BF}"/>
+              </a:ext>
+            </a:extLst>
+          </p:cNvPr>
+          <p:cNvCxnSpPr>
+            <a:cxnSpLocks/>
+            <a:stCxn id="2" idx="0"/>
+            <a:endCxn id="30" idx="1"/>
+          </p:cNvCxnSpPr>
+          <p:nvPr/>
+        </p:nvCxnSpPr>
+        <p:spPr>
+          <a:xfrm rot="5400000" flipH="1" flipV="1">
+            <a:off x="5990707" y="789228"/>
+            <a:ext cx="504826" cy="620160"/>
+          </a:xfrm>
+          <a:prstGeom prst="curvedConnector2">
+            <a:avLst/>
+          </a:prstGeom>
+          <a:ln>
+            <a:solidFill>
+              <a:schemeClr val="tx1"/>
+            </a:solidFill>
+            <a:tailEnd type="triangle"/>
+          </a:ln>
+        </p:spPr>
+        <p:style>
+          <a:lnRef idx="1">
+            <a:schemeClr val="accent1"/>
+          </a:lnRef>
+          <a:fillRef idx="0">
+            <a:schemeClr val="accent1"/>
+          </a:fillRef>
+          <a:effectRef idx="0">
+            <a:schemeClr val="accent1"/>
+          </a:effectRef>
+          <a:fontRef idx="minor">
+            <a:schemeClr val="tx1"/>
+          </a:fontRef>
+        </p:style>
+      </p:cxnSp>
+      <p:cxnSp>
+        <p:nvCxnSpPr>
+          <p:cNvPr id="40" name="Connector: Curved 39">
+            <a:extLst>
+              <a:ext uri="{FF2B5EF4-FFF2-40B4-BE49-F238E27FC236}">
+                <a16:creationId xmlns:a16="http://schemas.microsoft.com/office/drawing/2014/main" id="{70F70400-0767-4D6D-81EC-A67FE364C4AA}"/>
+              </a:ext>
+            </a:extLst>
+          </p:cNvPr>
+          <p:cNvCxnSpPr>
+            <a:cxnSpLocks/>
+            <a:stCxn id="2" idx="6"/>
+            <a:endCxn id="31" idx="1"/>
+          </p:cNvCxnSpPr>
+          <p:nvPr/>
+        </p:nvCxnSpPr>
+        <p:spPr>
+          <a:xfrm flipV="1">
+            <a:off x="6657975" y="1568974"/>
+            <a:ext cx="614362" cy="6999"/>
+          </a:xfrm>
+          <a:prstGeom prst="curvedConnector3">
+            <a:avLst>
+              <a:gd name="adj1" fmla="val 50000"/>
+            </a:avLst>
+          </a:prstGeom>
+          <a:ln>
+            <a:solidFill>
+              <a:schemeClr val="tx1"/>
+            </a:solidFill>
+            <a:tailEnd type="triangle"/>
+          </a:ln>
+        </p:spPr>
+        <p:style>
+          <a:lnRef idx="1">
+            <a:schemeClr val="accent1"/>
+          </a:lnRef>
+          <a:fillRef idx="0">
+            <a:schemeClr val="accent1"/>
+          </a:fillRef>
+          <a:effectRef idx="0">
+            <a:schemeClr val="accent1"/>
+          </a:effectRef>
+          <a:fontRef idx="minor">
+            <a:schemeClr val="tx1"/>
+          </a:fontRef>
+        </p:style>
+      </p:cxnSp>
+      <p:cxnSp>
+        <p:nvCxnSpPr>
+          <p:cNvPr id="43" name="Connector: Curved 42">
+            <a:extLst>
+              <a:ext uri="{FF2B5EF4-FFF2-40B4-BE49-F238E27FC236}">
+                <a16:creationId xmlns:a16="http://schemas.microsoft.com/office/drawing/2014/main" id="{EC014D79-B40C-4116-B40C-6D87D2542FE5}"/>
+              </a:ext>
+            </a:extLst>
+          </p:cNvPr>
+          <p:cNvCxnSpPr>
+            <a:cxnSpLocks/>
+            <a:stCxn id="2" idx="4"/>
+            <a:endCxn id="10" idx="0"/>
+          </p:cNvCxnSpPr>
+          <p:nvPr/>
+        </p:nvCxnSpPr>
+        <p:spPr>
+          <a:xfrm rot="5400000">
+            <a:off x="5561980" y="1780760"/>
+            <a:ext cx="351596" cy="390524"/>
+          </a:xfrm>
+          <a:prstGeom prst="curvedConnector3">
+            <a:avLst>
+              <a:gd name="adj1" fmla="val 50000"/>
+            </a:avLst>
+          </a:prstGeom>
+          <a:ln>
+            <a:solidFill>
+              <a:schemeClr val="tx1"/>
+            </a:solidFill>
+            <a:tailEnd type="triangle"/>
+          </a:ln>
+        </p:spPr>
+        <p:style>
+          <a:lnRef idx="1">
+            <a:schemeClr val="accent1"/>
+          </a:lnRef>
+          <a:fillRef idx="0">
+            <a:schemeClr val="accent1"/>
+          </a:fillRef>
+          <a:effectRef idx="0">
+            <a:schemeClr val="accent1"/>
+          </a:effectRef>
+          <a:fontRef idx="minor">
+            <a:schemeClr val="tx1"/>
+          </a:fontRef>
+        </p:style>
+      </p:cxnSp>
+      <p:cxnSp>
+        <p:nvCxnSpPr>
+          <p:cNvPr id="46" name="Connector: Curved 45">
+            <a:extLst>
+              <a:ext uri="{FF2B5EF4-FFF2-40B4-BE49-F238E27FC236}">
+                <a16:creationId xmlns:a16="http://schemas.microsoft.com/office/drawing/2014/main" id="{2E0E6A98-F6AB-4306-A8D7-4DA005527528}"/>
+              </a:ext>
+            </a:extLst>
+          </p:cNvPr>
+          <p:cNvCxnSpPr>
+            <a:cxnSpLocks/>
+            <a:stCxn id="30" idx="3"/>
+            <a:endCxn id="13" idx="1"/>
+          </p:cNvCxnSpPr>
+          <p:nvPr/>
+        </p:nvCxnSpPr>
+        <p:spPr>
+          <a:xfrm>
+            <a:off x="7129463" y="846895"/>
+            <a:ext cx="502443" cy="12700"/>
+          </a:xfrm>
+          <a:prstGeom prst="curvedConnector3">
+            <a:avLst>
+              <a:gd name="adj1" fmla="val 50000"/>
+            </a:avLst>
+          </a:prstGeom>
+          <a:ln>
+            <a:solidFill>
+              <a:schemeClr val="tx1"/>
+            </a:solidFill>
+            <a:tailEnd type="triangle"/>
+          </a:ln>
+        </p:spPr>
+        <p:style>
+          <a:lnRef idx="1">
+            <a:schemeClr val="accent1"/>
+          </a:lnRef>
+          <a:fillRef idx="0">
+            <a:schemeClr val="accent1"/>
+          </a:fillRef>
+          <a:effectRef idx="0">
+            <a:schemeClr val="accent1"/>
+          </a:effectRef>
+          <a:fontRef idx="minor">
+            <a:schemeClr val="tx1"/>
+          </a:fontRef>
+        </p:style>
+      </p:cxnSp>
+      <p:cxnSp>
+        <p:nvCxnSpPr>
+          <p:cNvPr id="51" name="Connector: Curved 50">
+            <a:extLst>
+              <a:ext uri="{FF2B5EF4-FFF2-40B4-BE49-F238E27FC236}">
+                <a16:creationId xmlns:a16="http://schemas.microsoft.com/office/drawing/2014/main" id="{D7AE38C3-588D-46AF-9A56-3FC2AAECB079}"/>
+              </a:ext>
+            </a:extLst>
+          </p:cNvPr>
+          <p:cNvCxnSpPr>
+            <a:cxnSpLocks/>
+            <a:stCxn id="23" idx="6"/>
+            <a:endCxn id="10" idx="1"/>
+          </p:cNvCxnSpPr>
+          <p:nvPr/>
+        </p:nvCxnSpPr>
+        <p:spPr>
+          <a:xfrm flipV="1">
+            <a:off x="4273622" y="2294695"/>
+            <a:ext cx="835506" cy="264423"/>
+          </a:xfrm>
+          <a:prstGeom prst="curvedConnector3">
+            <a:avLst>
+              <a:gd name="adj1" fmla="val 50000"/>
+            </a:avLst>
+          </a:prstGeom>
+          <a:ln>
+            <a:solidFill>
+              <a:schemeClr val="tx1"/>
+            </a:solidFill>
+            <a:tailEnd type="triangle"/>
+          </a:ln>
+        </p:spPr>
+        <p:style>
+          <a:lnRef idx="1">
+            <a:schemeClr val="accent1"/>
+          </a:lnRef>
+          <a:fillRef idx="0">
+            <a:schemeClr val="accent1"/>
+          </a:fillRef>
+          <a:effectRef idx="0">
+            <a:schemeClr val="accent1"/>
+          </a:effectRef>
+          <a:fontRef idx="minor">
+            <a:schemeClr val="tx1"/>
+          </a:fontRef>
+        </p:style>
+      </p:cxnSp>
+      <p:cxnSp>
+        <p:nvCxnSpPr>
+          <p:cNvPr id="55" name="Connector: Curved 54">
+            <a:extLst>
+              <a:ext uri="{FF2B5EF4-FFF2-40B4-BE49-F238E27FC236}">
+                <a16:creationId xmlns:a16="http://schemas.microsoft.com/office/drawing/2014/main" id="{E9F3F01E-211D-40D5-AFA4-DA3CD3B68701}"/>
+              </a:ext>
+            </a:extLst>
+          </p:cNvPr>
+          <p:cNvCxnSpPr>
+            <a:cxnSpLocks/>
+            <a:stCxn id="23" idx="5"/>
+            <a:endCxn id="24" idx="2"/>
+          </p:cNvCxnSpPr>
+          <p:nvPr/>
+        </p:nvCxnSpPr>
+        <p:spPr>
+          <a:xfrm rot="16200000" flipH="1">
+            <a:off x="4406229" y="2385685"/>
+            <a:ext cx="469744" cy="1073132"/>
+          </a:xfrm>
+          <a:prstGeom prst="curvedConnector2">
+            <a:avLst/>
+          </a:prstGeom>
+          <a:ln>
+            <a:solidFill>
+              <a:schemeClr val="tx1"/>
+            </a:solidFill>
+            <a:tailEnd type="triangle"/>
+          </a:ln>
+        </p:spPr>
+        <p:style>
+          <a:lnRef idx="1">
+            <a:schemeClr val="accent1"/>
+          </a:lnRef>
+          <a:fillRef idx="0">
+            <a:schemeClr val="accent1"/>
+          </a:fillRef>
+          <a:effectRef idx="0">
+            <a:schemeClr val="accent1"/>
+          </a:effectRef>
+          <a:fontRef idx="minor">
+            <a:schemeClr val="tx1"/>
+          </a:fontRef>
+        </p:style>
+      </p:cxnSp>
+      <p:sp>
+        <p:nvSpPr>
+          <p:cNvPr id="58" name="Rectangle 57">
+            <a:extLst>
+              <a:ext uri="{FF2B5EF4-FFF2-40B4-BE49-F238E27FC236}">
+                <a16:creationId xmlns:a16="http://schemas.microsoft.com/office/drawing/2014/main" id="{746BDB55-8A3B-48EA-8FD4-023D4CA6E768}"/>
+              </a:ext>
+            </a:extLst>
+          </p:cNvPr>
+          <p:cNvSpPr/>
+          <p:nvPr/>
+        </p:nvSpPr>
+        <p:spPr>
+          <a:xfrm>
+            <a:off x="2190368" y="1695033"/>
+            <a:ext cx="1246800" cy="324354"/>
+          </a:xfrm>
+          <a:prstGeom prst="rect">
+            <a:avLst/>
+          </a:prstGeom>
+          <a:solidFill>
+            <a:schemeClr val="accent5">
+              <a:lumMod val="40000"/>
+              <a:lumOff val="60000"/>
+            </a:schemeClr>
+          </a:solidFill>
+        </p:spPr>
+        <p:style>
+          <a:lnRef idx="2">
+            <a:schemeClr val="dk1"/>
+          </a:lnRef>
+          <a:fillRef idx="1">
+            <a:schemeClr val="lt1"/>
+          </a:fillRef>
+          <a:effectRef idx="0">
+            <a:schemeClr val="dk1"/>
+          </a:effectRef>
+          <a:fontRef idx="minor">
+            <a:schemeClr val="dk1"/>
+          </a:fontRef>
+        </p:style>
+        <p:txBody>
+          <a:bodyPr rtlCol="0" anchor="ctr"/>
+          <a:lstStyle/>
+          <a:p>
+            <a:pPr algn="ctr"/>
+            <a:r>
+              <a:rPr lang="en-US" sz="1400" dirty="0"/>
+              <a:t>avatar_system</a:t>
+            </a:r>
+          </a:p>
+        </p:txBody>
+      </p:sp>
+      <p:sp>
+        <p:nvSpPr>
+          <p:cNvPr id="59" name="Rectangle 58">
+            <a:extLst>
+              <a:ext uri="{FF2B5EF4-FFF2-40B4-BE49-F238E27FC236}">
+                <a16:creationId xmlns:a16="http://schemas.microsoft.com/office/drawing/2014/main" id="{DE16A9D3-F599-418D-BEC0-1EEFDAA6C4D7}"/>
+              </a:ext>
+            </a:extLst>
+          </p:cNvPr>
+          <p:cNvSpPr/>
+          <p:nvPr/>
+        </p:nvSpPr>
+        <p:spPr>
+          <a:xfrm>
+            <a:off x="2514649" y="1012338"/>
+            <a:ext cx="576263" cy="324354"/>
+          </a:xfrm>
+          <a:prstGeom prst="rect">
+            <a:avLst/>
+          </a:prstGeom>
+          <a:solidFill>
+            <a:schemeClr val="accent5">
+              <a:lumMod val="40000"/>
+              <a:lumOff val="60000"/>
+            </a:schemeClr>
+          </a:solidFill>
+        </p:spPr>
+        <p:style>
+          <a:lnRef idx="2">
+            <a:schemeClr val="dk1"/>
+          </a:lnRef>
+          <a:fillRef idx="1">
+            <a:schemeClr val="lt1"/>
+          </a:fillRef>
+          <a:effectRef idx="0">
+            <a:schemeClr val="dk1"/>
+          </a:effectRef>
+          <a:fontRef idx="minor">
+            <a:schemeClr val="dk1"/>
+          </a:fontRef>
+        </p:style>
+        <p:txBody>
+          <a:bodyPr rtlCol="0" anchor="ctr"/>
+          <a:lstStyle/>
+          <a:p>
+            <a:pPr algn="ctr"/>
+            <a:r>
+              <a:rPr lang="en-US" sz="1400" dirty="0"/>
+              <a:t>mii</a:t>
+            </a:r>
+          </a:p>
+        </p:txBody>
+      </p:sp>
+      <p:cxnSp>
+        <p:nvCxnSpPr>
+          <p:cNvPr id="62" name="Connector: Curved 61">
+            <a:extLst>
+              <a:ext uri="{FF2B5EF4-FFF2-40B4-BE49-F238E27FC236}">
+                <a16:creationId xmlns:a16="http://schemas.microsoft.com/office/drawing/2014/main" id="{8B205E70-58DE-4CCE-A3B2-81FC04B7B90F}"/>
+              </a:ext>
+            </a:extLst>
+          </p:cNvPr>
+          <p:cNvCxnSpPr>
+            <a:cxnSpLocks/>
+            <a:stCxn id="23" idx="0"/>
+            <a:endCxn id="58" idx="3"/>
+          </p:cNvCxnSpPr>
+          <p:nvPr/>
+        </p:nvCxnSpPr>
+        <p:spPr>
+          <a:xfrm rot="16200000" flipV="1">
+            <a:off x="3306488" y="1987890"/>
+            <a:ext cx="520518" cy="259157"/>
+          </a:xfrm>
+          <a:prstGeom prst="curvedConnector2">
+            <a:avLst/>
+          </a:prstGeom>
+          <a:ln>
+            <a:solidFill>
+              <a:schemeClr val="tx1"/>
+            </a:solidFill>
+            <a:tailEnd type="triangle"/>
+          </a:ln>
+        </p:spPr>
+        <p:style>
+          <a:lnRef idx="1">
+            <a:schemeClr val="accent1"/>
+          </a:lnRef>
+          <a:fillRef idx="0">
+            <a:schemeClr val="accent1"/>
+          </a:fillRef>
+          <a:effectRef idx="0">
+            <a:schemeClr val="accent1"/>
+          </a:effectRef>
+          <a:fontRef idx="minor">
+            <a:schemeClr val="tx1"/>
+          </a:fontRef>
+        </p:style>
+      </p:cxnSp>
+      <p:cxnSp>
+        <p:nvCxnSpPr>
+          <p:cNvPr id="70" name="Straight Arrow Connector 69">
+            <a:extLst>
+              <a:ext uri="{FF2B5EF4-FFF2-40B4-BE49-F238E27FC236}">
+                <a16:creationId xmlns:a16="http://schemas.microsoft.com/office/drawing/2014/main" id="{7CC60613-2D10-4AF4-94C8-C26211C18988}"/>
+              </a:ext>
+            </a:extLst>
+          </p:cNvPr>
+          <p:cNvCxnSpPr>
+            <a:stCxn id="58" idx="0"/>
+            <a:endCxn id="59" idx="2"/>
+          </p:cNvCxnSpPr>
+          <p:nvPr/>
+        </p:nvCxnSpPr>
+        <p:spPr>
+          <a:xfrm flipH="1" flipV="1">
+            <a:off x="2802781" y="1336692"/>
+            <a:ext cx="10987" cy="358341"/>
+          </a:xfrm>
+          <a:prstGeom prst="straightConnector1">
+            <a:avLst/>
+          </a:prstGeom>
+          <a:ln>
+            <a:tailEnd type="triangle"/>
+          </a:ln>
+        </p:spPr>
+        <p:style>
+          <a:lnRef idx="1">
+            <a:schemeClr val="dk1"/>
+          </a:lnRef>
+          <a:fillRef idx="0">
+            <a:schemeClr val="dk1"/>
+          </a:fillRef>
+          <a:effectRef idx="0">
+            <a:schemeClr val="dk1"/>
+          </a:effectRef>
+          <a:fontRef idx="minor">
+            <a:schemeClr val="tx1"/>
+          </a:fontRef>
+        </p:style>
+      </p:cxnSp>
+      <p:sp>
+        <p:nvSpPr>
+          <p:cNvPr id="72" name="Diamond 71">
+            <a:extLst>
+              <a:ext uri="{FF2B5EF4-FFF2-40B4-BE49-F238E27FC236}">
+                <a16:creationId xmlns:a16="http://schemas.microsoft.com/office/drawing/2014/main" id="{B5BF9575-9357-426B-90C5-28ADC2B38910}"/>
+              </a:ext>
+            </a:extLst>
+          </p:cNvPr>
+          <p:cNvSpPr/>
+          <p:nvPr/>
+        </p:nvSpPr>
+        <p:spPr>
+          <a:xfrm>
+            <a:off x="3286929" y="3039788"/>
+            <a:ext cx="923951" cy="324355"/>
+          </a:xfrm>
+          <a:prstGeom prst="diamond">
+            <a:avLst/>
+          </a:prstGeom>
+          <a:solidFill>
+            <a:schemeClr val="accent5">
+              <a:lumMod val="40000"/>
+              <a:lumOff val="60000"/>
+            </a:schemeClr>
+          </a:solidFill>
+        </p:spPr>
+        <p:style>
+          <a:lnRef idx="2">
+            <a:schemeClr val="dk1"/>
+          </a:lnRef>
+          <a:fillRef idx="1">
+            <a:schemeClr val="lt1"/>
+          </a:fillRef>
+          <a:effectRef idx="0">
+            <a:schemeClr val="dk1"/>
+          </a:effectRef>
+          <a:fontRef idx="minor">
+            <a:schemeClr val="dk1"/>
+          </a:fontRef>
+        </p:style>
+        <p:txBody>
+          <a:bodyPr rtlCol="0" anchor="ctr"/>
+          <a:lstStyle/>
+          <a:p>
+            <a:pPr algn="ctr"/>
+            <a:r>
+              <a:rPr lang="en-US" sz="1400" dirty="0"/>
+              <a:t>and</a:t>
+            </a:r>
+          </a:p>
+        </p:txBody>
+      </p:sp>
+      <p:cxnSp>
+        <p:nvCxnSpPr>
+          <p:cNvPr id="73" name="Connector: Curved 72">
+            <a:extLst>
+              <a:ext uri="{FF2B5EF4-FFF2-40B4-BE49-F238E27FC236}">
+                <a16:creationId xmlns:a16="http://schemas.microsoft.com/office/drawing/2014/main" id="{E6CAAC29-791B-45F8-A567-AA9088EF8FE1}"/>
+              </a:ext>
+            </a:extLst>
+          </p:cNvPr>
+          <p:cNvCxnSpPr>
+            <a:cxnSpLocks/>
+            <a:stCxn id="23" idx="4"/>
+            <a:endCxn id="72" idx="0"/>
+          </p:cNvCxnSpPr>
+          <p:nvPr/>
+        </p:nvCxnSpPr>
+        <p:spPr>
+          <a:xfrm rot="16200000" flipH="1">
+            <a:off x="3572975" y="2863857"/>
+            <a:ext cx="299281" cy="52580"/>
+          </a:xfrm>
+          <a:prstGeom prst="curvedConnector3">
+            <a:avLst>
+              <a:gd name="adj1" fmla="val 50000"/>
+            </a:avLst>
+          </a:prstGeom>
+          <a:ln>
+            <a:solidFill>
+              <a:schemeClr val="tx1"/>
+            </a:solidFill>
+            <a:tailEnd type="triangle"/>
+          </a:ln>
+        </p:spPr>
+        <p:style>
+          <a:lnRef idx="1">
+            <a:schemeClr val="accent1"/>
+          </a:lnRef>
+          <a:fillRef idx="0">
+            <a:schemeClr val="accent1"/>
+          </a:fillRef>
+          <a:effectRef idx="0">
+            <a:schemeClr val="accent1"/>
+          </a:effectRef>
+          <a:fontRef idx="minor">
+            <a:schemeClr val="tx1"/>
+          </a:fontRef>
+        </p:style>
+      </p:cxnSp>
+      <p:sp>
+        <p:nvSpPr>
+          <p:cNvPr id="80" name="Oval 79">
+            <a:extLst>
+              <a:ext uri="{FF2B5EF4-FFF2-40B4-BE49-F238E27FC236}">
+                <a16:creationId xmlns:a16="http://schemas.microsoft.com/office/drawing/2014/main" id="{098673B1-CE19-47D2-B2B1-93CD509B942A}"/>
+              </a:ext>
+            </a:extLst>
+          </p:cNvPr>
+          <p:cNvSpPr/>
+          <p:nvPr/>
+        </p:nvSpPr>
+        <p:spPr>
+          <a:xfrm>
+            <a:off x="4029876" y="1411810"/>
+            <a:ext cx="1002195" cy="285750"/>
+          </a:xfrm>
+          <a:prstGeom prst="ellipse">
+            <a:avLst/>
+          </a:prstGeom>
+          <a:solidFill>
+            <a:schemeClr val="bg1">
+              <a:lumMod val="95000"/>
+            </a:schemeClr>
+          </a:solidFill>
+        </p:spPr>
+        <p:style>
+          <a:lnRef idx="2">
+            <a:schemeClr val="dk1"/>
+          </a:lnRef>
+          <a:fillRef idx="1">
+            <a:schemeClr val="lt1"/>
+          </a:fillRef>
+          <a:effectRef idx="0">
+            <a:schemeClr val="dk1"/>
+          </a:effectRef>
+          <a:fontRef idx="minor">
+            <a:schemeClr val="dk1"/>
+          </a:fontRef>
+        </p:style>
+        <p:txBody>
+          <a:bodyPr rtlCol="0" anchor="ctr"/>
+          <a:lstStyle/>
+          <a:p>
+            <a:pPr algn="ctr"/>
+            <a:r>
+              <a:rPr lang="en-US" sz="1400" dirty="0"/>
+              <a:t>which</a:t>
+            </a:r>
+          </a:p>
+        </p:txBody>
+      </p:sp>
+      <p:cxnSp>
+        <p:nvCxnSpPr>
+          <p:cNvPr id="81" name="Connector: Curved 80">
+            <a:extLst>
+              <a:ext uri="{FF2B5EF4-FFF2-40B4-BE49-F238E27FC236}">
+                <a16:creationId xmlns:a16="http://schemas.microsoft.com/office/drawing/2014/main" id="{1776DD17-189E-42C8-B930-9774AEC9438E}"/>
+              </a:ext>
+            </a:extLst>
+          </p:cNvPr>
+          <p:cNvCxnSpPr>
+            <a:cxnSpLocks/>
+            <a:stCxn id="10" idx="1"/>
+            <a:endCxn id="80" idx="4"/>
+          </p:cNvCxnSpPr>
+          <p:nvPr/>
+        </p:nvCxnSpPr>
+        <p:spPr>
+          <a:xfrm rot="10800000">
+            <a:off x="4530974" y="1697561"/>
+            <a:ext cx="578154" cy="597135"/>
+          </a:xfrm>
+          <a:prstGeom prst="curvedConnector2">
+            <a:avLst/>
+          </a:prstGeom>
+          <a:ln>
+            <a:solidFill>
+              <a:schemeClr val="tx1"/>
+            </a:solidFill>
+            <a:tailEnd type="triangle"/>
+          </a:ln>
+        </p:spPr>
+        <p:style>
+          <a:lnRef idx="1">
+            <a:schemeClr val="accent1"/>
+          </a:lnRef>
+          <a:fillRef idx="0">
+            <a:schemeClr val="accent1"/>
+          </a:fillRef>
+          <a:effectRef idx="0">
+            <a:schemeClr val="accent1"/>
+          </a:effectRef>
+          <a:fontRef idx="minor">
+            <a:schemeClr val="tx1"/>
+          </a:fontRef>
+        </p:style>
+      </p:cxnSp>
+      <p:sp>
+        <p:nvSpPr>
+          <p:cNvPr id="92" name="Rectangle 91">
+            <a:extLst>
+              <a:ext uri="{FF2B5EF4-FFF2-40B4-BE49-F238E27FC236}">
+                <a16:creationId xmlns:a16="http://schemas.microsoft.com/office/drawing/2014/main" id="{3431475D-017F-4006-9D21-3502350E0F39}"/>
+              </a:ext>
+            </a:extLst>
+          </p:cNvPr>
+          <p:cNvSpPr/>
+          <p:nvPr/>
+        </p:nvSpPr>
+        <p:spPr>
+          <a:xfrm>
+            <a:off x="1636473" y="2363024"/>
+            <a:ext cx="1029563" cy="324354"/>
+          </a:xfrm>
+          <a:prstGeom prst="rect">
+            <a:avLst/>
+          </a:prstGeom>
+          <a:solidFill>
+            <a:schemeClr val="accent5">
+              <a:lumMod val="40000"/>
+              <a:lumOff val="60000"/>
+            </a:schemeClr>
+          </a:solidFill>
+        </p:spPr>
+        <p:style>
+          <a:lnRef idx="2">
+            <a:schemeClr val="dk1"/>
+          </a:lnRef>
+          <a:fillRef idx="1">
+            <a:schemeClr val="lt1"/>
+          </a:fillRef>
+          <a:effectRef idx="0">
+            <a:schemeClr val="dk1"/>
+          </a:effectRef>
+          <a:fontRef idx="minor">
+            <a:schemeClr val="dk1"/>
+          </a:fontRef>
+        </p:style>
+        <p:txBody>
+          <a:bodyPr rtlCol="0" anchor="ctr"/>
+          <a:lstStyle/>
+          <a:p>
+            <a:pPr algn="ctr"/>
+            <a:r>
+              <a:rPr lang="en-US" sz="1400" dirty="0"/>
+              <a:t>company</a:t>
+            </a:r>
+          </a:p>
+        </p:txBody>
+      </p:sp>
+      <p:cxnSp>
+        <p:nvCxnSpPr>
+          <p:cNvPr id="93" name="Straight Arrow Connector 92">
+            <a:extLst>
+              <a:ext uri="{FF2B5EF4-FFF2-40B4-BE49-F238E27FC236}">
+                <a16:creationId xmlns:a16="http://schemas.microsoft.com/office/drawing/2014/main" id="{1DCB9D44-B53F-4013-B266-213E0BCE0D82}"/>
+              </a:ext>
+            </a:extLst>
+          </p:cNvPr>
+          <p:cNvCxnSpPr>
+            <a:cxnSpLocks/>
+            <a:stCxn id="58" idx="2"/>
+            <a:endCxn id="92" idx="0"/>
+          </p:cNvCxnSpPr>
+          <p:nvPr/>
+        </p:nvCxnSpPr>
+        <p:spPr>
+          <a:xfrm flipH="1">
+            <a:off x="2151255" y="2019387"/>
+            <a:ext cx="662513" cy="343637"/>
+          </a:xfrm>
+          <a:prstGeom prst="straightConnector1">
+            <a:avLst/>
+          </a:prstGeom>
+          <a:ln>
+            <a:tailEnd type="triangle"/>
+          </a:ln>
+        </p:spPr>
+        <p:style>
+          <a:lnRef idx="1">
+            <a:schemeClr val="dk1"/>
+          </a:lnRef>
+          <a:fillRef idx="0">
+            <a:schemeClr val="dk1"/>
+          </a:fillRef>
+          <a:effectRef idx="0">
+            <a:schemeClr val="dk1"/>
+          </a:effectRef>
+          <a:fontRef idx="minor">
+            <a:schemeClr val="tx1"/>
+          </a:fontRef>
+        </p:style>
+      </p:cxnSp>
+      <p:sp>
+        <p:nvSpPr>
+          <p:cNvPr id="99" name="Rectangle 98">
+            <a:extLst>
+              <a:ext uri="{FF2B5EF4-FFF2-40B4-BE49-F238E27FC236}">
+                <a16:creationId xmlns:a16="http://schemas.microsoft.com/office/drawing/2014/main" id="{D1207D0E-68CF-422A-9B3E-26EA9C9C5C28}"/>
+              </a:ext>
+            </a:extLst>
+          </p:cNvPr>
+          <p:cNvSpPr/>
+          <p:nvPr/>
+        </p:nvSpPr>
+        <p:spPr>
+          <a:xfrm>
+            <a:off x="1227147" y="3014480"/>
+            <a:ext cx="576263" cy="324354"/>
+          </a:xfrm>
+          <a:prstGeom prst="rect">
+            <a:avLst/>
+          </a:prstGeom>
+          <a:solidFill>
+            <a:schemeClr val="accent5">
+              <a:lumMod val="40000"/>
+              <a:lumOff val="60000"/>
+            </a:schemeClr>
+          </a:solidFill>
+        </p:spPr>
+        <p:style>
+          <a:lnRef idx="2">
+            <a:schemeClr val="dk1"/>
+          </a:lnRef>
+          <a:fillRef idx="1">
+            <a:schemeClr val="lt1"/>
+          </a:fillRef>
+          <a:effectRef idx="0">
+            <a:schemeClr val="dk1"/>
+          </a:effectRef>
+          <a:fontRef idx="minor">
+            <a:schemeClr val="dk1"/>
+          </a:fontRef>
+        </p:style>
+        <p:txBody>
+          <a:bodyPr rtlCol="0" anchor="ctr"/>
+          <a:lstStyle/>
+          <a:p>
+            <a:pPr algn="ctr"/>
+            <a:r>
+              <a:rPr lang="en-US" sz="1400" dirty="0"/>
+              <a:t>the</a:t>
+            </a:r>
+          </a:p>
+        </p:txBody>
+      </p:sp>
+      <p:cxnSp>
+        <p:nvCxnSpPr>
+          <p:cNvPr id="104" name="Connector: Curved 103">
+            <a:extLst>
+              <a:ext uri="{FF2B5EF4-FFF2-40B4-BE49-F238E27FC236}">
+                <a16:creationId xmlns:a16="http://schemas.microsoft.com/office/drawing/2014/main" id="{A0AD3467-55BD-4A6E-AC92-3365EB47FF31}"/>
+              </a:ext>
+            </a:extLst>
+          </p:cNvPr>
+          <p:cNvCxnSpPr>
+            <a:cxnSpLocks/>
+            <a:stCxn id="24" idx="0"/>
+            <a:endCxn id="10" idx="2"/>
+          </p:cNvCxnSpPr>
+          <p:nvPr/>
+        </p:nvCxnSpPr>
+        <p:spPr>
+          <a:xfrm rot="5400000" flipH="1" flipV="1">
+            <a:off x="5271053" y="2709033"/>
+            <a:ext cx="542926" cy="12700"/>
+          </a:xfrm>
+          <a:prstGeom prst="curvedConnector3">
+            <a:avLst>
+              <a:gd name="adj1" fmla="val 50000"/>
+            </a:avLst>
+          </a:prstGeom>
+          <a:ln>
+            <a:solidFill>
+              <a:schemeClr val="tx1"/>
+            </a:solidFill>
+            <a:tailEnd type="triangle"/>
+          </a:ln>
+        </p:spPr>
+        <p:style>
+          <a:lnRef idx="1">
+            <a:schemeClr val="accent1"/>
+          </a:lnRef>
+          <a:fillRef idx="0">
+            <a:schemeClr val="accent1"/>
+          </a:fillRef>
+          <a:effectRef idx="0">
+            <a:schemeClr val="accent1"/>
+          </a:effectRef>
+          <a:fontRef idx="minor">
+            <a:schemeClr val="tx1"/>
+          </a:fontRef>
+        </p:style>
+      </p:cxnSp>
+      <p:cxnSp>
+        <p:nvCxnSpPr>
+          <p:cNvPr id="109" name="Connector: Curved 108">
+            <a:extLst>
+              <a:ext uri="{FF2B5EF4-FFF2-40B4-BE49-F238E27FC236}">
+                <a16:creationId xmlns:a16="http://schemas.microsoft.com/office/drawing/2014/main" id="{6B802562-E7AC-4CC5-94FB-E82A3BFD13E7}"/>
+              </a:ext>
+            </a:extLst>
+          </p:cNvPr>
+          <p:cNvCxnSpPr>
+            <a:cxnSpLocks/>
+            <a:stCxn id="24" idx="6"/>
+            <a:endCxn id="26" idx="2"/>
+          </p:cNvCxnSpPr>
+          <p:nvPr/>
+        </p:nvCxnSpPr>
+        <p:spPr>
+          <a:xfrm flipV="1">
+            <a:off x="5907365" y="2408995"/>
+            <a:ext cx="645835" cy="748128"/>
+          </a:xfrm>
+          <a:prstGeom prst="curvedConnector3">
+            <a:avLst>
+              <a:gd name="adj1" fmla="val 50000"/>
+            </a:avLst>
+          </a:prstGeom>
+          <a:ln>
+            <a:solidFill>
+              <a:schemeClr val="tx1"/>
+            </a:solidFill>
+            <a:tailEnd type="triangle"/>
+          </a:ln>
+        </p:spPr>
+        <p:style>
+          <a:lnRef idx="1">
+            <a:schemeClr val="accent1"/>
+          </a:lnRef>
+          <a:fillRef idx="0">
+            <a:schemeClr val="accent1"/>
+          </a:fillRef>
+          <a:effectRef idx="0">
+            <a:schemeClr val="accent1"/>
+          </a:effectRef>
+          <a:fontRef idx="minor">
+            <a:schemeClr val="tx1"/>
+          </a:fontRef>
+        </p:style>
+      </p:cxnSp>
+      <p:sp>
+        <p:nvSpPr>
+          <p:cNvPr id="112" name="Rectangle 111">
+            <a:extLst>
+              <a:ext uri="{FF2B5EF4-FFF2-40B4-BE49-F238E27FC236}">
+                <a16:creationId xmlns:a16="http://schemas.microsoft.com/office/drawing/2014/main" id="{19398270-1DEC-4484-B29B-4CA2F6E5136F}"/>
+              </a:ext>
+            </a:extLst>
+          </p:cNvPr>
+          <p:cNvSpPr/>
+          <p:nvPr/>
+        </p:nvSpPr>
+        <p:spPr>
+          <a:xfrm>
+            <a:off x="7869965" y="3145733"/>
+            <a:ext cx="645836" cy="324354"/>
+          </a:xfrm>
+          <a:prstGeom prst="rect">
+            <a:avLst/>
+          </a:prstGeom>
+          <a:solidFill>
+            <a:schemeClr val="accent4">
+              <a:lumMod val="40000"/>
+              <a:lumOff val="60000"/>
+            </a:schemeClr>
+          </a:solidFill>
+        </p:spPr>
+        <p:style>
+          <a:lnRef idx="2">
+            <a:schemeClr val="dk1"/>
+          </a:lnRef>
+          <a:fillRef idx="1">
+            <a:schemeClr val="lt1"/>
+          </a:fillRef>
+          <a:effectRef idx="0">
+            <a:schemeClr val="dk1"/>
+          </a:effectRef>
+          <a:fontRef idx="minor">
+            <a:schemeClr val="dk1"/>
+          </a:fontRef>
+        </p:style>
+        <p:txBody>
+          <a:bodyPr rtlCol="0" anchor="ctr"/>
+          <a:lstStyle/>
+          <a:p>
+            <a:pPr algn="ctr"/>
+            <a:r>
+              <a:rPr lang="en-US" sz="1400" dirty="0"/>
+              <a:t>users</a:t>
+            </a:r>
+          </a:p>
+        </p:txBody>
+      </p:sp>
+      <p:cxnSp>
+        <p:nvCxnSpPr>
+          <p:cNvPr id="113" name="Connector: Curved 112">
+            <a:extLst>
+              <a:ext uri="{FF2B5EF4-FFF2-40B4-BE49-F238E27FC236}">
+                <a16:creationId xmlns:a16="http://schemas.microsoft.com/office/drawing/2014/main" id="{8A78DCB6-E865-4080-B801-6AEF544BBB22}"/>
+              </a:ext>
+            </a:extLst>
+          </p:cNvPr>
+          <p:cNvCxnSpPr>
+            <a:cxnSpLocks/>
+            <a:stCxn id="26" idx="4"/>
+            <a:endCxn id="27" idx="0"/>
+          </p:cNvCxnSpPr>
+          <p:nvPr/>
+        </p:nvCxnSpPr>
+        <p:spPr>
+          <a:xfrm rot="5400000">
+            <a:off x="6349217" y="2693322"/>
+            <a:ext cx="1197509" cy="982109"/>
+          </a:xfrm>
+          <a:prstGeom prst="curvedConnector3">
+            <a:avLst>
+              <a:gd name="adj1" fmla="val 50000"/>
+            </a:avLst>
+          </a:prstGeom>
+          <a:ln>
+            <a:solidFill>
+              <a:schemeClr val="tx1"/>
+            </a:solidFill>
+            <a:tailEnd type="triangle"/>
+          </a:ln>
+        </p:spPr>
+        <p:style>
+          <a:lnRef idx="1">
+            <a:schemeClr val="accent1"/>
+          </a:lnRef>
+          <a:fillRef idx="0">
+            <a:schemeClr val="accent1"/>
+          </a:fillRef>
+          <a:effectRef idx="0">
+            <a:schemeClr val="accent1"/>
+          </a:effectRef>
+          <a:fontRef idx="minor">
+            <a:schemeClr val="tx1"/>
+          </a:fontRef>
+        </p:style>
+      </p:cxnSp>
+      <p:cxnSp>
+        <p:nvCxnSpPr>
+          <p:cNvPr id="116" name="Connector: Curved 115">
+            <a:extLst>
+              <a:ext uri="{FF2B5EF4-FFF2-40B4-BE49-F238E27FC236}">
+                <a16:creationId xmlns:a16="http://schemas.microsoft.com/office/drawing/2014/main" id="{3B2F84A0-D897-4590-84EB-D82473815D74}"/>
+              </a:ext>
+            </a:extLst>
+          </p:cNvPr>
+          <p:cNvCxnSpPr>
+            <a:cxnSpLocks/>
+            <a:stCxn id="26" idx="4"/>
+            <a:endCxn id="112" idx="0"/>
+          </p:cNvCxnSpPr>
+          <p:nvPr/>
+        </p:nvCxnSpPr>
+        <p:spPr>
+          <a:xfrm rot="16200000" flipH="1">
+            <a:off x="7535899" y="2488748"/>
+            <a:ext cx="560111" cy="753858"/>
+          </a:xfrm>
+          <a:prstGeom prst="curvedConnector3">
+            <a:avLst>
+              <a:gd name="adj1" fmla="val 50000"/>
+            </a:avLst>
+          </a:prstGeom>
+          <a:ln>
+            <a:solidFill>
+              <a:schemeClr val="tx1"/>
+            </a:solidFill>
+            <a:tailEnd type="triangle"/>
+          </a:ln>
+        </p:spPr>
+        <p:style>
+          <a:lnRef idx="1">
+            <a:schemeClr val="accent1"/>
+          </a:lnRef>
+          <a:fillRef idx="0">
+            <a:schemeClr val="accent1"/>
+          </a:fillRef>
+          <a:effectRef idx="0">
+            <a:schemeClr val="accent1"/>
+          </a:effectRef>
+          <a:fontRef idx="minor">
+            <a:schemeClr val="tx1"/>
+          </a:fontRef>
+        </p:style>
+      </p:cxnSp>
+      <p:sp>
+        <p:nvSpPr>
+          <p:cNvPr id="120" name="Rectangle 119">
+            <a:extLst>
+              <a:ext uri="{FF2B5EF4-FFF2-40B4-BE49-F238E27FC236}">
+                <a16:creationId xmlns:a16="http://schemas.microsoft.com/office/drawing/2014/main" id="{8C69B2D6-77D7-467E-BF60-4520545C3DEB}"/>
+              </a:ext>
+            </a:extLst>
+          </p:cNvPr>
+          <p:cNvSpPr/>
+          <p:nvPr/>
+        </p:nvSpPr>
+        <p:spPr>
+          <a:xfrm>
+            <a:off x="7904751" y="3880018"/>
+            <a:ext cx="576263" cy="324354"/>
+          </a:xfrm>
+          <a:prstGeom prst="rect">
+            <a:avLst/>
+          </a:prstGeom>
+          <a:solidFill>
+            <a:schemeClr val="accent4">
+              <a:lumMod val="40000"/>
+              <a:lumOff val="60000"/>
+            </a:schemeClr>
+          </a:solidFill>
+        </p:spPr>
+        <p:style>
+          <a:lnRef idx="2">
+            <a:schemeClr val="dk1"/>
+          </a:lnRef>
+          <a:fillRef idx="1">
+            <a:schemeClr val="lt1"/>
+          </a:fillRef>
+          <a:effectRef idx="0">
+            <a:schemeClr val="dk1"/>
+          </a:effectRef>
+          <a:fontRef idx="minor">
+            <a:schemeClr val="dk1"/>
+          </a:fontRef>
+        </p:style>
+        <p:txBody>
+          <a:bodyPr rtlCol="0" anchor="ctr"/>
+          <a:lstStyle/>
+          <a:p>
+            <a:pPr algn="ctr"/>
+            <a:r>
+              <a:rPr lang="en-US" sz="1400" dirty="0"/>
+              <a:t>the</a:t>
+            </a:r>
+          </a:p>
+        </p:txBody>
+      </p:sp>
+      <p:cxnSp>
+        <p:nvCxnSpPr>
+          <p:cNvPr id="121" name="Straight Arrow Connector 120">
+            <a:extLst>
+              <a:ext uri="{FF2B5EF4-FFF2-40B4-BE49-F238E27FC236}">
+                <a16:creationId xmlns:a16="http://schemas.microsoft.com/office/drawing/2014/main" id="{00956999-A0C6-463B-BAB9-A76E34D5F997}"/>
+              </a:ext>
+            </a:extLst>
+          </p:cNvPr>
+          <p:cNvCxnSpPr>
+            <a:cxnSpLocks/>
+            <a:stCxn id="112" idx="2"/>
+            <a:endCxn id="120" idx="0"/>
+          </p:cNvCxnSpPr>
+          <p:nvPr/>
+        </p:nvCxnSpPr>
+        <p:spPr>
+          <a:xfrm>
+            <a:off x="8192883" y="3470087"/>
+            <a:ext cx="0" cy="409931"/>
+          </a:xfrm>
+          <a:prstGeom prst="straightConnector1">
+            <a:avLst/>
+          </a:prstGeom>
+          <a:ln>
+            <a:tailEnd type="triangle"/>
+          </a:ln>
+        </p:spPr>
+        <p:style>
+          <a:lnRef idx="1">
+            <a:schemeClr val="dk1"/>
+          </a:lnRef>
+          <a:fillRef idx="0">
+            <a:schemeClr val="dk1"/>
+          </a:fillRef>
+          <a:effectRef idx="0">
+            <a:schemeClr val="dk1"/>
+          </a:effectRef>
+          <a:fontRef idx="minor">
+            <a:schemeClr val="tx1"/>
+          </a:fontRef>
+        </p:style>
+      </p:cxnSp>
+      <p:sp>
+        <p:nvSpPr>
+          <p:cNvPr id="124" name="Diamond 123">
+            <a:extLst>
+              <a:ext uri="{FF2B5EF4-FFF2-40B4-BE49-F238E27FC236}">
+                <a16:creationId xmlns:a16="http://schemas.microsoft.com/office/drawing/2014/main" id="{829EE4BC-E811-43BA-9D6D-CE7B70179086}"/>
+              </a:ext>
+            </a:extLst>
+          </p:cNvPr>
+          <p:cNvSpPr/>
+          <p:nvPr/>
+        </p:nvSpPr>
+        <p:spPr>
+          <a:xfrm>
+            <a:off x="6700498" y="4572821"/>
+            <a:ext cx="738527" cy="353254"/>
+          </a:xfrm>
+          <a:prstGeom prst="diamond">
+            <a:avLst/>
+          </a:prstGeom>
+          <a:solidFill>
+            <a:schemeClr val="accent2">
+              <a:lumMod val="40000"/>
+              <a:lumOff val="60000"/>
+            </a:schemeClr>
+          </a:solidFill>
+        </p:spPr>
+        <p:style>
+          <a:lnRef idx="2">
+            <a:schemeClr val="dk1"/>
+          </a:lnRef>
+          <a:fillRef idx="1">
+            <a:schemeClr val="lt1"/>
+          </a:fillRef>
+          <a:effectRef idx="0">
+            <a:schemeClr val="dk1"/>
+          </a:effectRef>
+          <a:fontRef idx="minor">
+            <a:schemeClr val="dk1"/>
+          </a:fontRef>
+        </p:style>
+        <p:txBody>
+          <a:bodyPr rtlCol="0" anchor="ctr"/>
+          <a:lstStyle/>
+          <a:p>
+            <a:pPr algn="ctr"/>
+            <a:r>
+              <a:rPr lang="en-US" sz="1400" dirty="0"/>
+              <a:t>by</a:t>
+            </a:r>
+          </a:p>
+        </p:txBody>
+      </p:sp>
+      <p:cxnSp>
+        <p:nvCxnSpPr>
+          <p:cNvPr id="125" name="Connector: Curved 124">
+            <a:extLst>
+              <a:ext uri="{FF2B5EF4-FFF2-40B4-BE49-F238E27FC236}">
+                <a16:creationId xmlns:a16="http://schemas.microsoft.com/office/drawing/2014/main" id="{123404CD-B558-44F9-8244-EFF90CB4590B}"/>
+              </a:ext>
+            </a:extLst>
+          </p:cNvPr>
+          <p:cNvCxnSpPr>
+            <a:cxnSpLocks/>
+            <a:stCxn id="27" idx="4"/>
+            <a:endCxn id="124" idx="0"/>
+          </p:cNvCxnSpPr>
+          <p:nvPr/>
+        </p:nvCxnSpPr>
+        <p:spPr>
+          <a:xfrm rot="16200000" flipH="1">
+            <a:off x="6545121" y="4048180"/>
+            <a:ext cx="436436" cy="612846"/>
+          </a:xfrm>
+          <a:prstGeom prst="curvedConnector3">
+            <a:avLst>
+              <a:gd name="adj1" fmla="val 50000"/>
+            </a:avLst>
+          </a:prstGeom>
+          <a:ln>
+            <a:solidFill>
+              <a:schemeClr val="tx1"/>
+            </a:solidFill>
+            <a:tailEnd type="triangle"/>
+          </a:ln>
+        </p:spPr>
+        <p:style>
+          <a:lnRef idx="1">
+            <a:schemeClr val="accent1"/>
+          </a:lnRef>
+          <a:fillRef idx="0">
+            <a:schemeClr val="accent1"/>
+          </a:fillRef>
+          <a:effectRef idx="0">
+            <a:schemeClr val="accent1"/>
+          </a:effectRef>
+          <a:fontRef idx="minor">
+            <a:schemeClr val="tx1"/>
+          </a:fontRef>
+        </p:style>
+      </p:cxnSp>
+      <p:sp>
+        <p:nvSpPr>
+          <p:cNvPr id="131" name="Rectangle 130">
+            <a:extLst>
+              <a:ext uri="{FF2B5EF4-FFF2-40B4-BE49-F238E27FC236}">
+                <a16:creationId xmlns:a16="http://schemas.microsoft.com/office/drawing/2014/main" id="{BE7FCAA3-08A4-4DC1-AA7E-4A93722B908A}"/>
+              </a:ext>
+            </a:extLst>
+          </p:cNvPr>
+          <p:cNvSpPr/>
+          <p:nvPr/>
+        </p:nvSpPr>
+        <p:spPr>
+          <a:xfrm>
+            <a:off x="4954937" y="4601721"/>
+            <a:ext cx="1073131" cy="324354"/>
+          </a:xfrm>
+          <a:prstGeom prst="rect">
+            <a:avLst/>
+          </a:prstGeom>
+          <a:solidFill>
+            <a:schemeClr val="accent2">
+              <a:lumMod val="40000"/>
+              <a:lumOff val="60000"/>
+            </a:schemeClr>
+          </a:solidFill>
+        </p:spPr>
+        <p:style>
+          <a:lnRef idx="2">
+            <a:schemeClr val="dk1"/>
+          </a:lnRef>
+          <a:fillRef idx="1">
+            <a:schemeClr val="lt1"/>
+          </a:fillRef>
+          <a:effectRef idx="0">
+            <a:schemeClr val="dk1"/>
+          </a:effectRef>
+          <a:fontRef idx="minor">
+            <a:schemeClr val="dk1"/>
+          </a:fontRef>
+        </p:style>
+        <p:txBody>
+          <a:bodyPr rtlCol="0" anchor="ctr"/>
+          <a:lstStyle/>
+          <a:p>
+            <a:pPr algn="ctr"/>
+            <a:r>
+              <a:rPr lang="en-US" sz="1400" dirty="0"/>
+              <a:t>information</a:t>
+            </a:r>
+          </a:p>
+        </p:txBody>
+      </p:sp>
+      <p:cxnSp>
+        <p:nvCxnSpPr>
+          <p:cNvPr id="143" name="Connector: Curved 142">
+            <a:extLst>
+              <a:ext uri="{FF2B5EF4-FFF2-40B4-BE49-F238E27FC236}">
+                <a16:creationId xmlns:a16="http://schemas.microsoft.com/office/drawing/2014/main" id="{9F167D59-281D-46DB-BC6C-ADFB7827722D}"/>
+              </a:ext>
+            </a:extLst>
+          </p:cNvPr>
+          <p:cNvCxnSpPr>
+            <a:cxnSpLocks/>
+            <a:stCxn id="27" idx="4"/>
+            <a:endCxn id="131" idx="0"/>
+          </p:cNvCxnSpPr>
+          <p:nvPr/>
+        </p:nvCxnSpPr>
+        <p:spPr>
+          <a:xfrm rot="5400000">
+            <a:off x="5741542" y="3886347"/>
+            <a:ext cx="465336" cy="965413"/>
+          </a:xfrm>
+          <a:prstGeom prst="curvedConnector3">
+            <a:avLst>
+              <a:gd name="adj1" fmla="val 50000"/>
+            </a:avLst>
+          </a:prstGeom>
+          <a:ln>
+            <a:solidFill>
+              <a:schemeClr val="tx1"/>
+            </a:solidFill>
+            <a:tailEnd type="triangle"/>
+          </a:ln>
+        </p:spPr>
+        <p:style>
+          <a:lnRef idx="1">
+            <a:schemeClr val="accent1"/>
+          </a:lnRef>
+          <a:fillRef idx="0">
+            <a:schemeClr val="accent1"/>
+          </a:fillRef>
+          <a:effectRef idx="0">
+            <a:schemeClr val="accent1"/>
+          </a:effectRef>
+          <a:fontRef idx="minor">
+            <a:schemeClr val="tx1"/>
+          </a:fontRef>
+        </p:style>
+      </p:cxnSp>
+      <p:sp>
+        <p:nvSpPr>
+          <p:cNvPr id="146" name="Rectangle 145">
+            <a:extLst>
+              <a:ext uri="{FF2B5EF4-FFF2-40B4-BE49-F238E27FC236}">
+                <a16:creationId xmlns:a16="http://schemas.microsoft.com/office/drawing/2014/main" id="{D907824E-656A-4408-ACDC-82EBC92DCDD1}"/>
+              </a:ext>
+            </a:extLst>
+          </p:cNvPr>
+          <p:cNvSpPr/>
+          <p:nvPr/>
+        </p:nvSpPr>
+        <p:spPr>
+          <a:xfrm>
+            <a:off x="3286929" y="4269305"/>
+            <a:ext cx="784565" cy="324354"/>
+          </a:xfrm>
+          <a:prstGeom prst="rect">
+            <a:avLst/>
+          </a:prstGeom>
+          <a:solidFill>
+            <a:schemeClr val="accent2">
+              <a:lumMod val="40000"/>
+              <a:lumOff val="60000"/>
+            </a:schemeClr>
+          </a:solidFill>
+        </p:spPr>
+        <p:style>
+          <a:lnRef idx="2">
+            <a:schemeClr val="dk1"/>
+          </a:lnRef>
+          <a:fillRef idx="1">
+            <a:schemeClr val="lt1"/>
+          </a:fillRef>
+          <a:effectRef idx="0">
+            <a:schemeClr val="dk1"/>
+          </a:effectRef>
+          <a:fontRef idx="minor">
+            <a:schemeClr val="dk1"/>
+          </a:fontRef>
+        </p:style>
+        <p:txBody>
+          <a:bodyPr rtlCol="0" anchor="ctr"/>
+          <a:lstStyle/>
+          <a:p>
+            <a:pPr algn="ctr"/>
+            <a:r>
+              <a:rPr lang="en-US" sz="1400" dirty="0"/>
+              <a:t>movies</a:t>
+            </a:r>
+          </a:p>
+        </p:txBody>
+      </p:sp>
+      <p:sp>
+        <p:nvSpPr>
+          <p:cNvPr id="147" name="Rectangle 146">
+            <a:extLst>
+              <a:ext uri="{FF2B5EF4-FFF2-40B4-BE49-F238E27FC236}">
+                <a16:creationId xmlns:a16="http://schemas.microsoft.com/office/drawing/2014/main" id="{21610580-5969-4239-A8CD-A74A8A38DC36}"/>
+              </a:ext>
+            </a:extLst>
+          </p:cNvPr>
+          <p:cNvSpPr/>
+          <p:nvPr/>
+        </p:nvSpPr>
+        <p:spPr>
+          <a:xfrm>
+            <a:off x="3622635" y="5135950"/>
+            <a:ext cx="902993" cy="324354"/>
+          </a:xfrm>
+          <a:prstGeom prst="rect">
+            <a:avLst/>
+          </a:prstGeom>
+          <a:solidFill>
+            <a:schemeClr val="accent2">
+              <a:lumMod val="40000"/>
+              <a:lumOff val="60000"/>
+            </a:schemeClr>
+          </a:solidFill>
+        </p:spPr>
+        <p:style>
+          <a:lnRef idx="2">
+            <a:schemeClr val="dk1"/>
+          </a:lnRef>
+          <a:fillRef idx="1">
+            <a:schemeClr val="lt1"/>
+          </a:fillRef>
+          <a:effectRef idx="0">
+            <a:schemeClr val="dk1"/>
+          </a:effectRef>
+          <a:fontRef idx="minor">
+            <a:schemeClr val="dk1"/>
+          </a:fontRef>
+        </p:style>
+        <p:txBody>
+          <a:bodyPr rtlCol="0" anchor="ctr"/>
+          <a:lstStyle/>
+          <a:p>
+            <a:pPr algn="ctr"/>
+            <a:r>
+              <a:rPr lang="en-US" sz="1400" dirty="0"/>
+              <a:t>personal</a:t>
+            </a:r>
+          </a:p>
+        </p:txBody>
+      </p:sp>
+      <p:cxnSp>
+        <p:nvCxnSpPr>
+          <p:cNvPr id="148" name="Connector: Curved 147">
+            <a:extLst>
+              <a:ext uri="{FF2B5EF4-FFF2-40B4-BE49-F238E27FC236}">
+                <a16:creationId xmlns:a16="http://schemas.microsoft.com/office/drawing/2014/main" id="{76328E28-820A-43D3-8C70-1A933B60D825}"/>
+              </a:ext>
+            </a:extLst>
+          </p:cNvPr>
+          <p:cNvCxnSpPr>
+            <a:cxnSpLocks/>
+            <a:stCxn id="131" idx="1"/>
+            <a:endCxn id="147" idx="0"/>
+          </p:cNvCxnSpPr>
+          <p:nvPr/>
+        </p:nvCxnSpPr>
+        <p:spPr>
+          <a:xfrm rot="10800000" flipV="1">
+            <a:off x="4074133" y="4763898"/>
+            <a:ext cx="880805" cy="372052"/>
+          </a:xfrm>
+          <a:prstGeom prst="curvedConnector2">
+            <a:avLst/>
+          </a:prstGeom>
+          <a:ln>
+            <a:solidFill>
+              <a:schemeClr val="tx1"/>
+            </a:solidFill>
+            <a:tailEnd type="triangle"/>
+          </a:ln>
+        </p:spPr>
+        <p:style>
+          <a:lnRef idx="1">
+            <a:schemeClr val="accent1"/>
+          </a:lnRef>
+          <a:fillRef idx="0">
+            <a:schemeClr val="accent1"/>
+          </a:fillRef>
+          <a:effectRef idx="0">
+            <a:schemeClr val="accent1"/>
+          </a:effectRef>
+          <a:fontRef idx="minor">
+            <a:schemeClr val="tx1"/>
+          </a:fontRef>
+        </p:style>
+      </p:cxnSp>
+      <p:cxnSp>
+        <p:nvCxnSpPr>
+          <p:cNvPr id="152" name="Connector: Curved 151">
+            <a:extLst>
+              <a:ext uri="{FF2B5EF4-FFF2-40B4-BE49-F238E27FC236}">
+                <a16:creationId xmlns:a16="http://schemas.microsoft.com/office/drawing/2014/main" id="{BD363900-6282-4294-9E2B-AFA4BE85E7A4}"/>
+              </a:ext>
+            </a:extLst>
+          </p:cNvPr>
+          <p:cNvCxnSpPr>
+            <a:cxnSpLocks/>
+            <a:stCxn id="131" idx="1"/>
+            <a:endCxn id="146" idx="3"/>
+          </p:cNvCxnSpPr>
+          <p:nvPr/>
+        </p:nvCxnSpPr>
+        <p:spPr>
+          <a:xfrm rot="10800000">
+            <a:off x="4071495" y="4431482"/>
+            <a:ext cx="883443" cy="332416"/>
+          </a:xfrm>
+          <a:prstGeom prst="curvedConnector3">
+            <a:avLst>
+              <a:gd name="adj1" fmla="val 50000"/>
+            </a:avLst>
+          </a:prstGeom>
+          <a:ln>
+            <a:solidFill>
+              <a:schemeClr val="tx1"/>
+            </a:solidFill>
+            <a:tailEnd type="triangle"/>
+          </a:ln>
+        </p:spPr>
+        <p:style>
+          <a:lnRef idx="1">
+            <a:schemeClr val="accent1"/>
+          </a:lnRef>
+          <a:fillRef idx="0">
+            <a:schemeClr val="accent1"/>
+          </a:fillRef>
+          <a:effectRef idx="0">
+            <a:schemeClr val="accent1"/>
+          </a:effectRef>
+          <a:fontRef idx="minor">
+            <a:schemeClr val="tx1"/>
+          </a:fontRef>
+        </p:style>
+      </p:cxnSp>
+      <p:sp>
+        <p:nvSpPr>
+          <p:cNvPr id="157" name="Rectangle 156">
+            <a:extLst>
+              <a:ext uri="{FF2B5EF4-FFF2-40B4-BE49-F238E27FC236}">
+                <a16:creationId xmlns:a16="http://schemas.microsoft.com/office/drawing/2014/main" id="{74EE175E-ACC0-4309-90E2-12DF3971AE9A}"/>
+              </a:ext>
+            </a:extLst>
+          </p:cNvPr>
+          <p:cNvSpPr/>
+          <p:nvPr/>
+        </p:nvSpPr>
+        <p:spPr>
+          <a:xfrm>
+            <a:off x="1762161" y="3880018"/>
+            <a:ext cx="856413" cy="324354"/>
+          </a:xfrm>
+          <a:prstGeom prst="rect">
+            <a:avLst/>
+          </a:prstGeom>
+          <a:solidFill>
+            <a:schemeClr val="accent2">
+              <a:lumMod val="40000"/>
+              <a:lumOff val="60000"/>
+            </a:schemeClr>
+          </a:solidFill>
+        </p:spPr>
+        <p:style>
+          <a:lnRef idx="2">
+            <a:schemeClr val="dk1"/>
+          </a:lnRef>
+          <a:fillRef idx="1">
+            <a:schemeClr val="lt1"/>
+          </a:fillRef>
+          <a:effectRef idx="0">
+            <a:schemeClr val="dk1"/>
+          </a:effectRef>
+          <a:fontRef idx="minor">
+            <a:schemeClr val="dk1"/>
+          </a:fontRef>
+        </p:style>
+        <p:txBody>
+          <a:bodyPr rtlCol="0" anchor="ctr"/>
+          <a:lstStyle/>
+          <a:p>
+            <a:pPr algn="ctr"/>
+            <a:r>
+              <a:rPr lang="en-US" sz="1400" dirty="0"/>
+              <a:t>favorite</a:t>
+            </a:r>
+          </a:p>
+        </p:txBody>
+      </p:sp>
+      <p:cxnSp>
+        <p:nvCxnSpPr>
+          <p:cNvPr id="158" name="Connector: Curved 157">
+            <a:extLst>
+              <a:ext uri="{FF2B5EF4-FFF2-40B4-BE49-F238E27FC236}">
+                <a16:creationId xmlns:a16="http://schemas.microsoft.com/office/drawing/2014/main" id="{47C4AAE3-10FE-47BD-BF3E-693190B0B8D9}"/>
+              </a:ext>
+            </a:extLst>
+          </p:cNvPr>
+          <p:cNvCxnSpPr>
+            <a:cxnSpLocks/>
+            <a:stCxn id="146" idx="1"/>
+            <a:endCxn id="157" idx="3"/>
+          </p:cNvCxnSpPr>
+          <p:nvPr/>
+        </p:nvCxnSpPr>
+        <p:spPr>
+          <a:xfrm rot="10800000">
+            <a:off x="2618575" y="4042196"/>
+            <a:ext cx="668355" cy="389287"/>
+          </a:xfrm>
+          <a:prstGeom prst="curvedConnector3">
+            <a:avLst>
+              <a:gd name="adj1" fmla="val 50000"/>
+            </a:avLst>
+          </a:prstGeom>
+          <a:ln>
+            <a:solidFill>
+              <a:schemeClr val="tx1"/>
+            </a:solidFill>
+            <a:tailEnd type="triangle"/>
+          </a:ln>
+        </p:spPr>
+        <p:style>
+          <a:lnRef idx="1">
+            <a:schemeClr val="accent1"/>
+          </a:lnRef>
+          <a:fillRef idx="0">
+            <a:schemeClr val="accent1"/>
+          </a:fillRef>
+          <a:effectRef idx="0">
+            <a:schemeClr val="accent1"/>
+          </a:effectRef>
+          <a:fontRef idx="minor">
+            <a:schemeClr val="tx1"/>
+          </a:fontRef>
+        </p:style>
+      </p:cxnSp>
+      <p:sp>
+        <p:nvSpPr>
+          <p:cNvPr id="161" name="Diamond 160">
+            <a:extLst>
+              <a:ext uri="{FF2B5EF4-FFF2-40B4-BE49-F238E27FC236}">
+                <a16:creationId xmlns:a16="http://schemas.microsoft.com/office/drawing/2014/main" id="{666514DF-10AC-4CF9-875E-98C6305629B5}"/>
+              </a:ext>
+            </a:extLst>
+          </p:cNvPr>
+          <p:cNvSpPr/>
+          <p:nvPr/>
+        </p:nvSpPr>
+        <p:spPr>
+          <a:xfrm>
+            <a:off x="1582326" y="4485720"/>
+            <a:ext cx="1082869" cy="666044"/>
+          </a:xfrm>
+          <a:prstGeom prst="diamond">
+            <a:avLst/>
+          </a:prstGeom>
+          <a:solidFill>
+            <a:schemeClr val="accent2">
+              <a:lumMod val="40000"/>
+              <a:lumOff val="60000"/>
+            </a:schemeClr>
+          </a:solidFill>
+        </p:spPr>
+        <p:style>
+          <a:lnRef idx="2">
+            <a:schemeClr val="dk1"/>
+          </a:lnRef>
+          <a:fillRef idx="1">
+            <a:schemeClr val="lt1"/>
+          </a:fillRef>
+          <a:effectRef idx="0">
+            <a:schemeClr val="dk1"/>
+          </a:effectRef>
+          <a:fontRef idx="minor">
+            <a:schemeClr val="dk1"/>
+          </a:fontRef>
+        </p:style>
+        <p:txBody>
+          <a:bodyPr rtlCol="0" anchor="ctr"/>
+          <a:lstStyle/>
+          <a:p>
+            <a:pPr algn="ctr"/>
+            <a:r>
+              <a:rPr lang="en-US" sz="1400" dirty="0"/>
+              <a:t>such as</a:t>
+            </a:r>
+          </a:p>
+        </p:txBody>
+      </p:sp>
+      <p:cxnSp>
+        <p:nvCxnSpPr>
+          <p:cNvPr id="162" name="Connector: Curved 161">
+            <a:extLst>
+              <a:ext uri="{FF2B5EF4-FFF2-40B4-BE49-F238E27FC236}">
+                <a16:creationId xmlns:a16="http://schemas.microsoft.com/office/drawing/2014/main" id="{808B9E47-29C0-4794-A2EF-E00472BCD5E2}"/>
+              </a:ext>
+            </a:extLst>
+          </p:cNvPr>
+          <p:cNvCxnSpPr>
+            <a:cxnSpLocks/>
+            <a:stCxn id="146" idx="1"/>
+            <a:endCxn id="161" idx="3"/>
+          </p:cNvCxnSpPr>
+          <p:nvPr/>
+        </p:nvCxnSpPr>
+        <p:spPr>
+          <a:xfrm rot="10800000" flipV="1">
+            <a:off x="2665195" y="4431482"/>
+            <a:ext cx="621734" cy="387260"/>
+          </a:xfrm>
+          <a:prstGeom prst="curvedConnector3">
+            <a:avLst>
+              <a:gd name="adj1" fmla="val 50000"/>
+            </a:avLst>
+          </a:prstGeom>
+          <a:ln>
+            <a:solidFill>
+              <a:schemeClr val="tx1"/>
+            </a:solidFill>
+            <a:tailEnd type="triangle"/>
+          </a:ln>
+        </p:spPr>
+        <p:style>
+          <a:lnRef idx="1">
+            <a:schemeClr val="accent1"/>
+          </a:lnRef>
+          <a:fillRef idx="0">
+            <a:schemeClr val="accent1"/>
+          </a:fillRef>
+          <a:effectRef idx="0">
+            <a:schemeClr val="accent1"/>
+          </a:effectRef>
+          <a:fontRef idx="minor">
+            <a:schemeClr val="tx1"/>
+          </a:fontRef>
+        </p:style>
+      </p:cxnSp>
+      <p:sp>
+        <p:nvSpPr>
+          <p:cNvPr id="166" name="Rectangle 165">
+            <a:extLst>
+              <a:ext uri="{FF2B5EF4-FFF2-40B4-BE49-F238E27FC236}">
+                <a16:creationId xmlns:a16="http://schemas.microsoft.com/office/drawing/2014/main" id="{1EFBDCC3-94A5-49F7-9043-1103DDED55E3}"/>
+              </a:ext>
+            </a:extLst>
+          </p:cNvPr>
+          <p:cNvSpPr/>
+          <p:nvPr/>
+        </p:nvSpPr>
+        <p:spPr>
+          <a:xfrm>
+            <a:off x="2522549" y="3009396"/>
+            <a:ext cx="316929" cy="324354"/>
+          </a:xfrm>
+          <a:prstGeom prst="rect">
+            <a:avLst/>
+          </a:prstGeom>
+          <a:solidFill>
+            <a:schemeClr val="accent5">
+              <a:lumMod val="40000"/>
+              <a:lumOff val="60000"/>
+            </a:schemeClr>
+          </a:solidFill>
+        </p:spPr>
+        <p:style>
+          <a:lnRef idx="2">
+            <a:schemeClr val="dk1"/>
+          </a:lnRef>
+          <a:fillRef idx="1">
+            <a:schemeClr val="lt1"/>
+          </a:fillRef>
+          <a:effectRef idx="0">
+            <a:schemeClr val="dk1"/>
+          </a:effectRef>
+          <a:fontRef idx="minor">
+            <a:schemeClr val="dk1"/>
+          </a:fontRef>
+        </p:style>
+        <p:txBody>
+          <a:bodyPr rtlCol="0" anchor="ctr"/>
+          <a:lstStyle/>
+          <a:p>
+            <a:pPr algn="ctr"/>
+            <a:r>
+              <a:rPr lang="en-US" sz="1400" dirty="0"/>
+              <a:t>‘s</a:t>
+            </a:r>
+          </a:p>
+        </p:txBody>
+      </p:sp>
+      <p:cxnSp>
+        <p:nvCxnSpPr>
+          <p:cNvPr id="167" name="Connector: Curved 166">
+            <a:extLst>
+              <a:ext uri="{FF2B5EF4-FFF2-40B4-BE49-F238E27FC236}">
+                <a16:creationId xmlns:a16="http://schemas.microsoft.com/office/drawing/2014/main" id="{9F5E28B9-A8EA-4F77-B10D-113190D997C6}"/>
+              </a:ext>
+            </a:extLst>
+          </p:cNvPr>
+          <p:cNvCxnSpPr>
+            <a:cxnSpLocks/>
+            <a:stCxn id="92" idx="2"/>
+            <a:endCxn id="99" idx="0"/>
+          </p:cNvCxnSpPr>
+          <p:nvPr/>
+        </p:nvCxnSpPr>
+        <p:spPr>
+          <a:xfrm rot="5400000">
+            <a:off x="1669716" y="2532941"/>
+            <a:ext cx="327102" cy="635976"/>
+          </a:xfrm>
+          <a:prstGeom prst="curvedConnector3">
+            <a:avLst>
+              <a:gd name="adj1" fmla="val 50000"/>
+            </a:avLst>
+          </a:prstGeom>
+          <a:ln>
+            <a:solidFill>
+              <a:schemeClr val="tx1"/>
+            </a:solidFill>
+            <a:tailEnd type="triangle"/>
+          </a:ln>
+        </p:spPr>
+        <p:style>
+          <a:lnRef idx="1">
+            <a:schemeClr val="accent1"/>
+          </a:lnRef>
+          <a:fillRef idx="0">
+            <a:schemeClr val="accent1"/>
+          </a:fillRef>
+          <a:effectRef idx="0">
+            <a:schemeClr val="accent1"/>
+          </a:effectRef>
+          <a:fontRef idx="minor">
+            <a:schemeClr val="tx1"/>
+          </a:fontRef>
+        </p:style>
+      </p:cxnSp>
+      <p:cxnSp>
+        <p:nvCxnSpPr>
+          <p:cNvPr id="170" name="Connector: Curved 169">
+            <a:extLst>
+              <a:ext uri="{FF2B5EF4-FFF2-40B4-BE49-F238E27FC236}">
+                <a16:creationId xmlns:a16="http://schemas.microsoft.com/office/drawing/2014/main" id="{8D893A37-3543-4776-A82C-220ECB60C62B}"/>
+              </a:ext>
+            </a:extLst>
+          </p:cNvPr>
+          <p:cNvCxnSpPr>
+            <a:cxnSpLocks/>
+            <a:stCxn id="92" idx="2"/>
+            <a:endCxn id="166" idx="0"/>
+          </p:cNvCxnSpPr>
+          <p:nvPr/>
+        </p:nvCxnSpPr>
+        <p:spPr>
+          <a:xfrm rot="16200000" flipH="1">
+            <a:off x="2255125" y="2583507"/>
+            <a:ext cx="322018" cy="529759"/>
+          </a:xfrm>
+          <a:prstGeom prst="curvedConnector3">
+            <a:avLst>
+              <a:gd name="adj1" fmla="val 50000"/>
+            </a:avLst>
+          </a:prstGeom>
+          <a:ln>
+            <a:solidFill>
+              <a:schemeClr val="tx1"/>
+            </a:solidFill>
+            <a:tailEnd type="triangle"/>
+          </a:ln>
+        </p:spPr>
+        <p:style>
+          <a:lnRef idx="1">
+            <a:schemeClr val="accent1"/>
+          </a:lnRef>
+          <a:fillRef idx="0">
+            <a:schemeClr val="accent1"/>
+          </a:fillRef>
+          <a:effectRef idx="0">
+            <a:schemeClr val="accent1"/>
+          </a:effectRef>
+          <a:fontRef idx="minor">
+            <a:schemeClr val="tx1"/>
+          </a:fontRef>
+        </p:style>
+      </p:cxnSp>
+      <p:sp>
+        <p:nvSpPr>
+          <p:cNvPr id="176" name="Heptagon 175">
+            <a:extLst>
+              <a:ext uri="{FF2B5EF4-FFF2-40B4-BE49-F238E27FC236}">
+                <a16:creationId xmlns:a16="http://schemas.microsoft.com/office/drawing/2014/main" id="{6F6245C4-DEDA-4D0C-9D47-C92F3DDC9C51}"/>
+              </a:ext>
+            </a:extLst>
+          </p:cNvPr>
+          <p:cNvSpPr/>
+          <p:nvPr/>
+        </p:nvSpPr>
+        <p:spPr>
+          <a:xfrm>
+            <a:off x="3562692" y="2198727"/>
+            <a:ext cx="272642" cy="264423"/>
+          </a:xfrm>
+          <a:prstGeom prst="heptagon">
+            <a:avLst/>
+          </a:prstGeom>
+        </p:spPr>
+        <p:style>
+          <a:lnRef idx="2">
+            <a:schemeClr val="dk1"/>
+          </a:lnRef>
+          <a:fillRef idx="1">
+            <a:schemeClr val="lt1"/>
+          </a:fillRef>
+          <a:effectRef idx="0">
+            <a:schemeClr val="dk1"/>
+          </a:effectRef>
+          <a:fontRef idx="minor">
+            <a:schemeClr val="dk1"/>
+          </a:fontRef>
+        </p:style>
+        <p:txBody>
+          <a:bodyPr rtlCol="0" anchor="ctr"/>
+          <a:lstStyle/>
+          <a:p>
+            <a:pPr algn="ctr"/>
+            <a:r>
+              <a:rPr lang="en-US" dirty="0"/>
+              <a:t>1</a:t>
+            </a:r>
+          </a:p>
+        </p:txBody>
+      </p:sp>
+      <p:sp>
+        <p:nvSpPr>
+          <p:cNvPr id="177" name="Heptagon 176">
+            <a:extLst>
+              <a:ext uri="{FF2B5EF4-FFF2-40B4-BE49-F238E27FC236}">
+                <a16:creationId xmlns:a16="http://schemas.microsoft.com/office/drawing/2014/main" id="{3DECFA94-434A-4B6A-929D-BB28165675AE}"/>
+              </a:ext>
+            </a:extLst>
+          </p:cNvPr>
+          <p:cNvSpPr/>
+          <p:nvPr/>
+        </p:nvSpPr>
+        <p:spPr>
+          <a:xfrm>
+            <a:off x="5815420" y="1187754"/>
+            <a:ext cx="272642" cy="264423"/>
+          </a:xfrm>
+          <a:prstGeom prst="heptagon">
+            <a:avLst/>
+          </a:prstGeom>
+        </p:spPr>
+        <p:style>
+          <a:lnRef idx="2">
+            <a:schemeClr val="dk1"/>
+          </a:lnRef>
+          <a:fillRef idx="1">
+            <a:schemeClr val="lt1"/>
+          </a:fillRef>
+          <a:effectRef idx="0">
+            <a:schemeClr val="dk1"/>
+          </a:effectRef>
+          <a:fontRef idx="minor">
+            <a:schemeClr val="dk1"/>
+          </a:fontRef>
+        </p:style>
+        <p:txBody>
+          <a:bodyPr rtlCol="0" anchor="ctr"/>
+          <a:lstStyle/>
+          <a:p>
+            <a:pPr algn="ctr"/>
+            <a:r>
+              <a:rPr lang="en-US" dirty="0"/>
+              <a:t>2</a:t>
+            </a:r>
+          </a:p>
+        </p:txBody>
+      </p:sp>
+      <p:sp>
+        <p:nvSpPr>
+          <p:cNvPr id="178" name="Heptagon 177">
+            <a:extLst>
+              <a:ext uri="{FF2B5EF4-FFF2-40B4-BE49-F238E27FC236}">
+                <a16:creationId xmlns:a16="http://schemas.microsoft.com/office/drawing/2014/main" id="{FA593076-E8F8-4C7B-9068-7A6CB7C77F2D}"/>
+              </a:ext>
+            </a:extLst>
+          </p:cNvPr>
+          <p:cNvSpPr/>
+          <p:nvPr/>
+        </p:nvSpPr>
+        <p:spPr>
+          <a:xfrm>
+            <a:off x="5406194" y="2775365"/>
+            <a:ext cx="272642" cy="264423"/>
+          </a:xfrm>
+          <a:prstGeom prst="heptagon">
+            <a:avLst/>
+          </a:prstGeom>
+        </p:spPr>
+        <p:style>
+          <a:lnRef idx="2">
+            <a:schemeClr val="dk1"/>
+          </a:lnRef>
+          <a:fillRef idx="1">
+            <a:schemeClr val="lt1"/>
+          </a:fillRef>
+          <a:effectRef idx="0">
+            <a:schemeClr val="dk1"/>
+          </a:effectRef>
+          <a:fontRef idx="minor">
+            <a:schemeClr val="dk1"/>
+          </a:fontRef>
+        </p:style>
+        <p:txBody>
+          <a:bodyPr rtlCol="0" anchor="ctr"/>
+          <a:lstStyle/>
+          <a:p>
+            <a:pPr algn="ctr"/>
+            <a:r>
+              <a:rPr lang="en-US" dirty="0"/>
+              <a:t>3</a:t>
+            </a:r>
+          </a:p>
+        </p:txBody>
+      </p:sp>
+      <p:sp>
+        <p:nvSpPr>
+          <p:cNvPr id="179" name="Heptagon 178">
+            <a:extLst>
+              <a:ext uri="{FF2B5EF4-FFF2-40B4-BE49-F238E27FC236}">
+                <a16:creationId xmlns:a16="http://schemas.microsoft.com/office/drawing/2014/main" id="{11FFCEB3-798B-4C67-B41B-1ED6D6822ACB}"/>
+              </a:ext>
+            </a:extLst>
+          </p:cNvPr>
+          <p:cNvSpPr/>
+          <p:nvPr/>
+        </p:nvSpPr>
+        <p:spPr>
+          <a:xfrm>
+            <a:off x="7302704" y="2046180"/>
+            <a:ext cx="272642" cy="264423"/>
+          </a:xfrm>
+          <a:prstGeom prst="heptagon">
+            <a:avLst/>
+          </a:prstGeom>
+        </p:spPr>
+        <p:style>
+          <a:lnRef idx="2">
+            <a:schemeClr val="dk1"/>
+          </a:lnRef>
+          <a:fillRef idx="1">
+            <a:schemeClr val="lt1"/>
+          </a:fillRef>
+          <a:effectRef idx="0">
+            <a:schemeClr val="dk1"/>
+          </a:effectRef>
+          <a:fontRef idx="minor">
+            <a:schemeClr val="dk1"/>
+          </a:fontRef>
+        </p:style>
+        <p:txBody>
+          <a:bodyPr rtlCol="0" anchor="ctr"/>
+          <a:lstStyle/>
+          <a:p>
+            <a:pPr algn="ctr"/>
+            <a:r>
+              <a:rPr lang="en-US" dirty="0"/>
+              <a:t>4</a:t>
+            </a:r>
+          </a:p>
+        </p:txBody>
+      </p:sp>
+      <p:sp>
+        <p:nvSpPr>
+          <p:cNvPr id="180" name="Heptagon 179">
+            <a:extLst>
+              <a:ext uri="{FF2B5EF4-FFF2-40B4-BE49-F238E27FC236}">
+                <a16:creationId xmlns:a16="http://schemas.microsoft.com/office/drawing/2014/main" id="{7A2D0475-8445-48B2-8EAC-5B5DAA58BEEB}"/>
+              </a:ext>
+            </a:extLst>
+          </p:cNvPr>
+          <p:cNvSpPr/>
+          <p:nvPr/>
+        </p:nvSpPr>
+        <p:spPr>
+          <a:xfrm>
+            <a:off x="6315762" y="4059480"/>
+            <a:ext cx="272642" cy="264423"/>
+          </a:xfrm>
+          <a:prstGeom prst="heptagon">
+            <a:avLst/>
+          </a:prstGeom>
+        </p:spPr>
+        <p:style>
+          <a:lnRef idx="2">
+            <a:schemeClr val="dk1"/>
+          </a:lnRef>
+          <a:fillRef idx="1">
+            <a:schemeClr val="lt1"/>
+          </a:fillRef>
+          <a:effectRef idx="0">
+            <a:schemeClr val="dk1"/>
+          </a:effectRef>
+          <a:fontRef idx="minor">
+            <a:schemeClr val="dk1"/>
+          </a:fontRef>
+        </p:style>
+        <p:txBody>
+          <a:bodyPr rtlCol="0" anchor="ctr"/>
+          <a:lstStyle/>
+          <a:p>
+            <a:pPr algn="ctr"/>
+            <a:r>
+              <a:rPr lang="en-US" dirty="0"/>
+              <a:t>5</a:t>
+            </a:r>
+          </a:p>
+        </p:txBody>
+      </p:sp>
+      <p:sp>
+        <p:nvSpPr>
+          <p:cNvPr id="3" name="TextBox 2">
+            <a:extLst>
+              <a:ext uri="{FF2B5EF4-FFF2-40B4-BE49-F238E27FC236}">
+                <a16:creationId xmlns:a16="http://schemas.microsoft.com/office/drawing/2014/main" id="{7F6E63E0-6DA6-4B23-9DFE-4052C4B29856}"/>
+              </a:ext>
+            </a:extLst>
+          </p:cNvPr>
+          <p:cNvSpPr txBox="1"/>
+          <p:nvPr/>
+        </p:nvSpPr>
+        <p:spPr>
+          <a:xfrm rot="2939678">
+            <a:off x="5115939" y="962543"/>
+            <a:ext cx="652214" cy="261610"/>
+          </a:xfrm>
+          <a:prstGeom prst="rect">
+            <a:avLst/>
+          </a:prstGeom>
+          <a:noFill/>
+        </p:spPr>
+        <p:txBody>
+          <a:bodyPr wrap="square" rtlCol="0">
+            <a:spAutoFit/>
+          </a:bodyPr>
+          <a:lstStyle/>
+          <a:p>
+            <a:r>
+              <a:rPr lang="en-US" sz="1100" dirty="0"/>
+              <a:t>advmod</a:t>
+            </a:r>
+          </a:p>
+        </p:txBody>
+      </p:sp>
+      <p:sp>
+        <p:nvSpPr>
+          <p:cNvPr id="60" name="TextBox 59">
+            <a:extLst>
+              <a:ext uri="{FF2B5EF4-FFF2-40B4-BE49-F238E27FC236}">
+                <a16:creationId xmlns:a16="http://schemas.microsoft.com/office/drawing/2014/main" id="{7C721435-8BC3-43B3-9D1A-9BCCEE1C9A04}"/>
+              </a:ext>
+            </a:extLst>
+          </p:cNvPr>
+          <p:cNvSpPr txBox="1"/>
+          <p:nvPr/>
+        </p:nvSpPr>
+        <p:spPr>
+          <a:xfrm rot="19270619">
+            <a:off x="5820058" y="783811"/>
+            <a:ext cx="584504" cy="261610"/>
+          </a:xfrm>
+          <a:prstGeom prst="rect">
+            <a:avLst/>
+          </a:prstGeom>
+          <a:noFill/>
+        </p:spPr>
+        <p:txBody>
+          <a:bodyPr wrap="square" rtlCol="0">
+            <a:spAutoFit/>
+          </a:bodyPr>
+          <a:lstStyle/>
+          <a:p>
+            <a:r>
+              <a:rPr lang="en-US" sz="1100" dirty="0"/>
+              <a:t>nmod</a:t>
+            </a:r>
+          </a:p>
+        </p:txBody>
+      </p:sp>
+      <p:sp>
+        <p:nvSpPr>
+          <p:cNvPr id="61" name="TextBox 60">
+            <a:extLst>
+              <a:ext uri="{FF2B5EF4-FFF2-40B4-BE49-F238E27FC236}">
+                <a16:creationId xmlns:a16="http://schemas.microsoft.com/office/drawing/2014/main" id="{CF160F98-FD88-4204-906C-144988EE2D1B}"/>
+              </a:ext>
+            </a:extLst>
+          </p:cNvPr>
+          <p:cNvSpPr txBox="1"/>
+          <p:nvPr/>
+        </p:nvSpPr>
+        <p:spPr>
+          <a:xfrm>
+            <a:off x="7150449" y="604378"/>
+            <a:ext cx="492464" cy="261610"/>
+          </a:xfrm>
+          <a:prstGeom prst="rect">
+            <a:avLst/>
+          </a:prstGeom>
+          <a:noFill/>
+        </p:spPr>
+        <p:txBody>
+          <a:bodyPr wrap="square" rtlCol="0">
+            <a:spAutoFit/>
+          </a:bodyPr>
+          <a:lstStyle/>
+          <a:p>
+            <a:r>
+              <a:rPr lang="en-US" sz="1100" dirty="0"/>
+              <a:t>case</a:t>
+            </a:r>
+          </a:p>
+        </p:txBody>
+      </p:sp>
+      <p:sp>
+        <p:nvSpPr>
+          <p:cNvPr id="63" name="TextBox 62">
+            <a:extLst>
+              <a:ext uri="{FF2B5EF4-FFF2-40B4-BE49-F238E27FC236}">
+                <a16:creationId xmlns:a16="http://schemas.microsoft.com/office/drawing/2014/main" id="{659499AB-992E-4145-B2BE-21508B2105D0}"/>
+              </a:ext>
+            </a:extLst>
+          </p:cNvPr>
+          <p:cNvSpPr txBox="1"/>
+          <p:nvPr/>
+        </p:nvSpPr>
+        <p:spPr>
+          <a:xfrm>
+            <a:off x="6736715" y="1347680"/>
+            <a:ext cx="492464" cy="261610"/>
+          </a:xfrm>
+          <a:prstGeom prst="rect">
+            <a:avLst/>
+          </a:prstGeom>
+          <a:noFill/>
+        </p:spPr>
+        <p:txBody>
+          <a:bodyPr wrap="square" rtlCol="0">
+            <a:spAutoFit/>
+          </a:bodyPr>
+          <a:lstStyle/>
+          <a:p>
+            <a:r>
+              <a:rPr lang="en-US" sz="1100" dirty="0"/>
+              <a:t>nsubj</a:t>
+            </a:r>
+          </a:p>
+        </p:txBody>
+      </p:sp>
+      <p:sp>
+        <p:nvSpPr>
+          <p:cNvPr id="64" name="TextBox 63">
+            <a:extLst>
+              <a:ext uri="{FF2B5EF4-FFF2-40B4-BE49-F238E27FC236}">
+                <a16:creationId xmlns:a16="http://schemas.microsoft.com/office/drawing/2014/main" id="{39AA41DC-7D0D-4F37-8766-FE9B7A9FB476}"/>
+              </a:ext>
+            </a:extLst>
+          </p:cNvPr>
+          <p:cNvSpPr txBox="1"/>
+          <p:nvPr/>
+        </p:nvSpPr>
+        <p:spPr>
+          <a:xfrm rot="2484003">
+            <a:off x="4573819" y="1930374"/>
+            <a:ext cx="492464" cy="261610"/>
+          </a:xfrm>
+          <a:prstGeom prst="rect">
+            <a:avLst/>
+          </a:prstGeom>
+          <a:noFill/>
+        </p:spPr>
+        <p:txBody>
+          <a:bodyPr wrap="square" rtlCol="0">
+            <a:spAutoFit/>
+          </a:bodyPr>
+          <a:lstStyle/>
+          <a:p>
+            <a:r>
+              <a:rPr lang="en-US" sz="1100" dirty="0"/>
+              <a:t>ref</a:t>
+            </a:r>
+          </a:p>
+        </p:txBody>
+      </p:sp>
+      <p:sp>
+        <p:nvSpPr>
+          <p:cNvPr id="65" name="TextBox 64">
+            <a:extLst>
+              <a:ext uri="{FF2B5EF4-FFF2-40B4-BE49-F238E27FC236}">
+                <a16:creationId xmlns:a16="http://schemas.microsoft.com/office/drawing/2014/main" id="{5BA2CBB3-1108-4347-8270-EE62764DA04E}"/>
+              </a:ext>
+            </a:extLst>
+          </p:cNvPr>
+          <p:cNvSpPr txBox="1"/>
+          <p:nvPr/>
+        </p:nvSpPr>
+        <p:spPr>
+          <a:xfrm>
+            <a:off x="5697544" y="1890210"/>
+            <a:ext cx="492464" cy="261610"/>
+          </a:xfrm>
+          <a:prstGeom prst="rect">
+            <a:avLst/>
+          </a:prstGeom>
+          <a:noFill/>
+        </p:spPr>
+        <p:txBody>
+          <a:bodyPr wrap="square" rtlCol="0">
+            <a:spAutoFit/>
+          </a:bodyPr>
+          <a:lstStyle/>
+          <a:p>
+            <a:r>
+              <a:rPr lang="en-US" sz="1100" dirty="0"/>
+              <a:t>dobj</a:t>
+            </a:r>
+          </a:p>
+        </p:txBody>
+      </p:sp>
+      <p:sp>
+        <p:nvSpPr>
+          <p:cNvPr id="66" name="TextBox 65">
+            <a:extLst>
+              <a:ext uri="{FF2B5EF4-FFF2-40B4-BE49-F238E27FC236}">
+                <a16:creationId xmlns:a16="http://schemas.microsoft.com/office/drawing/2014/main" id="{B25B2709-E7F5-4E3A-BF21-CA9D07C277E3}"/>
+              </a:ext>
+            </a:extLst>
+          </p:cNvPr>
+          <p:cNvSpPr txBox="1"/>
+          <p:nvPr/>
+        </p:nvSpPr>
+        <p:spPr>
+          <a:xfrm>
+            <a:off x="5467627" y="2518881"/>
+            <a:ext cx="492464" cy="261610"/>
+          </a:xfrm>
+          <a:prstGeom prst="rect">
+            <a:avLst/>
+          </a:prstGeom>
+          <a:noFill/>
+        </p:spPr>
+        <p:txBody>
+          <a:bodyPr wrap="square" rtlCol="0">
+            <a:spAutoFit/>
+          </a:bodyPr>
+          <a:lstStyle/>
+          <a:p>
+            <a:r>
+              <a:rPr lang="en-US" sz="1100" dirty="0"/>
+              <a:t>nsubj</a:t>
+            </a:r>
+          </a:p>
+        </p:txBody>
+      </p:sp>
+      <p:sp>
+        <p:nvSpPr>
+          <p:cNvPr id="67" name="TextBox 66">
+            <a:extLst>
+              <a:ext uri="{FF2B5EF4-FFF2-40B4-BE49-F238E27FC236}">
+                <a16:creationId xmlns:a16="http://schemas.microsoft.com/office/drawing/2014/main" id="{49306EE8-8C5D-46B2-A145-8909FF518A20}"/>
+              </a:ext>
+            </a:extLst>
+          </p:cNvPr>
+          <p:cNvSpPr txBox="1"/>
+          <p:nvPr/>
+        </p:nvSpPr>
+        <p:spPr>
+          <a:xfrm rot="20031087">
+            <a:off x="4271274" y="2289126"/>
+            <a:ext cx="492464" cy="261610"/>
+          </a:xfrm>
+          <a:prstGeom prst="rect">
+            <a:avLst/>
+          </a:prstGeom>
+          <a:noFill/>
+        </p:spPr>
+        <p:txBody>
+          <a:bodyPr wrap="square" rtlCol="0">
+            <a:spAutoFit/>
+          </a:bodyPr>
+          <a:lstStyle/>
+          <a:p>
+            <a:r>
+              <a:rPr lang="en-US" sz="1100" dirty="0"/>
+              <a:t>nsubj</a:t>
+            </a:r>
+          </a:p>
+        </p:txBody>
+      </p:sp>
+      <p:sp>
+        <p:nvSpPr>
+          <p:cNvPr id="68" name="TextBox 67">
+            <a:extLst>
+              <a:ext uri="{FF2B5EF4-FFF2-40B4-BE49-F238E27FC236}">
+                <a16:creationId xmlns:a16="http://schemas.microsoft.com/office/drawing/2014/main" id="{D3068B20-437A-4179-BE49-56A93F49116F}"/>
+              </a:ext>
+            </a:extLst>
+          </p:cNvPr>
+          <p:cNvSpPr txBox="1"/>
+          <p:nvPr/>
+        </p:nvSpPr>
+        <p:spPr>
+          <a:xfrm>
+            <a:off x="4374044" y="2824710"/>
+            <a:ext cx="492464" cy="261610"/>
+          </a:xfrm>
+          <a:prstGeom prst="rect">
+            <a:avLst/>
+          </a:prstGeom>
+          <a:noFill/>
+        </p:spPr>
+        <p:txBody>
+          <a:bodyPr wrap="square" rtlCol="0">
+            <a:spAutoFit/>
+          </a:bodyPr>
+          <a:lstStyle/>
+          <a:p>
+            <a:r>
+              <a:rPr lang="en-US" sz="1100" dirty="0"/>
+              <a:t>conj</a:t>
+            </a:r>
+          </a:p>
+        </p:txBody>
+      </p:sp>
+      <p:sp>
+        <p:nvSpPr>
+          <p:cNvPr id="69" name="TextBox 68">
+            <a:extLst>
+              <a:ext uri="{FF2B5EF4-FFF2-40B4-BE49-F238E27FC236}">
+                <a16:creationId xmlns:a16="http://schemas.microsoft.com/office/drawing/2014/main" id="{DF98917F-A5D4-4D3B-BBF1-86E9696795C1}"/>
+              </a:ext>
+            </a:extLst>
+          </p:cNvPr>
+          <p:cNvSpPr txBox="1"/>
+          <p:nvPr/>
+        </p:nvSpPr>
+        <p:spPr>
+          <a:xfrm>
+            <a:off x="3681068" y="2747786"/>
+            <a:ext cx="340064" cy="261610"/>
+          </a:xfrm>
+          <a:prstGeom prst="rect">
+            <a:avLst/>
+          </a:prstGeom>
+          <a:noFill/>
+        </p:spPr>
+        <p:txBody>
+          <a:bodyPr wrap="square" rtlCol="0">
+            <a:spAutoFit/>
+          </a:bodyPr>
+          <a:lstStyle/>
+          <a:p>
+            <a:r>
+              <a:rPr lang="en-US" sz="1100" dirty="0"/>
+              <a:t>cc</a:t>
+            </a:r>
+          </a:p>
+        </p:txBody>
+      </p:sp>
+      <p:sp>
+        <p:nvSpPr>
+          <p:cNvPr id="71" name="TextBox 70">
+            <a:extLst>
+              <a:ext uri="{FF2B5EF4-FFF2-40B4-BE49-F238E27FC236}">
+                <a16:creationId xmlns:a16="http://schemas.microsoft.com/office/drawing/2014/main" id="{C1C1FA4C-E58E-479C-BEA0-46B435E0A0F7}"/>
+              </a:ext>
+            </a:extLst>
+          </p:cNvPr>
+          <p:cNvSpPr txBox="1"/>
+          <p:nvPr/>
+        </p:nvSpPr>
+        <p:spPr>
+          <a:xfrm>
+            <a:off x="3593456" y="1916781"/>
+            <a:ext cx="492464" cy="261610"/>
+          </a:xfrm>
+          <a:prstGeom prst="rect">
+            <a:avLst/>
+          </a:prstGeom>
+          <a:noFill/>
+        </p:spPr>
+        <p:txBody>
+          <a:bodyPr wrap="square" rtlCol="0">
+            <a:spAutoFit/>
+          </a:bodyPr>
+          <a:lstStyle/>
+          <a:p>
+            <a:r>
+              <a:rPr lang="en-US" sz="1100" dirty="0"/>
+              <a:t>dobj</a:t>
+            </a:r>
+          </a:p>
+        </p:txBody>
+      </p:sp>
+      <p:sp>
+        <p:nvSpPr>
+          <p:cNvPr id="74" name="TextBox 73">
+            <a:extLst>
+              <a:ext uri="{FF2B5EF4-FFF2-40B4-BE49-F238E27FC236}">
+                <a16:creationId xmlns:a16="http://schemas.microsoft.com/office/drawing/2014/main" id="{37C9E770-E41D-416C-9056-0FF8824FF2C5}"/>
+              </a:ext>
+            </a:extLst>
+          </p:cNvPr>
+          <p:cNvSpPr txBox="1"/>
+          <p:nvPr/>
+        </p:nvSpPr>
+        <p:spPr>
+          <a:xfrm>
+            <a:off x="2060737" y="1433423"/>
+            <a:ext cx="843547" cy="261610"/>
+          </a:xfrm>
+          <a:prstGeom prst="rect">
+            <a:avLst/>
+          </a:prstGeom>
+          <a:noFill/>
+        </p:spPr>
+        <p:txBody>
+          <a:bodyPr wrap="square" rtlCol="0">
+            <a:spAutoFit/>
+          </a:bodyPr>
+          <a:lstStyle/>
+          <a:p>
+            <a:r>
+              <a:rPr lang="en-US" sz="1100" dirty="0"/>
+              <a:t>compound</a:t>
+            </a:r>
+          </a:p>
+        </p:txBody>
+      </p:sp>
+      <p:sp>
+        <p:nvSpPr>
+          <p:cNvPr id="75" name="TextBox 74">
+            <a:extLst>
+              <a:ext uri="{FF2B5EF4-FFF2-40B4-BE49-F238E27FC236}">
+                <a16:creationId xmlns:a16="http://schemas.microsoft.com/office/drawing/2014/main" id="{EC9FD0CE-3CCA-4758-887D-2CA012E9C622}"/>
+              </a:ext>
+            </a:extLst>
+          </p:cNvPr>
+          <p:cNvSpPr txBox="1"/>
+          <p:nvPr/>
+        </p:nvSpPr>
+        <p:spPr>
+          <a:xfrm>
+            <a:off x="2363432" y="2106005"/>
+            <a:ext cx="862177" cy="261610"/>
+          </a:xfrm>
+          <a:prstGeom prst="rect">
+            <a:avLst/>
+          </a:prstGeom>
+          <a:noFill/>
+        </p:spPr>
+        <p:txBody>
+          <a:bodyPr wrap="square" rtlCol="0">
+            <a:spAutoFit/>
+          </a:bodyPr>
+          <a:lstStyle/>
+          <a:p>
+            <a:r>
+              <a:rPr lang="en-US" sz="1100" dirty="0"/>
+              <a:t>nmod:poss</a:t>
+            </a:r>
+          </a:p>
+        </p:txBody>
+      </p:sp>
+      <p:sp>
+        <p:nvSpPr>
+          <p:cNvPr id="76" name="TextBox 75">
+            <a:extLst>
+              <a:ext uri="{FF2B5EF4-FFF2-40B4-BE49-F238E27FC236}">
+                <a16:creationId xmlns:a16="http://schemas.microsoft.com/office/drawing/2014/main" id="{91C34A65-FA9F-4446-A3CE-0043DE2E8B79}"/>
+              </a:ext>
+            </a:extLst>
+          </p:cNvPr>
+          <p:cNvSpPr txBox="1"/>
+          <p:nvPr/>
+        </p:nvSpPr>
+        <p:spPr>
+          <a:xfrm>
+            <a:off x="2149115" y="2800795"/>
+            <a:ext cx="492464" cy="261610"/>
+          </a:xfrm>
+          <a:prstGeom prst="rect">
+            <a:avLst/>
+          </a:prstGeom>
+          <a:noFill/>
+        </p:spPr>
+        <p:txBody>
+          <a:bodyPr wrap="square" rtlCol="0">
+            <a:spAutoFit/>
+          </a:bodyPr>
+          <a:lstStyle/>
+          <a:p>
+            <a:r>
+              <a:rPr lang="en-US" sz="1100" dirty="0"/>
+              <a:t>case</a:t>
+            </a:r>
+          </a:p>
+        </p:txBody>
+      </p:sp>
+      <p:sp>
+        <p:nvSpPr>
+          <p:cNvPr id="77" name="TextBox 76">
+            <a:extLst>
+              <a:ext uri="{FF2B5EF4-FFF2-40B4-BE49-F238E27FC236}">
+                <a16:creationId xmlns:a16="http://schemas.microsoft.com/office/drawing/2014/main" id="{0995D53A-13A5-4AD0-911E-BB2230563A3A}"/>
+              </a:ext>
+            </a:extLst>
+          </p:cNvPr>
+          <p:cNvSpPr txBox="1"/>
+          <p:nvPr/>
+        </p:nvSpPr>
+        <p:spPr>
+          <a:xfrm>
+            <a:off x="1355973" y="2669990"/>
+            <a:ext cx="492464" cy="261610"/>
+          </a:xfrm>
+          <a:prstGeom prst="rect">
+            <a:avLst/>
+          </a:prstGeom>
+          <a:noFill/>
+        </p:spPr>
+        <p:txBody>
+          <a:bodyPr wrap="square" rtlCol="0">
+            <a:spAutoFit/>
+          </a:bodyPr>
+          <a:lstStyle/>
+          <a:p>
+            <a:r>
+              <a:rPr lang="en-US" sz="1100" dirty="0"/>
+              <a:t>det</a:t>
+            </a:r>
+          </a:p>
+        </p:txBody>
+      </p:sp>
+      <p:sp>
+        <p:nvSpPr>
+          <p:cNvPr id="78" name="TextBox 77">
+            <a:extLst>
+              <a:ext uri="{FF2B5EF4-FFF2-40B4-BE49-F238E27FC236}">
+                <a16:creationId xmlns:a16="http://schemas.microsoft.com/office/drawing/2014/main" id="{7B20E525-ABBA-4379-82D1-EF663EB95186}"/>
+              </a:ext>
+            </a:extLst>
+          </p:cNvPr>
+          <p:cNvSpPr txBox="1"/>
+          <p:nvPr/>
+        </p:nvSpPr>
+        <p:spPr>
+          <a:xfrm>
+            <a:off x="6188620" y="2594217"/>
+            <a:ext cx="576262" cy="261610"/>
+          </a:xfrm>
+          <a:prstGeom prst="rect">
+            <a:avLst/>
+          </a:prstGeom>
+          <a:noFill/>
+        </p:spPr>
+        <p:txBody>
+          <a:bodyPr wrap="square" rtlCol="0">
+            <a:spAutoFit/>
+          </a:bodyPr>
+          <a:lstStyle/>
+          <a:p>
+            <a:r>
+              <a:rPr lang="en-US" sz="1100" dirty="0"/>
+              <a:t>ccomp</a:t>
+            </a:r>
+          </a:p>
+        </p:txBody>
+      </p:sp>
+      <p:sp>
+        <p:nvSpPr>
+          <p:cNvPr id="79" name="TextBox 78">
+            <a:extLst>
+              <a:ext uri="{FF2B5EF4-FFF2-40B4-BE49-F238E27FC236}">
+                <a16:creationId xmlns:a16="http://schemas.microsoft.com/office/drawing/2014/main" id="{F8242A59-1477-4AC4-9B24-E21383BF31B2}"/>
+              </a:ext>
+            </a:extLst>
+          </p:cNvPr>
+          <p:cNvSpPr txBox="1"/>
+          <p:nvPr/>
+        </p:nvSpPr>
+        <p:spPr>
+          <a:xfrm>
+            <a:off x="7569722" y="2628537"/>
+            <a:ext cx="492464" cy="261610"/>
+          </a:xfrm>
+          <a:prstGeom prst="rect">
+            <a:avLst/>
+          </a:prstGeom>
+          <a:noFill/>
+        </p:spPr>
+        <p:txBody>
+          <a:bodyPr wrap="square" rtlCol="0">
+            <a:spAutoFit/>
+          </a:bodyPr>
+          <a:lstStyle/>
+          <a:p>
+            <a:r>
+              <a:rPr lang="en-US" sz="1100" dirty="0"/>
+              <a:t>nsubj</a:t>
+            </a:r>
+          </a:p>
+        </p:txBody>
+      </p:sp>
+      <p:sp>
+        <p:nvSpPr>
+          <p:cNvPr id="82" name="TextBox 81">
+            <a:extLst>
+              <a:ext uri="{FF2B5EF4-FFF2-40B4-BE49-F238E27FC236}">
+                <a16:creationId xmlns:a16="http://schemas.microsoft.com/office/drawing/2014/main" id="{7809B1E4-560D-4C06-B015-527ED1FDDB1A}"/>
+              </a:ext>
+            </a:extLst>
+          </p:cNvPr>
+          <p:cNvSpPr txBox="1"/>
+          <p:nvPr/>
+        </p:nvSpPr>
+        <p:spPr>
+          <a:xfrm>
+            <a:off x="8158165" y="3535785"/>
+            <a:ext cx="492464" cy="261610"/>
+          </a:xfrm>
+          <a:prstGeom prst="rect">
+            <a:avLst/>
+          </a:prstGeom>
+          <a:noFill/>
+        </p:spPr>
+        <p:txBody>
+          <a:bodyPr wrap="square" rtlCol="0">
+            <a:spAutoFit/>
+          </a:bodyPr>
+          <a:lstStyle/>
+          <a:p>
+            <a:r>
+              <a:rPr lang="en-US" sz="1100" dirty="0"/>
+              <a:t>det</a:t>
+            </a:r>
+          </a:p>
+        </p:txBody>
+      </p:sp>
+      <p:sp>
+        <p:nvSpPr>
+          <p:cNvPr id="83" name="TextBox 82">
+            <a:extLst>
+              <a:ext uri="{FF2B5EF4-FFF2-40B4-BE49-F238E27FC236}">
+                <a16:creationId xmlns:a16="http://schemas.microsoft.com/office/drawing/2014/main" id="{69160D85-2CD2-4DB9-843B-053F070BF2DB}"/>
+              </a:ext>
+            </a:extLst>
+          </p:cNvPr>
+          <p:cNvSpPr txBox="1"/>
+          <p:nvPr/>
+        </p:nvSpPr>
+        <p:spPr>
+          <a:xfrm>
+            <a:off x="6718924" y="2947090"/>
+            <a:ext cx="492464" cy="261610"/>
+          </a:xfrm>
+          <a:prstGeom prst="rect">
+            <a:avLst/>
+          </a:prstGeom>
+          <a:noFill/>
+        </p:spPr>
+        <p:txBody>
+          <a:bodyPr wrap="square" rtlCol="0">
+            <a:spAutoFit/>
+          </a:bodyPr>
+          <a:lstStyle/>
+          <a:p>
+            <a:r>
+              <a:rPr lang="en-US" sz="1100" dirty="0"/>
+              <a:t>advcl</a:t>
+            </a:r>
+          </a:p>
+        </p:txBody>
+      </p:sp>
+      <p:sp>
+        <p:nvSpPr>
+          <p:cNvPr id="84" name="TextBox 83">
+            <a:extLst>
+              <a:ext uri="{FF2B5EF4-FFF2-40B4-BE49-F238E27FC236}">
+                <a16:creationId xmlns:a16="http://schemas.microsoft.com/office/drawing/2014/main" id="{A93EA011-81FF-481A-BC43-53A5206D84B5}"/>
+              </a:ext>
+            </a:extLst>
+          </p:cNvPr>
+          <p:cNvSpPr txBox="1"/>
+          <p:nvPr/>
+        </p:nvSpPr>
+        <p:spPr>
+          <a:xfrm>
+            <a:off x="4340683" y="4803940"/>
+            <a:ext cx="562752" cy="261610"/>
+          </a:xfrm>
+          <a:prstGeom prst="rect">
+            <a:avLst/>
+          </a:prstGeom>
+          <a:noFill/>
+        </p:spPr>
+        <p:txBody>
+          <a:bodyPr wrap="square" rtlCol="0">
+            <a:spAutoFit/>
+          </a:bodyPr>
+          <a:lstStyle/>
+          <a:p>
+            <a:r>
+              <a:rPr lang="en-US" sz="1100" dirty="0"/>
+              <a:t>amod</a:t>
+            </a:r>
+          </a:p>
+        </p:txBody>
+      </p:sp>
+      <p:sp>
+        <p:nvSpPr>
+          <p:cNvPr id="85" name="TextBox 84">
+            <a:extLst>
+              <a:ext uri="{FF2B5EF4-FFF2-40B4-BE49-F238E27FC236}">
+                <a16:creationId xmlns:a16="http://schemas.microsoft.com/office/drawing/2014/main" id="{507997CE-6005-4885-9919-3AFD0D452BED}"/>
+              </a:ext>
+            </a:extLst>
+          </p:cNvPr>
+          <p:cNvSpPr txBox="1"/>
+          <p:nvPr/>
+        </p:nvSpPr>
+        <p:spPr>
+          <a:xfrm rot="1462839">
+            <a:off x="4034345" y="4308740"/>
+            <a:ext cx="1006195" cy="261610"/>
+          </a:xfrm>
+          <a:prstGeom prst="rect">
+            <a:avLst/>
+          </a:prstGeom>
+          <a:noFill/>
+        </p:spPr>
+        <p:txBody>
+          <a:bodyPr wrap="square" rtlCol="0">
+            <a:spAutoFit/>
+          </a:bodyPr>
+          <a:lstStyle/>
+          <a:p>
+            <a:r>
+              <a:rPr lang="en-US" sz="1100" dirty="0"/>
+              <a:t>nmod:such as</a:t>
+            </a:r>
+          </a:p>
+        </p:txBody>
+      </p:sp>
+      <p:sp>
+        <p:nvSpPr>
+          <p:cNvPr id="86" name="TextBox 85">
+            <a:extLst>
+              <a:ext uri="{FF2B5EF4-FFF2-40B4-BE49-F238E27FC236}">
+                <a16:creationId xmlns:a16="http://schemas.microsoft.com/office/drawing/2014/main" id="{538D8A32-F729-4043-87DA-EF1C4B410CF8}"/>
+              </a:ext>
+            </a:extLst>
+          </p:cNvPr>
+          <p:cNvSpPr txBox="1"/>
+          <p:nvPr/>
+        </p:nvSpPr>
+        <p:spPr>
+          <a:xfrm>
+            <a:off x="6812169" y="4183605"/>
+            <a:ext cx="492464" cy="261610"/>
+          </a:xfrm>
+          <a:prstGeom prst="rect">
+            <a:avLst/>
+          </a:prstGeom>
+          <a:noFill/>
+        </p:spPr>
+        <p:txBody>
+          <a:bodyPr wrap="square" rtlCol="0">
+            <a:spAutoFit/>
+          </a:bodyPr>
+          <a:lstStyle/>
+          <a:p>
+            <a:r>
+              <a:rPr lang="en-US" sz="1100" dirty="0"/>
+              <a:t>mark</a:t>
+            </a:r>
+          </a:p>
+        </p:txBody>
+      </p:sp>
+      <p:sp>
+        <p:nvSpPr>
+          <p:cNvPr id="87" name="TextBox 86">
+            <a:extLst>
+              <a:ext uri="{FF2B5EF4-FFF2-40B4-BE49-F238E27FC236}">
+                <a16:creationId xmlns:a16="http://schemas.microsoft.com/office/drawing/2014/main" id="{FB4572E8-33FD-4186-949D-F0C048734C20}"/>
+              </a:ext>
+            </a:extLst>
+          </p:cNvPr>
+          <p:cNvSpPr txBox="1"/>
+          <p:nvPr/>
+        </p:nvSpPr>
+        <p:spPr>
+          <a:xfrm>
+            <a:off x="5603536" y="4175819"/>
+            <a:ext cx="492464" cy="261610"/>
+          </a:xfrm>
+          <a:prstGeom prst="rect">
+            <a:avLst/>
+          </a:prstGeom>
+          <a:noFill/>
+        </p:spPr>
+        <p:txBody>
+          <a:bodyPr wrap="square" rtlCol="0">
+            <a:spAutoFit/>
+          </a:bodyPr>
+          <a:lstStyle/>
+          <a:p>
+            <a:r>
+              <a:rPr lang="en-US" sz="1100" dirty="0"/>
+              <a:t>dobj</a:t>
+            </a:r>
+          </a:p>
+        </p:txBody>
+      </p:sp>
+      <p:sp>
+        <p:nvSpPr>
+          <p:cNvPr id="88" name="TextBox 87">
+            <a:extLst>
+              <a:ext uri="{FF2B5EF4-FFF2-40B4-BE49-F238E27FC236}">
+                <a16:creationId xmlns:a16="http://schemas.microsoft.com/office/drawing/2014/main" id="{1D185FFB-5C84-42AC-BD17-D8A7ED2AB445}"/>
+              </a:ext>
+            </a:extLst>
+          </p:cNvPr>
+          <p:cNvSpPr txBox="1"/>
+          <p:nvPr/>
+        </p:nvSpPr>
+        <p:spPr>
+          <a:xfrm>
+            <a:off x="2811245" y="4658592"/>
+            <a:ext cx="492464" cy="261610"/>
+          </a:xfrm>
+          <a:prstGeom prst="rect">
+            <a:avLst/>
+          </a:prstGeom>
+          <a:noFill/>
+        </p:spPr>
+        <p:txBody>
+          <a:bodyPr wrap="square" rtlCol="0">
+            <a:spAutoFit/>
+          </a:bodyPr>
+          <a:lstStyle/>
+          <a:p>
+            <a:r>
+              <a:rPr lang="en-US" sz="1100" dirty="0"/>
+              <a:t>mwe</a:t>
+            </a:r>
+          </a:p>
+        </p:txBody>
+      </p:sp>
+      <p:sp>
+        <p:nvSpPr>
+          <p:cNvPr id="89" name="TextBox 88">
+            <a:extLst>
+              <a:ext uri="{FF2B5EF4-FFF2-40B4-BE49-F238E27FC236}">
+                <a16:creationId xmlns:a16="http://schemas.microsoft.com/office/drawing/2014/main" id="{561397EA-B899-462B-A1BE-D46E64BEF822}"/>
+              </a:ext>
+            </a:extLst>
+          </p:cNvPr>
+          <p:cNvSpPr txBox="1"/>
+          <p:nvPr/>
+        </p:nvSpPr>
+        <p:spPr>
+          <a:xfrm rot="2497326">
+            <a:off x="2817081" y="4024064"/>
+            <a:ext cx="562752" cy="261610"/>
+          </a:xfrm>
+          <a:prstGeom prst="rect">
+            <a:avLst/>
+          </a:prstGeom>
+          <a:noFill/>
+        </p:spPr>
+        <p:txBody>
+          <a:bodyPr wrap="square" rtlCol="0">
+            <a:spAutoFit/>
+          </a:bodyPr>
+          <a:lstStyle/>
+          <a:p>
+            <a:r>
+              <a:rPr lang="en-US" sz="1100" dirty="0"/>
+              <a:t>amod</a:t>
+            </a:r>
+          </a:p>
+        </p:txBody>
+      </p:sp>
+    </p:spTree>
+    <p:extLst>
+      <p:ext uri="{BB962C8B-B14F-4D97-AF65-F5344CB8AC3E}">
+        <p14:creationId xmlns:p14="http://schemas.microsoft.com/office/powerpoint/2010/main" val="2988656338"/>
+      </p:ext>
+    </p:extLst>
+  </p:cSld>
+  <p:clrMapOvr>
+    <a:masterClrMapping/>
+  </p:clrMapOvr>
+  <p:transition spd="slow">
+    <p:push dir="u"/>
+  </p:transition>
+</p:sld>
+</file>
+
 <file path=ppt/theme/theme1.xml><?xml version="1.0" encoding="utf-8"?>
 <a:theme xmlns:a="http://schemas.openxmlformats.org/drawingml/2006/main" name="Office Theme">
   <a:themeElements>

--- a/Notes/Diagrams.pptx
+++ b/Notes/Diagrams.pptx
@@ -13,6 +13,7 @@
     <p:sldId id="261" r:id="rId7"/>
     <p:sldId id="262" r:id="rId8"/>
     <p:sldId id="263" r:id="rId9"/>
+    <p:sldId id="264" r:id="rId10"/>
   </p:sldIdLst>
   <p:sldSz cx="12192000" cy="6858000"/>
   <p:notesSz cx="6858000" cy="9144000"/>
@@ -866,6 +867,753 @@
 </dgm:colorsDef>
 </file>
 
+<file path=ppt/diagrams/colors2.xml><?xml version="1.0" encoding="utf-8"?>
+<dgm:colorsDef xmlns:dgm="http://schemas.openxmlformats.org/drawingml/2006/diagram" xmlns:a="http://schemas.openxmlformats.org/drawingml/2006/main" uniqueId="urn:microsoft.com/office/officeart/2005/8/colors/accent1_2">
+  <dgm:title val=""/>
+  <dgm:desc val=""/>
+  <dgm:catLst>
+    <dgm:cat type="accent1" pri="11200"/>
+  </dgm:catLst>
+  <dgm:styleLbl name="node0">
+    <dgm:fillClrLst meth="repeat">
+      <a:schemeClr val="accent1"/>
+    </dgm:fillClrLst>
+    <dgm:linClrLst meth="repeat">
+      <a:schemeClr val="lt1"/>
+    </dgm:linClrLst>
+    <dgm:effectClrLst/>
+    <dgm:txLinClrLst/>
+    <dgm:txFillClrLst/>
+    <dgm:txEffectClrLst/>
+  </dgm:styleLbl>
+  <dgm:styleLbl name="alignNode1">
+    <dgm:fillClrLst meth="repeat">
+      <a:schemeClr val="accent1"/>
+    </dgm:fillClrLst>
+    <dgm:linClrLst meth="repeat">
+      <a:schemeClr val="accent1"/>
+    </dgm:linClrLst>
+    <dgm:effectClrLst/>
+    <dgm:txLinClrLst/>
+    <dgm:txFillClrLst/>
+    <dgm:txEffectClrLst/>
+  </dgm:styleLbl>
+  <dgm:styleLbl name="node1">
+    <dgm:fillClrLst meth="repeat">
+      <a:schemeClr val="accent1"/>
+    </dgm:fillClrLst>
+    <dgm:linClrLst meth="repeat">
+      <a:schemeClr val="lt1"/>
+    </dgm:linClrLst>
+    <dgm:effectClrLst/>
+    <dgm:txLinClrLst/>
+    <dgm:txFillClrLst/>
+    <dgm:txEffectClrLst/>
+  </dgm:styleLbl>
+  <dgm:styleLbl name="lnNode1">
+    <dgm:fillClrLst meth="repeat">
+      <a:schemeClr val="accent1"/>
+    </dgm:fillClrLst>
+    <dgm:linClrLst meth="repeat">
+      <a:schemeClr val="lt1"/>
+    </dgm:linClrLst>
+    <dgm:effectClrLst/>
+    <dgm:txLinClrLst/>
+    <dgm:txFillClrLst/>
+    <dgm:txEffectClrLst/>
+  </dgm:styleLbl>
+  <dgm:styleLbl name="vennNode1">
+    <dgm:fillClrLst meth="repeat">
+      <a:schemeClr val="accent1">
+        <a:alpha val="50000"/>
+      </a:schemeClr>
+    </dgm:fillClrLst>
+    <dgm:linClrLst meth="repeat">
+      <a:schemeClr val="lt1"/>
+    </dgm:linClrLst>
+    <dgm:effectClrLst/>
+    <dgm:txLinClrLst/>
+    <dgm:txFillClrLst/>
+    <dgm:txEffectClrLst/>
+  </dgm:styleLbl>
+  <dgm:styleLbl name="node2">
+    <dgm:fillClrLst meth="repeat">
+      <a:schemeClr val="accent1"/>
+    </dgm:fillClrLst>
+    <dgm:linClrLst meth="repeat">
+      <a:schemeClr val="lt1"/>
+    </dgm:linClrLst>
+    <dgm:effectClrLst/>
+    <dgm:txLinClrLst/>
+    <dgm:txFillClrLst/>
+    <dgm:txEffectClrLst/>
+  </dgm:styleLbl>
+  <dgm:styleLbl name="node3">
+    <dgm:fillClrLst meth="repeat">
+      <a:schemeClr val="accent1"/>
+    </dgm:fillClrLst>
+    <dgm:linClrLst meth="repeat">
+      <a:schemeClr val="lt1"/>
+    </dgm:linClrLst>
+    <dgm:effectClrLst/>
+    <dgm:txLinClrLst/>
+    <dgm:txFillClrLst/>
+    <dgm:txEffectClrLst/>
+  </dgm:styleLbl>
+  <dgm:styleLbl name="node4">
+    <dgm:fillClrLst meth="repeat">
+      <a:schemeClr val="accent1"/>
+    </dgm:fillClrLst>
+    <dgm:linClrLst meth="repeat">
+      <a:schemeClr val="lt1"/>
+    </dgm:linClrLst>
+    <dgm:effectClrLst/>
+    <dgm:txLinClrLst/>
+    <dgm:txFillClrLst/>
+    <dgm:txEffectClrLst/>
+  </dgm:styleLbl>
+  <dgm:styleLbl name="fgImgPlace1">
+    <dgm:fillClrLst meth="repeat">
+      <a:schemeClr val="accent1">
+        <a:tint val="50000"/>
+      </a:schemeClr>
+    </dgm:fillClrLst>
+    <dgm:linClrLst meth="repeat">
+      <a:schemeClr val="lt1"/>
+    </dgm:linClrLst>
+    <dgm:effectClrLst/>
+    <dgm:txLinClrLst/>
+    <dgm:txFillClrLst meth="repeat">
+      <a:schemeClr val="lt1"/>
+    </dgm:txFillClrLst>
+    <dgm:txEffectClrLst/>
+  </dgm:styleLbl>
+  <dgm:styleLbl name="alignImgPlace1">
+    <dgm:fillClrLst meth="repeat">
+      <a:schemeClr val="accent1">
+        <a:tint val="50000"/>
+      </a:schemeClr>
+    </dgm:fillClrLst>
+    <dgm:linClrLst meth="repeat">
+      <a:schemeClr val="lt1"/>
+    </dgm:linClrLst>
+    <dgm:effectClrLst/>
+    <dgm:txLinClrLst/>
+    <dgm:txFillClrLst meth="repeat">
+      <a:schemeClr val="lt1"/>
+    </dgm:txFillClrLst>
+    <dgm:txEffectClrLst/>
+  </dgm:styleLbl>
+  <dgm:styleLbl name="bgImgPlace1">
+    <dgm:fillClrLst meth="repeat">
+      <a:schemeClr val="accent1">
+        <a:tint val="50000"/>
+      </a:schemeClr>
+    </dgm:fillClrLst>
+    <dgm:linClrLst meth="repeat">
+      <a:schemeClr val="lt1"/>
+    </dgm:linClrLst>
+    <dgm:effectClrLst/>
+    <dgm:txLinClrLst/>
+    <dgm:txFillClrLst meth="repeat">
+      <a:schemeClr val="lt1"/>
+    </dgm:txFillClrLst>
+    <dgm:txEffectClrLst/>
+  </dgm:styleLbl>
+  <dgm:styleLbl name="sibTrans2D1">
+    <dgm:fillClrLst meth="repeat">
+      <a:schemeClr val="accent1">
+        <a:tint val="60000"/>
+      </a:schemeClr>
+    </dgm:fillClrLst>
+    <dgm:linClrLst meth="repeat">
+      <a:schemeClr val="accent1">
+        <a:tint val="60000"/>
+      </a:schemeClr>
+    </dgm:linClrLst>
+    <dgm:effectClrLst/>
+    <dgm:txLinClrLst/>
+    <dgm:txFillClrLst/>
+    <dgm:txEffectClrLst/>
+  </dgm:styleLbl>
+  <dgm:styleLbl name="fgSibTrans2D1">
+    <dgm:fillClrLst meth="repeat">
+      <a:schemeClr val="accent1">
+        <a:tint val="60000"/>
+      </a:schemeClr>
+    </dgm:fillClrLst>
+    <dgm:linClrLst meth="repeat">
+      <a:schemeClr val="accent1">
+        <a:tint val="60000"/>
+      </a:schemeClr>
+    </dgm:linClrLst>
+    <dgm:effectClrLst/>
+    <dgm:txLinClrLst/>
+    <dgm:txFillClrLst/>
+    <dgm:txEffectClrLst/>
+  </dgm:styleLbl>
+  <dgm:styleLbl name="bgSibTrans2D1">
+    <dgm:fillClrLst meth="repeat">
+      <a:schemeClr val="accent1">
+        <a:tint val="60000"/>
+      </a:schemeClr>
+    </dgm:fillClrLst>
+    <dgm:linClrLst meth="repeat">
+      <a:schemeClr val="accent1">
+        <a:tint val="60000"/>
+      </a:schemeClr>
+    </dgm:linClrLst>
+    <dgm:effectClrLst/>
+    <dgm:txLinClrLst/>
+    <dgm:txFillClrLst/>
+    <dgm:txEffectClrLst/>
+  </dgm:styleLbl>
+  <dgm:styleLbl name="sibTrans1D1">
+    <dgm:fillClrLst meth="repeat">
+      <a:schemeClr val="accent1"/>
+    </dgm:fillClrLst>
+    <dgm:linClrLst meth="repeat">
+      <a:schemeClr val="accent1"/>
+    </dgm:linClrLst>
+    <dgm:effectClrLst/>
+    <dgm:txLinClrLst/>
+    <dgm:txFillClrLst meth="repeat">
+      <a:schemeClr val="tx1"/>
+    </dgm:txFillClrLst>
+    <dgm:txEffectClrLst/>
+  </dgm:styleLbl>
+  <dgm:styleLbl name="callout">
+    <dgm:fillClrLst meth="repeat">
+      <a:schemeClr val="accent1"/>
+    </dgm:fillClrLst>
+    <dgm:linClrLst meth="repeat">
+      <a:schemeClr val="accent1">
+        <a:tint val="50000"/>
+      </a:schemeClr>
+    </dgm:linClrLst>
+    <dgm:effectClrLst/>
+    <dgm:txLinClrLst/>
+    <dgm:txFillClrLst meth="repeat">
+      <a:schemeClr val="tx1"/>
+    </dgm:txFillClrLst>
+    <dgm:txEffectClrLst/>
+  </dgm:styleLbl>
+  <dgm:styleLbl name="asst0">
+    <dgm:fillClrLst meth="repeat">
+      <a:schemeClr val="accent1"/>
+    </dgm:fillClrLst>
+    <dgm:linClrLst meth="repeat">
+      <a:schemeClr val="lt1"/>
+    </dgm:linClrLst>
+    <dgm:effectClrLst/>
+    <dgm:txLinClrLst/>
+    <dgm:txFillClrLst/>
+    <dgm:txEffectClrLst/>
+  </dgm:styleLbl>
+  <dgm:styleLbl name="asst1">
+    <dgm:fillClrLst meth="repeat">
+      <a:schemeClr val="accent1"/>
+    </dgm:fillClrLst>
+    <dgm:linClrLst meth="repeat">
+      <a:schemeClr val="lt1"/>
+    </dgm:linClrLst>
+    <dgm:effectClrLst/>
+    <dgm:txLinClrLst/>
+    <dgm:txFillClrLst/>
+    <dgm:txEffectClrLst/>
+  </dgm:styleLbl>
+  <dgm:styleLbl name="asst2">
+    <dgm:fillClrLst meth="repeat">
+      <a:schemeClr val="accent1"/>
+    </dgm:fillClrLst>
+    <dgm:linClrLst meth="repeat">
+      <a:schemeClr val="lt1"/>
+    </dgm:linClrLst>
+    <dgm:effectClrLst/>
+    <dgm:txLinClrLst/>
+    <dgm:txFillClrLst/>
+    <dgm:txEffectClrLst/>
+  </dgm:styleLbl>
+  <dgm:styleLbl name="asst3">
+    <dgm:fillClrLst meth="repeat">
+      <a:schemeClr val="accent1"/>
+    </dgm:fillClrLst>
+    <dgm:linClrLst meth="repeat">
+      <a:schemeClr val="lt1"/>
+    </dgm:linClrLst>
+    <dgm:effectClrLst/>
+    <dgm:txLinClrLst/>
+    <dgm:txFillClrLst/>
+    <dgm:txEffectClrLst/>
+  </dgm:styleLbl>
+  <dgm:styleLbl name="asst4">
+    <dgm:fillClrLst meth="repeat">
+      <a:schemeClr val="accent1"/>
+    </dgm:fillClrLst>
+    <dgm:linClrLst meth="repeat">
+      <a:schemeClr val="lt1"/>
+    </dgm:linClrLst>
+    <dgm:effectClrLst/>
+    <dgm:txLinClrLst/>
+    <dgm:txFillClrLst/>
+    <dgm:txEffectClrLst/>
+  </dgm:styleLbl>
+  <dgm:styleLbl name="parChTrans2D1">
+    <dgm:fillClrLst meth="repeat">
+      <a:schemeClr val="accent1">
+        <a:tint val="60000"/>
+      </a:schemeClr>
+    </dgm:fillClrLst>
+    <dgm:linClrLst meth="repeat">
+      <a:schemeClr val="accent1">
+        <a:tint val="60000"/>
+      </a:schemeClr>
+    </dgm:linClrLst>
+    <dgm:effectClrLst/>
+    <dgm:txLinClrLst/>
+    <dgm:txFillClrLst meth="repeat">
+      <a:schemeClr val="lt1"/>
+    </dgm:txFillClrLst>
+    <dgm:txEffectClrLst/>
+  </dgm:styleLbl>
+  <dgm:styleLbl name="parChTrans2D2">
+    <dgm:fillClrLst meth="repeat">
+      <a:schemeClr val="accent1"/>
+    </dgm:fillClrLst>
+    <dgm:linClrLst meth="repeat">
+      <a:schemeClr val="accent1"/>
+    </dgm:linClrLst>
+    <dgm:effectClrLst/>
+    <dgm:txLinClrLst/>
+    <dgm:txFillClrLst meth="repeat">
+      <a:schemeClr val="lt1"/>
+    </dgm:txFillClrLst>
+    <dgm:txEffectClrLst/>
+  </dgm:styleLbl>
+  <dgm:styleLbl name="parChTrans2D3">
+    <dgm:fillClrLst meth="repeat">
+      <a:schemeClr val="accent1"/>
+    </dgm:fillClrLst>
+    <dgm:linClrLst meth="repeat">
+      <a:schemeClr val="accent1"/>
+    </dgm:linClrLst>
+    <dgm:effectClrLst/>
+    <dgm:txLinClrLst/>
+    <dgm:txFillClrLst meth="repeat">
+      <a:schemeClr val="lt1"/>
+    </dgm:txFillClrLst>
+    <dgm:txEffectClrLst/>
+  </dgm:styleLbl>
+  <dgm:styleLbl name="parChTrans2D4">
+    <dgm:fillClrLst meth="repeat">
+      <a:schemeClr val="accent1"/>
+    </dgm:fillClrLst>
+    <dgm:linClrLst meth="repeat">
+      <a:schemeClr val="accent1"/>
+    </dgm:linClrLst>
+    <dgm:effectClrLst/>
+    <dgm:txLinClrLst/>
+    <dgm:txFillClrLst meth="repeat">
+      <a:schemeClr val="lt1"/>
+    </dgm:txFillClrLst>
+    <dgm:txEffectClrLst/>
+  </dgm:styleLbl>
+  <dgm:styleLbl name="parChTrans1D1">
+    <dgm:fillClrLst meth="repeat">
+      <a:schemeClr val="accent1"/>
+    </dgm:fillClrLst>
+    <dgm:linClrLst meth="repeat">
+      <a:schemeClr val="accent1">
+        <a:shade val="60000"/>
+      </a:schemeClr>
+    </dgm:linClrLst>
+    <dgm:effectClrLst/>
+    <dgm:txLinClrLst/>
+    <dgm:txFillClrLst meth="repeat">
+      <a:schemeClr val="tx1"/>
+    </dgm:txFillClrLst>
+    <dgm:txEffectClrLst/>
+  </dgm:styleLbl>
+  <dgm:styleLbl name="parChTrans1D2">
+    <dgm:fillClrLst meth="repeat">
+      <a:schemeClr val="accent1"/>
+    </dgm:fillClrLst>
+    <dgm:linClrLst meth="repeat">
+      <a:schemeClr val="accent1">
+        <a:shade val="60000"/>
+      </a:schemeClr>
+    </dgm:linClrLst>
+    <dgm:effectClrLst/>
+    <dgm:txLinClrLst/>
+    <dgm:txFillClrLst meth="repeat">
+      <a:schemeClr val="tx1"/>
+    </dgm:txFillClrLst>
+    <dgm:txEffectClrLst/>
+  </dgm:styleLbl>
+  <dgm:styleLbl name="parChTrans1D3">
+    <dgm:fillClrLst meth="repeat">
+      <a:schemeClr val="accent1"/>
+    </dgm:fillClrLst>
+    <dgm:linClrLst meth="repeat">
+      <a:schemeClr val="accent1">
+        <a:shade val="80000"/>
+      </a:schemeClr>
+    </dgm:linClrLst>
+    <dgm:effectClrLst/>
+    <dgm:txLinClrLst/>
+    <dgm:txFillClrLst meth="repeat">
+      <a:schemeClr val="tx1"/>
+    </dgm:txFillClrLst>
+    <dgm:txEffectClrLst/>
+  </dgm:styleLbl>
+  <dgm:styleLbl name="parChTrans1D4">
+    <dgm:fillClrLst meth="repeat">
+      <a:schemeClr val="accent1"/>
+    </dgm:fillClrLst>
+    <dgm:linClrLst meth="repeat">
+      <a:schemeClr val="accent1">
+        <a:shade val="80000"/>
+      </a:schemeClr>
+    </dgm:linClrLst>
+    <dgm:effectClrLst/>
+    <dgm:txLinClrLst/>
+    <dgm:txFillClrLst meth="repeat">
+      <a:schemeClr val="tx1"/>
+    </dgm:txFillClrLst>
+    <dgm:txEffectClrLst/>
+  </dgm:styleLbl>
+  <dgm:styleLbl name="fgAcc1">
+    <dgm:fillClrLst meth="repeat">
+      <a:schemeClr val="lt1">
+        <a:alpha val="90000"/>
+      </a:schemeClr>
+    </dgm:fillClrLst>
+    <dgm:linClrLst meth="repeat">
+      <a:schemeClr val="accent1"/>
+    </dgm:linClrLst>
+    <dgm:effectClrLst/>
+    <dgm:txLinClrLst/>
+    <dgm:txFillClrLst meth="repeat">
+      <a:schemeClr val="dk1"/>
+    </dgm:txFillClrLst>
+    <dgm:txEffectClrLst/>
+  </dgm:styleLbl>
+  <dgm:styleLbl name="conFgAcc1">
+    <dgm:fillClrLst meth="repeat">
+      <a:schemeClr val="lt1">
+        <a:alpha val="90000"/>
+      </a:schemeClr>
+    </dgm:fillClrLst>
+    <dgm:linClrLst meth="repeat">
+      <a:schemeClr val="accent1"/>
+    </dgm:linClrLst>
+    <dgm:effectClrLst/>
+    <dgm:txLinClrLst/>
+    <dgm:txFillClrLst meth="repeat">
+      <a:schemeClr val="dk1"/>
+    </dgm:txFillClrLst>
+    <dgm:txEffectClrLst/>
+  </dgm:styleLbl>
+  <dgm:styleLbl name="alignAcc1">
+    <dgm:fillClrLst meth="repeat">
+      <a:schemeClr val="lt1">
+        <a:alpha val="90000"/>
+      </a:schemeClr>
+    </dgm:fillClrLst>
+    <dgm:linClrLst meth="repeat">
+      <a:schemeClr val="accent1"/>
+    </dgm:linClrLst>
+    <dgm:effectClrLst/>
+    <dgm:txLinClrLst/>
+    <dgm:txFillClrLst meth="repeat">
+      <a:schemeClr val="dk1"/>
+    </dgm:txFillClrLst>
+    <dgm:txEffectClrLst/>
+  </dgm:styleLbl>
+  <dgm:styleLbl name="trAlignAcc1">
+    <dgm:fillClrLst meth="repeat">
+      <a:schemeClr val="lt1">
+        <a:alpha val="40000"/>
+      </a:schemeClr>
+    </dgm:fillClrLst>
+    <dgm:linClrLst meth="repeat">
+      <a:schemeClr val="accent1"/>
+    </dgm:linClrLst>
+    <dgm:effectClrLst/>
+    <dgm:txLinClrLst/>
+    <dgm:txFillClrLst meth="repeat">
+      <a:schemeClr val="dk1"/>
+    </dgm:txFillClrLst>
+    <dgm:txEffectClrLst/>
+  </dgm:styleLbl>
+  <dgm:styleLbl name="bgAcc1">
+    <dgm:fillClrLst meth="repeat">
+      <a:schemeClr val="lt1">
+        <a:alpha val="90000"/>
+      </a:schemeClr>
+    </dgm:fillClrLst>
+    <dgm:linClrLst meth="repeat">
+      <a:schemeClr val="accent1"/>
+    </dgm:linClrLst>
+    <dgm:effectClrLst/>
+    <dgm:txLinClrLst/>
+    <dgm:txFillClrLst meth="repeat">
+      <a:schemeClr val="dk1"/>
+    </dgm:txFillClrLst>
+    <dgm:txEffectClrLst/>
+  </dgm:styleLbl>
+  <dgm:styleLbl name="solidFgAcc1">
+    <dgm:fillClrLst meth="repeat">
+      <a:schemeClr val="lt1"/>
+    </dgm:fillClrLst>
+    <dgm:linClrLst meth="repeat">
+      <a:schemeClr val="accent1"/>
+    </dgm:linClrLst>
+    <dgm:effectClrLst/>
+    <dgm:txLinClrLst/>
+    <dgm:txFillClrLst meth="repeat">
+      <a:schemeClr val="dk1"/>
+    </dgm:txFillClrLst>
+    <dgm:txEffectClrLst/>
+  </dgm:styleLbl>
+  <dgm:styleLbl name="solidAlignAcc1">
+    <dgm:fillClrLst meth="repeat">
+      <a:schemeClr val="lt1"/>
+    </dgm:fillClrLst>
+    <dgm:linClrLst meth="repeat">
+      <a:schemeClr val="accent1"/>
+    </dgm:linClrLst>
+    <dgm:effectClrLst/>
+    <dgm:txLinClrLst/>
+    <dgm:txFillClrLst meth="repeat">
+      <a:schemeClr val="dk1"/>
+    </dgm:txFillClrLst>
+    <dgm:txEffectClrLst/>
+  </dgm:styleLbl>
+  <dgm:styleLbl name="solidBgAcc1">
+    <dgm:fillClrLst meth="repeat">
+      <a:schemeClr val="lt1"/>
+    </dgm:fillClrLst>
+    <dgm:linClrLst meth="repeat">
+      <a:schemeClr val="accent1"/>
+    </dgm:linClrLst>
+    <dgm:effectClrLst/>
+    <dgm:txLinClrLst/>
+    <dgm:txFillClrLst meth="repeat">
+      <a:schemeClr val="dk1"/>
+    </dgm:txFillClrLst>
+    <dgm:txEffectClrLst/>
+  </dgm:styleLbl>
+  <dgm:styleLbl name="fgAccFollowNode1">
+    <dgm:fillClrLst meth="repeat">
+      <a:schemeClr val="accent1">
+        <a:alpha val="90000"/>
+        <a:tint val="40000"/>
+      </a:schemeClr>
+    </dgm:fillClrLst>
+    <dgm:linClrLst meth="repeat">
+      <a:schemeClr val="accent1">
+        <a:alpha val="90000"/>
+        <a:tint val="40000"/>
+      </a:schemeClr>
+    </dgm:linClrLst>
+    <dgm:effectClrLst/>
+    <dgm:txLinClrLst/>
+    <dgm:txFillClrLst meth="repeat">
+      <a:schemeClr val="dk1"/>
+    </dgm:txFillClrLst>
+    <dgm:txEffectClrLst/>
+  </dgm:styleLbl>
+  <dgm:styleLbl name="alignAccFollowNode1">
+    <dgm:fillClrLst meth="repeat">
+      <a:schemeClr val="accent1">
+        <a:alpha val="90000"/>
+        <a:tint val="40000"/>
+      </a:schemeClr>
+    </dgm:fillClrLst>
+    <dgm:linClrLst meth="repeat">
+      <a:schemeClr val="accent1">
+        <a:alpha val="90000"/>
+        <a:tint val="40000"/>
+      </a:schemeClr>
+    </dgm:linClrLst>
+    <dgm:effectClrLst/>
+    <dgm:txLinClrLst/>
+    <dgm:txFillClrLst meth="repeat">
+      <a:schemeClr val="dk1"/>
+    </dgm:txFillClrLst>
+    <dgm:txEffectClrLst/>
+  </dgm:styleLbl>
+  <dgm:styleLbl name="bgAccFollowNode1">
+    <dgm:fillClrLst meth="repeat">
+      <a:schemeClr val="accent1">
+        <a:alpha val="90000"/>
+        <a:tint val="40000"/>
+      </a:schemeClr>
+    </dgm:fillClrLst>
+    <dgm:linClrLst meth="repeat">
+      <a:schemeClr val="accent1">
+        <a:alpha val="90000"/>
+        <a:tint val="40000"/>
+      </a:schemeClr>
+    </dgm:linClrLst>
+    <dgm:effectClrLst/>
+    <dgm:txLinClrLst/>
+    <dgm:txFillClrLst meth="repeat">
+      <a:schemeClr val="dk1"/>
+    </dgm:txFillClrLst>
+    <dgm:txEffectClrLst/>
+  </dgm:styleLbl>
+  <dgm:styleLbl name="fgAcc0">
+    <dgm:fillClrLst meth="repeat">
+      <a:schemeClr val="lt1">
+        <a:alpha val="90000"/>
+      </a:schemeClr>
+    </dgm:fillClrLst>
+    <dgm:linClrLst meth="repeat">
+      <a:schemeClr val="accent1"/>
+    </dgm:linClrLst>
+    <dgm:effectClrLst/>
+    <dgm:txLinClrLst/>
+    <dgm:txFillClrLst meth="repeat">
+      <a:schemeClr val="dk1"/>
+    </dgm:txFillClrLst>
+    <dgm:txEffectClrLst/>
+  </dgm:styleLbl>
+  <dgm:styleLbl name="fgAcc2">
+    <dgm:fillClrLst meth="repeat">
+      <a:schemeClr val="lt1">
+        <a:alpha val="90000"/>
+      </a:schemeClr>
+    </dgm:fillClrLst>
+    <dgm:linClrLst meth="repeat">
+      <a:schemeClr val="accent1"/>
+    </dgm:linClrLst>
+    <dgm:effectClrLst/>
+    <dgm:txLinClrLst/>
+    <dgm:txFillClrLst meth="repeat">
+      <a:schemeClr val="dk1"/>
+    </dgm:txFillClrLst>
+    <dgm:txEffectClrLst/>
+  </dgm:styleLbl>
+  <dgm:styleLbl name="fgAcc3">
+    <dgm:fillClrLst meth="repeat">
+      <a:schemeClr val="lt1">
+        <a:alpha val="90000"/>
+      </a:schemeClr>
+    </dgm:fillClrLst>
+    <dgm:linClrLst meth="repeat">
+      <a:schemeClr val="accent1"/>
+    </dgm:linClrLst>
+    <dgm:effectClrLst/>
+    <dgm:txLinClrLst/>
+    <dgm:txFillClrLst meth="repeat">
+      <a:schemeClr val="dk1"/>
+    </dgm:txFillClrLst>
+    <dgm:txEffectClrLst/>
+  </dgm:styleLbl>
+  <dgm:styleLbl name="fgAcc4">
+    <dgm:fillClrLst meth="repeat">
+      <a:schemeClr val="lt1">
+        <a:alpha val="90000"/>
+      </a:schemeClr>
+    </dgm:fillClrLst>
+    <dgm:linClrLst meth="repeat">
+      <a:schemeClr val="accent1"/>
+    </dgm:linClrLst>
+    <dgm:effectClrLst/>
+    <dgm:txLinClrLst/>
+    <dgm:txFillClrLst meth="repeat">
+      <a:schemeClr val="dk1"/>
+    </dgm:txFillClrLst>
+    <dgm:txEffectClrLst/>
+  </dgm:styleLbl>
+  <dgm:styleLbl name="bgShp">
+    <dgm:fillClrLst meth="repeat">
+      <a:schemeClr val="accent1">
+        <a:tint val="40000"/>
+      </a:schemeClr>
+    </dgm:fillClrLst>
+    <dgm:linClrLst meth="repeat">
+      <a:schemeClr val="accent1"/>
+    </dgm:linClrLst>
+    <dgm:effectClrLst/>
+    <dgm:txLinClrLst/>
+    <dgm:txFillClrLst meth="repeat">
+      <a:schemeClr val="dk1"/>
+    </dgm:txFillClrLst>
+    <dgm:txEffectClrLst/>
+  </dgm:styleLbl>
+  <dgm:styleLbl name="dkBgShp">
+    <dgm:fillClrLst meth="repeat">
+      <a:schemeClr val="accent1">
+        <a:shade val="80000"/>
+      </a:schemeClr>
+    </dgm:fillClrLst>
+    <dgm:linClrLst meth="repeat">
+      <a:schemeClr val="accent1"/>
+    </dgm:linClrLst>
+    <dgm:effectClrLst/>
+    <dgm:txLinClrLst/>
+    <dgm:txFillClrLst meth="repeat">
+      <a:schemeClr val="lt1"/>
+    </dgm:txFillClrLst>
+    <dgm:txEffectClrLst/>
+  </dgm:styleLbl>
+  <dgm:styleLbl name="trBgShp">
+    <dgm:fillClrLst meth="repeat">
+      <a:schemeClr val="accent1">
+        <a:tint val="50000"/>
+        <a:alpha val="40000"/>
+      </a:schemeClr>
+    </dgm:fillClrLst>
+    <dgm:linClrLst meth="repeat">
+      <a:schemeClr val="accent1"/>
+    </dgm:linClrLst>
+    <dgm:effectClrLst/>
+    <dgm:txLinClrLst/>
+    <dgm:txFillClrLst meth="repeat">
+      <a:schemeClr val="lt1"/>
+    </dgm:txFillClrLst>
+    <dgm:txEffectClrLst/>
+  </dgm:styleLbl>
+  <dgm:styleLbl name="fgShp">
+    <dgm:fillClrLst meth="repeat">
+      <a:schemeClr val="accent1">
+        <a:tint val="60000"/>
+      </a:schemeClr>
+    </dgm:fillClrLst>
+    <dgm:linClrLst meth="repeat">
+      <a:schemeClr val="lt1"/>
+    </dgm:linClrLst>
+    <dgm:effectClrLst/>
+    <dgm:txLinClrLst/>
+    <dgm:txFillClrLst meth="repeat">
+      <a:schemeClr val="dk1"/>
+    </dgm:txFillClrLst>
+    <dgm:txEffectClrLst/>
+  </dgm:styleLbl>
+  <dgm:styleLbl name="revTx">
+    <dgm:fillClrLst meth="repeat">
+      <a:schemeClr val="lt1">
+        <a:alpha val="0"/>
+      </a:schemeClr>
+    </dgm:fillClrLst>
+    <dgm:linClrLst meth="repeat">
+      <a:schemeClr val="dk1">
+        <a:alpha val="0"/>
+      </a:schemeClr>
+    </dgm:linClrLst>
+    <dgm:effectClrLst/>
+    <dgm:txLinClrLst/>
+    <dgm:txFillClrLst meth="repeat">
+      <a:schemeClr val="tx1"/>
+    </dgm:txFillClrLst>
+    <dgm:txEffectClrLst/>
+  </dgm:styleLbl>
+</dgm:colorsDef>
+</file>
+
 <file path=ppt/diagrams/data1.xml><?xml version="1.0" encoding="utf-8"?>
 <dgm:dataModel xmlns:dgm="http://schemas.openxmlformats.org/drawingml/2006/diagram" xmlns:a="http://schemas.openxmlformats.org/drawingml/2006/main">
   <dgm:ptLst>
@@ -1348,6 +2096,358 @@
 </dgm:dataModel>
 </file>
 
+<file path=ppt/diagrams/data2.xml><?xml version="1.0" encoding="utf-8"?>
+<dgm:dataModel xmlns:dgm="http://schemas.openxmlformats.org/drawingml/2006/diagram" xmlns:a="http://schemas.openxmlformats.org/drawingml/2006/main">
+  <dgm:ptLst>
+    <dgm:pt modelId="{0F20D2AA-4066-4663-AB80-40EC17FC28E6}" type="doc">
+      <dgm:prSet loTypeId="urn:microsoft.com/office/officeart/2005/8/layout/pyramid2" loCatId="pyramid" qsTypeId="urn:microsoft.com/office/officeart/2005/8/quickstyle/simple2" qsCatId="simple" csTypeId="urn:microsoft.com/office/officeart/2005/8/colors/accent1_2" csCatId="accent1" phldr="1"/>
+      <dgm:spPr/>
+    </dgm:pt>
+    <dgm:pt modelId="{16305A7A-C098-475F-BA92-4D7C203E13BA}">
+      <dgm:prSet phldrT="[Text]"/>
+      <dgm:spPr/>
+      <dgm:t>
+        <a:bodyPr/>
+        <a:lstStyle/>
+        <a:p>
+          <a:r>
+            <a:rPr lang="en-US" dirty="0"/>
+            <a:t>L6: Create</a:t>
+          </a:r>
+        </a:p>
+      </dgm:t>
+    </dgm:pt>
+    <dgm:pt modelId="{403A0554-4398-45BD-B59E-7708BA89F224}" type="parTrans" cxnId="{6BCB7E6F-C4FC-4C31-BFC6-52175BD67C15}">
+      <dgm:prSet/>
+      <dgm:spPr/>
+      <dgm:t>
+        <a:bodyPr/>
+        <a:lstStyle/>
+        <a:p>
+          <a:endParaRPr lang="en-US"/>
+        </a:p>
+      </dgm:t>
+    </dgm:pt>
+    <dgm:pt modelId="{AC99CCF8-7FFE-40B7-842E-35DB4D2C7204}" type="sibTrans" cxnId="{6BCB7E6F-C4FC-4C31-BFC6-52175BD67C15}">
+      <dgm:prSet/>
+      <dgm:spPr/>
+      <dgm:t>
+        <a:bodyPr/>
+        <a:lstStyle/>
+        <a:p>
+          <a:endParaRPr lang="en-US"/>
+        </a:p>
+      </dgm:t>
+    </dgm:pt>
+    <dgm:pt modelId="{85ADCD9E-B930-406D-83FB-82059C9CB8D5}">
+      <dgm:prSet phldrT="[Text]"/>
+      <dgm:spPr/>
+      <dgm:t>
+        <a:bodyPr/>
+        <a:lstStyle/>
+        <a:p>
+          <a:r>
+            <a:rPr lang="en-US" dirty="0"/>
+            <a:t>L5: Evaluate</a:t>
+          </a:r>
+        </a:p>
+      </dgm:t>
+    </dgm:pt>
+    <dgm:pt modelId="{B8DED261-EEA6-4855-8ED5-E3E0456C0C43}" type="parTrans" cxnId="{739D30F6-386F-4670-99F8-A5CB53CDC35C}">
+      <dgm:prSet/>
+      <dgm:spPr/>
+      <dgm:t>
+        <a:bodyPr/>
+        <a:lstStyle/>
+        <a:p>
+          <a:endParaRPr lang="en-US"/>
+        </a:p>
+      </dgm:t>
+    </dgm:pt>
+    <dgm:pt modelId="{12EFD575-94D4-4731-B469-3AD88893B9B4}" type="sibTrans" cxnId="{739D30F6-386F-4670-99F8-A5CB53CDC35C}">
+      <dgm:prSet/>
+      <dgm:spPr/>
+      <dgm:t>
+        <a:bodyPr/>
+        <a:lstStyle/>
+        <a:p>
+          <a:endParaRPr lang="en-US"/>
+        </a:p>
+      </dgm:t>
+    </dgm:pt>
+    <dgm:pt modelId="{BB077420-5AD4-4B84-B9C4-4C4BBE8CC3D2}">
+      <dgm:prSet phldrT="[Text]"/>
+      <dgm:spPr/>
+      <dgm:t>
+        <a:bodyPr/>
+        <a:lstStyle/>
+        <a:p>
+          <a:r>
+            <a:rPr lang="en-US" dirty="0"/>
+            <a:t>L4: Analyze</a:t>
+          </a:r>
+        </a:p>
+      </dgm:t>
+    </dgm:pt>
+    <dgm:pt modelId="{4C1ED06F-C86B-45D7-9D60-D4E8C91659F9}" type="parTrans" cxnId="{F23BBEBE-1F11-4BD3-89BE-6A27A6874E9E}">
+      <dgm:prSet/>
+      <dgm:spPr/>
+      <dgm:t>
+        <a:bodyPr/>
+        <a:lstStyle/>
+        <a:p>
+          <a:endParaRPr lang="en-US"/>
+        </a:p>
+      </dgm:t>
+    </dgm:pt>
+    <dgm:pt modelId="{94099FE9-BB95-44DF-BA52-8A2559489BF2}" type="sibTrans" cxnId="{F23BBEBE-1F11-4BD3-89BE-6A27A6874E9E}">
+      <dgm:prSet/>
+      <dgm:spPr/>
+      <dgm:t>
+        <a:bodyPr/>
+        <a:lstStyle/>
+        <a:p>
+          <a:endParaRPr lang="en-US"/>
+        </a:p>
+      </dgm:t>
+    </dgm:pt>
+    <dgm:pt modelId="{B723135B-3167-4163-BF1D-069E67ADC84B}">
+      <dgm:prSet phldrT="[Text]"/>
+      <dgm:spPr/>
+      <dgm:t>
+        <a:bodyPr/>
+        <a:lstStyle/>
+        <a:p>
+          <a:r>
+            <a:rPr lang="en-US" dirty="0"/>
+            <a:t>L3: Apply</a:t>
+          </a:r>
+        </a:p>
+      </dgm:t>
+    </dgm:pt>
+    <dgm:pt modelId="{A67A4EE5-22F9-4B97-8752-820C7E5B1419}" type="parTrans" cxnId="{0DA7B371-051A-4630-9656-5A3BAC8C0504}">
+      <dgm:prSet/>
+      <dgm:spPr/>
+      <dgm:t>
+        <a:bodyPr/>
+        <a:lstStyle/>
+        <a:p>
+          <a:endParaRPr lang="en-US"/>
+        </a:p>
+      </dgm:t>
+    </dgm:pt>
+    <dgm:pt modelId="{E8CA0983-77B7-4815-ABE0-BC446E5D2027}" type="sibTrans" cxnId="{0DA7B371-051A-4630-9656-5A3BAC8C0504}">
+      <dgm:prSet/>
+      <dgm:spPr/>
+      <dgm:t>
+        <a:bodyPr/>
+        <a:lstStyle/>
+        <a:p>
+          <a:endParaRPr lang="en-US"/>
+        </a:p>
+      </dgm:t>
+    </dgm:pt>
+    <dgm:pt modelId="{94E882B7-ADC6-48F6-A250-6F74EDA6F45A}">
+      <dgm:prSet phldrT="[Text]"/>
+      <dgm:spPr/>
+      <dgm:t>
+        <a:bodyPr/>
+        <a:lstStyle/>
+        <a:p>
+          <a:r>
+            <a:rPr lang="en-US" dirty="0"/>
+            <a:t>L2: Understand</a:t>
+          </a:r>
+        </a:p>
+      </dgm:t>
+    </dgm:pt>
+    <dgm:pt modelId="{A7AF605D-C50D-4451-9E47-35C232EAF1D7}" type="parTrans" cxnId="{E043FCAB-DD01-4A0E-9BF4-14DC31F81189}">
+      <dgm:prSet/>
+      <dgm:spPr/>
+      <dgm:t>
+        <a:bodyPr/>
+        <a:lstStyle/>
+        <a:p>
+          <a:endParaRPr lang="en-US"/>
+        </a:p>
+      </dgm:t>
+    </dgm:pt>
+    <dgm:pt modelId="{22B4FA80-B1C1-45C6-89A6-13DD7D4C8FD8}" type="sibTrans" cxnId="{E043FCAB-DD01-4A0E-9BF4-14DC31F81189}">
+      <dgm:prSet/>
+      <dgm:spPr/>
+      <dgm:t>
+        <a:bodyPr/>
+        <a:lstStyle/>
+        <a:p>
+          <a:endParaRPr lang="en-US"/>
+        </a:p>
+      </dgm:t>
+    </dgm:pt>
+    <dgm:pt modelId="{8ED825CA-E86A-441C-8811-A8A51229E39D}">
+      <dgm:prSet phldrT="[Text]"/>
+      <dgm:spPr/>
+      <dgm:t>
+        <a:bodyPr/>
+        <a:lstStyle/>
+        <a:p>
+          <a:r>
+            <a:rPr lang="en-US" dirty="0"/>
+            <a:t>L1: Remember</a:t>
+          </a:r>
+        </a:p>
+      </dgm:t>
+    </dgm:pt>
+    <dgm:pt modelId="{9147FB09-C2C4-485A-AE4F-67C6321B6196}" type="parTrans" cxnId="{1DB7B9BA-619E-4D74-A50A-C612612D61CB}">
+      <dgm:prSet/>
+      <dgm:spPr/>
+      <dgm:t>
+        <a:bodyPr/>
+        <a:lstStyle/>
+        <a:p>
+          <a:endParaRPr lang="en-US"/>
+        </a:p>
+      </dgm:t>
+    </dgm:pt>
+    <dgm:pt modelId="{5DA09636-82E2-4FFB-9B05-A28E815DFAF4}" type="sibTrans" cxnId="{1DB7B9BA-619E-4D74-A50A-C612612D61CB}">
+      <dgm:prSet/>
+      <dgm:spPr/>
+      <dgm:t>
+        <a:bodyPr/>
+        <a:lstStyle/>
+        <a:p>
+          <a:endParaRPr lang="en-US"/>
+        </a:p>
+      </dgm:t>
+    </dgm:pt>
+    <dgm:pt modelId="{DC70F53C-803E-477D-B133-CFE750934BE5}" type="pres">
+      <dgm:prSet presAssocID="{0F20D2AA-4066-4663-AB80-40EC17FC28E6}" presName="compositeShape" presStyleCnt="0">
+        <dgm:presLayoutVars>
+          <dgm:dir/>
+          <dgm:resizeHandles/>
+        </dgm:presLayoutVars>
+      </dgm:prSet>
+      <dgm:spPr/>
+    </dgm:pt>
+    <dgm:pt modelId="{36902AB2-14CE-4E35-98C9-2DC558507B70}" type="pres">
+      <dgm:prSet presAssocID="{0F20D2AA-4066-4663-AB80-40EC17FC28E6}" presName="pyramid" presStyleLbl="node1" presStyleIdx="0" presStyleCnt="1"/>
+      <dgm:spPr/>
+    </dgm:pt>
+    <dgm:pt modelId="{095512E9-243B-439C-A7F5-C22869FF42A7}" type="pres">
+      <dgm:prSet presAssocID="{0F20D2AA-4066-4663-AB80-40EC17FC28E6}" presName="theList" presStyleCnt="0"/>
+      <dgm:spPr/>
+    </dgm:pt>
+    <dgm:pt modelId="{02FD7B42-B9BE-4A18-95F1-E172FAAF5145}" type="pres">
+      <dgm:prSet presAssocID="{16305A7A-C098-475F-BA92-4D7C203E13BA}" presName="aNode" presStyleLbl="fgAcc1" presStyleIdx="0" presStyleCnt="6">
+        <dgm:presLayoutVars>
+          <dgm:bulletEnabled val="1"/>
+        </dgm:presLayoutVars>
+      </dgm:prSet>
+      <dgm:spPr/>
+    </dgm:pt>
+    <dgm:pt modelId="{9B8486D1-62E7-48CD-BCCD-E084B147FAF3}" type="pres">
+      <dgm:prSet presAssocID="{16305A7A-C098-475F-BA92-4D7C203E13BA}" presName="aSpace" presStyleCnt="0"/>
+      <dgm:spPr/>
+    </dgm:pt>
+    <dgm:pt modelId="{FE4711DB-D472-401B-A881-7C284A57E99A}" type="pres">
+      <dgm:prSet presAssocID="{85ADCD9E-B930-406D-83FB-82059C9CB8D5}" presName="aNode" presStyleLbl="fgAcc1" presStyleIdx="1" presStyleCnt="6">
+        <dgm:presLayoutVars>
+          <dgm:bulletEnabled val="1"/>
+        </dgm:presLayoutVars>
+      </dgm:prSet>
+      <dgm:spPr/>
+    </dgm:pt>
+    <dgm:pt modelId="{9D33153C-626F-4A7A-9613-1D9ACF04E41D}" type="pres">
+      <dgm:prSet presAssocID="{85ADCD9E-B930-406D-83FB-82059C9CB8D5}" presName="aSpace" presStyleCnt="0"/>
+      <dgm:spPr/>
+    </dgm:pt>
+    <dgm:pt modelId="{D265AD8E-444F-49AF-AE99-EFD0080EDD71}" type="pres">
+      <dgm:prSet presAssocID="{BB077420-5AD4-4B84-B9C4-4C4BBE8CC3D2}" presName="aNode" presStyleLbl="fgAcc1" presStyleIdx="2" presStyleCnt="6">
+        <dgm:presLayoutVars>
+          <dgm:bulletEnabled val="1"/>
+        </dgm:presLayoutVars>
+      </dgm:prSet>
+      <dgm:spPr/>
+    </dgm:pt>
+    <dgm:pt modelId="{4C237DD2-BD84-4247-9763-D5203A52FBC2}" type="pres">
+      <dgm:prSet presAssocID="{BB077420-5AD4-4B84-B9C4-4C4BBE8CC3D2}" presName="aSpace" presStyleCnt="0"/>
+      <dgm:spPr/>
+    </dgm:pt>
+    <dgm:pt modelId="{3DDFA729-395A-44BB-BF72-DBD95275CE43}" type="pres">
+      <dgm:prSet presAssocID="{B723135B-3167-4163-BF1D-069E67ADC84B}" presName="aNode" presStyleLbl="fgAcc1" presStyleIdx="3" presStyleCnt="6">
+        <dgm:presLayoutVars>
+          <dgm:bulletEnabled val="1"/>
+        </dgm:presLayoutVars>
+      </dgm:prSet>
+      <dgm:spPr/>
+    </dgm:pt>
+    <dgm:pt modelId="{D6CE2C47-3806-4678-B5AF-65CC5D42BEDE}" type="pres">
+      <dgm:prSet presAssocID="{B723135B-3167-4163-BF1D-069E67ADC84B}" presName="aSpace" presStyleCnt="0"/>
+      <dgm:spPr/>
+    </dgm:pt>
+    <dgm:pt modelId="{49F87DA2-B31C-475B-92A9-4DEA5E52556B}" type="pres">
+      <dgm:prSet presAssocID="{94E882B7-ADC6-48F6-A250-6F74EDA6F45A}" presName="aNode" presStyleLbl="fgAcc1" presStyleIdx="4" presStyleCnt="6">
+        <dgm:presLayoutVars>
+          <dgm:bulletEnabled val="1"/>
+        </dgm:presLayoutVars>
+      </dgm:prSet>
+      <dgm:spPr/>
+    </dgm:pt>
+    <dgm:pt modelId="{D7722D2D-E529-4E75-A671-59260CE6998D}" type="pres">
+      <dgm:prSet presAssocID="{94E882B7-ADC6-48F6-A250-6F74EDA6F45A}" presName="aSpace" presStyleCnt="0"/>
+      <dgm:spPr/>
+    </dgm:pt>
+    <dgm:pt modelId="{257A12F6-3E2F-4B15-94DC-C8568AC0916B}" type="pres">
+      <dgm:prSet presAssocID="{8ED825CA-E86A-441C-8811-A8A51229E39D}" presName="aNode" presStyleLbl="fgAcc1" presStyleIdx="5" presStyleCnt="6">
+        <dgm:presLayoutVars>
+          <dgm:bulletEnabled val="1"/>
+        </dgm:presLayoutVars>
+      </dgm:prSet>
+      <dgm:spPr/>
+    </dgm:pt>
+    <dgm:pt modelId="{9D162DE1-EE51-49A3-A5EE-57E61580E5E3}" type="pres">
+      <dgm:prSet presAssocID="{8ED825CA-E86A-441C-8811-A8A51229E39D}" presName="aSpace" presStyleCnt="0"/>
+      <dgm:spPr/>
+    </dgm:pt>
+  </dgm:ptLst>
+  <dgm:cxnLst>
+    <dgm:cxn modelId="{8EB6E10D-C14C-41AE-9D57-B75A9BFE0E7C}" type="presOf" srcId="{B723135B-3167-4163-BF1D-069E67ADC84B}" destId="{3DDFA729-395A-44BB-BF72-DBD95275CE43}" srcOrd="0" destOrd="0" presId="urn:microsoft.com/office/officeart/2005/8/layout/pyramid2"/>
+    <dgm:cxn modelId="{EE781D60-2AEB-4B79-9B73-EC6F1F43915E}" type="presOf" srcId="{8ED825CA-E86A-441C-8811-A8A51229E39D}" destId="{257A12F6-3E2F-4B15-94DC-C8568AC0916B}" srcOrd="0" destOrd="0" presId="urn:microsoft.com/office/officeart/2005/8/layout/pyramid2"/>
+    <dgm:cxn modelId="{BAEFCF61-093A-474A-A82B-9CAA32E15DCF}" type="presOf" srcId="{94E882B7-ADC6-48F6-A250-6F74EDA6F45A}" destId="{49F87DA2-B31C-475B-92A9-4DEA5E52556B}" srcOrd="0" destOrd="0" presId="urn:microsoft.com/office/officeart/2005/8/layout/pyramid2"/>
+    <dgm:cxn modelId="{6BCB7E6F-C4FC-4C31-BFC6-52175BD67C15}" srcId="{0F20D2AA-4066-4663-AB80-40EC17FC28E6}" destId="{16305A7A-C098-475F-BA92-4D7C203E13BA}" srcOrd="0" destOrd="0" parTransId="{403A0554-4398-45BD-B59E-7708BA89F224}" sibTransId="{AC99CCF8-7FFE-40B7-842E-35DB4D2C7204}"/>
+    <dgm:cxn modelId="{0DA7B371-051A-4630-9656-5A3BAC8C0504}" srcId="{0F20D2AA-4066-4663-AB80-40EC17FC28E6}" destId="{B723135B-3167-4163-BF1D-069E67ADC84B}" srcOrd="3" destOrd="0" parTransId="{A67A4EE5-22F9-4B97-8752-820C7E5B1419}" sibTransId="{E8CA0983-77B7-4815-ABE0-BC446E5D2027}"/>
+    <dgm:cxn modelId="{E043FCAB-DD01-4A0E-9BF4-14DC31F81189}" srcId="{0F20D2AA-4066-4663-AB80-40EC17FC28E6}" destId="{94E882B7-ADC6-48F6-A250-6F74EDA6F45A}" srcOrd="4" destOrd="0" parTransId="{A7AF605D-C50D-4451-9E47-35C232EAF1D7}" sibTransId="{22B4FA80-B1C1-45C6-89A6-13DD7D4C8FD8}"/>
+    <dgm:cxn modelId="{091C31B7-1CD3-4D14-A70F-ADDDDDC1CAB6}" type="presOf" srcId="{85ADCD9E-B930-406D-83FB-82059C9CB8D5}" destId="{FE4711DB-D472-401B-A881-7C284A57E99A}" srcOrd="0" destOrd="0" presId="urn:microsoft.com/office/officeart/2005/8/layout/pyramid2"/>
+    <dgm:cxn modelId="{1DB7B9BA-619E-4D74-A50A-C612612D61CB}" srcId="{0F20D2AA-4066-4663-AB80-40EC17FC28E6}" destId="{8ED825CA-E86A-441C-8811-A8A51229E39D}" srcOrd="5" destOrd="0" parTransId="{9147FB09-C2C4-485A-AE4F-67C6321B6196}" sibTransId="{5DA09636-82E2-4FFB-9B05-A28E815DFAF4}"/>
+    <dgm:cxn modelId="{F23BBEBE-1F11-4BD3-89BE-6A27A6874E9E}" srcId="{0F20D2AA-4066-4663-AB80-40EC17FC28E6}" destId="{BB077420-5AD4-4B84-B9C4-4C4BBE8CC3D2}" srcOrd="2" destOrd="0" parTransId="{4C1ED06F-C86B-45D7-9D60-D4E8C91659F9}" sibTransId="{94099FE9-BB95-44DF-BA52-8A2559489BF2}"/>
+    <dgm:cxn modelId="{68791CD3-AB10-42CD-9E79-C85C326A1BFB}" type="presOf" srcId="{0F20D2AA-4066-4663-AB80-40EC17FC28E6}" destId="{DC70F53C-803E-477D-B133-CFE750934BE5}" srcOrd="0" destOrd="0" presId="urn:microsoft.com/office/officeart/2005/8/layout/pyramid2"/>
+    <dgm:cxn modelId="{7D1773D8-3199-49EA-ABD3-98973CC4DF74}" type="presOf" srcId="{BB077420-5AD4-4B84-B9C4-4C4BBE8CC3D2}" destId="{D265AD8E-444F-49AF-AE99-EFD0080EDD71}" srcOrd="0" destOrd="0" presId="urn:microsoft.com/office/officeart/2005/8/layout/pyramid2"/>
+    <dgm:cxn modelId="{092543DA-26A2-4754-AAA2-64ED39DA27D2}" type="presOf" srcId="{16305A7A-C098-475F-BA92-4D7C203E13BA}" destId="{02FD7B42-B9BE-4A18-95F1-E172FAAF5145}" srcOrd="0" destOrd="0" presId="urn:microsoft.com/office/officeart/2005/8/layout/pyramid2"/>
+    <dgm:cxn modelId="{739D30F6-386F-4670-99F8-A5CB53CDC35C}" srcId="{0F20D2AA-4066-4663-AB80-40EC17FC28E6}" destId="{85ADCD9E-B930-406D-83FB-82059C9CB8D5}" srcOrd="1" destOrd="0" parTransId="{B8DED261-EEA6-4855-8ED5-E3E0456C0C43}" sibTransId="{12EFD575-94D4-4731-B469-3AD88893B9B4}"/>
+    <dgm:cxn modelId="{8F12FF24-01BC-4654-9C20-967009BA6C9D}" type="presParOf" srcId="{DC70F53C-803E-477D-B133-CFE750934BE5}" destId="{36902AB2-14CE-4E35-98C9-2DC558507B70}" srcOrd="0" destOrd="0" presId="urn:microsoft.com/office/officeart/2005/8/layout/pyramid2"/>
+    <dgm:cxn modelId="{6D101FE8-6574-4841-A09D-C34E73096BEC}" type="presParOf" srcId="{DC70F53C-803E-477D-B133-CFE750934BE5}" destId="{095512E9-243B-439C-A7F5-C22869FF42A7}" srcOrd="1" destOrd="0" presId="urn:microsoft.com/office/officeart/2005/8/layout/pyramid2"/>
+    <dgm:cxn modelId="{E347D158-7B59-40B5-B3BC-200786877A15}" type="presParOf" srcId="{095512E9-243B-439C-A7F5-C22869FF42A7}" destId="{02FD7B42-B9BE-4A18-95F1-E172FAAF5145}" srcOrd="0" destOrd="0" presId="urn:microsoft.com/office/officeart/2005/8/layout/pyramid2"/>
+    <dgm:cxn modelId="{8B3E4DD5-2391-40A1-9922-EFC9DD6391FB}" type="presParOf" srcId="{095512E9-243B-439C-A7F5-C22869FF42A7}" destId="{9B8486D1-62E7-48CD-BCCD-E084B147FAF3}" srcOrd="1" destOrd="0" presId="urn:microsoft.com/office/officeart/2005/8/layout/pyramid2"/>
+    <dgm:cxn modelId="{C9188D96-C132-4DC0-9956-0C4D71D157A6}" type="presParOf" srcId="{095512E9-243B-439C-A7F5-C22869FF42A7}" destId="{FE4711DB-D472-401B-A881-7C284A57E99A}" srcOrd="2" destOrd="0" presId="urn:microsoft.com/office/officeart/2005/8/layout/pyramid2"/>
+    <dgm:cxn modelId="{05D6F511-4C56-462C-84A5-4A352CAC01F4}" type="presParOf" srcId="{095512E9-243B-439C-A7F5-C22869FF42A7}" destId="{9D33153C-626F-4A7A-9613-1D9ACF04E41D}" srcOrd="3" destOrd="0" presId="urn:microsoft.com/office/officeart/2005/8/layout/pyramid2"/>
+    <dgm:cxn modelId="{4EAD4FBA-5120-43FA-8020-33F79B019262}" type="presParOf" srcId="{095512E9-243B-439C-A7F5-C22869FF42A7}" destId="{D265AD8E-444F-49AF-AE99-EFD0080EDD71}" srcOrd="4" destOrd="0" presId="urn:microsoft.com/office/officeart/2005/8/layout/pyramid2"/>
+    <dgm:cxn modelId="{CC764013-BD9B-4918-B5D3-C0645A02794A}" type="presParOf" srcId="{095512E9-243B-439C-A7F5-C22869FF42A7}" destId="{4C237DD2-BD84-4247-9763-D5203A52FBC2}" srcOrd="5" destOrd="0" presId="urn:microsoft.com/office/officeart/2005/8/layout/pyramid2"/>
+    <dgm:cxn modelId="{B44C39DD-D7CC-4295-B9FA-95ED7129DBF9}" type="presParOf" srcId="{095512E9-243B-439C-A7F5-C22869FF42A7}" destId="{3DDFA729-395A-44BB-BF72-DBD95275CE43}" srcOrd="6" destOrd="0" presId="urn:microsoft.com/office/officeart/2005/8/layout/pyramid2"/>
+    <dgm:cxn modelId="{00A4CED7-7E40-4EA2-AE0B-08C610B6BA4C}" type="presParOf" srcId="{095512E9-243B-439C-A7F5-C22869FF42A7}" destId="{D6CE2C47-3806-4678-B5AF-65CC5D42BEDE}" srcOrd="7" destOrd="0" presId="urn:microsoft.com/office/officeart/2005/8/layout/pyramid2"/>
+    <dgm:cxn modelId="{9E0EC4DD-F746-4182-B537-F811982932AA}" type="presParOf" srcId="{095512E9-243B-439C-A7F5-C22869FF42A7}" destId="{49F87DA2-B31C-475B-92A9-4DEA5E52556B}" srcOrd="8" destOrd="0" presId="urn:microsoft.com/office/officeart/2005/8/layout/pyramid2"/>
+    <dgm:cxn modelId="{CFDCE1FA-36A7-4D0C-8249-E607C2083330}" type="presParOf" srcId="{095512E9-243B-439C-A7F5-C22869FF42A7}" destId="{D7722D2D-E529-4E75-A671-59260CE6998D}" srcOrd="9" destOrd="0" presId="urn:microsoft.com/office/officeart/2005/8/layout/pyramid2"/>
+    <dgm:cxn modelId="{02389463-27A5-408A-9027-87019251BBBB}" type="presParOf" srcId="{095512E9-243B-439C-A7F5-C22869FF42A7}" destId="{257A12F6-3E2F-4B15-94DC-C8568AC0916B}" srcOrd="10" destOrd="0" presId="urn:microsoft.com/office/officeart/2005/8/layout/pyramid2"/>
+    <dgm:cxn modelId="{8994AC69-8DA2-44A2-A15A-D30E8F7886E3}" type="presParOf" srcId="{095512E9-243B-439C-A7F5-C22869FF42A7}" destId="{9D162DE1-EE51-49A3-A5EE-57E61580E5E3}" srcOrd="11" destOrd="0" presId="urn:microsoft.com/office/officeart/2005/8/layout/pyramid2"/>
+  </dgm:cxnLst>
+  <dgm:bg/>
+  <dgm:whole/>
+  <dgm:extLst>
+    <a:ext uri="http://schemas.microsoft.com/office/drawing/2008/diagram">
+      <dsp:dataModelExt xmlns:dsp="http://schemas.microsoft.com/office/drawing/2008/diagram" relId="rId6" minVer="http://schemas.openxmlformats.org/drawingml/2006/diagram"/>
+    </a:ext>
+  </dgm:extLst>
+</dgm:dataModel>
+</file>
+
 <file path=ppt/diagrams/drawing1.xml><?xml version="1.0" encoding="utf-8"?>
 <dsp:drawing xmlns:dgm="http://schemas.openxmlformats.org/drawingml/2006/diagram" xmlns:dsp="http://schemas.microsoft.com/office/drawing/2008/diagram" xmlns:a="http://schemas.openxmlformats.org/drawingml/2006/main">
   <dsp:spTree>
@@ -2149,6 +3249,530 @@
       <dsp:txXfrm>
         <a:off x="2854164" y="1420635"/>
         <a:ext cx="305286" cy="331112"/>
+      </dsp:txXfrm>
+    </dsp:sp>
+  </dsp:spTree>
+</dsp:drawing>
+</file>
+
+<file path=ppt/diagrams/drawing2.xml><?xml version="1.0" encoding="utf-8"?>
+<dsp:drawing xmlns:dgm="http://schemas.openxmlformats.org/drawingml/2006/diagram" xmlns:dsp="http://schemas.microsoft.com/office/drawing/2008/diagram" xmlns:a="http://schemas.openxmlformats.org/drawingml/2006/main">
+  <dsp:spTree>
+    <dsp:nvGrpSpPr>
+      <dsp:cNvPr id="0" name=""/>
+      <dsp:cNvGrpSpPr/>
+    </dsp:nvGrpSpPr>
+    <dsp:grpSpPr/>
+    <dsp:sp modelId="{36902AB2-14CE-4E35-98C9-2DC558507B70}">
+      <dsp:nvSpPr>
+        <dsp:cNvPr id="0" name=""/>
+        <dsp:cNvSpPr/>
+      </dsp:nvSpPr>
+      <dsp:spPr>
+        <a:xfrm>
+          <a:off x="529092" y="0"/>
+          <a:ext cx="4253948" cy="4253948"/>
+        </a:xfrm>
+        <a:prstGeom prst="triangle">
+          <a:avLst/>
+        </a:prstGeom>
+        <a:solidFill>
+          <a:schemeClr val="accent1">
+            <a:hueOff val="0"/>
+            <a:satOff val="0"/>
+            <a:lumOff val="0"/>
+            <a:alphaOff val="0"/>
+          </a:schemeClr>
+        </a:solidFill>
+        <a:ln w="19050" cap="flat" cmpd="sng" algn="ctr">
+          <a:solidFill>
+            <a:schemeClr val="lt1">
+              <a:hueOff val="0"/>
+              <a:satOff val="0"/>
+              <a:lumOff val="0"/>
+              <a:alphaOff val="0"/>
+            </a:schemeClr>
+          </a:solidFill>
+          <a:prstDash val="solid"/>
+          <a:miter lim="800000"/>
+        </a:ln>
+        <a:effectLst/>
+      </dsp:spPr>
+      <dsp:style>
+        <a:lnRef idx="3">
+          <a:scrgbClr r="0" g="0" b="0"/>
+        </a:lnRef>
+        <a:fillRef idx="1">
+          <a:scrgbClr r="0" g="0" b="0"/>
+        </a:fillRef>
+        <a:effectRef idx="1">
+          <a:scrgbClr r="0" g="0" b="0"/>
+        </a:effectRef>
+        <a:fontRef idx="minor">
+          <a:schemeClr val="lt1"/>
+        </a:fontRef>
+      </dsp:style>
+    </dsp:sp>
+    <dsp:sp modelId="{02FD7B42-B9BE-4A18-95F1-E172FAAF5145}">
+      <dsp:nvSpPr>
+        <dsp:cNvPr id="0" name=""/>
+        <dsp:cNvSpPr/>
+      </dsp:nvSpPr>
+      <dsp:spPr>
+        <a:xfrm>
+          <a:off x="2656066" y="427679"/>
+          <a:ext cx="2765066" cy="503494"/>
+        </a:xfrm>
+        <a:prstGeom prst="roundRect">
+          <a:avLst/>
+        </a:prstGeom>
+        <a:solidFill>
+          <a:schemeClr val="lt1">
+            <a:alpha val="90000"/>
+            <a:hueOff val="0"/>
+            <a:satOff val="0"/>
+            <a:lumOff val="0"/>
+            <a:alphaOff val="0"/>
+          </a:schemeClr>
+        </a:solidFill>
+        <a:ln w="12700" cap="flat" cmpd="sng" algn="ctr">
+          <a:solidFill>
+            <a:schemeClr val="accent1">
+              <a:hueOff val="0"/>
+              <a:satOff val="0"/>
+              <a:lumOff val="0"/>
+              <a:alphaOff val="0"/>
+            </a:schemeClr>
+          </a:solidFill>
+          <a:prstDash val="solid"/>
+          <a:miter lim="800000"/>
+        </a:ln>
+        <a:effectLst/>
+      </dsp:spPr>
+      <dsp:style>
+        <a:lnRef idx="2">
+          <a:scrgbClr r="0" g="0" b="0"/>
+        </a:lnRef>
+        <a:fillRef idx="1">
+          <a:scrgbClr r="0" g="0" b="0"/>
+        </a:fillRef>
+        <a:effectRef idx="0">
+          <a:scrgbClr r="0" g="0" b="0"/>
+        </a:effectRef>
+        <a:fontRef idx="minor"/>
+      </dsp:style>
+      <dsp:txBody>
+        <a:bodyPr spcFirstLastPara="0" vert="horz" wrap="square" lIns="80010" tIns="80010" rIns="80010" bIns="80010" numCol="1" spcCol="1270" anchor="ctr" anchorCtr="0">
+          <a:noAutofit/>
+        </a:bodyPr>
+        <a:lstStyle/>
+        <a:p>
+          <a:pPr marL="0" lvl="0" indent="0" algn="ctr" defTabSz="933450">
+            <a:lnSpc>
+              <a:spcPct val="90000"/>
+            </a:lnSpc>
+            <a:spcBef>
+              <a:spcPct val="0"/>
+            </a:spcBef>
+            <a:spcAft>
+              <a:spcPct val="35000"/>
+            </a:spcAft>
+            <a:buNone/>
+          </a:pPr>
+          <a:r>
+            <a:rPr lang="en-US" sz="2100" kern="1200" dirty="0"/>
+            <a:t>L6: Create</a:t>
+          </a:r>
+        </a:p>
+      </dsp:txBody>
+      <dsp:txXfrm>
+        <a:off x="2680645" y="452258"/>
+        <a:ext cx="2715908" cy="454336"/>
+      </dsp:txXfrm>
+    </dsp:sp>
+    <dsp:sp modelId="{FE4711DB-D472-401B-A881-7C284A57E99A}">
+      <dsp:nvSpPr>
+        <dsp:cNvPr id="0" name=""/>
+        <dsp:cNvSpPr/>
+      </dsp:nvSpPr>
+      <dsp:spPr>
+        <a:xfrm>
+          <a:off x="2656066" y="994111"/>
+          <a:ext cx="2765066" cy="503494"/>
+        </a:xfrm>
+        <a:prstGeom prst="roundRect">
+          <a:avLst/>
+        </a:prstGeom>
+        <a:solidFill>
+          <a:schemeClr val="lt1">
+            <a:alpha val="90000"/>
+            <a:hueOff val="0"/>
+            <a:satOff val="0"/>
+            <a:lumOff val="0"/>
+            <a:alphaOff val="0"/>
+          </a:schemeClr>
+        </a:solidFill>
+        <a:ln w="12700" cap="flat" cmpd="sng" algn="ctr">
+          <a:solidFill>
+            <a:schemeClr val="accent1">
+              <a:hueOff val="0"/>
+              <a:satOff val="0"/>
+              <a:lumOff val="0"/>
+              <a:alphaOff val="0"/>
+            </a:schemeClr>
+          </a:solidFill>
+          <a:prstDash val="solid"/>
+          <a:miter lim="800000"/>
+        </a:ln>
+        <a:effectLst/>
+      </dsp:spPr>
+      <dsp:style>
+        <a:lnRef idx="2">
+          <a:scrgbClr r="0" g="0" b="0"/>
+        </a:lnRef>
+        <a:fillRef idx="1">
+          <a:scrgbClr r="0" g="0" b="0"/>
+        </a:fillRef>
+        <a:effectRef idx="0">
+          <a:scrgbClr r="0" g="0" b="0"/>
+        </a:effectRef>
+        <a:fontRef idx="minor"/>
+      </dsp:style>
+      <dsp:txBody>
+        <a:bodyPr spcFirstLastPara="0" vert="horz" wrap="square" lIns="80010" tIns="80010" rIns="80010" bIns="80010" numCol="1" spcCol="1270" anchor="ctr" anchorCtr="0">
+          <a:noAutofit/>
+        </a:bodyPr>
+        <a:lstStyle/>
+        <a:p>
+          <a:pPr marL="0" lvl="0" indent="0" algn="ctr" defTabSz="933450">
+            <a:lnSpc>
+              <a:spcPct val="90000"/>
+            </a:lnSpc>
+            <a:spcBef>
+              <a:spcPct val="0"/>
+            </a:spcBef>
+            <a:spcAft>
+              <a:spcPct val="35000"/>
+            </a:spcAft>
+            <a:buNone/>
+          </a:pPr>
+          <a:r>
+            <a:rPr lang="en-US" sz="2100" kern="1200" dirty="0"/>
+            <a:t>L5: Evaluate</a:t>
+          </a:r>
+        </a:p>
+      </dsp:txBody>
+      <dsp:txXfrm>
+        <a:off x="2680645" y="1018690"/>
+        <a:ext cx="2715908" cy="454336"/>
+      </dsp:txXfrm>
+    </dsp:sp>
+    <dsp:sp modelId="{D265AD8E-444F-49AF-AE99-EFD0080EDD71}">
+      <dsp:nvSpPr>
+        <dsp:cNvPr id="0" name=""/>
+        <dsp:cNvSpPr/>
+      </dsp:nvSpPr>
+      <dsp:spPr>
+        <a:xfrm>
+          <a:off x="2656066" y="1560542"/>
+          <a:ext cx="2765066" cy="503494"/>
+        </a:xfrm>
+        <a:prstGeom prst="roundRect">
+          <a:avLst/>
+        </a:prstGeom>
+        <a:solidFill>
+          <a:schemeClr val="lt1">
+            <a:alpha val="90000"/>
+            <a:hueOff val="0"/>
+            <a:satOff val="0"/>
+            <a:lumOff val="0"/>
+            <a:alphaOff val="0"/>
+          </a:schemeClr>
+        </a:solidFill>
+        <a:ln w="12700" cap="flat" cmpd="sng" algn="ctr">
+          <a:solidFill>
+            <a:schemeClr val="accent1">
+              <a:hueOff val="0"/>
+              <a:satOff val="0"/>
+              <a:lumOff val="0"/>
+              <a:alphaOff val="0"/>
+            </a:schemeClr>
+          </a:solidFill>
+          <a:prstDash val="solid"/>
+          <a:miter lim="800000"/>
+        </a:ln>
+        <a:effectLst/>
+      </dsp:spPr>
+      <dsp:style>
+        <a:lnRef idx="2">
+          <a:scrgbClr r="0" g="0" b="0"/>
+        </a:lnRef>
+        <a:fillRef idx="1">
+          <a:scrgbClr r="0" g="0" b="0"/>
+        </a:fillRef>
+        <a:effectRef idx="0">
+          <a:scrgbClr r="0" g="0" b="0"/>
+        </a:effectRef>
+        <a:fontRef idx="minor"/>
+      </dsp:style>
+      <dsp:txBody>
+        <a:bodyPr spcFirstLastPara="0" vert="horz" wrap="square" lIns="80010" tIns="80010" rIns="80010" bIns="80010" numCol="1" spcCol="1270" anchor="ctr" anchorCtr="0">
+          <a:noAutofit/>
+        </a:bodyPr>
+        <a:lstStyle/>
+        <a:p>
+          <a:pPr marL="0" lvl="0" indent="0" algn="ctr" defTabSz="933450">
+            <a:lnSpc>
+              <a:spcPct val="90000"/>
+            </a:lnSpc>
+            <a:spcBef>
+              <a:spcPct val="0"/>
+            </a:spcBef>
+            <a:spcAft>
+              <a:spcPct val="35000"/>
+            </a:spcAft>
+            <a:buNone/>
+          </a:pPr>
+          <a:r>
+            <a:rPr lang="en-US" sz="2100" kern="1200" dirty="0"/>
+            <a:t>L4: Analyze</a:t>
+          </a:r>
+        </a:p>
+      </dsp:txBody>
+      <dsp:txXfrm>
+        <a:off x="2680645" y="1585121"/>
+        <a:ext cx="2715908" cy="454336"/>
+      </dsp:txXfrm>
+    </dsp:sp>
+    <dsp:sp modelId="{3DDFA729-395A-44BB-BF72-DBD95275CE43}">
+      <dsp:nvSpPr>
+        <dsp:cNvPr id="0" name=""/>
+        <dsp:cNvSpPr/>
+      </dsp:nvSpPr>
+      <dsp:spPr>
+        <a:xfrm>
+          <a:off x="2656066" y="2126973"/>
+          <a:ext cx="2765066" cy="503494"/>
+        </a:xfrm>
+        <a:prstGeom prst="roundRect">
+          <a:avLst/>
+        </a:prstGeom>
+        <a:solidFill>
+          <a:schemeClr val="lt1">
+            <a:alpha val="90000"/>
+            <a:hueOff val="0"/>
+            <a:satOff val="0"/>
+            <a:lumOff val="0"/>
+            <a:alphaOff val="0"/>
+          </a:schemeClr>
+        </a:solidFill>
+        <a:ln w="12700" cap="flat" cmpd="sng" algn="ctr">
+          <a:solidFill>
+            <a:schemeClr val="accent1">
+              <a:hueOff val="0"/>
+              <a:satOff val="0"/>
+              <a:lumOff val="0"/>
+              <a:alphaOff val="0"/>
+            </a:schemeClr>
+          </a:solidFill>
+          <a:prstDash val="solid"/>
+          <a:miter lim="800000"/>
+        </a:ln>
+        <a:effectLst/>
+      </dsp:spPr>
+      <dsp:style>
+        <a:lnRef idx="2">
+          <a:scrgbClr r="0" g="0" b="0"/>
+        </a:lnRef>
+        <a:fillRef idx="1">
+          <a:scrgbClr r="0" g="0" b="0"/>
+        </a:fillRef>
+        <a:effectRef idx="0">
+          <a:scrgbClr r="0" g="0" b="0"/>
+        </a:effectRef>
+        <a:fontRef idx="minor"/>
+      </dsp:style>
+      <dsp:txBody>
+        <a:bodyPr spcFirstLastPara="0" vert="horz" wrap="square" lIns="80010" tIns="80010" rIns="80010" bIns="80010" numCol="1" spcCol="1270" anchor="ctr" anchorCtr="0">
+          <a:noAutofit/>
+        </a:bodyPr>
+        <a:lstStyle/>
+        <a:p>
+          <a:pPr marL="0" lvl="0" indent="0" algn="ctr" defTabSz="933450">
+            <a:lnSpc>
+              <a:spcPct val="90000"/>
+            </a:lnSpc>
+            <a:spcBef>
+              <a:spcPct val="0"/>
+            </a:spcBef>
+            <a:spcAft>
+              <a:spcPct val="35000"/>
+            </a:spcAft>
+            <a:buNone/>
+          </a:pPr>
+          <a:r>
+            <a:rPr lang="en-US" sz="2100" kern="1200" dirty="0"/>
+            <a:t>L3: Apply</a:t>
+          </a:r>
+        </a:p>
+      </dsp:txBody>
+      <dsp:txXfrm>
+        <a:off x="2680645" y="2151552"/>
+        <a:ext cx="2715908" cy="454336"/>
+      </dsp:txXfrm>
+    </dsp:sp>
+    <dsp:sp modelId="{49F87DA2-B31C-475B-92A9-4DEA5E52556B}">
+      <dsp:nvSpPr>
+        <dsp:cNvPr id="0" name=""/>
+        <dsp:cNvSpPr/>
+      </dsp:nvSpPr>
+      <dsp:spPr>
+        <a:xfrm>
+          <a:off x="2656066" y="2693405"/>
+          <a:ext cx="2765066" cy="503494"/>
+        </a:xfrm>
+        <a:prstGeom prst="roundRect">
+          <a:avLst/>
+        </a:prstGeom>
+        <a:solidFill>
+          <a:schemeClr val="lt1">
+            <a:alpha val="90000"/>
+            <a:hueOff val="0"/>
+            <a:satOff val="0"/>
+            <a:lumOff val="0"/>
+            <a:alphaOff val="0"/>
+          </a:schemeClr>
+        </a:solidFill>
+        <a:ln w="12700" cap="flat" cmpd="sng" algn="ctr">
+          <a:solidFill>
+            <a:schemeClr val="accent1">
+              <a:hueOff val="0"/>
+              <a:satOff val="0"/>
+              <a:lumOff val="0"/>
+              <a:alphaOff val="0"/>
+            </a:schemeClr>
+          </a:solidFill>
+          <a:prstDash val="solid"/>
+          <a:miter lim="800000"/>
+        </a:ln>
+        <a:effectLst/>
+      </dsp:spPr>
+      <dsp:style>
+        <a:lnRef idx="2">
+          <a:scrgbClr r="0" g="0" b="0"/>
+        </a:lnRef>
+        <a:fillRef idx="1">
+          <a:scrgbClr r="0" g="0" b="0"/>
+        </a:fillRef>
+        <a:effectRef idx="0">
+          <a:scrgbClr r="0" g="0" b="0"/>
+        </a:effectRef>
+        <a:fontRef idx="minor"/>
+      </dsp:style>
+      <dsp:txBody>
+        <a:bodyPr spcFirstLastPara="0" vert="horz" wrap="square" lIns="80010" tIns="80010" rIns="80010" bIns="80010" numCol="1" spcCol="1270" anchor="ctr" anchorCtr="0">
+          <a:noAutofit/>
+        </a:bodyPr>
+        <a:lstStyle/>
+        <a:p>
+          <a:pPr marL="0" lvl="0" indent="0" algn="ctr" defTabSz="933450">
+            <a:lnSpc>
+              <a:spcPct val="90000"/>
+            </a:lnSpc>
+            <a:spcBef>
+              <a:spcPct val="0"/>
+            </a:spcBef>
+            <a:spcAft>
+              <a:spcPct val="35000"/>
+            </a:spcAft>
+            <a:buNone/>
+          </a:pPr>
+          <a:r>
+            <a:rPr lang="en-US" sz="2100" kern="1200" dirty="0"/>
+            <a:t>L2: Understand</a:t>
+          </a:r>
+        </a:p>
+      </dsp:txBody>
+      <dsp:txXfrm>
+        <a:off x="2680645" y="2717984"/>
+        <a:ext cx="2715908" cy="454336"/>
+      </dsp:txXfrm>
+    </dsp:sp>
+    <dsp:sp modelId="{257A12F6-3E2F-4B15-94DC-C8568AC0916B}">
+      <dsp:nvSpPr>
+        <dsp:cNvPr id="0" name=""/>
+        <dsp:cNvSpPr/>
+      </dsp:nvSpPr>
+      <dsp:spPr>
+        <a:xfrm>
+          <a:off x="2656066" y="3259836"/>
+          <a:ext cx="2765066" cy="503494"/>
+        </a:xfrm>
+        <a:prstGeom prst="roundRect">
+          <a:avLst/>
+        </a:prstGeom>
+        <a:solidFill>
+          <a:schemeClr val="lt1">
+            <a:alpha val="90000"/>
+            <a:hueOff val="0"/>
+            <a:satOff val="0"/>
+            <a:lumOff val="0"/>
+            <a:alphaOff val="0"/>
+          </a:schemeClr>
+        </a:solidFill>
+        <a:ln w="12700" cap="flat" cmpd="sng" algn="ctr">
+          <a:solidFill>
+            <a:schemeClr val="accent1">
+              <a:hueOff val="0"/>
+              <a:satOff val="0"/>
+              <a:lumOff val="0"/>
+              <a:alphaOff val="0"/>
+            </a:schemeClr>
+          </a:solidFill>
+          <a:prstDash val="solid"/>
+          <a:miter lim="800000"/>
+        </a:ln>
+        <a:effectLst/>
+      </dsp:spPr>
+      <dsp:style>
+        <a:lnRef idx="2">
+          <a:scrgbClr r="0" g="0" b="0"/>
+        </a:lnRef>
+        <a:fillRef idx="1">
+          <a:scrgbClr r="0" g="0" b="0"/>
+        </a:fillRef>
+        <a:effectRef idx="0">
+          <a:scrgbClr r="0" g="0" b="0"/>
+        </a:effectRef>
+        <a:fontRef idx="minor"/>
+      </dsp:style>
+      <dsp:txBody>
+        <a:bodyPr spcFirstLastPara="0" vert="horz" wrap="square" lIns="80010" tIns="80010" rIns="80010" bIns="80010" numCol="1" spcCol="1270" anchor="ctr" anchorCtr="0">
+          <a:noAutofit/>
+        </a:bodyPr>
+        <a:lstStyle/>
+        <a:p>
+          <a:pPr marL="0" lvl="0" indent="0" algn="ctr" defTabSz="933450">
+            <a:lnSpc>
+              <a:spcPct val="90000"/>
+            </a:lnSpc>
+            <a:spcBef>
+              <a:spcPct val="0"/>
+            </a:spcBef>
+            <a:spcAft>
+              <a:spcPct val="35000"/>
+            </a:spcAft>
+            <a:buNone/>
+          </a:pPr>
+          <a:r>
+            <a:rPr lang="en-US" sz="2100" kern="1200" dirty="0"/>
+            <a:t>L1: Remember</a:t>
+          </a:r>
+        </a:p>
+      </dsp:txBody>
+      <dsp:txXfrm>
+        <a:off x="2680645" y="3284415"/>
+        <a:ext cx="2715908" cy="454336"/>
       </dsp:txXfrm>
     </dsp:sp>
   </dsp:spTree>
@@ -2366,6 +3990,135 @@
 </dgm:layoutDef>
 </file>
 
+<file path=ppt/diagrams/layout2.xml><?xml version="1.0" encoding="utf-8"?>
+<dgm:layoutDef xmlns:dgm="http://schemas.openxmlformats.org/drawingml/2006/diagram" xmlns:a="http://schemas.openxmlformats.org/drawingml/2006/main" uniqueId="urn:microsoft.com/office/officeart/2005/8/layout/pyramid2">
+  <dgm:title val=""/>
+  <dgm:desc val=""/>
+  <dgm:catLst>
+    <dgm:cat type="pyramid" pri="3000"/>
+    <dgm:cat type="list" pri="21000"/>
+    <dgm:cat type="convert" pri="17000"/>
+  </dgm:catLst>
+  <dgm:sampData useDef="1">
+    <dgm:dataModel>
+      <dgm:ptLst/>
+      <dgm:bg/>
+      <dgm:whole/>
+    </dgm:dataModel>
+  </dgm:sampData>
+  <dgm:styleData useDef="1">
+    <dgm:dataModel>
+      <dgm:ptLst/>
+      <dgm:bg/>
+      <dgm:whole/>
+    </dgm:dataModel>
+  </dgm:styleData>
+  <dgm:clrData useDef="1">
+    <dgm:dataModel>
+      <dgm:ptLst/>
+      <dgm:bg/>
+      <dgm:whole/>
+    </dgm:dataModel>
+  </dgm:clrData>
+  <dgm:layoutNode name="compositeShape">
+    <dgm:alg type="composite"/>
+    <dgm:shape xmlns:r="http://schemas.openxmlformats.org/officeDocument/2006/relationships" r:blip="">
+      <dgm:adjLst/>
+    </dgm:shape>
+    <dgm:presOf/>
+    <dgm:varLst>
+      <dgm:dir/>
+      <dgm:resizeHandles/>
+    </dgm:varLst>
+    <dgm:choose name="Name0">
+      <dgm:if name="Name1" func="var" arg="dir" op="equ" val="norm">
+        <dgm:constrLst>
+          <dgm:constr type="w" for="ch" forName="pyramid" refType="h"/>
+          <dgm:constr type="h" for="ch" forName="pyramid" refType="h"/>
+          <dgm:constr type="h" for="ch" forName="theList" refType="h" fact="0.8"/>
+          <dgm:constr type="w" for="ch" forName="theList" refType="h" fact="0.65"/>
+          <dgm:constr type="ctrY" for="ch" forName="theList" refType="h" refFor="ch" refForName="pyramid" fact="0.5"/>
+          <dgm:constr type="l" for="ch" forName="theList" refType="w" refFor="ch" refForName="pyramid" fact="0.5"/>
+          <dgm:constr type="h" for="des" forName="aSpace" refType="h" fact="0.1"/>
+        </dgm:constrLst>
+      </dgm:if>
+      <dgm:else name="Name2">
+        <dgm:constrLst>
+          <dgm:constr type="w" for="ch" forName="pyramid" refType="h"/>
+          <dgm:constr type="h" for="ch" forName="pyramid" refType="h"/>
+          <dgm:constr type="h" for="ch" forName="theList" refType="h" fact="0.8"/>
+          <dgm:constr type="w" for="ch" forName="theList" refType="h" fact="0.65"/>
+          <dgm:constr type="ctrY" for="ch" forName="theList" refType="h" refFor="ch" refForName="pyramid" fact="0.5"/>
+          <dgm:constr type="r" for="ch" forName="theList" refType="w" refFor="ch" refForName="pyramid" fact="0.5"/>
+          <dgm:constr type="h" for="des" forName="aSpace" refType="h" fact="0.1"/>
+        </dgm:constrLst>
+      </dgm:else>
+    </dgm:choose>
+    <dgm:ruleLst/>
+    <dgm:choose name="Name3">
+      <dgm:if name="Name4" axis="ch" ptType="node" func="cnt" op="gte" val="1">
+        <dgm:layoutNode name="pyramid" styleLbl="node1">
+          <dgm:alg type="sp"/>
+          <dgm:shape xmlns:r="http://schemas.openxmlformats.org/officeDocument/2006/relationships" type="triangle" r:blip="">
+            <dgm:adjLst/>
+          </dgm:shape>
+          <dgm:presOf/>
+          <dgm:constrLst/>
+          <dgm:ruleLst/>
+        </dgm:layoutNode>
+        <dgm:layoutNode name="theList">
+          <dgm:alg type="lin">
+            <dgm:param type="linDir" val="fromT"/>
+          </dgm:alg>
+          <dgm:shape xmlns:r="http://schemas.openxmlformats.org/officeDocument/2006/relationships" r:blip="">
+            <dgm:adjLst/>
+          </dgm:shape>
+          <dgm:presOf/>
+          <dgm:constrLst>
+            <dgm:constr type="w" for="ch" forName="aNode" refType="w"/>
+            <dgm:constr type="h" for="ch" forName="aNode" refType="h"/>
+            <dgm:constr type="primFontSz" for="ch" ptType="node" op="equ"/>
+          </dgm:constrLst>
+          <dgm:ruleLst/>
+          <dgm:forEach name="aNodeForEach" axis="ch" ptType="node">
+            <dgm:layoutNode name="aNode" styleLbl="fgAcc1">
+              <dgm:varLst>
+                <dgm:bulletEnabled val="1"/>
+              </dgm:varLst>
+              <dgm:alg type="tx"/>
+              <dgm:shape xmlns:r="http://schemas.openxmlformats.org/officeDocument/2006/relationships" type="roundRect" r:blip="">
+                <dgm:adjLst/>
+              </dgm:shape>
+              <dgm:presOf axis="desOrSelf" ptType="node"/>
+              <dgm:constrLst>
+                <dgm:constr type="primFontSz" val="65"/>
+                <dgm:constr type="tMarg" refType="primFontSz" fact="0.3"/>
+                <dgm:constr type="bMarg" refType="primFontSz" fact="0.3"/>
+                <dgm:constr type="lMarg" refType="primFontSz" fact="0.3"/>
+                <dgm:constr type="rMarg" refType="primFontSz" fact="0.3"/>
+              </dgm:constrLst>
+              <dgm:ruleLst>
+                <dgm:rule type="primFontSz" val="5" fact="NaN" max="NaN"/>
+              </dgm:ruleLst>
+            </dgm:layoutNode>
+            <dgm:layoutNode name="aSpace">
+              <dgm:alg type="sp"/>
+              <dgm:shape xmlns:r="http://schemas.openxmlformats.org/officeDocument/2006/relationships" r:blip="">
+                <dgm:adjLst/>
+              </dgm:shape>
+              <dgm:presOf/>
+              <dgm:constrLst/>
+              <dgm:ruleLst/>
+            </dgm:layoutNode>
+          </dgm:forEach>
+        </dgm:layoutNode>
+      </dgm:if>
+      <dgm:else name="Name5"/>
+    </dgm:choose>
+  </dgm:layoutNode>
+</dgm:layoutDef>
+</file>
+
 <file path=ppt/diagrams/quickStyle1.xml><?xml version="1.0" encoding="utf-8"?>
 <dgm:styleDef xmlns:dgm="http://schemas.openxmlformats.org/drawingml/2006/diagram" xmlns:a="http://schemas.openxmlformats.org/drawingml/2006/main" uniqueId="urn:microsoft.com/office/officeart/2005/8/quickstyle/simple1">
   <dgm:title val=""/>
@@ -3372,6 +5125,1040 @@
         <a:scrgbClr r="0" g="0" b="0"/>
       </a:fillRef>
       <a:effectRef idx="0">
+        <a:scrgbClr r="0" g="0" b="0"/>
+      </a:effectRef>
+      <a:fontRef idx="minor"/>
+    </dgm:style>
+  </dgm:styleLbl>
+  <dgm:styleLbl name="revTx">
+    <dgm:scene3d>
+      <a:camera prst="orthographicFront"/>
+      <a:lightRig rig="threePt" dir="t"/>
+    </dgm:scene3d>
+    <dgm:sp3d/>
+    <dgm:txPr/>
+    <dgm:style>
+      <a:lnRef idx="0">
+        <a:scrgbClr r="0" g="0" b="0"/>
+      </a:lnRef>
+      <a:fillRef idx="0">
+        <a:scrgbClr r="0" g="0" b="0"/>
+      </a:fillRef>
+      <a:effectRef idx="0">
+        <a:scrgbClr r="0" g="0" b="0"/>
+      </a:effectRef>
+      <a:fontRef idx="minor"/>
+    </dgm:style>
+  </dgm:styleLbl>
+</dgm:styleDef>
+</file>
+
+<file path=ppt/diagrams/quickStyle2.xml><?xml version="1.0" encoding="utf-8"?>
+<dgm:styleDef xmlns:dgm="http://schemas.openxmlformats.org/drawingml/2006/diagram" xmlns:a="http://schemas.openxmlformats.org/drawingml/2006/main" uniqueId="urn:microsoft.com/office/officeart/2005/8/quickstyle/simple2">
+  <dgm:title val=""/>
+  <dgm:desc val=""/>
+  <dgm:catLst>
+    <dgm:cat type="simple" pri="10200"/>
+  </dgm:catLst>
+  <dgm:scene3d>
+    <a:camera prst="orthographicFront"/>
+    <a:lightRig rig="threePt" dir="t"/>
+  </dgm:scene3d>
+  <dgm:styleLbl name="node0">
+    <dgm:scene3d>
+      <a:camera prst="orthographicFront"/>
+      <a:lightRig rig="threePt" dir="t"/>
+    </dgm:scene3d>
+    <dgm:sp3d/>
+    <dgm:txPr/>
+    <dgm:style>
+      <a:lnRef idx="3">
+        <a:scrgbClr r="0" g="0" b="0"/>
+      </a:lnRef>
+      <a:fillRef idx="1">
+        <a:scrgbClr r="0" g="0" b="0"/>
+      </a:fillRef>
+      <a:effectRef idx="1">
+        <a:scrgbClr r="0" g="0" b="0"/>
+      </a:effectRef>
+      <a:fontRef idx="minor">
+        <a:schemeClr val="lt1"/>
+      </a:fontRef>
+    </dgm:style>
+  </dgm:styleLbl>
+  <dgm:styleLbl name="lnNode1">
+    <dgm:scene3d>
+      <a:camera prst="orthographicFront"/>
+      <a:lightRig rig="threePt" dir="t"/>
+    </dgm:scene3d>
+    <dgm:sp3d/>
+    <dgm:txPr/>
+    <dgm:style>
+      <a:lnRef idx="3">
+        <a:scrgbClr r="0" g="0" b="0"/>
+      </a:lnRef>
+      <a:fillRef idx="1">
+        <a:scrgbClr r="0" g="0" b="0"/>
+      </a:fillRef>
+      <a:effectRef idx="1">
+        <a:scrgbClr r="0" g="0" b="0"/>
+      </a:effectRef>
+      <a:fontRef idx="minor">
+        <a:schemeClr val="lt1"/>
+      </a:fontRef>
+    </dgm:style>
+  </dgm:styleLbl>
+  <dgm:styleLbl name="vennNode1">
+    <dgm:scene3d>
+      <a:camera prst="orthographicFront"/>
+      <a:lightRig rig="threePt" dir="t"/>
+    </dgm:scene3d>
+    <dgm:sp3d/>
+    <dgm:txPr/>
+    <dgm:style>
+      <a:lnRef idx="3">
+        <a:scrgbClr r="0" g="0" b="0"/>
+      </a:lnRef>
+      <a:fillRef idx="1">
+        <a:scrgbClr r="0" g="0" b="0"/>
+      </a:fillRef>
+      <a:effectRef idx="0">
+        <a:scrgbClr r="0" g="0" b="0"/>
+      </a:effectRef>
+      <a:fontRef idx="minor">
+        <a:schemeClr val="tx1"/>
+      </a:fontRef>
+    </dgm:style>
+  </dgm:styleLbl>
+  <dgm:styleLbl name="alignNode1">
+    <dgm:scene3d>
+      <a:camera prst="orthographicFront"/>
+      <a:lightRig rig="threePt" dir="t"/>
+    </dgm:scene3d>
+    <dgm:sp3d/>
+    <dgm:txPr/>
+    <dgm:style>
+      <a:lnRef idx="2">
+        <a:scrgbClr r="0" g="0" b="0"/>
+      </a:lnRef>
+      <a:fillRef idx="1">
+        <a:scrgbClr r="0" g="0" b="0"/>
+      </a:fillRef>
+      <a:effectRef idx="1">
+        <a:scrgbClr r="0" g="0" b="0"/>
+      </a:effectRef>
+      <a:fontRef idx="minor">
+        <a:schemeClr val="lt1"/>
+      </a:fontRef>
+    </dgm:style>
+  </dgm:styleLbl>
+  <dgm:styleLbl name="node1">
+    <dgm:scene3d>
+      <a:camera prst="orthographicFront"/>
+      <a:lightRig rig="threePt" dir="t"/>
+    </dgm:scene3d>
+    <dgm:sp3d/>
+    <dgm:txPr/>
+    <dgm:style>
+      <a:lnRef idx="3">
+        <a:scrgbClr r="0" g="0" b="0"/>
+      </a:lnRef>
+      <a:fillRef idx="1">
+        <a:scrgbClr r="0" g="0" b="0"/>
+      </a:fillRef>
+      <a:effectRef idx="1">
+        <a:scrgbClr r="0" g="0" b="0"/>
+      </a:effectRef>
+      <a:fontRef idx="minor">
+        <a:schemeClr val="lt1"/>
+      </a:fontRef>
+    </dgm:style>
+  </dgm:styleLbl>
+  <dgm:styleLbl name="node2">
+    <dgm:scene3d>
+      <a:camera prst="orthographicFront"/>
+      <a:lightRig rig="threePt" dir="t"/>
+    </dgm:scene3d>
+    <dgm:sp3d/>
+    <dgm:txPr/>
+    <dgm:style>
+      <a:lnRef idx="3">
+        <a:scrgbClr r="0" g="0" b="0"/>
+      </a:lnRef>
+      <a:fillRef idx="1">
+        <a:scrgbClr r="0" g="0" b="0"/>
+      </a:fillRef>
+      <a:effectRef idx="1">
+        <a:scrgbClr r="0" g="0" b="0"/>
+      </a:effectRef>
+      <a:fontRef idx="minor">
+        <a:schemeClr val="lt1"/>
+      </a:fontRef>
+    </dgm:style>
+  </dgm:styleLbl>
+  <dgm:styleLbl name="node3">
+    <dgm:scene3d>
+      <a:camera prst="orthographicFront"/>
+      <a:lightRig rig="threePt" dir="t"/>
+    </dgm:scene3d>
+    <dgm:sp3d/>
+    <dgm:txPr/>
+    <dgm:style>
+      <a:lnRef idx="3">
+        <a:scrgbClr r="0" g="0" b="0"/>
+      </a:lnRef>
+      <a:fillRef idx="1">
+        <a:scrgbClr r="0" g="0" b="0"/>
+      </a:fillRef>
+      <a:effectRef idx="1">
+        <a:scrgbClr r="0" g="0" b="0"/>
+      </a:effectRef>
+      <a:fontRef idx="minor">
+        <a:schemeClr val="lt1"/>
+      </a:fontRef>
+    </dgm:style>
+  </dgm:styleLbl>
+  <dgm:styleLbl name="node4">
+    <dgm:scene3d>
+      <a:camera prst="orthographicFront"/>
+      <a:lightRig rig="threePt" dir="t"/>
+    </dgm:scene3d>
+    <dgm:sp3d/>
+    <dgm:txPr/>
+    <dgm:style>
+      <a:lnRef idx="3">
+        <a:scrgbClr r="0" g="0" b="0"/>
+      </a:lnRef>
+      <a:fillRef idx="1">
+        <a:scrgbClr r="0" g="0" b="0"/>
+      </a:fillRef>
+      <a:effectRef idx="1">
+        <a:scrgbClr r="0" g="0" b="0"/>
+      </a:effectRef>
+      <a:fontRef idx="minor">
+        <a:schemeClr val="lt1"/>
+      </a:fontRef>
+    </dgm:style>
+  </dgm:styleLbl>
+  <dgm:styleLbl name="fgImgPlace1">
+    <dgm:scene3d>
+      <a:camera prst="orthographicFront"/>
+      <a:lightRig rig="threePt" dir="t"/>
+    </dgm:scene3d>
+    <dgm:sp3d/>
+    <dgm:txPr/>
+    <dgm:style>
+      <a:lnRef idx="3">
+        <a:scrgbClr r="0" g="0" b="0"/>
+      </a:lnRef>
+      <a:fillRef idx="1">
+        <a:scrgbClr r="0" g="0" b="0"/>
+      </a:fillRef>
+      <a:effectRef idx="1">
+        <a:scrgbClr r="0" g="0" b="0"/>
+      </a:effectRef>
+      <a:fontRef idx="minor"/>
+    </dgm:style>
+  </dgm:styleLbl>
+  <dgm:styleLbl name="alignImgPlace1">
+    <dgm:scene3d>
+      <a:camera prst="orthographicFront"/>
+      <a:lightRig rig="threePt" dir="t"/>
+    </dgm:scene3d>
+    <dgm:sp3d/>
+    <dgm:txPr/>
+    <dgm:style>
+      <a:lnRef idx="3">
+        <a:scrgbClr r="0" g="0" b="0"/>
+      </a:lnRef>
+      <a:fillRef idx="1">
+        <a:scrgbClr r="0" g="0" b="0"/>
+      </a:fillRef>
+      <a:effectRef idx="1">
+        <a:scrgbClr r="0" g="0" b="0"/>
+      </a:effectRef>
+      <a:fontRef idx="minor"/>
+    </dgm:style>
+  </dgm:styleLbl>
+  <dgm:styleLbl name="bgImgPlace1">
+    <dgm:scene3d>
+      <a:camera prst="orthographicFront"/>
+      <a:lightRig rig="threePt" dir="t"/>
+    </dgm:scene3d>
+    <dgm:sp3d/>
+    <dgm:txPr/>
+    <dgm:style>
+      <a:lnRef idx="3">
+        <a:scrgbClr r="0" g="0" b="0"/>
+      </a:lnRef>
+      <a:fillRef idx="1">
+        <a:scrgbClr r="0" g="0" b="0"/>
+      </a:fillRef>
+      <a:effectRef idx="1">
+        <a:scrgbClr r="0" g="0" b="0"/>
+      </a:effectRef>
+      <a:fontRef idx="minor"/>
+    </dgm:style>
+  </dgm:styleLbl>
+  <dgm:styleLbl name="sibTrans2D1">
+    <dgm:scene3d>
+      <a:camera prst="orthographicFront"/>
+      <a:lightRig rig="threePt" dir="t"/>
+    </dgm:scene3d>
+    <dgm:sp3d/>
+    <dgm:txPr/>
+    <dgm:style>
+      <a:lnRef idx="0">
+        <a:scrgbClr r="0" g="0" b="0"/>
+      </a:lnRef>
+      <a:fillRef idx="1">
+        <a:scrgbClr r="0" g="0" b="0"/>
+      </a:fillRef>
+      <a:effectRef idx="1">
+        <a:scrgbClr r="0" g="0" b="0"/>
+      </a:effectRef>
+      <a:fontRef idx="minor">
+        <a:schemeClr val="lt1"/>
+      </a:fontRef>
+    </dgm:style>
+  </dgm:styleLbl>
+  <dgm:styleLbl name="fgSibTrans2D1">
+    <dgm:scene3d>
+      <a:camera prst="orthographicFront"/>
+      <a:lightRig rig="threePt" dir="t"/>
+    </dgm:scene3d>
+    <dgm:sp3d/>
+    <dgm:txPr/>
+    <dgm:style>
+      <a:lnRef idx="0">
+        <a:scrgbClr r="0" g="0" b="0"/>
+      </a:lnRef>
+      <a:fillRef idx="1">
+        <a:scrgbClr r="0" g="0" b="0"/>
+      </a:fillRef>
+      <a:effectRef idx="1">
+        <a:scrgbClr r="0" g="0" b="0"/>
+      </a:effectRef>
+      <a:fontRef idx="minor">
+        <a:schemeClr val="lt1"/>
+      </a:fontRef>
+    </dgm:style>
+  </dgm:styleLbl>
+  <dgm:styleLbl name="bgSibTrans2D1">
+    <dgm:scene3d>
+      <a:camera prst="orthographicFront"/>
+      <a:lightRig rig="threePt" dir="t"/>
+    </dgm:scene3d>
+    <dgm:sp3d/>
+    <dgm:txPr/>
+    <dgm:style>
+      <a:lnRef idx="0">
+        <a:scrgbClr r="0" g="0" b="0"/>
+      </a:lnRef>
+      <a:fillRef idx="1">
+        <a:scrgbClr r="0" g="0" b="0"/>
+      </a:fillRef>
+      <a:effectRef idx="1">
+        <a:scrgbClr r="0" g="0" b="0"/>
+      </a:effectRef>
+      <a:fontRef idx="minor">
+        <a:schemeClr val="lt1"/>
+      </a:fontRef>
+    </dgm:style>
+  </dgm:styleLbl>
+  <dgm:styleLbl name="sibTrans1D1">
+    <dgm:scene3d>
+      <a:camera prst="orthographicFront"/>
+      <a:lightRig rig="threePt" dir="t"/>
+    </dgm:scene3d>
+    <dgm:sp3d/>
+    <dgm:txPr/>
+    <dgm:style>
+      <a:lnRef idx="1">
+        <a:scrgbClr r="0" g="0" b="0"/>
+      </a:lnRef>
+      <a:fillRef idx="0">
+        <a:scrgbClr r="0" g="0" b="0"/>
+      </a:fillRef>
+      <a:effectRef idx="0">
+        <a:scrgbClr r="0" g="0" b="0"/>
+      </a:effectRef>
+      <a:fontRef idx="minor"/>
+    </dgm:style>
+  </dgm:styleLbl>
+  <dgm:styleLbl name="callout">
+    <dgm:scene3d>
+      <a:camera prst="orthographicFront"/>
+      <a:lightRig rig="threePt" dir="t"/>
+    </dgm:scene3d>
+    <dgm:sp3d/>
+    <dgm:txPr/>
+    <dgm:style>
+      <a:lnRef idx="2">
+        <a:scrgbClr r="0" g="0" b="0"/>
+      </a:lnRef>
+      <a:fillRef idx="1">
+        <a:scrgbClr r="0" g="0" b="0"/>
+      </a:fillRef>
+      <a:effectRef idx="1">
+        <a:scrgbClr r="0" g="0" b="0"/>
+      </a:effectRef>
+      <a:fontRef idx="minor"/>
+    </dgm:style>
+  </dgm:styleLbl>
+  <dgm:styleLbl name="asst0">
+    <dgm:scene3d>
+      <a:camera prst="orthographicFront"/>
+      <a:lightRig rig="threePt" dir="t"/>
+    </dgm:scene3d>
+    <dgm:sp3d/>
+    <dgm:txPr/>
+    <dgm:style>
+      <a:lnRef idx="3">
+        <a:scrgbClr r="0" g="0" b="0"/>
+      </a:lnRef>
+      <a:fillRef idx="1">
+        <a:scrgbClr r="0" g="0" b="0"/>
+      </a:fillRef>
+      <a:effectRef idx="1">
+        <a:scrgbClr r="0" g="0" b="0"/>
+      </a:effectRef>
+      <a:fontRef idx="minor">
+        <a:schemeClr val="lt1"/>
+      </a:fontRef>
+    </dgm:style>
+  </dgm:styleLbl>
+  <dgm:styleLbl name="asst1">
+    <dgm:scene3d>
+      <a:camera prst="orthographicFront"/>
+      <a:lightRig rig="threePt" dir="t"/>
+    </dgm:scene3d>
+    <dgm:sp3d/>
+    <dgm:txPr/>
+    <dgm:style>
+      <a:lnRef idx="3">
+        <a:scrgbClr r="0" g="0" b="0"/>
+      </a:lnRef>
+      <a:fillRef idx="1">
+        <a:scrgbClr r="0" g="0" b="0"/>
+      </a:fillRef>
+      <a:effectRef idx="1">
+        <a:scrgbClr r="0" g="0" b="0"/>
+      </a:effectRef>
+      <a:fontRef idx="minor">
+        <a:schemeClr val="lt1"/>
+      </a:fontRef>
+    </dgm:style>
+  </dgm:styleLbl>
+  <dgm:styleLbl name="asst2">
+    <dgm:scene3d>
+      <a:camera prst="orthographicFront"/>
+      <a:lightRig rig="threePt" dir="t"/>
+    </dgm:scene3d>
+    <dgm:sp3d/>
+    <dgm:txPr/>
+    <dgm:style>
+      <a:lnRef idx="3">
+        <a:scrgbClr r="0" g="0" b="0"/>
+      </a:lnRef>
+      <a:fillRef idx="1">
+        <a:scrgbClr r="0" g="0" b="0"/>
+      </a:fillRef>
+      <a:effectRef idx="1">
+        <a:scrgbClr r="0" g="0" b="0"/>
+      </a:effectRef>
+      <a:fontRef idx="minor">
+        <a:schemeClr val="lt1"/>
+      </a:fontRef>
+    </dgm:style>
+  </dgm:styleLbl>
+  <dgm:styleLbl name="asst3">
+    <dgm:scene3d>
+      <a:camera prst="orthographicFront"/>
+      <a:lightRig rig="threePt" dir="t"/>
+    </dgm:scene3d>
+    <dgm:sp3d/>
+    <dgm:txPr/>
+    <dgm:style>
+      <a:lnRef idx="3">
+        <a:scrgbClr r="0" g="0" b="0"/>
+      </a:lnRef>
+      <a:fillRef idx="1">
+        <a:scrgbClr r="0" g="0" b="0"/>
+      </a:fillRef>
+      <a:effectRef idx="1">
+        <a:scrgbClr r="0" g="0" b="0"/>
+      </a:effectRef>
+      <a:fontRef idx="minor">
+        <a:schemeClr val="lt1"/>
+      </a:fontRef>
+    </dgm:style>
+  </dgm:styleLbl>
+  <dgm:styleLbl name="asst4">
+    <dgm:scene3d>
+      <a:camera prst="orthographicFront"/>
+      <a:lightRig rig="threePt" dir="t"/>
+    </dgm:scene3d>
+    <dgm:sp3d/>
+    <dgm:txPr/>
+    <dgm:style>
+      <a:lnRef idx="3">
+        <a:scrgbClr r="0" g="0" b="0"/>
+      </a:lnRef>
+      <a:fillRef idx="1">
+        <a:scrgbClr r="0" g="0" b="0"/>
+      </a:fillRef>
+      <a:effectRef idx="1">
+        <a:scrgbClr r="0" g="0" b="0"/>
+      </a:effectRef>
+      <a:fontRef idx="minor">
+        <a:schemeClr val="lt1"/>
+      </a:fontRef>
+    </dgm:style>
+  </dgm:styleLbl>
+  <dgm:styleLbl name="parChTrans2D1">
+    <dgm:scene3d>
+      <a:camera prst="orthographicFront"/>
+      <a:lightRig rig="threePt" dir="t"/>
+    </dgm:scene3d>
+    <dgm:sp3d/>
+    <dgm:txPr/>
+    <dgm:style>
+      <a:lnRef idx="3">
+        <a:scrgbClr r="0" g="0" b="0"/>
+      </a:lnRef>
+      <a:fillRef idx="1">
+        <a:scrgbClr r="0" g="0" b="0"/>
+      </a:fillRef>
+      <a:effectRef idx="1">
+        <a:scrgbClr r="0" g="0" b="0"/>
+      </a:effectRef>
+      <a:fontRef idx="minor">
+        <a:schemeClr val="lt1"/>
+      </a:fontRef>
+    </dgm:style>
+  </dgm:styleLbl>
+  <dgm:styleLbl name="parChTrans2D2">
+    <dgm:scene3d>
+      <a:camera prst="orthographicFront"/>
+      <a:lightRig rig="threePt" dir="t"/>
+    </dgm:scene3d>
+    <dgm:sp3d/>
+    <dgm:txPr/>
+    <dgm:style>
+      <a:lnRef idx="3">
+        <a:scrgbClr r="0" g="0" b="0"/>
+      </a:lnRef>
+      <a:fillRef idx="1">
+        <a:scrgbClr r="0" g="0" b="0"/>
+      </a:fillRef>
+      <a:effectRef idx="1">
+        <a:scrgbClr r="0" g="0" b="0"/>
+      </a:effectRef>
+      <a:fontRef idx="minor">
+        <a:schemeClr val="lt1"/>
+      </a:fontRef>
+    </dgm:style>
+  </dgm:styleLbl>
+  <dgm:styleLbl name="parChTrans2D3">
+    <dgm:scene3d>
+      <a:camera prst="orthographicFront"/>
+      <a:lightRig rig="threePt" dir="t"/>
+    </dgm:scene3d>
+    <dgm:sp3d/>
+    <dgm:txPr/>
+    <dgm:style>
+      <a:lnRef idx="3">
+        <a:scrgbClr r="0" g="0" b="0"/>
+      </a:lnRef>
+      <a:fillRef idx="1">
+        <a:scrgbClr r="0" g="0" b="0"/>
+      </a:fillRef>
+      <a:effectRef idx="1">
+        <a:scrgbClr r="0" g="0" b="0"/>
+      </a:effectRef>
+      <a:fontRef idx="minor">
+        <a:schemeClr val="lt1"/>
+      </a:fontRef>
+    </dgm:style>
+  </dgm:styleLbl>
+  <dgm:styleLbl name="parChTrans2D4">
+    <dgm:scene3d>
+      <a:camera prst="orthographicFront"/>
+      <a:lightRig rig="threePt" dir="t"/>
+    </dgm:scene3d>
+    <dgm:sp3d/>
+    <dgm:txPr/>
+    <dgm:style>
+      <a:lnRef idx="3">
+        <a:scrgbClr r="0" g="0" b="0"/>
+      </a:lnRef>
+      <a:fillRef idx="1">
+        <a:scrgbClr r="0" g="0" b="0"/>
+      </a:fillRef>
+      <a:effectRef idx="1">
+        <a:scrgbClr r="0" g="0" b="0"/>
+      </a:effectRef>
+      <a:fontRef idx="minor">
+        <a:schemeClr val="lt1"/>
+      </a:fontRef>
+    </dgm:style>
+  </dgm:styleLbl>
+  <dgm:styleLbl name="parChTrans1D1">
+    <dgm:scene3d>
+      <a:camera prst="orthographicFront"/>
+      <a:lightRig rig="threePt" dir="t"/>
+    </dgm:scene3d>
+    <dgm:sp3d/>
+    <dgm:txPr/>
+    <dgm:style>
+      <a:lnRef idx="2">
+        <a:scrgbClr r="0" g="0" b="0"/>
+      </a:lnRef>
+      <a:fillRef idx="0">
+        <a:scrgbClr r="0" g="0" b="0"/>
+      </a:fillRef>
+      <a:effectRef idx="0">
+        <a:scrgbClr r="0" g="0" b="0"/>
+      </a:effectRef>
+      <a:fontRef idx="minor"/>
+    </dgm:style>
+  </dgm:styleLbl>
+  <dgm:styleLbl name="parChTrans1D2">
+    <dgm:scene3d>
+      <a:camera prst="orthographicFront"/>
+      <a:lightRig rig="threePt" dir="t"/>
+    </dgm:scene3d>
+    <dgm:sp3d/>
+    <dgm:txPr/>
+    <dgm:style>
+      <a:lnRef idx="2">
+        <a:scrgbClr r="0" g="0" b="0"/>
+      </a:lnRef>
+      <a:fillRef idx="0">
+        <a:scrgbClr r="0" g="0" b="0"/>
+      </a:fillRef>
+      <a:effectRef idx="0">
+        <a:scrgbClr r="0" g="0" b="0"/>
+      </a:effectRef>
+      <a:fontRef idx="minor"/>
+    </dgm:style>
+  </dgm:styleLbl>
+  <dgm:styleLbl name="parChTrans1D3">
+    <dgm:scene3d>
+      <a:camera prst="orthographicFront"/>
+      <a:lightRig rig="threePt" dir="t"/>
+    </dgm:scene3d>
+    <dgm:sp3d/>
+    <dgm:txPr/>
+    <dgm:style>
+      <a:lnRef idx="2">
+        <a:scrgbClr r="0" g="0" b="0"/>
+      </a:lnRef>
+      <a:fillRef idx="0">
+        <a:scrgbClr r="0" g="0" b="0"/>
+      </a:fillRef>
+      <a:effectRef idx="0">
+        <a:scrgbClr r="0" g="0" b="0"/>
+      </a:effectRef>
+      <a:fontRef idx="minor"/>
+    </dgm:style>
+  </dgm:styleLbl>
+  <dgm:styleLbl name="parChTrans1D4">
+    <dgm:scene3d>
+      <a:camera prst="orthographicFront"/>
+      <a:lightRig rig="threePt" dir="t"/>
+    </dgm:scene3d>
+    <dgm:sp3d/>
+    <dgm:txPr/>
+    <dgm:style>
+      <a:lnRef idx="2">
+        <a:scrgbClr r="0" g="0" b="0"/>
+      </a:lnRef>
+      <a:fillRef idx="0">
+        <a:scrgbClr r="0" g="0" b="0"/>
+      </a:fillRef>
+      <a:effectRef idx="0">
+        <a:scrgbClr r="0" g="0" b="0"/>
+      </a:effectRef>
+      <a:fontRef idx="minor"/>
+    </dgm:style>
+  </dgm:styleLbl>
+  <dgm:styleLbl name="fgAcc1">
+    <dgm:scene3d>
+      <a:camera prst="orthographicFront"/>
+      <a:lightRig rig="threePt" dir="t"/>
+    </dgm:scene3d>
+    <dgm:sp3d/>
+    <dgm:txPr/>
+    <dgm:style>
+      <a:lnRef idx="2">
+        <a:scrgbClr r="0" g="0" b="0"/>
+      </a:lnRef>
+      <a:fillRef idx="1">
+        <a:scrgbClr r="0" g="0" b="0"/>
+      </a:fillRef>
+      <a:effectRef idx="0">
+        <a:scrgbClr r="0" g="0" b="0"/>
+      </a:effectRef>
+      <a:fontRef idx="minor"/>
+    </dgm:style>
+  </dgm:styleLbl>
+  <dgm:styleLbl name="conFgAcc1">
+    <dgm:scene3d>
+      <a:camera prst="orthographicFront"/>
+      <a:lightRig rig="threePt" dir="t"/>
+    </dgm:scene3d>
+    <dgm:sp3d/>
+    <dgm:txPr/>
+    <dgm:style>
+      <a:lnRef idx="2">
+        <a:scrgbClr r="0" g="0" b="0"/>
+      </a:lnRef>
+      <a:fillRef idx="1">
+        <a:scrgbClr r="0" g="0" b="0"/>
+      </a:fillRef>
+      <a:effectRef idx="0">
+        <a:scrgbClr r="0" g="0" b="0"/>
+      </a:effectRef>
+      <a:fontRef idx="minor"/>
+    </dgm:style>
+  </dgm:styleLbl>
+  <dgm:styleLbl name="alignAcc1">
+    <dgm:scene3d>
+      <a:camera prst="orthographicFront"/>
+      <a:lightRig rig="threePt" dir="t"/>
+    </dgm:scene3d>
+    <dgm:sp3d/>
+    <dgm:txPr/>
+    <dgm:style>
+      <a:lnRef idx="2">
+        <a:scrgbClr r="0" g="0" b="0"/>
+      </a:lnRef>
+      <a:fillRef idx="1">
+        <a:scrgbClr r="0" g="0" b="0"/>
+      </a:fillRef>
+      <a:effectRef idx="0">
+        <a:scrgbClr r="0" g="0" b="0"/>
+      </a:effectRef>
+      <a:fontRef idx="minor"/>
+    </dgm:style>
+  </dgm:styleLbl>
+  <dgm:styleLbl name="trAlignAcc1">
+    <dgm:scene3d>
+      <a:camera prst="orthographicFront"/>
+      <a:lightRig rig="threePt" dir="t"/>
+    </dgm:scene3d>
+    <dgm:sp3d/>
+    <dgm:txPr/>
+    <dgm:style>
+      <a:lnRef idx="1">
+        <a:scrgbClr r="0" g="0" b="0"/>
+      </a:lnRef>
+      <a:fillRef idx="1">
+        <a:scrgbClr r="0" g="0" b="0"/>
+      </a:fillRef>
+      <a:effectRef idx="0">
+        <a:scrgbClr r="0" g="0" b="0"/>
+      </a:effectRef>
+      <a:fontRef idx="minor"/>
+    </dgm:style>
+  </dgm:styleLbl>
+  <dgm:styleLbl name="bgAcc1">
+    <dgm:scene3d>
+      <a:camera prst="orthographicFront"/>
+      <a:lightRig rig="threePt" dir="t"/>
+    </dgm:scene3d>
+    <dgm:sp3d/>
+    <dgm:txPr/>
+    <dgm:style>
+      <a:lnRef idx="2">
+        <a:scrgbClr r="0" g="0" b="0"/>
+      </a:lnRef>
+      <a:fillRef idx="1">
+        <a:scrgbClr r="0" g="0" b="0"/>
+      </a:fillRef>
+      <a:effectRef idx="0">
+        <a:scrgbClr r="0" g="0" b="0"/>
+      </a:effectRef>
+      <a:fontRef idx="minor"/>
+    </dgm:style>
+  </dgm:styleLbl>
+  <dgm:styleLbl name="solidFgAcc1">
+    <dgm:scene3d>
+      <a:camera prst="orthographicFront"/>
+      <a:lightRig rig="threePt" dir="t"/>
+    </dgm:scene3d>
+    <dgm:sp3d/>
+    <dgm:txPr/>
+    <dgm:style>
+      <a:lnRef idx="2">
+        <a:scrgbClr r="0" g="0" b="0"/>
+      </a:lnRef>
+      <a:fillRef idx="1">
+        <a:scrgbClr r="0" g="0" b="0"/>
+      </a:fillRef>
+      <a:effectRef idx="0">
+        <a:scrgbClr r="0" g="0" b="0"/>
+      </a:effectRef>
+      <a:fontRef idx="minor"/>
+    </dgm:style>
+  </dgm:styleLbl>
+  <dgm:styleLbl name="solidAlignAcc1">
+    <dgm:scene3d>
+      <a:camera prst="orthographicFront"/>
+      <a:lightRig rig="threePt" dir="t"/>
+    </dgm:scene3d>
+    <dgm:sp3d/>
+    <dgm:txPr/>
+    <dgm:style>
+      <a:lnRef idx="2">
+        <a:scrgbClr r="0" g="0" b="0"/>
+      </a:lnRef>
+      <a:fillRef idx="1">
+        <a:scrgbClr r="0" g="0" b="0"/>
+      </a:fillRef>
+      <a:effectRef idx="0">
+        <a:scrgbClr r="0" g="0" b="0"/>
+      </a:effectRef>
+      <a:fontRef idx="minor"/>
+    </dgm:style>
+  </dgm:styleLbl>
+  <dgm:styleLbl name="solidBgAcc1">
+    <dgm:scene3d>
+      <a:camera prst="orthographicFront"/>
+      <a:lightRig rig="threePt" dir="t"/>
+    </dgm:scene3d>
+    <dgm:sp3d/>
+    <dgm:txPr/>
+    <dgm:style>
+      <a:lnRef idx="2">
+        <a:scrgbClr r="0" g="0" b="0"/>
+      </a:lnRef>
+      <a:fillRef idx="1">
+        <a:scrgbClr r="0" g="0" b="0"/>
+      </a:fillRef>
+      <a:effectRef idx="0">
+        <a:scrgbClr r="0" g="0" b="0"/>
+      </a:effectRef>
+      <a:fontRef idx="minor"/>
+    </dgm:style>
+  </dgm:styleLbl>
+  <dgm:styleLbl name="fgAccFollowNode1">
+    <dgm:scene3d>
+      <a:camera prst="orthographicFront"/>
+      <a:lightRig rig="threePt" dir="t"/>
+    </dgm:scene3d>
+    <dgm:sp3d/>
+    <dgm:txPr/>
+    <dgm:style>
+      <a:lnRef idx="2">
+        <a:scrgbClr r="0" g="0" b="0"/>
+      </a:lnRef>
+      <a:fillRef idx="1">
+        <a:scrgbClr r="0" g="0" b="0"/>
+      </a:fillRef>
+      <a:effectRef idx="0">
+        <a:scrgbClr r="0" g="0" b="0"/>
+      </a:effectRef>
+      <a:fontRef idx="minor"/>
+    </dgm:style>
+  </dgm:styleLbl>
+  <dgm:styleLbl name="alignAccFollowNode1">
+    <dgm:scene3d>
+      <a:camera prst="orthographicFront"/>
+      <a:lightRig rig="threePt" dir="t"/>
+    </dgm:scene3d>
+    <dgm:sp3d/>
+    <dgm:txPr/>
+    <dgm:style>
+      <a:lnRef idx="2">
+        <a:scrgbClr r="0" g="0" b="0"/>
+      </a:lnRef>
+      <a:fillRef idx="1">
+        <a:scrgbClr r="0" g="0" b="0"/>
+      </a:fillRef>
+      <a:effectRef idx="0">
+        <a:scrgbClr r="0" g="0" b="0"/>
+      </a:effectRef>
+      <a:fontRef idx="minor"/>
+    </dgm:style>
+  </dgm:styleLbl>
+  <dgm:styleLbl name="bgAccFollowNode1">
+    <dgm:scene3d>
+      <a:camera prst="orthographicFront"/>
+      <a:lightRig rig="threePt" dir="t"/>
+    </dgm:scene3d>
+    <dgm:sp3d/>
+    <dgm:txPr/>
+    <dgm:style>
+      <a:lnRef idx="2">
+        <a:scrgbClr r="0" g="0" b="0"/>
+      </a:lnRef>
+      <a:fillRef idx="1">
+        <a:scrgbClr r="0" g="0" b="0"/>
+      </a:fillRef>
+      <a:effectRef idx="0">
+        <a:scrgbClr r="0" g="0" b="0"/>
+      </a:effectRef>
+      <a:fontRef idx="minor"/>
+    </dgm:style>
+  </dgm:styleLbl>
+  <dgm:styleLbl name="fgAcc0">
+    <dgm:scene3d>
+      <a:camera prst="orthographicFront"/>
+      <a:lightRig rig="threePt" dir="t"/>
+    </dgm:scene3d>
+    <dgm:sp3d/>
+    <dgm:txPr/>
+    <dgm:style>
+      <a:lnRef idx="2">
+        <a:scrgbClr r="0" g="0" b="0"/>
+      </a:lnRef>
+      <a:fillRef idx="1">
+        <a:scrgbClr r="0" g="0" b="0"/>
+      </a:fillRef>
+      <a:effectRef idx="0">
+        <a:scrgbClr r="0" g="0" b="0"/>
+      </a:effectRef>
+      <a:fontRef idx="minor"/>
+    </dgm:style>
+  </dgm:styleLbl>
+  <dgm:styleLbl name="fgAcc2">
+    <dgm:scene3d>
+      <a:camera prst="orthographicFront"/>
+      <a:lightRig rig="threePt" dir="t"/>
+    </dgm:scene3d>
+    <dgm:sp3d/>
+    <dgm:txPr/>
+    <dgm:style>
+      <a:lnRef idx="2">
+        <a:scrgbClr r="0" g="0" b="0"/>
+      </a:lnRef>
+      <a:fillRef idx="1">
+        <a:scrgbClr r="0" g="0" b="0"/>
+      </a:fillRef>
+      <a:effectRef idx="0">
+        <a:scrgbClr r="0" g="0" b="0"/>
+      </a:effectRef>
+      <a:fontRef idx="minor"/>
+    </dgm:style>
+  </dgm:styleLbl>
+  <dgm:styleLbl name="fgAcc3">
+    <dgm:scene3d>
+      <a:camera prst="orthographicFront"/>
+      <a:lightRig rig="threePt" dir="t"/>
+    </dgm:scene3d>
+    <dgm:sp3d/>
+    <dgm:txPr/>
+    <dgm:style>
+      <a:lnRef idx="2">
+        <a:scrgbClr r="0" g="0" b="0"/>
+      </a:lnRef>
+      <a:fillRef idx="1">
+        <a:scrgbClr r="0" g="0" b="0"/>
+      </a:fillRef>
+      <a:effectRef idx="0">
+        <a:scrgbClr r="0" g="0" b="0"/>
+      </a:effectRef>
+      <a:fontRef idx="minor"/>
+    </dgm:style>
+  </dgm:styleLbl>
+  <dgm:styleLbl name="fgAcc4">
+    <dgm:scene3d>
+      <a:camera prst="orthographicFront"/>
+      <a:lightRig rig="threePt" dir="t"/>
+    </dgm:scene3d>
+    <dgm:sp3d/>
+    <dgm:txPr/>
+    <dgm:style>
+      <a:lnRef idx="2">
+        <a:scrgbClr r="0" g="0" b="0"/>
+      </a:lnRef>
+      <a:fillRef idx="1">
+        <a:scrgbClr r="0" g="0" b="0"/>
+      </a:fillRef>
+      <a:effectRef idx="0">
+        <a:scrgbClr r="0" g="0" b="0"/>
+      </a:effectRef>
+      <a:fontRef idx="minor"/>
+    </dgm:style>
+  </dgm:styleLbl>
+  <dgm:styleLbl name="bgShp">
+    <dgm:scene3d>
+      <a:camera prst="orthographicFront"/>
+      <a:lightRig rig="threePt" dir="t"/>
+    </dgm:scene3d>
+    <dgm:sp3d/>
+    <dgm:txPr/>
+    <dgm:style>
+      <a:lnRef idx="0">
+        <a:scrgbClr r="0" g="0" b="0"/>
+      </a:lnRef>
+      <a:fillRef idx="1">
+        <a:scrgbClr r="0" g="0" b="0"/>
+      </a:fillRef>
+      <a:effectRef idx="0">
+        <a:scrgbClr r="0" g="0" b="0"/>
+      </a:effectRef>
+      <a:fontRef idx="minor"/>
+    </dgm:style>
+  </dgm:styleLbl>
+  <dgm:styleLbl name="dkBgShp">
+    <dgm:scene3d>
+      <a:camera prst="orthographicFront"/>
+      <a:lightRig rig="threePt" dir="t"/>
+    </dgm:scene3d>
+    <dgm:sp3d/>
+    <dgm:txPr/>
+    <dgm:style>
+      <a:lnRef idx="0">
+        <a:scrgbClr r="0" g="0" b="0"/>
+      </a:lnRef>
+      <a:fillRef idx="1">
+        <a:scrgbClr r="0" g="0" b="0"/>
+      </a:fillRef>
+      <a:effectRef idx="0">
+        <a:scrgbClr r="0" g="0" b="0"/>
+      </a:effectRef>
+      <a:fontRef idx="minor"/>
+    </dgm:style>
+  </dgm:styleLbl>
+  <dgm:styleLbl name="trBgShp">
+    <dgm:scene3d>
+      <a:camera prst="orthographicFront"/>
+      <a:lightRig rig="threePt" dir="t"/>
+    </dgm:scene3d>
+    <dgm:sp3d/>
+    <dgm:txPr/>
+    <dgm:style>
+      <a:lnRef idx="0">
+        <a:scrgbClr r="0" g="0" b="0"/>
+      </a:lnRef>
+      <a:fillRef idx="1">
+        <a:scrgbClr r="0" g="0" b="0"/>
+      </a:fillRef>
+      <a:effectRef idx="0">
+        <a:scrgbClr r="0" g="0" b="0"/>
+      </a:effectRef>
+      <a:fontRef idx="minor"/>
+    </dgm:style>
+  </dgm:styleLbl>
+  <dgm:styleLbl name="fgShp">
+    <dgm:scene3d>
+      <a:camera prst="orthographicFront"/>
+      <a:lightRig rig="threePt" dir="t"/>
+    </dgm:scene3d>
+    <dgm:sp3d/>
+    <dgm:txPr/>
+    <dgm:style>
+      <a:lnRef idx="3">
+        <a:scrgbClr r="0" g="0" b="0"/>
+      </a:lnRef>
+      <a:fillRef idx="1">
+        <a:scrgbClr r="0" g="0" b="0"/>
+      </a:fillRef>
+      <a:effectRef idx="1">
         <a:scrgbClr r="0" g="0" b="0"/>
       </a:effectRef>
       <a:fontRef idx="minor"/>
@@ -3547,7 +6334,7 @@
           <a:p>
             <a:fld id="{4F8D6774-96D8-4B42-A844-CE0CDD408D91}" type="datetimeFigureOut">
               <a:rPr lang="en-US" smtClean="0"/>
-              <a:t>3/29/2018</a:t>
+              <a:t>4/1/2018</a:t>
             </a:fld>
             <a:endParaRPr lang="en-US"/>
           </a:p>
@@ -3745,7 +6532,7 @@
           <a:p>
             <a:fld id="{4F8D6774-96D8-4B42-A844-CE0CDD408D91}" type="datetimeFigureOut">
               <a:rPr lang="en-US" smtClean="0"/>
-              <a:t>3/29/2018</a:t>
+              <a:t>4/1/2018</a:t>
             </a:fld>
             <a:endParaRPr lang="en-US"/>
           </a:p>
@@ -3953,7 +6740,7 @@
           <a:p>
             <a:fld id="{4F8D6774-96D8-4B42-A844-CE0CDD408D91}" type="datetimeFigureOut">
               <a:rPr lang="en-US" smtClean="0"/>
-              <a:t>3/29/2018</a:t>
+              <a:t>4/1/2018</a:t>
             </a:fld>
             <a:endParaRPr lang="en-US"/>
           </a:p>
@@ -4151,7 +6938,7 @@
           <a:p>
             <a:fld id="{4F8D6774-96D8-4B42-A844-CE0CDD408D91}" type="datetimeFigureOut">
               <a:rPr lang="en-US" smtClean="0"/>
-              <a:t>3/29/2018</a:t>
+              <a:t>4/1/2018</a:t>
             </a:fld>
             <a:endParaRPr lang="en-US"/>
           </a:p>
@@ -4426,7 +7213,7 @@
           <a:p>
             <a:fld id="{4F8D6774-96D8-4B42-A844-CE0CDD408D91}" type="datetimeFigureOut">
               <a:rPr lang="en-US" smtClean="0"/>
-              <a:t>3/29/2018</a:t>
+              <a:t>4/1/2018</a:t>
             </a:fld>
             <a:endParaRPr lang="en-US"/>
           </a:p>
@@ -4691,7 +7478,7 @@
           <a:p>
             <a:fld id="{4F8D6774-96D8-4B42-A844-CE0CDD408D91}" type="datetimeFigureOut">
               <a:rPr lang="en-US" smtClean="0"/>
-              <a:t>3/29/2018</a:t>
+              <a:t>4/1/2018</a:t>
             </a:fld>
             <a:endParaRPr lang="en-US"/>
           </a:p>
@@ -5103,7 +7890,7 @@
           <a:p>
             <a:fld id="{4F8D6774-96D8-4B42-A844-CE0CDD408D91}" type="datetimeFigureOut">
               <a:rPr lang="en-US" smtClean="0"/>
-              <a:t>3/29/2018</a:t>
+              <a:t>4/1/2018</a:t>
             </a:fld>
             <a:endParaRPr lang="en-US"/>
           </a:p>
@@ -5244,7 +8031,7 @@
           <a:p>
             <a:fld id="{4F8D6774-96D8-4B42-A844-CE0CDD408D91}" type="datetimeFigureOut">
               <a:rPr lang="en-US" smtClean="0"/>
-              <a:t>3/29/2018</a:t>
+              <a:t>4/1/2018</a:t>
             </a:fld>
             <a:endParaRPr lang="en-US"/>
           </a:p>
@@ -5357,7 +8144,7 @@
           <a:p>
             <a:fld id="{4F8D6774-96D8-4B42-A844-CE0CDD408D91}" type="datetimeFigureOut">
               <a:rPr lang="en-US" smtClean="0"/>
-              <a:t>3/29/2018</a:t>
+              <a:t>4/1/2018</a:t>
             </a:fld>
             <a:endParaRPr lang="en-US"/>
           </a:p>
@@ -5668,7 +8455,7 @@
           <a:p>
             <a:fld id="{4F8D6774-96D8-4B42-A844-CE0CDD408D91}" type="datetimeFigureOut">
               <a:rPr lang="en-US" smtClean="0"/>
-              <a:t>3/29/2018</a:t>
+              <a:t>4/1/2018</a:t>
             </a:fld>
             <a:endParaRPr lang="en-US"/>
           </a:p>
@@ -5956,7 +8743,7 @@
           <a:p>
             <a:fld id="{4F8D6774-96D8-4B42-A844-CE0CDD408D91}" type="datetimeFigureOut">
               <a:rPr lang="en-US" smtClean="0"/>
-              <a:t>3/29/2018</a:t>
+              <a:t>4/1/2018</a:t>
             </a:fld>
             <a:endParaRPr lang="en-US"/>
           </a:p>
@@ -6197,7 +8984,7 @@
           <a:p>
             <a:fld id="{4F8D6774-96D8-4B42-A844-CE0CDD408D91}" type="datetimeFigureOut">
               <a:rPr lang="en-US" smtClean="0"/>
-              <a:t>3/29/2018</a:t>
+              <a:t>4/1/2018</a:t>
             </a:fld>
             <a:endParaRPr lang="en-US"/>
           </a:p>
@@ -16824,6 +19611,64 @@
 </p:sld>
 </file>
 
+<file path=ppt/slides/slide9.xml><?xml version="1.0" encoding="utf-8"?>
+<p:sld xmlns:a="http://schemas.openxmlformats.org/drawingml/2006/main" xmlns:r="http://schemas.openxmlformats.org/officeDocument/2006/relationships" xmlns:p="http://schemas.openxmlformats.org/presentationml/2006/main">
+  <p:cSld>
+    <p:spTree>
+      <p:nvGrpSpPr>
+        <p:cNvPr id="1" name=""/>
+        <p:cNvGrpSpPr/>
+        <p:nvPr/>
+      </p:nvGrpSpPr>
+      <p:grpSpPr>
+        <a:xfrm>
+          <a:off x="0" y="0"/>
+          <a:ext cx="0" cy="0"/>
+          <a:chOff x="0" y="0"/>
+          <a:chExt cx="0" cy="0"/>
+        </a:xfrm>
+      </p:grpSpPr>
+      <p:graphicFrame>
+        <p:nvGraphicFramePr>
+          <p:cNvPr id="4" name="Diagram 3">
+            <a:extLst>
+              <a:ext uri="{FF2B5EF4-FFF2-40B4-BE49-F238E27FC236}">
+                <a16:creationId xmlns:a16="http://schemas.microsoft.com/office/drawing/2014/main" id="{81B6BFEA-579B-4335-90C2-9BFF7461A864}"/>
+              </a:ext>
+            </a:extLst>
+          </p:cNvPr>
+          <p:cNvGraphicFramePr/>
+          <p:nvPr>
+            <p:extLst>
+              <p:ext uri="{D42A27DB-BD31-4B8C-83A1-F6EECF244321}">
+                <p14:modId xmlns:p14="http://schemas.microsoft.com/office/powerpoint/2010/main" val="2744922277"/>
+              </p:ext>
+            </p:extLst>
+          </p:nvPr>
+        </p:nvGraphicFramePr>
+        <p:xfrm>
+          <a:off x="2425149" y="993914"/>
+          <a:ext cx="5950226" cy="4253948"/>
+        </p:xfrm>
+        <a:graphic>
+          <a:graphicData uri="http://schemas.openxmlformats.org/drawingml/2006/diagram">
+            <dgm:relIds xmlns:dgm="http://schemas.openxmlformats.org/drawingml/2006/diagram" xmlns:r="http://schemas.openxmlformats.org/officeDocument/2006/relationships" r:dm="rId2" r:lo="rId3" r:qs="rId4" r:cs="rId5"/>
+          </a:graphicData>
+        </a:graphic>
+      </p:graphicFrame>
+    </p:spTree>
+    <p:extLst>
+      <p:ext uri="{BB962C8B-B14F-4D97-AF65-F5344CB8AC3E}">
+        <p14:creationId xmlns:p14="http://schemas.microsoft.com/office/powerpoint/2010/main" val="2207597018"/>
+      </p:ext>
+    </p:extLst>
+  </p:cSld>
+  <p:clrMapOvr>
+    <a:masterClrMapping/>
+  </p:clrMapOvr>
+</p:sld>
+</file>
+
 <file path=ppt/theme/theme1.xml><?xml version="1.0" encoding="utf-8"?>
 <a:theme xmlns:a="http://schemas.openxmlformats.org/drawingml/2006/main" name="Office Theme">
   <a:themeElements>

--- a/Notes/Diagrams.pptx
+++ b/Notes/Diagrams.pptx
@@ -14,6 +14,7 @@
     <p:sldId id="262" r:id="rId8"/>
     <p:sldId id="263" r:id="rId9"/>
     <p:sldId id="264" r:id="rId10"/>
+    <p:sldId id="265" r:id="rId11"/>
   </p:sldIdLst>
   <p:sldSz cx="12192000" cy="6858000"/>
   <p:notesSz cx="6858000" cy="9144000"/>
@@ -10450,6 +10451,152 @@
 </p:sld>
 </file>
 
+<file path=ppt/slides/slide10.xml><?xml version="1.0" encoding="utf-8"?>
+<p:sld xmlns:a="http://schemas.openxmlformats.org/drawingml/2006/main" xmlns:r="http://schemas.openxmlformats.org/officeDocument/2006/relationships" xmlns:p="http://schemas.openxmlformats.org/presentationml/2006/main">
+  <p:cSld>
+    <p:spTree>
+      <p:nvGrpSpPr>
+        <p:cNvPr id="1" name=""/>
+        <p:cNvGrpSpPr/>
+        <p:nvPr/>
+      </p:nvGrpSpPr>
+      <p:grpSpPr>
+        <a:xfrm>
+          <a:off x="0" y="0"/>
+          <a:ext cx="0" cy="0"/>
+          <a:chOff x="0" y="0"/>
+          <a:chExt cx="0" cy="0"/>
+        </a:xfrm>
+      </p:grpSpPr>
+      <p:sp>
+        <p:nvSpPr>
+          <p:cNvPr id="2" name="Rectangle 1">
+            <a:extLst>
+              <a:ext uri="{FF2B5EF4-FFF2-40B4-BE49-F238E27FC236}">
+                <a16:creationId xmlns:a16="http://schemas.microsoft.com/office/drawing/2014/main" id="{43873212-AC4F-4FF2-8A8F-79091AD2CF25}"/>
+              </a:ext>
+            </a:extLst>
+          </p:cNvPr>
+          <p:cNvSpPr/>
+          <p:nvPr/>
+        </p:nvSpPr>
+        <p:spPr>
+          <a:xfrm>
+            <a:off x="1086678" y="742124"/>
+            <a:ext cx="7564953" cy="5355312"/>
+          </a:xfrm>
+          <a:prstGeom prst="rect">
+            <a:avLst/>
+          </a:prstGeom>
+          <a:solidFill>
+            <a:schemeClr val="bg1">
+              <a:lumMod val="95000"/>
+            </a:schemeClr>
+          </a:solidFill>
+          <a:ln>
+            <a:solidFill>
+              <a:schemeClr val="tx1"/>
+            </a:solidFill>
+          </a:ln>
+        </p:spPr>
+        <p:txBody>
+          <a:bodyPr wrap="square" lIns="274320" tIns="274320" rIns="274320" bIns="274320">
+            <a:spAutoFit/>
+          </a:bodyPr>
+          <a:lstStyle/>
+          <a:p>
+            <a:r>
+              <a:rPr lang="en-US" sz="2400" i="1" dirty="0"/>
+              <a:t>big_cat(X, noun_animal) :- lion(X, noun_animal)</a:t>
+            </a:r>
+          </a:p>
+          <a:p>
+            <a:r>
+              <a:rPr lang="en-US" sz="2400" i="1" dirty="0"/>
+              <a:t>feline(X, noun_animal) :- big_cat(X, noun_animal)</a:t>
+            </a:r>
+          </a:p>
+          <a:p>
+            <a:r>
+              <a:rPr lang="en-US" sz="2400" i="1" dirty="0"/>
+              <a:t>carnivore(X, noun_animal) :- feline(X, noun_animal)</a:t>
+            </a:r>
+          </a:p>
+          <a:p>
+            <a:r>
+              <a:rPr lang="en-US" sz="2400" i="1" dirty="0"/>
+              <a:t>placental(X, noun_animal) :- carnivore(X, noun_animal)</a:t>
+            </a:r>
+          </a:p>
+          <a:p>
+            <a:r>
+              <a:rPr lang="en-US" sz="2400" i="1" dirty="0"/>
+              <a:t>mammal(X, noun_animal) :- placental(X, noun_animal)</a:t>
+            </a:r>
+          </a:p>
+          <a:p>
+            <a:r>
+              <a:rPr lang="en-US" sz="2400" i="1" dirty="0"/>
+              <a:t>vertebrate(X, noun_animal) :- mammal(X, noun_animal)</a:t>
+            </a:r>
+          </a:p>
+          <a:p>
+            <a:r>
+              <a:rPr lang="en-US" sz="2400" i="1" dirty="0"/>
+              <a:t>chordate(X, noun_animal) :- vertebrate(X, noun_animal)</a:t>
+            </a:r>
+          </a:p>
+          <a:p>
+            <a:r>
+              <a:rPr lang="en-US" sz="2400" i="1" dirty="0"/>
+              <a:t>animal(X, noun_tops) :- chordate(X, noun_animal)</a:t>
+            </a:r>
+          </a:p>
+          <a:p>
+            <a:r>
+              <a:rPr lang="en-US" sz="2400" i="1" dirty="0"/>
+              <a:t>organism(X, noun_tops) :- animal(X, noun_tops)</a:t>
+            </a:r>
+          </a:p>
+          <a:p>
+            <a:r>
+              <a:rPr lang="en-US" sz="2400" i="1" dirty="0"/>
+              <a:t>living_thing(X, noun_tops) :- organism(X, noun_tops)</a:t>
+            </a:r>
+          </a:p>
+          <a:p>
+            <a:r>
+              <a:rPr lang="en-US" sz="2400" i="1" dirty="0"/>
+              <a:t>object(X, noun_tops) :- living_thing(X, noun_tops)</a:t>
+            </a:r>
+          </a:p>
+          <a:p>
+            <a:r>
+              <a:rPr lang="en-US" sz="2400" i="1" dirty="0"/>
+              <a:t>physical_entity(X, noun_tops) :- object(X, noun_tops)</a:t>
+            </a:r>
+          </a:p>
+          <a:p>
+            <a:r>
+              <a:rPr lang="en-US" sz="2400" i="1" dirty="0"/>
+              <a:t>entity(X, noun_tops) :- physical_entity(X, noun_tops)</a:t>
+            </a:r>
+          </a:p>
+        </p:txBody>
+      </p:sp>
+    </p:spTree>
+    <p:extLst>
+      <p:ext uri="{BB962C8B-B14F-4D97-AF65-F5344CB8AC3E}">
+        <p14:creationId xmlns:p14="http://schemas.microsoft.com/office/powerpoint/2010/main" val="3502811021"/>
+      </p:ext>
+    </p:extLst>
+  </p:cSld>
+  <p:clrMapOvr>
+    <a:masterClrMapping/>
+  </p:clrMapOvr>
+</p:sld>
+</file>
+
 <file path=ppt/slides/slide2.xml><?xml version="1.0" encoding="utf-8"?>
 <p:sld xmlns:a="http://schemas.openxmlformats.org/drawingml/2006/main" xmlns:r="http://schemas.openxmlformats.org/officeDocument/2006/relationships" xmlns:p="http://schemas.openxmlformats.org/presentationml/2006/main">
   <p:cSld>

--- a/Notes/Diagrams.pptx
+++ b/Notes/Diagrams.pptx
@@ -15,6 +15,9 @@
     <p:sldId id="263" r:id="rId9"/>
     <p:sldId id="264" r:id="rId10"/>
     <p:sldId id="265" r:id="rId11"/>
+    <p:sldId id="266" r:id="rId12"/>
+    <p:sldId id="267" r:id="rId13"/>
+    <p:sldId id="268" r:id="rId14"/>
   </p:sldIdLst>
   <p:sldSz cx="12192000" cy="6858000"/>
   <p:notesSz cx="6858000" cy="9144000"/>
@@ -6335,7 +6338,7 @@
           <a:p>
             <a:fld id="{4F8D6774-96D8-4B42-A844-CE0CDD408D91}" type="datetimeFigureOut">
               <a:rPr lang="en-US" smtClean="0"/>
-              <a:t>4/1/2018</a:t>
+              <a:t>4/3/2018</a:t>
             </a:fld>
             <a:endParaRPr lang="en-US"/>
           </a:p>
@@ -6533,7 +6536,7 @@
           <a:p>
             <a:fld id="{4F8D6774-96D8-4B42-A844-CE0CDD408D91}" type="datetimeFigureOut">
               <a:rPr lang="en-US" smtClean="0"/>
-              <a:t>4/1/2018</a:t>
+              <a:t>4/3/2018</a:t>
             </a:fld>
             <a:endParaRPr lang="en-US"/>
           </a:p>
@@ -6741,7 +6744,7 @@
           <a:p>
             <a:fld id="{4F8D6774-96D8-4B42-A844-CE0CDD408D91}" type="datetimeFigureOut">
               <a:rPr lang="en-US" smtClean="0"/>
-              <a:t>4/1/2018</a:t>
+              <a:t>4/3/2018</a:t>
             </a:fld>
             <a:endParaRPr lang="en-US"/>
           </a:p>
@@ -6939,7 +6942,7 @@
           <a:p>
             <a:fld id="{4F8D6774-96D8-4B42-A844-CE0CDD408D91}" type="datetimeFigureOut">
               <a:rPr lang="en-US" smtClean="0"/>
-              <a:t>4/1/2018</a:t>
+              <a:t>4/3/2018</a:t>
             </a:fld>
             <a:endParaRPr lang="en-US"/>
           </a:p>
@@ -7214,7 +7217,7 @@
           <a:p>
             <a:fld id="{4F8D6774-96D8-4B42-A844-CE0CDD408D91}" type="datetimeFigureOut">
               <a:rPr lang="en-US" smtClean="0"/>
-              <a:t>4/1/2018</a:t>
+              <a:t>4/3/2018</a:t>
             </a:fld>
             <a:endParaRPr lang="en-US"/>
           </a:p>
@@ -7479,7 +7482,7 @@
           <a:p>
             <a:fld id="{4F8D6774-96D8-4B42-A844-CE0CDD408D91}" type="datetimeFigureOut">
               <a:rPr lang="en-US" smtClean="0"/>
-              <a:t>4/1/2018</a:t>
+              <a:t>4/3/2018</a:t>
             </a:fld>
             <a:endParaRPr lang="en-US"/>
           </a:p>
@@ -7891,7 +7894,7 @@
           <a:p>
             <a:fld id="{4F8D6774-96D8-4B42-A844-CE0CDD408D91}" type="datetimeFigureOut">
               <a:rPr lang="en-US" smtClean="0"/>
-              <a:t>4/1/2018</a:t>
+              <a:t>4/3/2018</a:t>
             </a:fld>
             <a:endParaRPr lang="en-US"/>
           </a:p>
@@ -8032,7 +8035,7 @@
           <a:p>
             <a:fld id="{4F8D6774-96D8-4B42-A844-CE0CDD408D91}" type="datetimeFigureOut">
               <a:rPr lang="en-US" smtClean="0"/>
-              <a:t>4/1/2018</a:t>
+              <a:t>4/3/2018</a:t>
             </a:fld>
             <a:endParaRPr lang="en-US"/>
           </a:p>
@@ -8145,7 +8148,7 @@
           <a:p>
             <a:fld id="{4F8D6774-96D8-4B42-A844-CE0CDD408D91}" type="datetimeFigureOut">
               <a:rPr lang="en-US" smtClean="0"/>
-              <a:t>4/1/2018</a:t>
+              <a:t>4/3/2018</a:t>
             </a:fld>
             <a:endParaRPr lang="en-US"/>
           </a:p>
@@ -8456,7 +8459,7 @@
           <a:p>
             <a:fld id="{4F8D6774-96D8-4B42-A844-CE0CDD408D91}" type="datetimeFigureOut">
               <a:rPr lang="en-US" smtClean="0"/>
-              <a:t>4/1/2018</a:t>
+              <a:t>4/3/2018</a:t>
             </a:fld>
             <a:endParaRPr lang="en-US"/>
           </a:p>
@@ -8744,7 +8747,7 @@
           <a:p>
             <a:fld id="{4F8D6774-96D8-4B42-A844-CE0CDD408D91}" type="datetimeFigureOut">
               <a:rPr lang="en-US" smtClean="0"/>
-              <a:t>4/1/2018</a:t>
+              <a:t>4/3/2018</a:t>
             </a:fld>
             <a:endParaRPr lang="en-US"/>
           </a:p>
@@ -8985,7 +8988,7 @@
           <a:p>
             <a:fld id="{4F8D6774-96D8-4B42-A844-CE0CDD408D91}" type="datetimeFigureOut">
               <a:rPr lang="en-US" smtClean="0"/>
-              <a:t>4/1/2018</a:t>
+              <a:t>4/3/2018</a:t>
             </a:fld>
             <a:endParaRPr lang="en-US"/>
           </a:p>
@@ -10489,9 +10492,7 @@
             <a:avLst/>
           </a:prstGeom>
           <a:solidFill>
-            <a:schemeClr val="bg1">
-              <a:lumMod val="95000"/>
-            </a:schemeClr>
+            <a:schemeClr val="bg1"/>
           </a:solidFill>
           <a:ln>
             <a:solidFill>
@@ -10588,6 +10589,3299 @@
     <p:extLst>
       <p:ext uri="{BB962C8B-B14F-4D97-AF65-F5344CB8AC3E}">
         <p14:creationId xmlns:p14="http://schemas.microsoft.com/office/powerpoint/2010/main" val="3502811021"/>
+      </p:ext>
+    </p:extLst>
+  </p:cSld>
+  <p:clrMapOvr>
+    <a:masterClrMapping/>
+  </p:clrMapOvr>
+</p:sld>
+</file>
+
+<file path=ppt/slides/slide11.xml><?xml version="1.0" encoding="utf-8"?>
+<p:sld xmlns:a="http://schemas.openxmlformats.org/drawingml/2006/main" xmlns:r="http://schemas.openxmlformats.org/officeDocument/2006/relationships" xmlns:p="http://schemas.openxmlformats.org/presentationml/2006/main">
+  <p:cSld>
+    <p:spTree>
+      <p:nvGrpSpPr>
+        <p:cNvPr id="1" name=""/>
+        <p:cNvGrpSpPr/>
+        <p:nvPr/>
+      </p:nvGrpSpPr>
+      <p:grpSpPr>
+        <a:xfrm>
+          <a:off x="0" y="0"/>
+          <a:ext cx="0" cy="0"/>
+          <a:chOff x="0" y="0"/>
+          <a:chExt cx="0" cy="0"/>
+        </a:xfrm>
+      </p:grpSpPr>
+      <p:sp>
+        <p:nvSpPr>
+          <p:cNvPr id="2" name="Rectangle 1">
+            <a:extLst>
+              <a:ext uri="{FF2B5EF4-FFF2-40B4-BE49-F238E27FC236}">
+                <a16:creationId xmlns:a16="http://schemas.microsoft.com/office/drawing/2014/main" id="{43873212-AC4F-4FF2-8A8F-79091AD2CF25}"/>
+              </a:ext>
+            </a:extLst>
+          </p:cNvPr>
+          <p:cNvSpPr/>
+          <p:nvPr/>
+        </p:nvSpPr>
+        <p:spPr>
+          <a:xfrm>
+            <a:off x="636104" y="936010"/>
+            <a:ext cx="9568070" cy="4985980"/>
+          </a:xfrm>
+          <a:prstGeom prst="rect">
+            <a:avLst/>
+          </a:prstGeom>
+          <a:solidFill>
+            <a:schemeClr val="bg1"/>
+          </a:solidFill>
+          <a:ln>
+            <a:solidFill>
+              <a:schemeClr val="tx1"/>
+            </a:solidFill>
+          </a:ln>
+        </p:spPr>
+        <p:txBody>
+          <a:bodyPr wrap="square" lIns="274320" tIns="274320" rIns="274320" bIns="274320">
+            <a:spAutoFit/>
+          </a:bodyPr>
+          <a:lstStyle/>
+          <a:p>
+            <a:r>
+              <a:rPr lang="en-US" sz="2400" i="1" dirty="0"/>
+              <a:t>procedure GenerateHypernymOntology(word)</a:t>
+            </a:r>
+          </a:p>
+          <a:p>
+            <a:r>
+              <a:rPr lang="en-US" sz="2400" i="1" dirty="0"/>
+              <a:t>	if (word is a valid noun)</a:t>
+            </a:r>
+          </a:p>
+          <a:p>
+            <a:r>
+              <a:rPr lang="en-US" sz="2400" i="1" dirty="0"/>
+              <a:t>		// This method returns all the senses of the word from</a:t>
+            </a:r>
+          </a:p>
+          <a:p>
+            <a:r>
+              <a:rPr lang="en-US" sz="2400" i="1" dirty="0"/>
+              <a:t>		// WordNet ranked by frequency of use from most to least</a:t>
+            </a:r>
+          </a:p>
+          <a:p>
+            <a:r>
+              <a:rPr lang="en-US" sz="2400" i="1" dirty="0"/>
+              <a:t>		senses = GetAllRankedSenses(word) </a:t>
+            </a:r>
+          </a:p>
+          <a:p>
+            <a:r>
+              <a:rPr lang="en-US" sz="2400" i="1" dirty="0"/>
+              <a:t>		</a:t>
+            </a:r>
+          </a:p>
+          <a:p>
+            <a:r>
+              <a:rPr lang="en-US" sz="2400" i="1" dirty="0"/>
+              <a:t>		for each sense </a:t>
+            </a:r>
+            <a:r>
+              <a:rPr lang="az-Cyrl-AZ" sz="2400" i="1" dirty="0"/>
+              <a:t>Є</a:t>
+            </a:r>
+            <a:r>
+              <a:rPr lang="en-US" sz="2400" i="1" dirty="0"/>
+              <a:t> senses do</a:t>
+            </a:r>
+          </a:p>
+          <a:p>
+            <a:r>
+              <a:rPr lang="en-US" sz="2400" i="1" dirty="0"/>
+              <a:t>			GetHypernyms(sense, word)</a:t>
+            </a:r>
+          </a:p>
+          <a:p>
+            <a:r>
+              <a:rPr lang="en-US" sz="2400" i="1" dirty="0"/>
+              <a:t>			add sense to conceptBag</a:t>
+            </a:r>
+          </a:p>
+          <a:p>
+            <a:r>
+              <a:rPr lang="en-US" sz="2400" i="1" dirty="0"/>
+              <a:t>		end for</a:t>
+            </a:r>
+          </a:p>
+          <a:p>
+            <a:r>
+              <a:rPr lang="en-US" sz="2400" i="1" dirty="0"/>
+              <a:t>	end if</a:t>
+            </a:r>
+          </a:p>
+          <a:p>
+            <a:r>
+              <a:rPr lang="en-US" sz="2400" i="1" dirty="0"/>
+              <a:t>end procedure</a:t>
+            </a:r>
+          </a:p>
+        </p:txBody>
+      </p:sp>
+    </p:spTree>
+    <p:extLst>
+      <p:ext uri="{BB962C8B-B14F-4D97-AF65-F5344CB8AC3E}">
+        <p14:creationId xmlns:p14="http://schemas.microsoft.com/office/powerpoint/2010/main" val="3504249880"/>
+      </p:ext>
+    </p:extLst>
+  </p:cSld>
+  <p:clrMapOvr>
+    <a:masterClrMapping/>
+  </p:clrMapOvr>
+</p:sld>
+</file>
+
+<file path=ppt/slides/slide12.xml><?xml version="1.0" encoding="utf-8"?>
+<p:sld xmlns:a="http://schemas.openxmlformats.org/drawingml/2006/main" xmlns:r="http://schemas.openxmlformats.org/officeDocument/2006/relationships" xmlns:p="http://schemas.openxmlformats.org/presentationml/2006/main">
+  <p:cSld>
+    <p:spTree>
+      <p:nvGrpSpPr>
+        <p:cNvPr id="1" name=""/>
+        <p:cNvGrpSpPr/>
+        <p:nvPr/>
+      </p:nvGrpSpPr>
+      <p:grpSpPr>
+        <a:xfrm>
+          <a:off x="0" y="0"/>
+          <a:ext cx="0" cy="0"/>
+          <a:chOff x="0" y="0"/>
+          <a:chExt cx="0" cy="0"/>
+        </a:xfrm>
+      </p:grpSpPr>
+      <p:sp>
+        <p:nvSpPr>
+          <p:cNvPr id="2" name="Rectangle 1">
+            <a:extLst>
+              <a:ext uri="{FF2B5EF4-FFF2-40B4-BE49-F238E27FC236}">
+                <a16:creationId xmlns:a16="http://schemas.microsoft.com/office/drawing/2014/main" id="{43873212-AC4F-4FF2-8A8F-79091AD2CF25}"/>
+              </a:ext>
+            </a:extLst>
+          </p:cNvPr>
+          <p:cNvSpPr/>
+          <p:nvPr/>
+        </p:nvSpPr>
+        <p:spPr>
+          <a:xfrm>
+            <a:off x="636104" y="382012"/>
+            <a:ext cx="9276522" cy="6093976"/>
+          </a:xfrm>
+          <a:prstGeom prst="rect">
+            <a:avLst/>
+          </a:prstGeom>
+          <a:solidFill>
+            <a:schemeClr val="bg1"/>
+          </a:solidFill>
+          <a:ln>
+            <a:solidFill>
+              <a:schemeClr val="tx1"/>
+            </a:solidFill>
+          </a:ln>
+        </p:spPr>
+        <p:txBody>
+          <a:bodyPr wrap="square" lIns="274320" tIns="274320" rIns="274320" bIns="274320">
+            <a:spAutoFit/>
+          </a:bodyPr>
+          <a:lstStyle/>
+          <a:p>
+            <a:r>
+              <a:rPr lang="en-US" sz="2400" i="1" dirty="0"/>
+              <a:t>procedure GetHypernyms(sense, </a:t>
+            </a:r>
+            <a:r>
+              <a:rPr lang="en-US" sz="2400" i="1" dirty="0" err="1"/>
+              <a:t>parentConcept</a:t>
+            </a:r>
+            <a:r>
+              <a:rPr lang="en-US" sz="2400" i="1" dirty="0"/>
+              <a:t>){</a:t>
+            </a:r>
+          </a:p>
+          <a:p>
+            <a:r>
+              <a:rPr lang="en-US" sz="2400" i="1" dirty="0"/>
+              <a:t>	// This function gets all the hypernyms from WordNet</a:t>
+            </a:r>
+          </a:p>
+          <a:p>
+            <a:r>
+              <a:rPr lang="en-US" sz="2400" i="1" dirty="0"/>
+              <a:t>	hypernyms = </a:t>
+            </a:r>
+            <a:r>
+              <a:rPr lang="en-US" sz="2400" i="1" dirty="0" err="1"/>
+              <a:t>getHypernymRelation</a:t>
+            </a:r>
+            <a:r>
+              <a:rPr lang="en-US" sz="2400" i="1" dirty="0"/>
+              <a:t>(sense)</a:t>
+            </a:r>
+          </a:p>
+          <a:p>
+            <a:r>
+              <a:rPr lang="en-US" sz="2400" i="1" dirty="0"/>
+              <a:t>	if (hypernyms contain an hypernym with 'sense')</a:t>
+            </a:r>
+          </a:p>
+          <a:p>
+            <a:r>
+              <a:rPr lang="en-US" sz="2400" i="1" dirty="0"/>
+              <a:t>		hypernym = </a:t>
+            </a:r>
+            <a:r>
+              <a:rPr lang="en-US" sz="2400" i="1" dirty="0" err="1"/>
+              <a:t>hypernyms.get</a:t>
+            </a:r>
+            <a:r>
+              <a:rPr lang="en-US" sz="2400" i="1" dirty="0"/>
+              <a:t>(sense);</a:t>
+            </a:r>
+          </a:p>
+          <a:p>
+            <a:r>
+              <a:rPr lang="en-US" sz="2400" i="1" dirty="0"/>
+              <a:t>	else if (hypernyms contain an hypernym with sense '</a:t>
+            </a:r>
+            <a:r>
+              <a:rPr lang="en-US" sz="2400" i="1" dirty="0" err="1"/>
+              <a:t>noun.Tops</a:t>
+            </a:r>
+            <a:r>
+              <a:rPr lang="en-US" sz="2400" i="1" dirty="0"/>
+              <a:t>')</a:t>
+            </a:r>
+          </a:p>
+          <a:p>
+            <a:r>
+              <a:rPr lang="en-US" sz="2400" i="1" dirty="0"/>
+              <a:t>		hypernym = </a:t>
+            </a:r>
+            <a:r>
+              <a:rPr lang="en-US" sz="2400" i="1" dirty="0" err="1"/>
+              <a:t>hypernyms.get</a:t>
+            </a:r>
+            <a:r>
+              <a:rPr lang="en-US" sz="2400" i="1" dirty="0"/>
+              <a:t>(</a:t>
+            </a:r>
+            <a:r>
+              <a:rPr lang="en-US" sz="2400" i="1" dirty="0" err="1"/>
+              <a:t>noun.Tops</a:t>
+            </a:r>
+            <a:r>
+              <a:rPr lang="en-US" sz="2400" i="1" dirty="0"/>
+              <a:t>);</a:t>
+            </a:r>
+          </a:p>
+          <a:p>
+            <a:r>
+              <a:rPr lang="en-US" sz="2400" i="1" dirty="0"/>
+              <a:t>	end if</a:t>
+            </a:r>
+          </a:p>
+          <a:p>
+            <a:r>
+              <a:rPr lang="en-US" sz="2400" i="1" dirty="0"/>
+              <a:t>	</a:t>
+            </a:r>
+          </a:p>
+          <a:p>
+            <a:r>
+              <a:rPr lang="en-US" sz="2400" i="1" dirty="0"/>
+              <a:t>	Concept </a:t>
+            </a:r>
+            <a:r>
+              <a:rPr lang="en-US" sz="2400" i="1" dirty="0" err="1"/>
+              <a:t>concept</a:t>
+            </a:r>
+            <a:r>
+              <a:rPr lang="en-US" sz="2400" i="1" dirty="0"/>
+              <a:t> = </a:t>
+            </a:r>
+            <a:r>
+              <a:rPr lang="en-US" sz="2400" i="1" dirty="0" err="1"/>
+              <a:t>conceptBag.get</a:t>
+            </a:r>
+            <a:r>
+              <a:rPr lang="en-US" sz="2400" i="1" dirty="0"/>
+              <a:t>(hypernym);</a:t>
+            </a:r>
+          </a:p>
+          <a:p>
+            <a:r>
+              <a:rPr lang="en-US" sz="2400" i="1" dirty="0"/>
+              <a:t>	</a:t>
+            </a:r>
+            <a:r>
+              <a:rPr lang="en-US" sz="2400" i="1" dirty="0" err="1"/>
+              <a:t>parentConcept.SetHypernym</a:t>
+            </a:r>
+            <a:r>
+              <a:rPr lang="en-US" sz="2400" i="1" dirty="0"/>
+              <a:t>(sense, concept);</a:t>
+            </a:r>
+          </a:p>
+          <a:p>
+            <a:r>
+              <a:rPr lang="en-US" sz="2400" i="1" dirty="0"/>
+              <a:t>	</a:t>
+            </a:r>
+            <a:r>
+              <a:rPr lang="en-US" sz="2400" i="1" dirty="0" err="1"/>
+              <a:t>conceptBag.add</a:t>
+            </a:r>
+            <a:r>
+              <a:rPr lang="en-US" sz="2400" i="1" dirty="0"/>
+              <a:t>(</a:t>
+            </a:r>
+            <a:r>
+              <a:rPr lang="en-US" sz="2400" i="1" dirty="0" err="1"/>
+              <a:t>hypernymConcept</a:t>
+            </a:r>
+            <a:r>
+              <a:rPr lang="en-US" sz="2400" i="1" dirty="0"/>
+              <a:t>);</a:t>
+            </a:r>
+          </a:p>
+          <a:p>
+            <a:endParaRPr lang="en-US" sz="2400" i="1" dirty="0"/>
+          </a:p>
+          <a:p>
+            <a:r>
+              <a:rPr lang="en-US" sz="2400" i="1" dirty="0"/>
+              <a:t>	GetHypernyms(sense, concept);</a:t>
+            </a:r>
+          </a:p>
+          <a:p>
+            <a:r>
+              <a:rPr lang="en-US" sz="2400" i="1" dirty="0"/>
+              <a:t>end procedure</a:t>
+            </a:r>
+          </a:p>
+        </p:txBody>
+      </p:sp>
+    </p:spTree>
+    <p:extLst>
+      <p:ext uri="{BB962C8B-B14F-4D97-AF65-F5344CB8AC3E}">
+        <p14:creationId xmlns:p14="http://schemas.microsoft.com/office/powerpoint/2010/main" val="218577993"/>
+      </p:ext>
+    </p:extLst>
+  </p:cSld>
+  <p:clrMapOvr>
+    <a:masterClrMapping/>
+  </p:clrMapOvr>
+</p:sld>
+</file>
+
+<file path=ppt/slides/slide13.xml><?xml version="1.0" encoding="utf-8"?>
+<p:sld xmlns:a="http://schemas.openxmlformats.org/drawingml/2006/main" xmlns:r="http://schemas.openxmlformats.org/officeDocument/2006/relationships" xmlns:p="http://schemas.openxmlformats.org/presentationml/2006/main">
+  <p:cSld>
+    <p:spTree>
+      <p:nvGrpSpPr>
+        <p:cNvPr id="1" name=""/>
+        <p:cNvGrpSpPr/>
+        <p:nvPr/>
+      </p:nvGrpSpPr>
+      <p:grpSpPr>
+        <a:xfrm>
+          <a:off x="0" y="0"/>
+          <a:ext cx="0" cy="0"/>
+          <a:chOff x="0" y="0"/>
+          <a:chExt cx="0" cy="0"/>
+        </a:xfrm>
+      </p:grpSpPr>
+      <p:sp>
+        <p:nvSpPr>
+          <p:cNvPr id="3" name="Oval 2">
+            <a:extLst>
+              <a:ext uri="{FF2B5EF4-FFF2-40B4-BE49-F238E27FC236}">
+                <a16:creationId xmlns:a16="http://schemas.microsoft.com/office/drawing/2014/main" id="{F8B4919D-3968-4206-A957-C5E9CDA3EE84}"/>
+              </a:ext>
+            </a:extLst>
+          </p:cNvPr>
+          <p:cNvSpPr/>
+          <p:nvPr/>
+        </p:nvSpPr>
+        <p:spPr>
+          <a:xfrm>
+            <a:off x="311716" y="3137452"/>
+            <a:ext cx="1139687" cy="583096"/>
+          </a:xfrm>
+          <a:prstGeom prst="ellipse">
+            <a:avLst/>
+          </a:prstGeom>
+        </p:spPr>
+        <p:style>
+          <a:lnRef idx="2">
+            <a:schemeClr val="dk1"/>
+          </a:lnRef>
+          <a:fillRef idx="1">
+            <a:schemeClr val="lt1"/>
+          </a:fillRef>
+          <a:effectRef idx="0">
+            <a:schemeClr val="dk1"/>
+          </a:effectRef>
+          <a:fontRef idx="minor">
+            <a:schemeClr val="dk1"/>
+          </a:fontRef>
+        </p:style>
+        <p:txBody>
+          <a:bodyPr rtlCol="0" anchor="ctr"/>
+          <a:lstStyle/>
+          <a:p>
+            <a:pPr algn="ctr"/>
+            <a:r>
+              <a:rPr lang="en-US" dirty="0"/>
+              <a:t>lion</a:t>
+            </a:r>
+          </a:p>
+        </p:txBody>
+      </p:sp>
+      <p:sp>
+        <p:nvSpPr>
+          <p:cNvPr id="4" name="Oval 3">
+            <a:extLst>
+              <a:ext uri="{FF2B5EF4-FFF2-40B4-BE49-F238E27FC236}">
+                <a16:creationId xmlns:a16="http://schemas.microsoft.com/office/drawing/2014/main" id="{4FA7FA10-D8EF-4661-868D-7E2E7A59B095}"/>
+              </a:ext>
+            </a:extLst>
+          </p:cNvPr>
+          <p:cNvSpPr/>
+          <p:nvPr/>
+        </p:nvSpPr>
+        <p:spPr>
+          <a:xfrm>
+            <a:off x="941295" y="2195413"/>
+            <a:ext cx="1020215" cy="583096"/>
+          </a:xfrm>
+          <a:prstGeom prst="ellipse">
+            <a:avLst/>
+          </a:prstGeom>
+          <a:solidFill>
+            <a:schemeClr val="accent6">
+              <a:lumMod val="40000"/>
+              <a:lumOff val="60000"/>
+            </a:schemeClr>
+          </a:solidFill>
+        </p:spPr>
+        <p:style>
+          <a:lnRef idx="2">
+            <a:schemeClr val="dk1"/>
+          </a:lnRef>
+          <a:fillRef idx="1">
+            <a:schemeClr val="lt1"/>
+          </a:fillRef>
+          <a:effectRef idx="0">
+            <a:schemeClr val="dk1"/>
+          </a:effectRef>
+          <a:fontRef idx="minor">
+            <a:schemeClr val="dk1"/>
+          </a:fontRef>
+        </p:style>
+        <p:txBody>
+          <a:bodyPr rtlCol="0" anchor="ctr"/>
+          <a:lstStyle/>
+          <a:p>
+            <a:pPr algn="ctr"/>
+            <a:r>
+              <a:rPr lang="en-US" dirty="0"/>
+              <a:t>big</a:t>
+            </a:r>
+          </a:p>
+          <a:p>
+            <a:pPr algn="ctr"/>
+            <a:r>
+              <a:rPr lang="en-US" dirty="0"/>
+              <a:t>cat</a:t>
+            </a:r>
+          </a:p>
+        </p:txBody>
+      </p:sp>
+      <p:sp>
+        <p:nvSpPr>
+          <p:cNvPr id="5" name="Oval 4">
+            <a:extLst>
+              <a:ext uri="{FF2B5EF4-FFF2-40B4-BE49-F238E27FC236}">
+                <a16:creationId xmlns:a16="http://schemas.microsoft.com/office/drawing/2014/main" id="{37325190-2D35-4121-ADDD-023745867A50}"/>
+              </a:ext>
+            </a:extLst>
+          </p:cNvPr>
+          <p:cNvSpPr/>
+          <p:nvPr/>
+        </p:nvSpPr>
+        <p:spPr>
+          <a:xfrm>
+            <a:off x="1486963" y="1205820"/>
+            <a:ext cx="1083317" cy="583096"/>
+          </a:xfrm>
+          <a:prstGeom prst="ellipse">
+            <a:avLst/>
+          </a:prstGeom>
+          <a:solidFill>
+            <a:schemeClr val="accent6">
+              <a:lumMod val="40000"/>
+              <a:lumOff val="60000"/>
+            </a:schemeClr>
+          </a:solidFill>
+        </p:spPr>
+        <p:style>
+          <a:lnRef idx="2">
+            <a:schemeClr val="dk1"/>
+          </a:lnRef>
+          <a:fillRef idx="1">
+            <a:schemeClr val="lt1"/>
+          </a:fillRef>
+          <a:effectRef idx="0">
+            <a:schemeClr val="dk1"/>
+          </a:effectRef>
+          <a:fontRef idx="minor">
+            <a:schemeClr val="dk1"/>
+          </a:fontRef>
+        </p:style>
+        <p:txBody>
+          <a:bodyPr rtlCol="0" anchor="ctr"/>
+          <a:lstStyle/>
+          <a:p>
+            <a:pPr algn="ctr"/>
+            <a:r>
+              <a:rPr lang="en-US" dirty="0"/>
+              <a:t>feline</a:t>
+            </a:r>
+          </a:p>
+        </p:txBody>
+      </p:sp>
+      <p:sp>
+        <p:nvSpPr>
+          <p:cNvPr id="6" name="Oval 5">
+            <a:extLst>
+              <a:ext uri="{FF2B5EF4-FFF2-40B4-BE49-F238E27FC236}">
+                <a16:creationId xmlns:a16="http://schemas.microsoft.com/office/drawing/2014/main" id="{698A6F93-F4D1-4665-8BA5-919401CB4867}"/>
+              </a:ext>
+            </a:extLst>
+          </p:cNvPr>
+          <p:cNvSpPr/>
+          <p:nvPr/>
+        </p:nvSpPr>
+        <p:spPr>
+          <a:xfrm>
+            <a:off x="2438230" y="461494"/>
+            <a:ext cx="1563349" cy="583096"/>
+          </a:xfrm>
+          <a:prstGeom prst="ellipse">
+            <a:avLst/>
+          </a:prstGeom>
+          <a:solidFill>
+            <a:schemeClr val="accent6">
+              <a:lumMod val="40000"/>
+              <a:lumOff val="60000"/>
+            </a:schemeClr>
+          </a:solidFill>
+        </p:spPr>
+        <p:style>
+          <a:lnRef idx="2">
+            <a:schemeClr val="dk1"/>
+          </a:lnRef>
+          <a:fillRef idx="1">
+            <a:schemeClr val="lt1"/>
+          </a:fillRef>
+          <a:effectRef idx="0">
+            <a:schemeClr val="dk1"/>
+          </a:effectRef>
+          <a:fontRef idx="minor">
+            <a:schemeClr val="dk1"/>
+          </a:fontRef>
+        </p:style>
+        <p:txBody>
+          <a:bodyPr rtlCol="0" anchor="ctr"/>
+          <a:lstStyle/>
+          <a:p>
+            <a:pPr algn="ctr"/>
+            <a:r>
+              <a:rPr lang="en-US" dirty="0"/>
+              <a:t>carnivore</a:t>
+            </a:r>
+          </a:p>
+        </p:txBody>
+      </p:sp>
+      <p:sp>
+        <p:nvSpPr>
+          <p:cNvPr id="7" name="Oval 6">
+            <a:extLst>
+              <a:ext uri="{FF2B5EF4-FFF2-40B4-BE49-F238E27FC236}">
+                <a16:creationId xmlns:a16="http://schemas.microsoft.com/office/drawing/2014/main" id="{C5665B55-EF9D-40DE-880E-C56C700BE9CC}"/>
+              </a:ext>
+            </a:extLst>
+          </p:cNvPr>
+          <p:cNvSpPr/>
+          <p:nvPr/>
+        </p:nvSpPr>
+        <p:spPr>
+          <a:xfrm>
+            <a:off x="3015971" y="1264225"/>
+            <a:ext cx="1563349" cy="583096"/>
+          </a:xfrm>
+          <a:prstGeom prst="ellipse">
+            <a:avLst/>
+          </a:prstGeom>
+          <a:solidFill>
+            <a:schemeClr val="accent6">
+              <a:lumMod val="40000"/>
+              <a:lumOff val="60000"/>
+            </a:schemeClr>
+          </a:solidFill>
+        </p:spPr>
+        <p:style>
+          <a:lnRef idx="2">
+            <a:schemeClr val="dk1"/>
+          </a:lnRef>
+          <a:fillRef idx="1">
+            <a:schemeClr val="lt1"/>
+          </a:fillRef>
+          <a:effectRef idx="0">
+            <a:schemeClr val="dk1"/>
+          </a:effectRef>
+          <a:fontRef idx="minor">
+            <a:schemeClr val="dk1"/>
+          </a:fontRef>
+        </p:style>
+        <p:txBody>
+          <a:bodyPr rtlCol="0" anchor="ctr"/>
+          <a:lstStyle/>
+          <a:p>
+            <a:pPr algn="ctr"/>
+            <a:r>
+              <a:rPr lang="en-US" dirty="0"/>
+              <a:t>placental</a:t>
+            </a:r>
+          </a:p>
+        </p:txBody>
+      </p:sp>
+      <p:sp>
+        <p:nvSpPr>
+          <p:cNvPr id="8" name="Oval 7">
+            <a:extLst>
+              <a:ext uri="{FF2B5EF4-FFF2-40B4-BE49-F238E27FC236}">
+                <a16:creationId xmlns:a16="http://schemas.microsoft.com/office/drawing/2014/main" id="{8F43FB91-F7A0-4DCB-93E4-36715A6B1352}"/>
+              </a:ext>
+            </a:extLst>
+          </p:cNvPr>
+          <p:cNvSpPr/>
+          <p:nvPr/>
+        </p:nvSpPr>
+        <p:spPr>
+          <a:xfrm>
+            <a:off x="3640623" y="2098514"/>
+            <a:ext cx="1445407" cy="583096"/>
+          </a:xfrm>
+          <a:prstGeom prst="ellipse">
+            <a:avLst/>
+          </a:prstGeom>
+          <a:solidFill>
+            <a:schemeClr val="accent6">
+              <a:lumMod val="40000"/>
+              <a:lumOff val="60000"/>
+            </a:schemeClr>
+          </a:solidFill>
+        </p:spPr>
+        <p:style>
+          <a:lnRef idx="2">
+            <a:schemeClr val="dk1"/>
+          </a:lnRef>
+          <a:fillRef idx="1">
+            <a:schemeClr val="lt1"/>
+          </a:fillRef>
+          <a:effectRef idx="0">
+            <a:schemeClr val="dk1"/>
+          </a:effectRef>
+          <a:fontRef idx="minor">
+            <a:schemeClr val="dk1"/>
+          </a:fontRef>
+        </p:style>
+        <p:txBody>
+          <a:bodyPr rtlCol="0" anchor="ctr"/>
+          <a:lstStyle/>
+          <a:p>
+            <a:pPr algn="ctr"/>
+            <a:r>
+              <a:rPr lang="en-US" dirty="0"/>
+              <a:t>mammal</a:t>
+            </a:r>
+          </a:p>
+        </p:txBody>
+      </p:sp>
+      <p:sp>
+        <p:nvSpPr>
+          <p:cNvPr id="9" name="Oval 8">
+            <a:extLst>
+              <a:ext uri="{FF2B5EF4-FFF2-40B4-BE49-F238E27FC236}">
+                <a16:creationId xmlns:a16="http://schemas.microsoft.com/office/drawing/2014/main" id="{8A7C433F-CF85-47B9-A1C3-A959DF186B85}"/>
+              </a:ext>
+            </a:extLst>
+          </p:cNvPr>
+          <p:cNvSpPr/>
+          <p:nvPr/>
+        </p:nvSpPr>
+        <p:spPr>
+          <a:xfrm>
+            <a:off x="4816879" y="1328420"/>
+            <a:ext cx="1678952" cy="583096"/>
+          </a:xfrm>
+          <a:prstGeom prst="ellipse">
+            <a:avLst/>
+          </a:prstGeom>
+          <a:solidFill>
+            <a:schemeClr val="accent6">
+              <a:lumMod val="40000"/>
+              <a:lumOff val="60000"/>
+            </a:schemeClr>
+          </a:solidFill>
+        </p:spPr>
+        <p:style>
+          <a:lnRef idx="2">
+            <a:schemeClr val="dk1"/>
+          </a:lnRef>
+          <a:fillRef idx="1">
+            <a:schemeClr val="lt1"/>
+          </a:fillRef>
+          <a:effectRef idx="0">
+            <a:schemeClr val="dk1"/>
+          </a:effectRef>
+          <a:fontRef idx="minor">
+            <a:schemeClr val="dk1"/>
+          </a:fontRef>
+        </p:style>
+        <p:txBody>
+          <a:bodyPr rtlCol="0" anchor="ctr"/>
+          <a:lstStyle/>
+          <a:p>
+            <a:pPr algn="ctr"/>
+            <a:r>
+              <a:rPr lang="en-US" dirty="0"/>
+              <a:t>vertebrate</a:t>
+            </a:r>
+          </a:p>
+        </p:txBody>
+      </p:sp>
+      <p:sp>
+        <p:nvSpPr>
+          <p:cNvPr id="10" name="Oval 9">
+            <a:extLst>
+              <a:ext uri="{FF2B5EF4-FFF2-40B4-BE49-F238E27FC236}">
+                <a16:creationId xmlns:a16="http://schemas.microsoft.com/office/drawing/2014/main" id="{AAF6169F-D35C-4ABB-BDAD-8FFFFBB45396}"/>
+              </a:ext>
+            </a:extLst>
+          </p:cNvPr>
+          <p:cNvSpPr/>
+          <p:nvPr/>
+        </p:nvSpPr>
+        <p:spPr>
+          <a:xfrm>
+            <a:off x="5301708" y="341043"/>
+            <a:ext cx="1445407" cy="583096"/>
+          </a:xfrm>
+          <a:prstGeom prst="ellipse">
+            <a:avLst/>
+          </a:prstGeom>
+          <a:solidFill>
+            <a:schemeClr val="accent6">
+              <a:lumMod val="40000"/>
+              <a:lumOff val="60000"/>
+            </a:schemeClr>
+          </a:solidFill>
+        </p:spPr>
+        <p:style>
+          <a:lnRef idx="2">
+            <a:schemeClr val="dk1"/>
+          </a:lnRef>
+          <a:fillRef idx="1">
+            <a:schemeClr val="lt1"/>
+          </a:fillRef>
+          <a:effectRef idx="0">
+            <a:schemeClr val="dk1"/>
+          </a:effectRef>
+          <a:fontRef idx="minor">
+            <a:schemeClr val="dk1"/>
+          </a:fontRef>
+        </p:style>
+        <p:txBody>
+          <a:bodyPr rtlCol="0" anchor="ctr"/>
+          <a:lstStyle/>
+          <a:p>
+            <a:pPr algn="ctr"/>
+            <a:r>
+              <a:rPr lang="en-US" dirty="0"/>
+              <a:t>chordate</a:t>
+            </a:r>
+          </a:p>
+        </p:txBody>
+      </p:sp>
+      <p:sp>
+        <p:nvSpPr>
+          <p:cNvPr id="11" name="Oval 10">
+            <a:extLst>
+              <a:ext uri="{FF2B5EF4-FFF2-40B4-BE49-F238E27FC236}">
+                <a16:creationId xmlns:a16="http://schemas.microsoft.com/office/drawing/2014/main" id="{2F2EF307-E317-48F4-AD51-6BC36BF03780}"/>
+              </a:ext>
+            </a:extLst>
+          </p:cNvPr>
+          <p:cNvSpPr/>
+          <p:nvPr/>
+        </p:nvSpPr>
+        <p:spPr>
+          <a:xfrm>
+            <a:off x="7325500" y="461494"/>
+            <a:ext cx="1353862" cy="583096"/>
+          </a:xfrm>
+          <a:prstGeom prst="ellipse">
+            <a:avLst/>
+          </a:prstGeom>
+          <a:solidFill>
+            <a:schemeClr val="accent6">
+              <a:lumMod val="40000"/>
+              <a:lumOff val="60000"/>
+            </a:schemeClr>
+          </a:solidFill>
+        </p:spPr>
+        <p:style>
+          <a:lnRef idx="2">
+            <a:schemeClr val="dk1"/>
+          </a:lnRef>
+          <a:fillRef idx="1">
+            <a:schemeClr val="lt1"/>
+          </a:fillRef>
+          <a:effectRef idx="0">
+            <a:schemeClr val="dk1"/>
+          </a:effectRef>
+          <a:fontRef idx="minor">
+            <a:schemeClr val="dk1"/>
+          </a:fontRef>
+        </p:style>
+        <p:txBody>
+          <a:bodyPr rtlCol="0" anchor="ctr"/>
+          <a:lstStyle/>
+          <a:p>
+            <a:pPr algn="ctr"/>
+            <a:r>
+              <a:rPr lang="en-US" dirty="0"/>
+              <a:t>animal</a:t>
+            </a:r>
+          </a:p>
+        </p:txBody>
+      </p:sp>
+      <p:sp>
+        <p:nvSpPr>
+          <p:cNvPr id="12" name="Oval 11">
+            <a:extLst>
+              <a:ext uri="{FF2B5EF4-FFF2-40B4-BE49-F238E27FC236}">
+                <a16:creationId xmlns:a16="http://schemas.microsoft.com/office/drawing/2014/main" id="{8CD997C6-FAE9-4D5F-93CA-FB63E780D737}"/>
+              </a:ext>
+            </a:extLst>
+          </p:cNvPr>
+          <p:cNvSpPr/>
+          <p:nvPr/>
+        </p:nvSpPr>
+        <p:spPr>
+          <a:xfrm>
+            <a:off x="6743019" y="1555773"/>
+            <a:ext cx="1563348" cy="583096"/>
+          </a:xfrm>
+          <a:prstGeom prst="ellipse">
+            <a:avLst/>
+          </a:prstGeom>
+          <a:solidFill>
+            <a:schemeClr val="bg1">
+              <a:lumMod val="95000"/>
+            </a:schemeClr>
+          </a:solidFill>
+        </p:spPr>
+        <p:style>
+          <a:lnRef idx="2">
+            <a:schemeClr val="dk1"/>
+          </a:lnRef>
+          <a:fillRef idx="1">
+            <a:schemeClr val="lt1"/>
+          </a:fillRef>
+          <a:effectRef idx="0">
+            <a:schemeClr val="dk1"/>
+          </a:effectRef>
+          <a:fontRef idx="minor">
+            <a:schemeClr val="dk1"/>
+          </a:fontRef>
+        </p:style>
+        <p:txBody>
+          <a:bodyPr rtlCol="0" anchor="ctr"/>
+          <a:lstStyle/>
+          <a:p>
+            <a:pPr algn="ctr"/>
+            <a:r>
+              <a:rPr lang="en-US" dirty="0"/>
+              <a:t>organism</a:t>
+            </a:r>
+          </a:p>
+        </p:txBody>
+      </p:sp>
+      <p:sp>
+        <p:nvSpPr>
+          <p:cNvPr id="13" name="Oval 12">
+            <a:extLst>
+              <a:ext uri="{FF2B5EF4-FFF2-40B4-BE49-F238E27FC236}">
+                <a16:creationId xmlns:a16="http://schemas.microsoft.com/office/drawing/2014/main" id="{FFAECDBB-B15E-487C-A796-FE58901E24BF}"/>
+              </a:ext>
+            </a:extLst>
+          </p:cNvPr>
+          <p:cNvSpPr/>
+          <p:nvPr/>
+        </p:nvSpPr>
+        <p:spPr>
+          <a:xfrm>
+            <a:off x="8840046" y="1055900"/>
+            <a:ext cx="1563348" cy="583096"/>
+          </a:xfrm>
+          <a:prstGeom prst="ellipse">
+            <a:avLst/>
+          </a:prstGeom>
+          <a:solidFill>
+            <a:schemeClr val="bg1">
+              <a:lumMod val="95000"/>
+            </a:schemeClr>
+          </a:solidFill>
+        </p:spPr>
+        <p:style>
+          <a:lnRef idx="2">
+            <a:schemeClr val="dk1"/>
+          </a:lnRef>
+          <a:fillRef idx="1">
+            <a:schemeClr val="lt1"/>
+          </a:fillRef>
+          <a:effectRef idx="0">
+            <a:schemeClr val="dk1"/>
+          </a:effectRef>
+          <a:fontRef idx="minor">
+            <a:schemeClr val="dk1"/>
+          </a:fontRef>
+        </p:style>
+        <p:txBody>
+          <a:bodyPr rtlCol="0" anchor="ctr"/>
+          <a:lstStyle/>
+          <a:p>
+            <a:pPr algn="ctr"/>
+            <a:r>
+              <a:rPr lang="en-US" dirty="0"/>
+              <a:t>living thing</a:t>
+            </a:r>
+          </a:p>
+        </p:txBody>
+      </p:sp>
+      <p:sp>
+        <p:nvSpPr>
+          <p:cNvPr id="14" name="Oval 13">
+            <a:extLst>
+              <a:ext uri="{FF2B5EF4-FFF2-40B4-BE49-F238E27FC236}">
+                <a16:creationId xmlns:a16="http://schemas.microsoft.com/office/drawing/2014/main" id="{C1BC1891-7ED0-4AF7-9D56-0B3D57684321}"/>
+              </a:ext>
+            </a:extLst>
+          </p:cNvPr>
+          <p:cNvSpPr/>
+          <p:nvPr/>
+        </p:nvSpPr>
+        <p:spPr>
+          <a:xfrm>
+            <a:off x="9125354" y="2680516"/>
+            <a:ext cx="1083316" cy="583096"/>
+          </a:xfrm>
+          <a:prstGeom prst="ellipse">
+            <a:avLst/>
+          </a:prstGeom>
+          <a:solidFill>
+            <a:schemeClr val="bg1">
+              <a:lumMod val="95000"/>
+            </a:schemeClr>
+          </a:solidFill>
+        </p:spPr>
+        <p:style>
+          <a:lnRef idx="2">
+            <a:schemeClr val="dk1"/>
+          </a:lnRef>
+          <a:fillRef idx="1">
+            <a:schemeClr val="lt1"/>
+          </a:fillRef>
+          <a:effectRef idx="0">
+            <a:schemeClr val="dk1"/>
+          </a:effectRef>
+          <a:fontRef idx="minor">
+            <a:schemeClr val="dk1"/>
+          </a:fontRef>
+        </p:style>
+        <p:txBody>
+          <a:bodyPr rtlCol="0" anchor="ctr"/>
+          <a:lstStyle/>
+          <a:p>
+            <a:pPr algn="ctr"/>
+            <a:r>
+              <a:rPr lang="en-US" dirty="0"/>
+              <a:t>object</a:t>
+            </a:r>
+          </a:p>
+        </p:txBody>
+      </p:sp>
+      <p:sp>
+        <p:nvSpPr>
+          <p:cNvPr id="15" name="Oval 14">
+            <a:extLst>
+              <a:ext uri="{FF2B5EF4-FFF2-40B4-BE49-F238E27FC236}">
+                <a16:creationId xmlns:a16="http://schemas.microsoft.com/office/drawing/2014/main" id="{9C2D626E-A4AA-4A49-A446-6116BCB225C7}"/>
+              </a:ext>
+            </a:extLst>
+          </p:cNvPr>
+          <p:cNvSpPr/>
+          <p:nvPr/>
+        </p:nvSpPr>
+        <p:spPr>
+          <a:xfrm>
+            <a:off x="8982416" y="3833507"/>
+            <a:ext cx="1519311" cy="583096"/>
+          </a:xfrm>
+          <a:prstGeom prst="ellipse">
+            <a:avLst/>
+          </a:prstGeom>
+          <a:solidFill>
+            <a:schemeClr val="bg1">
+              <a:lumMod val="95000"/>
+            </a:schemeClr>
+          </a:solidFill>
+        </p:spPr>
+        <p:style>
+          <a:lnRef idx="2">
+            <a:schemeClr val="dk1"/>
+          </a:lnRef>
+          <a:fillRef idx="1">
+            <a:schemeClr val="lt1"/>
+          </a:fillRef>
+          <a:effectRef idx="0">
+            <a:schemeClr val="dk1"/>
+          </a:effectRef>
+          <a:fontRef idx="minor">
+            <a:schemeClr val="dk1"/>
+          </a:fontRef>
+        </p:style>
+        <p:txBody>
+          <a:bodyPr rtlCol="0" anchor="ctr"/>
+          <a:lstStyle/>
+          <a:p>
+            <a:pPr algn="ctr"/>
+            <a:r>
+              <a:rPr lang="en-US" dirty="0"/>
+              <a:t>physical</a:t>
+            </a:r>
+          </a:p>
+          <a:p>
+            <a:pPr algn="ctr"/>
+            <a:r>
+              <a:rPr lang="en-US" dirty="0"/>
+              <a:t>entity</a:t>
+            </a:r>
+          </a:p>
+        </p:txBody>
+      </p:sp>
+      <p:sp>
+        <p:nvSpPr>
+          <p:cNvPr id="16" name="Oval 15">
+            <a:extLst>
+              <a:ext uri="{FF2B5EF4-FFF2-40B4-BE49-F238E27FC236}">
+                <a16:creationId xmlns:a16="http://schemas.microsoft.com/office/drawing/2014/main" id="{360D6A97-0786-4C2B-9581-1CC514A4D6D0}"/>
+              </a:ext>
+            </a:extLst>
+          </p:cNvPr>
+          <p:cNvSpPr/>
+          <p:nvPr/>
+        </p:nvSpPr>
+        <p:spPr>
+          <a:xfrm>
+            <a:off x="10907500" y="3250411"/>
+            <a:ext cx="1083316" cy="583096"/>
+          </a:xfrm>
+          <a:prstGeom prst="ellipse">
+            <a:avLst/>
+          </a:prstGeom>
+          <a:solidFill>
+            <a:schemeClr val="bg1">
+              <a:lumMod val="95000"/>
+            </a:schemeClr>
+          </a:solidFill>
+        </p:spPr>
+        <p:style>
+          <a:lnRef idx="2">
+            <a:schemeClr val="dk1"/>
+          </a:lnRef>
+          <a:fillRef idx="1">
+            <a:schemeClr val="lt1"/>
+          </a:fillRef>
+          <a:effectRef idx="0">
+            <a:schemeClr val="dk1"/>
+          </a:effectRef>
+          <a:fontRef idx="minor">
+            <a:schemeClr val="dk1"/>
+          </a:fontRef>
+        </p:style>
+        <p:txBody>
+          <a:bodyPr rtlCol="0" anchor="ctr"/>
+          <a:lstStyle/>
+          <a:p>
+            <a:pPr algn="ctr"/>
+            <a:r>
+              <a:rPr lang="en-US" dirty="0"/>
+              <a:t>entity</a:t>
+            </a:r>
+          </a:p>
+        </p:txBody>
+      </p:sp>
+      <p:cxnSp>
+        <p:nvCxnSpPr>
+          <p:cNvPr id="18" name="Connector: Curved 17">
+            <a:extLst>
+              <a:ext uri="{FF2B5EF4-FFF2-40B4-BE49-F238E27FC236}">
+                <a16:creationId xmlns:a16="http://schemas.microsoft.com/office/drawing/2014/main" id="{451A5386-E9E0-4430-87B8-761C427AEA20}"/>
+              </a:ext>
+            </a:extLst>
+          </p:cNvPr>
+          <p:cNvCxnSpPr>
+            <a:cxnSpLocks/>
+            <a:stCxn id="3" idx="0"/>
+            <a:endCxn id="4" idx="4"/>
+          </p:cNvCxnSpPr>
+          <p:nvPr/>
+        </p:nvCxnSpPr>
+        <p:spPr>
+          <a:xfrm rot="5400000" flipH="1" flipV="1">
+            <a:off x="987010" y="2673060"/>
+            <a:ext cx="358943" cy="569843"/>
+          </a:xfrm>
+          <a:prstGeom prst="curvedConnector3">
+            <a:avLst>
+              <a:gd name="adj1" fmla="val 50000"/>
+            </a:avLst>
+          </a:prstGeom>
+          <a:ln>
+            <a:tailEnd type="triangle"/>
+          </a:ln>
+        </p:spPr>
+        <p:style>
+          <a:lnRef idx="1">
+            <a:schemeClr val="dk1"/>
+          </a:lnRef>
+          <a:fillRef idx="0">
+            <a:schemeClr val="dk1"/>
+          </a:fillRef>
+          <a:effectRef idx="0">
+            <a:schemeClr val="dk1"/>
+          </a:effectRef>
+          <a:fontRef idx="minor">
+            <a:schemeClr val="tx1"/>
+          </a:fontRef>
+        </p:style>
+      </p:cxnSp>
+      <p:cxnSp>
+        <p:nvCxnSpPr>
+          <p:cNvPr id="19" name="Connector: Curved 18">
+            <a:extLst>
+              <a:ext uri="{FF2B5EF4-FFF2-40B4-BE49-F238E27FC236}">
+                <a16:creationId xmlns:a16="http://schemas.microsoft.com/office/drawing/2014/main" id="{BB2D7F48-F7D6-48E4-8967-35B440ECA522}"/>
+              </a:ext>
+            </a:extLst>
+          </p:cNvPr>
+          <p:cNvCxnSpPr>
+            <a:cxnSpLocks/>
+            <a:stCxn id="4" idx="0"/>
+            <a:endCxn id="5" idx="4"/>
+          </p:cNvCxnSpPr>
+          <p:nvPr/>
+        </p:nvCxnSpPr>
+        <p:spPr>
+          <a:xfrm rot="5400000" flipH="1" flipV="1">
+            <a:off x="1536764" y="1703556"/>
+            <a:ext cx="406497" cy="577219"/>
+          </a:xfrm>
+          <a:prstGeom prst="curvedConnector3">
+            <a:avLst>
+              <a:gd name="adj1" fmla="val 50000"/>
+            </a:avLst>
+          </a:prstGeom>
+          <a:ln>
+            <a:tailEnd type="triangle"/>
+          </a:ln>
+        </p:spPr>
+        <p:style>
+          <a:lnRef idx="1">
+            <a:schemeClr val="dk1"/>
+          </a:lnRef>
+          <a:fillRef idx="0">
+            <a:schemeClr val="dk1"/>
+          </a:fillRef>
+          <a:effectRef idx="0">
+            <a:schemeClr val="dk1"/>
+          </a:effectRef>
+          <a:fontRef idx="minor">
+            <a:schemeClr val="tx1"/>
+          </a:fontRef>
+        </p:style>
+      </p:cxnSp>
+      <p:cxnSp>
+        <p:nvCxnSpPr>
+          <p:cNvPr id="29" name="Connector: Curved 28">
+            <a:extLst>
+              <a:ext uri="{FF2B5EF4-FFF2-40B4-BE49-F238E27FC236}">
+                <a16:creationId xmlns:a16="http://schemas.microsoft.com/office/drawing/2014/main" id="{862B3952-D472-427F-B8A6-68BDE327D4BA}"/>
+              </a:ext>
+            </a:extLst>
+          </p:cNvPr>
+          <p:cNvCxnSpPr>
+            <a:cxnSpLocks/>
+            <a:stCxn id="5" idx="6"/>
+            <a:endCxn id="6" idx="2"/>
+          </p:cNvCxnSpPr>
+          <p:nvPr/>
+        </p:nvCxnSpPr>
+        <p:spPr>
+          <a:xfrm flipH="1" flipV="1">
+            <a:off x="2438230" y="753042"/>
+            <a:ext cx="132050" cy="744326"/>
+          </a:xfrm>
+          <a:prstGeom prst="curvedConnector5">
+            <a:avLst>
+              <a:gd name="adj1" fmla="val -173116"/>
+              <a:gd name="adj2" fmla="val 50000"/>
+              <a:gd name="adj3" fmla="val 273116"/>
+            </a:avLst>
+          </a:prstGeom>
+          <a:ln>
+            <a:tailEnd type="triangle"/>
+          </a:ln>
+        </p:spPr>
+        <p:style>
+          <a:lnRef idx="1">
+            <a:schemeClr val="dk1"/>
+          </a:lnRef>
+          <a:fillRef idx="0">
+            <a:schemeClr val="dk1"/>
+          </a:fillRef>
+          <a:effectRef idx="0">
+            <a:schemeClr val="dk1"/>
+          </a:effectRef>
+          <a:fontRef idx="minor">
+            <a:schemeClr val="tx1"/>
+          </a:fontRef>
+        </p:style>
+      </p:cxnSp>
+      <p:cxnSp>
+        <p:nvCxnSpPr>
+          <p:cNvPr id="41" name="Connector: Curved 40">
+            <a:extLst>
+              <a:ext uri="{FF2B5EF4-FFF2-40B4-BE49-F238E27FC236}">
+                <a16:creationId xmlns:a16="http://schemas.microsoft.com/office/drawing/2014/main" id="{CAB734D1-2069-4A3B-8736-DB7C787C7C51}"/>
+              </a:ext>
+            </a:extLst>
+          </p:cNvPr>
+          <p:cNvCxnSpPr>
+            <a:cxnSpLocks/>
+            <a:stCxn id="6" idx="4"/>
+            <a:endCxn id="7" idx="0"/>
+          </p:cNvCxnSpPr>
+          <p:nvPr/>
+        </p:nvCxnSpPr>
+        <p:spPr>
+          <a:xfrm rot="16200000" flipH="1">
+            <a:off x="3398958" y="865536"/>
+            <a:ext cx="219635" cy="577741"/>
+          </a:xfrm>
+          <a:prstGeom prst="curvedConnector3">
+            <a:avLst>
+              <a:gd name="adj1" fmla="val 50000"/>
+            </a:avLst>
+          </a:prstGeom>
+          <a:ln>
+            <a:tailEnd type="triangle"/>
+          </a:ln>
+        </p:spPr>
+        <p:style>
+          <a:lnRef idx="1">
+            <a:schemeClr val="dk1"/>
+          </a:lnRef>
+          <a:fillRef idx="0">
+            <a:schemeClr val="dk1"/>
+          </a:fillRef>
+          <a:effectRef idx="0">
+            <a:schemeClr val="dk1"/>
+          </a:effectRef>
+          <a:fontRef idx="minor">
+            <a:schemeClr val="tx1"/>
+          </a:fontRef>
+        </p:style>
+      </p:cxnSp>
+      <p:cxnSp>
+        <p:nvCxnSpPr>
+          <p:cNvPr id="44" name="Connector: Curved 43">
+            <a:extLst>
+              <a:ext uri="{FF2B5EF4-FFF2-40B4-BE49-F238E27FC236}">
+                <a16:creationId xmlns:a16="http://schemas.microsoft.com/office/drawing/2014/main" id="{AB974AB6-D9C3-4FE4-8523-3E1568D25346}"/>
+              </a:ext>
+            </a:extLst>
+          </p:cNvPr>
+          <p:cNvCxnSpPr>
+            <a:cxnSpLocks/>
+            <a:stCxn id="7" idx="4"/>
+            <a:endCxn id="8" idx="0"/>
+          </p:cNvCxnSpPr>
+          <p:nvPr/>
+        </p:nvCxnSpPr>
+        <p:spPr>
+          <a:xfrm rot="16200000" flipH="1">
+            <a:off x="3954890" y="1690076"/>
+            <a:ext cx="251193" cy="565681"/>
+          </a:xfrm>
+          <a:prstGeom prst="curvedConnector3">
+            <a:avLst>
+              <a:gd name="adj1" fmla="val 50000"/>
+            </a:avLst>
+          </a:prstGeom>
+          <a:ln>
+            <a:tailEnd type="triangle"/>
+          </a:ln>
+        </p:spPr>
+        <p:style>
+          <a:lnRef idx="1">
+            <a:schemeClr val="dk1"/>
+          </a:lnRef>
+          <a:fillRef idx="0">
+            <a:schemeClr val="dk1"/>
+          </a:fillRef>
+          <a:effectRef idx="0">
+            <a:schemeClr val="dk1"/>
+          </a:effectRef>
+          <a:fontRef idx="minor">
+            <a:schemeClr val="tx1"/>
+          </a:fontRef>
+        </p:style>
+      </p:cxnSp>
+      <p:cxnSp>
+        <p:nvCxnSpPr>
+          <p:cNvPr id="47" name="Connector: Curved 46">
+            <a:extLst>
+              <a:ext uri="{FF2B5EF4-FFF2-40B4-BE49-F238E27FC236}">
+                <a16:creationId xmlns:a16="http://schemas.microsoft.com/office/drawing/2014/main" id="{0A6BEBFD-57A7-4791-90E0-BCA25C90BAC3}"/>
+              </a:ext>
+            </a:extLst>
+          </p:cNvPr>
+          <p:cNvCxnSpPr>
+            <a:cxnSpLocks/>
+            <a:stCxn id="8" idx="6"/>
+            <a:endCxn id="9" idx="4"/>
+          </p:cNvCxnSpPr>
+          <p:nvPr/>
+        </p:nvCxnSpPr>
+        <p:spPr>
+          <a:xfrm flipV="1">
+            <a:off x="5086030" y="1911516"/>
+            <a:ext cx="570325" cy="478546"/>
+          </a:xfrm>
+          <a:prstGeom prst="curvedConnector2">
+            <a:avLst/>
+          </a:prstGeom>
+          <a:ln>
+            <a:tailEnd type="triangle"/>
+          </a:ln>
+        </p:spPr>
+        <p:style>
+          <a:lnRef idx="1">
+            <a:schemeClr val="dk1"/>
+          </a:lnRef>
+          <a:fillRef idx="0">
+            <a:schemeClr val="dk1"/>
+          </a:fillRef>
+          <a:effectRef idx="0">
+            <a:schemeClr val="dk1"/>
+          </a:effectRef>
+          <a:fontRef idx="minor">
+            <a:schemeClr val="tx1"/>
+          </a:fontRef>
+        </p:style>
+      </p:cxnSp>
+      <p:cxnSp>
+        <p:nvCxnSpPr>
+          <p:cNvPr id="50" name="Connector: Curved 49">
+            <a:extLst>
+              <a:ext uri="{FF2B5EF4-FFF2-40B4-BE49-F238E27FC236}">
+                <a16:creationId xmlns:a16="http://schemas.microsoft.com/office/drawing/2014/main" id="{9858D52A-557E-4F74-B12E-BA2A686D8CEC}"/>
+              </a:ext>
+            </a:extLst>
+          </p:cNvPr>
+          <p:cNvCxnSpPr>
+            <a:cxnSpLocks/>
+            <a:stCxn id="9" idx="0"/>
+            <a:endCxn id="10" idx="4"/>
+          </p:cNvCxnSpPr>
+          <p:nvPr/>
+        </p:nvCxnSpPr>
+        <p:spPr>
+          <a:xfrm rot="5400000" flipH="1" flipV="1">
+            <a:off x="5638243" y="942252"/>
+            <a:ext cx="404281" cy="368057"/>
+          </a:xfrm>
+          <a:prstGeom prst="curvedConnector3">
+            <a:avLst>
+              <a:gd name="adj1" fmla="val 50000"/>
+            </a:avLst>
+          </a:prstGeom>
+          <a:ln>
+            <a:tailEnd type="triangle"/>
+          </a:ln>
+        </p:spPr>
+        <p:style>
+          <a:lnRef idx="1">
+            <a:schemeClr val="dk1"/>
+          </a:lnRef>
+          <a:fillRef idx="0">
+            <a:schemeClr val="dk1"/>
+          </a:fillRef>
+          <a:effectRef idx="0">
+            <a:schemeClr val="dk1"/>
+          </a:effectRef>
+          <a:fontRef idx="minor">
+            <a:schemeClr val="tx1"/>
+          </a:fontRef>
+        </p:style>
+      </p:cxnSp>
+      <p:cxnSp>
+        <p:nvCxnSpPr>
+          <p:cNvPr id="53" name="Connector: Curved 52">
+            <a:extLst>
+              <a:ext uri="{FF2B5EF4-FFF2-40B4-BE49-F238E27FC236}">
+                <a16:creationId xmlns:a16="http://schemas.microsoft.com/office/drawing/2014/main" id="{DEB9F3E7-2058-4F5F-A31A-F12F5BFD3476}"/>
+              </a:ext>
+            </a:extLst>
+          </p:cNvPr>
+          <p:cNvCxnSpPr>
+            <a:cxnSpLocks/>
+            <a:stCxn id="10" idx="6"/>
+            <a:endCxn id="11" idx="2"/>
+          </p:cNvCxnSpPr>
+          <p:nvPr/>
+        </p:nvCxnSpPr>
+        <p:spPr>
+          <a:xfrm>
+            <a:off x="6747115" y="632591"/>
+            <a:ext cx="578385" cy="120451"/>
+          </a:xfrm>
+          <a:prstGeom prst="curvedConnector3">
+            <a:avLst>
+              <a:gd name="adj1" fmla="val 50000"/>
+            </a:avLst>
+          </a:prstGeom>
+          <a:ln>
+            <a:tailEnd type="triangle"/>
+          </a:ln>
+        </p:spPr>
+        <p:style>
+          <a:lnRef idx="1">
+            <a:schemeClr val="dk1"/>
+          </a:lnRef>
+          <a:fillRef idx="0">
+            <a:schemeClr val="dk1"/>
+          </a:fillRef>
+          <a:effectRef idx="0">
+            <a:schemeClr val="dk1"/>
+          </a:effectRef>
+          <a:fontRef idx="minor">
+            <a:schemeClr val="tx1"/>
+          </a:fontRef>
+        </p:style>
+      </p:cxnSp>
+      <p:cxnSp>
+        <p:nvCxnSpPr>
+          <p:cNvPr id="56" name="Connector: Curved 55">
+            <a:extLst>
+              <a:ext uri="{FF2B5EF4-FFF2-40B4-BE49-F238E27FC236}">
+                <a16:creationId xmlns:a16="http://schemas.microsoft.com/office/drawing/2014/main" id="{44BFDAAB-EC53-48B7-9D5A-D425348C6817}"/>
+              </a:ext>
+            </a:extLst>
+          </p:cNvPr>
+          <p:cNvCxnSpPr>
+            <a:cxnSpLocks/>
+            <a:stCxn id="11" idx="4"/>
+            <a:endCxn id="12" idx="0"/>
+          </p:cNvCxnSpPr>
+          <p:nvPr/>
+        </p:nvCxnSpPr>
+        <p:spPr>
+          <a:xfrm rot="5400000">
+            <a:off x="7507971" y="1061312"/>
+            <a:ext cx="511183" cy="477738"/>
+          </a:xfrm>
+          <a:prstGeom prst="curvedConnector3">
+            <a:avLst>
+              <a:gd name="adj1" fmla="val 50000"/>
+            </a:avLst>
+          </a:prstGeom>
+          <a:ln>
+            <a:tailEnd type="triangle"/>
+          </a:ln>
+        </p:spPr>
+        <p:style>
+          <a:lnRef idx="1">
+            <a:schemeClr val="dk1"/>
+          </a:lnRef>
+          <a:fillRef idx="0">
+            <a:schemeClr val="dk1"/>
+          </a:fillRef>
+          <a:effectRef idx="0">
+            <a:schemeClr val="dk1"/>
+          </a:effectRef>
+          <a:fontRef idx="minor">
+            <a:schemeClr val="tx1"/>
+          </a:fontRef>
+        </p:style>
+      </p:cxnSp>
+      <p:cxnSp>
+        <p:nvCxnSpPr>
+          <p:cNvPr id="67" name="Connector: Curved 66">
+            <a:extLst>
+              <a:ext uri="{FF2B5EF4-FFF2-40B4-BE49-F238E27FC236}">
+                <a16:creationId xmlns:a16="http://schemas.microsoft.com/office/drawing/2014/main" id="{8B03B202-CC2A-4834-BDCF-22957F624728}"/>
+              </a:ext>
+            </a:extLst>
+          </p:cNvPr>
+          <p:cNvCxnSpPr>
+            <a:cxnSpLocks/>
+            <a:stCxn id="12" idx="6"/>
+            <a:endCxn id="13" idx="2"/>
+          </p:cNvCxnSpPr>
+          <p:nvPr/>
+        </p:nvCxnSpPr>
+        <p:spPr>
+          <a:xfrm flipV="1">
+            <a:off x="8306367" y="1347448"/>
+            <a:ext cx="533679" cy="499873"/>
+          </a:xfrm>
+          <a:prstGeom prst="curvedConnector3">
+            <a:avLst>
+              <a:gd name="adj1" fmla="val 50000"/>
+            </a:avLst>
+          </a:prstGeom>
+          <a:ln>
+            <a:tailEnd type="triangle"/>
+          </a:ln>
+        </p:spPr>
+        <p:style>
+          <a:lnRef idx="1">
+            <a:schemeClr val="dk1"/>
+          </a:lnRef>
+          <a:fillRef idx="0">
+            <a:schemeClr val="dk1"/>
+          </a:fillRef>
+          <a:effectRef idx="0">
+            <a:schemeClr val="dk1"/>
+          </a:effectRef>
+          <a:fontRef idx="minor">
+            <a:schemeClr val="tx1"/>
+          </a:fontRef>
+        </p:style>
+      </p:cxnSp>
+      <p:cxnSp>
+        <p:nvCxnSpPr>
+          <p:cNvPr id="70" name="Connector: Curved 69">
+            <a:extLst>
+              <a:ext uri="{FF2B5EF4-FFF2-40B4-BE49-F238E27FC236}">
+                <a16:creationId xmlns:a16="http://schemas.microsoft.com/office/drawing/2014/main" id="{0AA70EEF-A130-41C3-9D5E-66F9D9B92E27}"/>
+              </a:ext>
+            </a:extLst>
+          </p:cNvPr>
+          <p:cNvCxnSpPr>
+            <a:cxnSpLocks/>
+            <a:stCxn id="13" idx="4"/>
+            <a:endCxn id="14" idx="2"/>
+          </p:cNvCxnSpPr>
+          <p:nvPr/>
+        </p:nvCxnSpPr>
+        <p:spPr>
+          <a:xfrm rot="5400000">
+            <a:off x="8707003" y="2057347"/>
+            <a:ext cx="1333068" cy="496366"/>
+          </a:xfrm>
+          <a:prstGeom prst="curvedConnector4">
+            <a:avLst>
+              <a:gd name="adj1" fmla="val 39065"/>
+              <a:gd name="adj2" fmla="val 146055"/>
+            </a:avLst>
+          </a:prstGeom>
+          <a:ln>
+            <a:tailEnd type="triangle"/>
+          </a:ln>
+        </p:spPr>
+        <p:style>
+          <a:lnRef idx="1">
+            <a:schemeClr val="dk1"/>
+          </a:lnRef>
+          <a:fillRef idx="0">
+            <a:schemeClr val="dk1"/>
+          </a:fillRef>
+          <a:effectRef idx="0">
+            <a:schemeClr val="dk1"/>
+          </a:effectRef>
+          <a:fontRef idx="minor">
+            <a:schemeClr val="tx1"/>
+          </a:fontRef>
+        </p:style>
+      </p:cxnSp>
+      <p:cxnSp>
+        <p:nvCxnSpPr>
+          <p:cNvPr id="73" name="Connector: Curved 72">
+            <a:extLst>
+              <a:ext uri="{FF2B5EF4-FFF2-40B4-BE49-F238E27FC236}">
+                <a16:creationId xmlns:a16="http://schemas.microsoft.com/office/drawing/2014/main" id="{C031EABE-5709-44CD-8064-443D28E2F430}"/>
+              </a:ext>
+            </a:extLst>
+          </p:cNvPr>
+          <p:cNvCxnSpPr>
+            <a:cxnSpLocks/>
+            <a:stCxn id="14" idx="4"/>
+            <a:endCxn id="15" idx="2"/>
+          </p:cNvCxnSpPr>
+          <p:nvPr/>
+        </p:nvCxnSpPr>
+        <p:spPr>
+          <a:xfrm rot="5400000">
+            <a:off x="8893993" y="3352035"/>
+            <a:ext cx="861443" cy="684596"/>
+          </a:xfrm>
+          <a:prstGeom prst="curvedConnector4">
+            <a:avLst>
+              <a:gd name="adj1" fmla="val 33078"/>
+              <a:gd name="adj2" fmla="val 133392"/>
+            </a:avLst>
+          </a:prstGeom>
+          <a:ln>
+            <a:tailEnd type="triangle"/>
+          </a:ln>
+        </p:spPr>
+        <p:style>
+          <a:lnRef idx="1">
+            <a:schemeClr val="dk1"/>
+          </a:lnRef>
+          <a:fillRef idx="0">
+            <a:schemeClr val="dk1"/>
+          </a:fillRef>
+          <a:effectRef idx="0">
+            <a:schemeClr val="dk1"/>
+          </a:effectRef>
+          <a:fontRef idx="minor">
+            <a:schemeClr val="tx1"/>
+          </a:fontRef>
+        </p:style>
+      </p:cxnSp>
+      <p:cxnSp>
+        <p:nvCxnSpPr>
+          <p:cNvPr id="81" name="Connector: Curved 80">
+            <a:extLst>
+              <a:ext uri="{FF2B5EF4-FFF2-40B4-BE49-F238E27FC236}">
+                <a16:creationId xmlns:a16="http://schemas.microsoft.com/office/drawing/2014/main" id="{1CBB5ADA-31F3-4AF8-9032-AA9812CB49DA}"/>
+              </a:ext>
+            </a:extLst>
+          </p:cNvPr>
+          <p:cNvCxnSpPr>
+            <a:cxnSpLocks/>
+            <a:stCxn id="15" idx="6"/>
+            <a:endCxn id="16" idx="2"/>
+          </p:cNvCxnSpPr>
+          <p:nvPr/>
+        </p:nvCxnSpPr>
+        <p:spPr>
+          <a:xfrm flipV="1">
+            <a:off x="10501727" y="3541959"/>
+            <a:ext cx="405773" cy="583096"/>
+          </a:xfrm>
+          <a:prstGeom prst="curvedConnector3">
+            <a:avLst>
+              <a:gd name="adj1" fmla="val 50000"/>
+            </a:avLst>
+          </a:prstGeom>
+          <a:ln>
+            <a:tailEnd type="triangle"/>
+          </a:ln>
+        </p:spPr>
+        <p:style>
+          <a:lnRef idx="1">
+            <a:schemeClr val="dk1"/>
+          </a:lnRef>
+          <a:fillRef idx="0">
+            <a:schemeClr val="dk1"/>
+          </a:fillRef>
+          <a:effectRef idx="0">
+            <a:schemeClr val="dk1"/>
+          </a:effectRef>
+          <a:fontRef idx="minor">
+            <a:schemeClr val="tx1"/>
+          </a:fontRef>
+        </p:style>
+      </p:cxnSp>
+      <p:sp>
+        <p:nvSpPr>
+          <p:cNvPr id="86" name="Oval 85">
+            <a:extLst>
+              <a:ext uri="{FF2B5EF4-FFF2-40B4-BE49-F238E27FC236}">
+                <a16:creationId xmlns:a16="http://schemas.microsoft.com/office/drawing/2014/main" id="{16B9EC7E-D981-4461-9D36-8C45020D3DC6}"/>
+              </a:ext>
+            </a:extLst>
+          </p:cNvPr>
+          <p:cNvSpPr/>
+          <p:nvPr/>
+        </p:nvSpPr>
+        <p:spPr>
+          <a:xfrm>
+            <a:off x="2142116" y="3131434"/>
+            <a:ext cx="1443591" cy="583096"/>
+          </a:xfrm>
+          <a:prstGeom prst="ellipse">
+            <a:avLst/>
+          </a:prstGeom>
+          <a:solidFill>
+            <a:schemeClr val="accent4">
+              <a:lumMod val="40000"/>
+              <a:lumOff val="60000"/>
+            </a:schemeClr>
+          </a:solidFill>
+        </p:spPr>
+        <p:style>
+          <a:lnRef idx="2">
+            <a:schemeClr val="dk1"/>
+          </a:lnRef>
+          <a:fillRef idx="1">
+            <a:schemeClr val="lt1"/>
+          </a:fillRef>
+          <a:effectRef idx="0">
+            <a:schemeClr val="dk1"/>
+          </a:effectRef>
+          <a:fontRef idx="minor">
+            <a:schemeClr val="dk1"/>
+          </a:fontRef>
+        </p:style>
+        <p:txBody>
+          <a:bodyPr rtlCol="0" anchor="ctr"/>
+          <a:lstStyle/>
+          <a:p>
+            <a:pPr algn="ctr"/>
+            <a:r>
+              <a:rPr lang="en-US" dirty="0"/>
+              <a:t>celebrity</a:t>
+            </a:r>
+          </a:p>
+        </p:txBody>
+      </p:sp>
+      <p:sp>
+        <p:nvSpPr>
+          <p:cNvPr id="87" name="Oval 86">
+            <a:extLst>
+              <a:ext uri="{FF2B5EF4-FFF2-40B4-BE49-F238E27FC236}">
+                <a16:creationId xmlns:a16="http://schemas.microsoft.com/office/drawing/2014/main" id="{7FD7391E-8C66-4AEC-8CF8-26C98519924E}"/>
+              </a:ext>
+            </a:extLst>
+          </p:cNvPr>
+          <p:cNvSpPr/>
+          <p:nvPr/>
+        </p:nvSpPr>
+        <p:spPr>
+          <a:xfrm>
+            <a:off x="4136862" y="3128080"/>
+            <a:ext cx="1640852" cy="583096"/>
+          </a:xfrm>
+          <a:prstGeom prst="ellipse">
+            <a:avLst/>
+          </a:prstGeom>
+          <a:solidFill>
+            <a:schemeClr val="accent4">
+              <a:lumMod val="40000"/>
+              <a:lumOff val="60000"/>
+            </a:schemeClr>
+          </a:solidFill>
+        </p:spPr>
+        <p:style>
+          <a:lnRef idx="2">
+            <a:schemeClr val="dk1"/>
+          </a:lnRef>
+          <a:fillRef idx="1">
+            <a:schemeClr val="lt1"/>
+          </a:fillRef>
+          <a:effectRef idx="0">
+            <a:schemeClr val="dk1"/>
+          </a:effectRef>
+          <a:fontRef idx="minor">
+            <a:schemeClr val="dk1"/>
+          </a:fontRef>
+        </p:style>
+        <p:txBody>
+          <a:bodyPr rtlCol="0" anchor="ctr"/>
+          <a:lstStyle/>
+          <a:p>
+            <a:pPr algn="ctr"/>
+            <a:r>
+              <a:rPr lang="en-US" dirty="0"/>
+              <a:t>important</a:t>
+            </a:r>
+          </a:p>
+          <a:p>
+            <a:pPr algn="ctr"/>
+            <a:r>
+              <a:rPr lang="en-US" dirty="0"/>
+              <a:t>person</a:t>
+            </a:r>
+          </a:p>
+        </p:txBody>
+      </p:sp>
+      <p:sp>
+        <p:nvSpPr>
+          <p:cNvPr id="88" name="Oval 87">
+            <a:extLst>
+              <a:ext uri="{FF2B5EF4-FFF2-40B4-BE49-F238E27FC236}">
+                <a16:creationId xmlns:a16="http://schemas.microsoft.com/office/drawing/2014/main" id="{4B69F8EF-40AF-482B-ADD6-6FD5B5A845F8}"/>
+              </a:ext>
+            </a:extLst>
+          </p:cNvPr>
+          <p:cNvSpPr/>
+          <p:nvPr/>
+        </p:nvSpPr>
+        <p:spPr>
+          <a:xfrm>
+            <a:off x="6426273" y="3137452"/>
+            <a:ext cx="1358473" cy="583096"/>
+          </a:xfrm>
+          <a:prstGeom prst="ellipse">
+            <a:avLst/>
+          </a:prstGeom>
+          <a:solidFill>
+            <a:schemeClr val="accent4">
+              <a:lumMod val="40000"/>
+              <a:lumOff val="60000"/>
+            </a:schemeClr>
+          </a:solidFill>
+        </p:spPr>
+        <p:style>
+          <a:lnRef idx="2">
+            <a:schemeClr val="dk1"/>
+          </a:lnRef>
+          <a:fillRef idx="1">
+            <a:schemeClr val="lt1"/>
+          </a:fillRef>
+          <a:effectRef idx="0">
+            <a:schemeClr val="dk1"/>
+          </a:effectRef>
+          <a:fontRef idx="minor">
+            <a:schemeClr val="dk1"/>
+          </a:fontRef>
+        </p:style>
+        <p:txBody>
+          <a:bodyPr rtlCol="0" anchor="ctr"/>
+          <a:lstStyle/>
+          <a:p>
+            <a:pPr algn="ctr"/>
+            <a:r>
+              <a:rPr lang="en-US" dirty="0"/>
+              <a:t>person</a:t>
+            </a:r>
+          </a:p>
+        </p:txBody>
+      </p:sp>
+      <p:cxnSp>
+        <p:nvCxnSpPr>
+          <p:cNvPr id="89" name="Connector: Curved 88">
+            <a:extLst>
+              <a:ext uri="{FF2B5EF4-FFF2-40B4-BE49-F238E27FC236}">
+                <a16:creationId xmlns:a16="http://schemas.microsoft.com/office/drawing/2014/main" id="{9D624ED4-6B4C-4675-A5B1-6BC7C942AD04}"/>
+              </a:ext>
+            </a:extLst>
+          </p:cNvPr>
+          <p:cNvCxnSpPr>
+            <a:cxnSpLocks/>
+            <a:stCxn id="3" idx="6"/>
+            <a:endCxn id="86" idx="2"/>
+          </p:cNvCxnSpPr>
+          <p:nvPr/>
+        </p:nvCxnSpPr>
+        <p:spPr>
+          <a:xfrm flipV="1">
+            <a:off x="1451403" y="3422982"/>
+            <a:ext cx="690713" cy="6018"/>
+          </a:xfrm>
+          <a:prstGeom prst="curvedConnector3">
+            <a:avLst>
+              <a:gd name="adj1" fmla="val 50000"/>
+            </a:avLst>
+          </a:prstGeom>
+          <a:ln>
+            <a:tailEnd type="triangle"/>
+          </a:ln>
+        </p:spPr>
+        <p:style>
+          <a:lnRef idx="1">
+            <a:schemeClr val="dk1"/>
+          </a:lnRef>
+          <a:fillRef idx="0">
+            <a:schemeClr val="dk1"/>
+          </a:fillRef>
+          <a:effectRef idx="0">
+            <a:schemeClr val="dk1"/>
+          </a:effectRef>
+          <a:fontRef idx="minor">
+            <a:schemeClr val="tx1"/>
+          </a:fontRef>
+        </p:style>
+      </p:cxnSp>
+      <p:cxnSp>
+        <p:nvCxnSpPr>
+          <p:cNvPr id="92" name="Connector: Curved 91">
+            <a:extLst>
+              <a:ext uri="{FF2B5EF4-FFF2-40B4-BE49-F238E27FC236}">
+                <a16:creationId xmlns:a16="http://schemas.microsoft.com/office/drawing/2014/main" id="{61C0FADC-EB02-4F4B-871E-D73ABEA0A741}"/>
+              </a:ext>
+            </a:extLst>
+          </p:cNvPr>
+          <p:cNvCxnSpPr>
+            <a:cxnSpLocks/>
+            <a:stCxn id="86" idx="6"/>
+            <a:endCxn id="87" idx="2"/>
+          </p:cNvCxnSpPr>
+          <p:nvPr/>
+        </p:nvCxnSpPr>
+        <p:spPr>
+          <a:xfrm flipV="1">
+            <a:off x="3585707" y="3419628"/>
+            <a:ext cx="551155" cy="3354"/>
+          </a:xfrm>
+          <a:prstGeom prst="curvedConnector3">
+            <a:avLst>
+              <a:gd name="adj1" fmla="val 50000"/>
+            </a:avLst>
+          </a:prstGeom>
+          <a:ln>
+            <a:tailEnd type="triangle"/>
+          </a:ln>
+        </p:spPr>
+        <p:style>
+          <a:lnRef idx="1">
+            <a:schemeClr val="dk1"/>
+          </a:lnRef>
+          <a:fillRef idx="0">
+            <a:schemeClr val="dk1"/>
+          </a:fillRef>
+          <a:effectRef idx="0">
+            <a:schemeClr val="dk1"/>
+          </a:effectRef>
+          <a:fontRef idx="minor">
+            <a:schemeClr val="tx1"/>
+          </a:fontRef>
+        </p:style>
+      </p:cxnSp>
+      <p:cxnSp>
+        <p:nvCxnSpPr>
+          <p:cNvPr id="95" name="Connector: Curved 94">
+            <a:extLst>
+              <a:ext uri="{FF2B5EF4-FFF2-40B4-BE49-F238E27FC236}">
+                <a16:creationId xmlns:a16="http://schemas.microsoft.com/office/drawing/2014/main" id="{0F43F794-9D7D-4F68-B54A-09B58F809DFE}"/>
+              </a:ext>
+            </a:extLst>
+          </p:cNvPr>
+          <p:cNvCxnSpPr>
+            <a:cxnSpLocks/>
+            <a:stCxn id="87" idx="6"/>
+            <a:endCxn id="88" idx="2"/>
+          </p:cNvCxnSpPr>
+          <p:nvPr/>
+        </p:nvCxnSpPr>
+        <p:spPr>
+          <a:xfrm>
+            <a:off x="5777714" y="3419628"/>
+            <a:ext cx="648559" cy="9372"/>
+          </a:xfrm>
+          <a:prstGeom prst="curvedConnector3">
+            <a:avLst>
+              <a:gd name="adj1" fmla="val 50000"/>
+            </a:avLst>
+          </a:prstGeom>
+          <a:ln>
+            <a:tailEnd type="triangle"/>
+          </a:ln>
+        </p:spPr>
+        <p:style>
+          <a:lnRef idx="1">
+            <a:schemeClr val="dk1"/>
+          </a:lnRef>
+          <a:fillRef idx="0">
+            <a:schemeClr val="dk1"/>
+          </a:fillRef>
+          <a:effectRef idx="0">
+            <a:schemeClr val="dk1"/>
+          </a:effectRef>
+          <a:fontRef idx="minor">
+            <a:schemeClr val="tx1"/>
+          </a:fontRef>
+        </p:style>
+      </p:cxnSp>
+      <p:cxnSp>
+        <p:nvCxnSpPr>
+          <p:cNvPr id="98" name="Connector: Curved 97">
+            <a:extLst>
+              <a:ext uri="{FF2B5EF4-FFF2-40B4-BE49-F238E27FC236}">
+                <a16:creationId xmlns:a16="http://schemas.microsoft.com/office/drawing/2014/main" id="{92F1AED4-B830-4C00-B911-D4BFD13955E8}"/>
+              </a:ext>
+            </a:extLst>
+          </p:cNvPr>
+          <p:cNvCxnSpPr>
+            <a:cxnSpLocks/>
+            <a:stCxn id="88" idx="0"/>
+            <a:endCxn id="12" idx="4"/>
+          </p:cNvCxnSpPr>
+          <p:nvPr/>
+        </p:nvCxnSpPr>
+        <p:spPr>
+          <a:xfrm rot="5400000" flipH="1" flipV="1">
+            <a:off x="6815810" y="2428570"/>
+            <a:ext cx="998583" cy="419183"/>
+          </a:xfrm>
+          <a:prstGeom prst="curvedConnector3">
+            <a:avLst>
+              <a:gd name="adj1" fmla="val 50000"/>
+            </a:avLst>
+          </a:prstGeom>
+          <a:ln>
+            <a:tailEnd type="triangle"/>
+          </a:ln>
+        </p:spPr>
+        <p:style>
+          <a:lnRef idx="1">
+            <a:schemeClr val="dk1"/>
+          </a:lnRef>
+          <a:fillRef idx="0">
+            <a:schemeClr val="dk1"/>
+          </a:fillRef>
+          <a:effectRef idx="0">
+            <a:schemeClr val="dk1"/>
+          </a:effectRef>
+          <a:fontRef idx="minor">
+            <a:schemeClr val="tx1"/>
+          </a:fontRef>
+        </p:style>
+      </p:cxnSp>
+      <p:cxnSp>
+        <p:nvCxnSpPr>
+          <p:cNvPr id="101" name="Connector: Curved 100">
+            <a:extLst>
+              <a:ext uri="{FF2B5EF4-FFF2-40B4-BE49-F238E27FC236}">
+                <a16:creationId xmlns:a16="http://schemas.microsoft.com/office/drawing/2014/main" id="{470D8618-BBFD-4B44-BC28-0846B86F5973}"/>
+              </a:ext>
+            </a:extLst>
+          </p:cNvPr>
+          <p:cNvCxnSpPr>
+            <a:cxnSpLocks/>
+            <a:stCxn id="3" idx="4"/>
+            <a:endCxn id="88" idx="4"/>
+          </p:cNvCxnSpPr>
+          <p:nvPr/>
+        </p:nvCxnSpPr>
+        <p:spPr>
+          <a:xfrm rot="16200000" flipH="1">
+            <a:off x="3993535" y="608573"/>
+            <a:ext cx="12700" cy="6223950"/>
+          </a:xfrm>
+          <a:prstGeom prst="curvedConnector3">
+            <a:avLst>
+              <a:gd name="adj1" fmla="val 1800000"/>
+            </a:avLst>
+          </a:prstGeom>
+          <a:ln>
+            <a:tailEnd type="triangle"/>
+          </a:ln>
+        </p:spPr>
+        <p:style>
+          <a:lnRef idx="1">
+            <a:schemeClr val="dk1"/>
+          </a:lnRef>
+          <a:fillRef idx="0">
+            <a:schemeClr val="dk1"/>
+          </a:fillRef>
+          <a:effectRef idx="0">
+            <a:schemeClr val="dk1"/>
+          </a:effectRef>
+          <a:fontRef idx="minor">
+            <a:schemeClr val="tx1"/>
+          </a:fontRef>
+        </p:style>
+      </p:cxnSp>
+      <p:sp>
+        <p:nvSpPr>
+          <p:cNvPr id="104" name="Oval 103">
+            <a:extLst>
+              <a:ext uri="{FF2B5EF4-FFF2-40B4-BE49-F238E27FC236}">
+                <a16:creationId xmlns:a16="http://schemas.microsoft.com/office/drawing/2014/main" id="{65E8E1B1-2244-49BF-8847-FDAD22170967}"/>
+              </a:ext>
+            </a:extLst>
+          </p:cNvPr>
+          <p:cNvSpPr/>
+          <p:nvPr/>
+        </p:nvSpPr>
+        <p:spPr>
+          <a:xfrm>
+            <a:off x="1141084" y="4361387"/>
+            <a:ext cx="1640852" cy="583096"/>
+          </a:xfrm>
+          <a:prstGeom prst="ellipse">
+            <a:avLst/>
+          </a:prstGeom>
+          <a:solidFill>
+            <a:schemeClr val="accent5">
+              <a:lumMod val="40000"/>
+              <a:lumOff val="60000"/>
+            </a:schemeClr>
+          </a:solidFill>
+        </p:spPr>
+        <p:style>
+          <a:lnRef idx="2">
+            <a:schemeClr val="dk1"/>
+          </a:lnRef>
+          <a:fillRef idx="1">
+            <a:schemeClr val="lt1"/>
+          </a:fillRef>
+          <a:effectRef idx="0">
+            <a:schemeClr val="dk1"/>
+          </a:effectRef>
+          <a:fontRef idx="minor">
+            <a:schemeClr val="dk1"/>
+          </a:fontRef>
+        </p:style>
+        <p:txBody>
+          <a:bodyPr rtlCol="0" anchor="ctr"/>
+          <a:lstStyle/>
+          <a:p>
+            <a:pPr algn="ctr"/>
+            <a:r>
+              <a:rPr lang="en-US" dirty="0"/>
+              <a:t>sign of the zodiac</a:t>
+            </a:r>
+          </a:p>
+        </p:txBody>
+      </p:sp>
+      <p:sp>
+        <p:nvSpPr>
+          <p:cNvPr id="105" name="Oval 104">
+            <a:extLst>
+              <a:ext uri="{FF2B5EF4-FFF2-40B4-BE49-F238E27FC236}">
+                <a16:creationId xmlns:a16="http://schemas.microsoft.com/office/drawing/2014/main" id="{50F6A536-7D4A-45CA-B019-80CC389AB69C}"/>
+              </a:ext>
+            </a:extLst>
+          </p:cNvPr>
+          <p:cNvSpPr/>
+          <p:nvPr/>
+        </p:nvSpPr>
+        <p:spPr>
+          <a:xfrm>
+            <a:off x="3344371" y="4643733"/>
+            <a:ext cx="1314415" cy="583096"/>
+          </a:xfrm>
+          <a:prstGeom prst="ellipse">
+            <a:avLst/>
+          </a:prstGeom>
+          <a:solidFill>
+            <a:schemeClr val="accent5">
+              <a:lumMod val="40000"/>
+              <a:lumOff val="60000"/>
+            </a:schemeClr>
+          </a:solidFill>
+        </p:spPr>
+        <p:style>
+          <a:lnRef idx="2">
+            <a:schemeClr val="dk1"/>
+          </a:lnRef>
+          <a:fillRef idx="1">
+            <a:schemeClr val="lt1"/>
+          </a:fillRef>
+          <a:effectRef idx="0">
+            <a:schemeClr val="dk1"/>
+          </a:effectRef>
+          <a:fontRef idx="minor">
+            <a:schemeClr val="dk1"/>
+          </a:fontRef>
+        </p:style>
+        <p:txBody>
+          <a:bodyPr rtlCol="0" anchor="ctr"/>
+          <a:lstStyle/>
+          <a:p>
+            <a:pPr algn="ctr"/>
+            <a:r>
+              <a:rPr lang="en-US" dirty="0"/>
+              <a:t>region</a:t>
+            </a:r>
+          </a:p>
+        </p:txBody>
+      </p:sp>
+      <p:sp>
+        <p:nvSpPr>
+          <p:cNvPr id="106" name="Oval 105">
+            <a:extLst>
+              <a:ext uri="{FF2B5EF4-FFF2-40B4-BE49-F238E27FC236}">
+                <a16:creationId xmlns:a16="http://schemas.microsoft.com/office/drawing/2014/main" id="{84BED8BC-4A42-4700-B4E2-C31BE98F6903}"/>
+              </a:ext>
+            </a:extLst>
+          </p:cNvPr>
+          <p:cNvSpPr/>
+          <p:nvPr/>
+        </p:nvSpPr>
+        <p:spPr>
+          <a:xfrm>
+            <a:off x="5347233" y="4643230"/>
+            <a:ext cx="1314415" cy="583096"/>
+          </a:xfrm>
+          <a:prstGeom prst="ellipse">
+            <a:avLst/>
+          </a:prstGeom>
+          <a:solidFill>
+            <a:schemeClr val="accent5">
+              <a:lumMod val="40000"/>
+              <a:lumOff val="60000"/>
+            </a:schemeClr>
+          </a:solidFill>
+        </p:spPr>
+        <p:style>
+          <a:lnRef idx="2">
+            <a:schemeClr val="dk1"/>
+          </a:lnRef>
+          <a:fillRef idx="1">
+            <a:schemeClr val="lt1"/>
+          </a:fillRef>
+          <a:effectRef idx="0">
+            <a:schemeClr val="dk1"/>
+          </a:effectRef>
+          <a:fontRef idx="minor">
+            <a:schemeClr val="dk1"/>
+          </a:fontRef>
+        </p:style>
+        <p:txBody>
+          <a:bodyPr rtlCol="0" anchor="ctr"/>
+          <a:lstStyle/>
+          <a:p>
+            <a:pPr algn="ctr"/>
+            <a:r>
+              <a:rPr lang="en-US" dirty="0"/>
+              <a:t>location</a:t>
+            </a:r>
+          </a:p>
+        </p:txBody>
+      </p:sp>
+      <p:cxnSp>
+        <p:nvCxnSpPr>
+          <p:cNvPr id="107" name="Connector: Curved 106">
+            <a:extLst>
+              <a:ext uri="{FF2B5EF4-FFF2-40B4-BE49-F238E27FC236}">
+                <a16:creationId xmlns:a16="http://schemas.microsoft.com/office/drawing/2014/main" id="{1F79275E-4D57-4E54-AF27-75B8E408F173}"/>
+              </a:ext>
+            </a:extLst>
+          </p:cNvPr>
+          <p:cNvCxnSpPr>
+            <a:cxnSpLocks/>
+            <a:stCxn id="104" idx="6"/>
+            <a:endCxn id="105" idx="2"/>
+          </p:cNvCxnSpPr>
+          <p:nvPr/>
+        </p:nvCxnSpPr>
+        <p:spPr>
+          <a:xfrm>
+            <a:off x="2781936" y="4652935"/>
+            <a:ext cx="562435" cy="282346"/>
+          </a:xfrm>
+          <a:prstGeom prst="curvedConnector3">
+            <a:avLst>
+              <a:gd name="adj1" fmla="val 50000"/>
+            </a:avLst>
+          </a:prstGeom>
+          <a:ln>
+            <a:tailEnd type="triangle"/>
+          </a:ln>
+        </p:spPr>
+        <p:style>
+          <a:lnRef idx="1">
+            <a:schemeClr val="dk1"/>
+          </a:lnRef>
+          <a:fillRef idx="0">
+            <a:schemeClr val="dk1"/>
+          </a:fillRef>
+          <a:effectRef idx="0">
+            <a:schemeClr val="dk1"/>
+          </a:effectRef>
+          <a:fontRef idx="minor">
+            <a:schemeClr val="tx1"/>
+          </a:fontRef>
+        </p:style>
+      </p:cxnSp>
+      <p:cxnSp>
+        <p:nvCxnSpPr>
+          <p:cNvPr id="110" name="Connector: Curved 109">
+            <a:extLst>
+              <a:ext uri="{FF2B5EF4-FFF2-40B4-BE49-F238E27FC236}">
+                <a16:creationId xmlns:a16="http://schemas.microsoft.com/office/drawing/2014/main" id="{50DACFE5-BFA8-411B-8414-117A98A72B87}"/>
+              </a:ext>
+            </a:extLst>
+          </p:cNvPr>
+          <p:cNvCxnSpPr>
+            <a:cxnSpLocks/>
+            <a:stCxn id="105" idx="6"/>
+            <a:endCxn id="106" idx="2"/>
+          </p:cNvCxnSpPr>
+          <p:nvPr/>
+        </p:nvCxnSpPr>
+        <p:spPr>
+          <a:xfrm flipV="1">
+            <a:off x="4658786" y="4934778"/>
+            <a:ext cx="688447" cy="503"/>
+          </a:xfrm>
+          <a:prstGeom prst="curvedConnector3">
+            <a:avLst>
+              <a:gd name="adj1" fmla="val 50000"/>
+            </a:avLst>
+          </a:prstGeom>
+          <a:ln>
+            <a:tailEnd type="triangle"/>
+          </a:ln>
+        </p:spPr>
+        <p:style>
+          <a:lnRef idx="1">
+            <a:schemeClr val="dk1"/>
+          </a:lnRef>
+          <a:fillRef idx="0">
+            <a:schemeClr val="dk1"/>
+          </a:fillRef>
+          <a:effectRef idx="0">
+            <a:schemeClr val="dk1"/>
+          </a:effectRef>
+          <a:fontRef idx="minor">
+            <a:schemeClr val="tx1"/>
+          </a:fontRef>
+        </p:style>
+      </p:cxnSp>
+      <p:cxnSp>
+        <p:nvCxnSpPr>
+          <p:cNvPr id="113" name="Connector: Curved 112">
+            <a:extLst>
+              <a:ext uri="{FF2B5EF4-FFF2-40B4-BE49-F238E27FC236}">
+                <a16:creationId xmlns:a16="http://schemas.microsoft.com/office/drawing/2014/main" id="{2C984AC1-05EE-4738-B3ED-12B416D042B4}"/>
+              </a:ext>
+            </a:extLst>
+          </p:cNvPr>
+          <p:cNvCxnSpPr>
+            <a:cxnSpLocks/>
+            <a:stCxn id="3" idx="4"/>
+            <a:endCxn id="104" idx="0"/>
+          </p:cNvCxnSpPr>
+          <p:nvPr/>
+        </p:nvCxnSpPr>
+        <p:spPr>
+          <a:xfrm rot="16200000" flipH="1">
+            <a:off x="1101116" y="3500992"/>
+            <a:ext cx="640839" cy="1079950"/>
+          </a:xfrm>
+          <a:prstGeom prst="curvedConnector3">
+            <a:avLst>
+              <a:gd name="adj1" fmla="val 50000"/>
+            </a:avLst>
+          </a:prstGeom>
+          <a:ln>
+            <a:tailEnd type="triangle"/>
+          </a:ln>
+        </p:spPr>
+        <p:style>
+          <a:lnRef idx="1">
+            <a:schemeClr val="dk1"/>
+          </a:lnRef>
+          <a:fillRef idx="0">
+            <a:schemeClr val="dk1"/>
+          </a:fillRef>
+          <a:effectRef idx="0">
+            <a:schemeClr val="dk1"/>
+          </a:effectRef>
+          <a:fontRef idx="minor">
+            <a:schemeClr val="tx1"/>
+          </a:fontRef>
+        </p:style>
+      </p:cxnSp>
+      <p:cxnSp>
+        <p:nvCxnSpPr>
+          <p:cNvPr id="116" name="Connector: Curved 115">
+            <a:extLst>
+              <a:ext uri="{FF2B5EF4-FFF2-40B4-BE49-F238E27FC236}">
+                <a16:creationId xmlns:a16="http://schemas.microsoft.com/office/drawing/2014/main" id="{19E1D85E-E2B6-429E-B339-EA7AAAA3C959}"/>
+              </a:ext>
+            </a:extLst>
+          </p:cNvPr>
+          <p:cNvCxnSpPr>
+            <a:cxnSpLocks/>
+            <a:stCxn id="106" idx="6"/>
+            <a:endCxn id="14" idx="2"/>
+          </p:cNvCxnSpPr>
+          <p:nvPr/>
+        </p:nvCxnSpPr>
+        <p:spPr>
+          <a:xfrm flipV="1">
+            <a:off x="6661648" y="2972064"/>
+            <a:ext cx="2463706" cy="1962714"/>
+          </a:xfrm>
+          <a:prstGeom prst="curvedConnector3">
+            <a:avLst>
+              <a:gd name="adj1" fmla="val 50000"/>
+            </a:avLst>
+          </a:prstGeom>
+          <a:ln>
+            <a:tailEnd type="triangle"/>
+          </a:ln>
+        </p:spPr>
+        <p:style>
+          <a:lnRef idx="1">
+            <a:schemeClr val="dk1"/>
+          </a:lnRef>
+          <a:fillRef idx="0">
+            <a:schemeClr val="dk1"/>
+          </a:fillRef>
+          <a:effectRef idx="0">
+            <a:schemeClr val="dk1"/>
+          </a:effectRef>
+          <a:fontRef idx="minor">
+            <a:schemeClr val="tx1"/>
+          </a:fontRef>
+        </p:style>
+      </p:cxnSp>
+      <p:sp>
+        <p:nvSpPr>
+          <p:cNvPr id="286" name="TextBox 285">
+            <a:extLst>
+              <a:ext uri="{FF2B5EF4-FFF2-40B4-BE49-F238E27FC236}">
+                <a16:creationId xmlns:a16="http://schemas.microsoft.com/office/drawing/2014/main" id="{C4E2D9C3-DB89-4292-A6D9-D9206F35B7ED}"/>
+              </a:ext>
+            </a:extLst>
+          </p:cNvPr>
+          <p:cNvSpPr txBox="1"/>
+          <p:nvPr/>
+        </p:nvSpPr>
+        <p:spPr>
+          <a:xfrm>
+            <a:off x="1500804" y="3232142"/>
+            <a:ext cx="569843" cy="246221"/>
+          </a:xfrm>
+          <a:prstGeom prst="rect">
+            <a:avLst/>
+          </a:prstGeom>
+          <a:noFill/>
+        </p:spPr>
+        <p:txBody>
+          <a:bodyPr wrap="square" rtlCol="0">
+            <a:spAutoFit/>
+          </a:bodyPr>
+          <a:lstStyle/>
+          <a:p>
+            <a:r>
+              <a:rPr lang="en-US" sz="1000" i="1" dirty="0">
+                <a:latin typeface="+mj-lt"/>
+              </a:rPr>
+              <a:t>person</a:t>
+            </a:r>
+          </a:p>
+        </p:txBody>
+      </p:sp>
+      <p:sp>
+        <p:nvSpPr>
+          <p:cNvPr id="287" name="TextBox 286">
+            <a:extLst>
+              <a:ext uri="{FF2B5EF4-FFF2-40B4-BE49-F238E27FC236}">
+                <a16:creationId xmlns:a16="http://schemas.microsoft.com/office/drawing/2014/main" id="{63784267-A002-4C69-AB85-9EC23FE0E9F8}"/>
+              </a:ext>
+            </a:extLst>
+          </p:cNvPr>
+          <p:cNvSpPr txBox="1"/>
+          <p:nvPr/>
+        </p:nvSpPr>
+        <p:spPr>
+          <a:xfrm>
+            <a:off x="3583560" y="3227957"/>
+            <a:ext cx="569843" cy="246221"/>
+          </a:xfrm>
+          <a:prstGeom prst="rect">
+            <a:avLst/>
+          </a:prstGeom>
+          <a:noFill/>
+        </p:spPr>
+        <p:txBody>
+          <a:bodyPr wrap="square" rtlCol="0">
+            <a:spAutoFit/>
+          </a:bodyPr>
+          <a:lstStyle/>
+          <a:p>
+            <a:r>
+              <a:rPr lang="en-US" sz="1000" i="1" dirty="0">
+                <a:latin typeface="+mj-lt"/>
+              </a:rPr>
+              <a:t>person</a:t>
+            </a:r>
+          </a:p>
+        </p:txBody>
+      </p:sp>
+      <p:sp>
+        <p:nvSpPr>
+          <p:cNvPr id="290" name="TextBox 289">
+            <a:extLst>
+              <a:ext uri="{FF2B5EF4-FFF2-40B4-BE49-F238E27FC236}">
+                <a16:creationId xmlns:a16="http://schemas.microsoft.com/office/drawing/2014/main" id="{75DC2983-00CF-417D-80E8-1140083572ED}"/>
+              </a:ext>
+            </a:extLst>
+          </p:cNvPr>
+          <p:cNvSpPr txBox="1"/>
+          <p:nvPr/>
+        </p:nvSpPr>
+        <p:spPr>
+          <a:xfrm>
+            <a:off x="5821453" y="3227957"/>
+            <a:ext cx="569843" cy="246221"/>
+          </a:xfrm>
+          <a:prstGeom prst="rect">
+            <a:avLst/>
+          </a:prstGeom>
+          <a:noFill/>
+        </p:spPr>
+        <p:txBody>
+          <a:bodyPr wrap="square" rtlCol="0">
+            <a:spAutoFit/>
+          </a:bodyPr>
+          <a:lstStyle/>
+          <a:p>
+            <a:r>
+              <a:rPr lang="en-US" sz="1000" i="1" dirty="0">
+                <a:latin typeface="+mj-lt"/>
+              </a:rPr>
+              <a:t>person</a:t>
+            </a:r>
+          </a:p>
+        </p:txBody>
+      </p:sp>
+      <p:sp>
+        <p:nvSpPr>
+          <p:cNvPr id="291" name="TextBox 290">
+            <a:extLst>
+              <a:ext uri="{FF2B5EF4-FFF2-40B4-BE49-F238E27FC236}">
+                <a16:creationId xmlns:a16="http://schemas.microsoft.com/office/drawing/2014/main" id="{C6E09433-34D5-4868-95F7-B1DD3961C4B8}"/>
+              </a:ext>
+            </a:extLst>
+          </p:cNvPr>
+          <p:cNvSpPr txBox="1"/>
+          <p:nvPr/>
+        </p:nvSpPr>
+        <p:spPr>
+          <a:xfrm>
+            <a:off x="3741736" y="3738894"/>
+            <a:ext cx="569843" cy="246221"/>
+          </a:xfrm>
+          <a:prstGeom prst="rect">
+            <a:avLst/>
+          </a:prstGeom>
+          <a:noFill/>
+        </p:spPr>
+        <p:txBody>
+          <a:bodyPr wrap="square" rtlCol="0">
+            <a:spAutoFit/>
+          </a:bodyPr>
+          <a:lstStyle/>
+          <a:p>
+            <a:r>
+              <a:rPr lang="en-US" sz="1000" i="1" dirty="0">
+                <a:latin typeface="+mj-lt"/>
+              </a:rPr>
+              <a:t>person</a:t>
+            </a:r>
+          </a:p>
+        </p:txBody>
+      </p:sp>
+      <p:sp>
+        <p:nvSpPr>
+          <p:cNvPr id="292" name="TextBox 291">
+            <a:extLst>
+              <a:ext uri="{FF2B5EF4-FFF2-40B4-BE49-F238E27FC236}">
+                <a16:creationId xmlns:a16="http://schemas.microsoft.com/office/drawing/2014/main" id="{E204EFDF-0D4D-4BD0-89F5-5A9EFF4CB596}"/>
+              </a:ext>
+            </a:extLst>
+          </p:cNvPr>
+          <p:cNvSpPr txBox="1"/>
+          <p:nvPr/>
+        </p:nvSpPr>
+        <p:spPr>
+          <a:xfrm rot="1745112">
+            <a:off x="2830887" y="4553713"/>
+            <a:ext cx="618657" cy="246221"/>
+          </a:xfrm>
+          <a:prstGeom prst="rect">
+            <a:avLst/>
+          </a:prstGeom>
+          <a:noFill/>
+        </p:spPr>
+        <p:txBody>
+          <a:bodyPr wrap="square" rtlCol="0">
+            <a:spAutoFit/>
+          </a:bodyPr>
+          <a:lstStyle/>
+          <a:p>
+            <a:r>
+              <a:rPr lang="en-US" sz="1000" i="1" dirty="0">
+                <a:latin typeface="+mj-lt"/>
+              </a:rPr>
+              <a:t>location</a:t>
+            </a:r>
+          </a:p>
+        </p:txBody>
+      </p:sp>
+      <p:sp>
+        <p:nvSpPr>
+          <p:cNvPr id="293" name="TextBox 292">
+            <a:extLst>
+              <a:ext uri="{FF2B5EF4-FFF2-40B4-BE49-F238E27FC236}">
+                <a16:creationId xmlns:a16="http://schemas.microsoft.com/office/drawing/2014/main" id="{BF843C8F-951D-46C3-9464-FAF9796FFB8A}"/>
+              </a:ext>
+            </a:extLst>
+          </p:cNvPr>
+          <p:cNvSpPr txBox="1"/>
+          <p:nvPr/>
+        </p:nvSpPr>
+        <p:spPr>
+          <a:xfrm>
+            <a:off x="4693681" y="4702997"/>
+            <a:ext cx="618657" cy="246221"/>
+          </a:xfrm>
+          <a:prstGeom prst="rect">
+            <a:avLst/>
+          </a:prstGeom>
+          <a:noFill/>
+        </p:spPr>
+        <p:txBody>
+          <a:bodyPr wrap="square" rtlCol="0">
+            <a:spAutoFit/>
+          </a:bodyPr>
+          <a:lstStyle/>
+          <a:p>
+            <a:r>
+              <a:rPr lang="en-US" sz="1000" i="1" dirty="0">
+                <a:latin typeface="+mj-lt"/>
+              </a:rPr>
+              <a:t>location</a:t>
+            </a:r>
+          </a:p>
+        </p:txBody>
+      </p:sp>
+      <p:sp>
+        <p:nvSpPr>
+          <p:cNvPr id="294" name="TextBox 293">
+            <a:extLst>
+              <a:ext uri="{FF2B5EF4-FFF2-40B4-BE49-F238E27FC236}">
+                <a16:creationId xmlns:a16="http://schemas.microsoft.com/office/drawing/2014/main" id="{0A277579-8E7F-4CA8-B865-97CEA0CC01F0}"/>
+              </a:ext>
+            </a:extLst>
+          </p:cNvPr>
+          <p:cNvSpPr txBox="1"/>
+          <p:nvPr/>
+        </p:nvSpPr>
+        <p:spPr>
+          <a:xfrm rot="1053002">
+            <a:off x="930834" y="4061953"/>
+            <a:ext cx="618657" cy="246221"/>
+          </a:xfrm>
+          <a:prstGeom prst="rect">
+            <a:avLst/>
+          </a:prstGeom>
+          <a:noFill/>
+        </p:spPr>
+        <p:txBody>
+          <a:bodyPr wrap="square" rtlCol="0">
+            <a:spAutoFit/>
+          </a:bodyPr>
+          <a:lstStyle/>
+          <a:p>
+            <a:r>
+              <a:rPr lang="en-US" sz="1000" i="1" dirty="0">
+                <a:latin typeface="+mj-lt"/>
+              </a:rPr>
+              <a:t>location</a:t>
+            </a:r>
+          </a:p>
+        </p:txBody>
+      </p:sp>
+      <p:sp>
+        <p:nvSpPr>
+          <p:cNvPr id="295" name="TextBox 294">
+            <a:extLst>
+              <a:ext uri="{FF2B5EF4-FFF2-40B4-BE49-F238E27FC236}">
+                <a16:creationId xmlns:a16="http://schemas.microsoft.com/office/drawing/2014/main" id="{30DD49E2-A90B-4F9F-9110-1AEB0796FF64}"/>
+              </a:ext>
+            </a:extLst>
+          </p:cNvPr>
+          <p:cNvSpPr txBox="1"/>
+          <p:nvPr/>
+        </p:nvSpPr>
+        <p:spPr>
+          <a:xfrm rot="1138174">
+            <a:off x="6741808" y="432399"/>
+            <a:ext cx="547999" cy="246221"/>
+          </a:xfrm>
+          <a:prstGeom prst="rect">
+            <a:avLst/>
+          </a:prstGeom>
+          <a:noFill/>
+        </p:spPr>
+        <p:txBody>
+          <a:bodyPr wrap="square" rtlCol="0">
+            <a:spAutoFit/>
+          </a:bodyPr>
+          <a:lstStyle/>
+          <a:p>
+            <a:r>
+              <a:rPr lang="en-US" sz="1000" i="1" dirty="0">
+                <a:latin typeface="+mj-lt"/>
+              </a:rPr>
+              <a:t>animal</a:t>
+            </a:r>
+          </a:p>
+        </p:txBody>
+      </p:sp>
+      <p:sp>
+        <p:nvSpPr>
+          <p:cNvPr id="296" name="TextBox 295">
+            <a:extLst>
+              <a:ext uri="{FF2B5EF4-FFF2-40B4-BE49-F238E27FC236}">
+                <a16:creationId xmlns:a16="http://schemas.microsoft.com/office/drawing/2014/main" id="{4E97AF1F-B55E-438C-8503-1FD135601FEC}"/>
+              </a:ext>
+            </a:extLst>
+          </p:cNvPr>
+          <p:cNvSpPr txBox="1"/>
+          <p:nvPr/>
+        </p:nvSpPr>
+        <p:spPr>
+          <a:xfrm rot="1138174">
+            <a:off x="3493601" y="1002094"/>
+            <a:ext cx="547999" cy="246221"/>
+          </a:xfrm>
+          <a:prstGeom prst="rect">
+            <a:avLst/>
+          </a:prstGeom>
+          <a:noFill/>
+        </p:spPr>
+        <p:txBody>
+          <a:bodyPr wrap="square" rtlCol="0">
+            <a:spAutoFit/>
+          </a:bodyPr>
+          <a:lstStyle/>
+          <a:p>
+            <a:r>
+              <a:rPr lang="en-US" sz="1000" i="1" dirty="0">
+                <a:latin typeface="+mj-lt"/>
+              </a:rPr>
+              <a:t>animal</a:t>
+            </a:r>
+          </a:p>
+        </p:txBody>
+      </p:sp>
+      <p:sp>
+        <p:nvSpPr>
+          <p:cNvPr id="297" name="TextBox 296">
+            <a:extLst>
+              <a:ext uri="{FF2B5EF4-FFF2-40B4-BE49-F238E27FC236}">
+                <a16:creationId xmlns:a16="http://schemas.microsoft.com/office/drawing/2014/main" id="{EC95A870-5C2A-4AE8-813A-23F07BDB09CB}"/>
+              </a:ext>
+            </a:extLst>
+          </p:cNvPr>
+          <p:cNvSpPr txBox="1"/>
+          <p:nvPr/>
+        </p:nvSpPr>
+        <p:spPr>
+          <a:xfrm rot="1138174">
+            <a:off x="2053760" y="1061331"/>
+            <a:ext cx="547999" cy="246221"/>
+          </a:xfrm>
+          <a:prstGeom prst="rect">
+            <a:avLst/>
+          </a:prstGeom>
+          <a:noFill/>
+        </p:spPr>
+        <p:txBody>
+          <a:bodyPr wrap="square" rtlCol="0">
+            <a:spAutoFit/>
+          </a:bodyPr>
+          <a:lstStyle/>
+          <a:p>
+            <a:r>
+              <a:rPr lang="en-US" sz="1000" i="1" dirty="0">
+                <a:latin typeface="+mj-lt"/>
+              </a:rPr>
+              <a:t>animal</a:t>
+            </a:r>
+          </a:p>
+        </p:txBody>
+      </p:sp>
+      <p:sp>
+        <p:nvSpPr>
+          <p:cNvPr id="298" name="TextBox 297">
+            <a:extLst>
+              <a:ext uri="{FF2B5EF4-FFF2-40B4-BE49-F238E27FC236}">
+                <a16:creationId xmlns:a16="http://schemas.microsoft.com/office/drawing/2014/main" id="{1235DDA1-9863-4C3E-AF1F-101CF691F93E}"/>
+              </a:ext>
+            </a:extLst>
+          </p:cNvPr>
+          <p:cNvSpPr txBox="1"/>
+          <p:nvPr/>
+        </p:nvSpPr>
+        <p:spPr>
+          <a:xfrm rot="19770203">
+            <a:off x="1273977" y="1801738"/>
+            <a:ext cx="547999" cy="246221"/>
+          </a:xfrm>
+          <a:prstGeom prst="rect">
+            <a:avLst/>
+          </a:prstGeom>
+          <a:noFill/>
+        </p:spPr>
+        <p:txBody>
+          <a:bodyPr wrap="square" rtlCol="0">
+            <a:spAutoFit/>
+          </a:bodyPr>
+          <a:lstStyle/>
+          <a:p>
+            <a:r>
+              <a:rPr lang="en-US" sz="1000" i="1" dirty="0">
+                <a:latin typeface="+mj-lt"/>
+              </a:rPr>
+              <a:t>animal</a:t>
+            </a:r>
+          </a:p>
+        </p:txBody>
+      </p:sp>
+      <p:sp>
+        <p:nvSpPr>
+          <p:cNvPr id="299" name="TextBox 298">
+            <a:extLst>
+              <a:ext uri="{FF2B5EF4-FFF2-40B4-BE49-F238E27FC236}">
+                <a16:creationId xmlns:a16="http://schemas.microsoft.com/office/drawing/2014/main" id="{9F197A6C-3F3D-4DBB-A94F-7BB66E5F66D4}"/>
+              </a:ext>
+            </a:extLst>
+          </p:cNvPr>
+          <p:cNvSpPr txBox="1"/>
+          <p:nvPr/>
+        </p:nvSpPr>
+        <p:spPr>
+          <a:xfrm rot="20107420">
+            <a:off x="674331" y="2805440"/>
+            <a:ext cx="547999" cy="246221"/>
+          </a:xfrm>
+          <a:prstGeom prst="rect">
+            <a:avLst/>
+          </a:prstGeom>
+          <a:noFill/>
+        </p:spPr>
+        <p:txBody>
+          <a:bodyPr wrap="square" rtlCol="0">
+            <a:spAutoFit/>
+          </a:bodyPr>
+          <a:lstStyle/>
+          <a:p>
+            <a:r>
+              <a:rPr lang="en-US" sz="1000" i="1" dirty="0">
+                <a:latin typeface="+mj-lt"/>
+              </a:rPr>
+              <a:t>animal</a:t>
+            </a:r>
+          </a:p>
+        </p:txBody>
+      </p:sp>
+      <p:sp>
+        <p:nvSpPr>
+          <p:cNvPr id="300" name="TextBox 299">
+            <a:extLst>
+              <a:ext uri="{FF2B5EF4-FFF2-40B4-BE49-F238E27FC236}">
+                <a16:creationId xmlns:a16="http://schemas.microsoft.com/office/drawing/2014/main" id="{B6D4589E-E51B-4CD6-B1ED-017FF84D96B6}"/>
+              </a:ext>
+            </a:extLst>
+          </p:cNvPr>
+          <p:cNvSpPr txBox="1"/>
+          <p:nvPr/>
+        </p:nvSpPr>
+        <p:spPr>
+          <a:xfrm rot="1138174">
+            <a:off x="3540613" y="1879569"/>
+            <a:ext cx="547999" cy="246221"/>
+          </a:xfrm>
+          <a:prstGeom prst="rect">
+            <a:avLst/>
+          </a:prstGeom>
+          <a:noFill/>
+        </p:spPr>
+        <p:txBody>
+          <a:bodyPr wrap="square" rtlCol="0">
+            <a:spAutoFit/>
+          </a:bodyPr>
+          <a:lstStyle/>
+          <a:p>
+            <a:r>
+              <a:rPr lang="en-US" sz="1000" i="1" dirty="0">
+                <a:latin typeface="+mj-lt"/>
+              </a:rPr>
+              <a:t>animal</a:t>
+            </a:r>
+          </a:p>
+        </p:txBody>
+      </p:sp>
+      <p:sp>
+        <p:nvSpPr>
+          <p:cNvPr id="301" name="TextBox 300">
+            <a:extLst>
+              <a:ext uri="{FF2B5EF4-FFF2-40B4-BE49-F238E27FC236}">
+                <a16:creationId xmlns:a16="http://schemas.microsoft.com/office/drawing/2014/main" id="{21FEB59A-0A95-45CE-ADBF-D1179A59C5F9}"/>
+              </a:ext>
+            </a:extLst>
+          </p:cNvPr>
+          <p:cNvSpPr txBox="1"/>
+          <p:nvPr/>
+        </p:nvSpPr>
+        <p:spPr>
+          <a:xfrm rot="19710828">
+            <a:off x="5099306" y="2078932"/>
+            <a:ext cx="547999" cy="246221"/>
+          </a:xfrm>
+          <a:prstGeom prst="rect">
+            <a:avLst/>
+          </a:prstGeom>
+          <a:noFill/>
+        </p:spPr>
+        <p:txBody>
+          <a:bodyPr wrap="square" rtlCol="0">
+            <a:spAutoFit/>
+          </a:bodyPr>
+          <a:lstStyle/>
+          <a:p>
+            <a:r>
+              <a:rPr lang="en-US" sz="1000" i="1" dirty="0">
+                <a:latin typeface="+mj-lt"/>
+              </a:rPr>
+              <a:t>animal</a:t>
+            </a:r>
+          </a:p>
+        </p:txBody>
+      </p:sp>
+      <p:sp>
+        <p:nvSpPr>
+          <p:cNvPr id="302" name="TextBox 301">
+            <a:extLst>
+              <a:ext uri="{FF2B5EF4-FFF2-40B4-BE49-F238E27FC236}">
+                <a16:creationId xmlns:a16="http://schemas.microsoft.com/office/drawing/2014/main" id="{476864E0-556B-4BB6-B375-99AADB6435B9}"/>
+              </a:ext>
+            </a:extLst>
+          </p:cNvPr>
+          <p:cNvSpPr txBox="1"/>
+          <p:nvPr/>
+        </p:nvSpPr>
+        <p:spPr>
+          <a:xfrm rot="19542603">
+            <a:off x="5408999" y="973836"/>
+            <a:ext cx="547999" cy="246221"/>
+          </a:xfrm>
+          <a:prstGeom prst="rect">
+            <a:avLst/>
+          </a:prstGeom>
+          <a:noFill/>
+        </p:spPr>
+        <p:txBody>
+          <a:bodyPr wrap="square" rtlCol="0">
+            <a:spAutoFit/>
+          </a:bodyPr>
+          <a:lstStyle/>
+          <a:p>
+            <a:r>
+              <a:rPr lang="en-US" sz="1000" i="1" dirty="0">
+                <a:latin typeface="+mj-lt"/>
+              </a:rPr>
+              <a:t>animal</a:t>
+            </a:r>
+          </a:p>
+        </p:txBody>
+      </p:sp>
+      <p:sp>
+        <p:nvSpPr>
+          <p:cNvPr id="303" name="TextBox 302">
+            <a:extLst>
+              <a:ext uri="{FF2B5EF4-FFF2-40B4-BE49-F238E27FC236}">
+                <a16:creationId xmlns:a16="http://schemas.microsoft.com/office/drawing/2014/main" id="{A8492FDE-B7F1-48FF-B382-685660B51C2B}"/>
+              </a:ext>
+            </a:extLst>
+          </p:cNvPr>
+          <p:cNvSpPr txBox="1"/>
+          <p:nvPr/>
+        </p:nvSpPr>
+        <p:spPr>
+          <a:xfrm rot="19665179">
+            <a:off x="7535443" y="1110197"/>
+            <a:ext cx="427989" cy="246221"/>
+          </a:xfrm>
+          <a:prstGeom prst="rect">
+            <a:avLst/>
+          </a:prstGeom>
+          <a:noFill/>
+        </p:spPr>
+        <p:txBody>
+          <a:bodyPr wrap="square" rtlCol="0">
+            <a:spAutoFit/>
+          </a:bodyPr>
+          <a:lstStyle/>
+          <a:p>
+            <a:r>
+              <a:rPr lang="en-US" sz="1000" i="1" dirty="0">
+                <a:latin typeface="+mj-lt"/>
+              </a:rPr>
+              <a:t>Tops</a:t>
+            </a:r>
+          </a:p>
+        </p:txBody>
+      </p:sp>
+      <p:sp>
+        <p:nvSpPr>
+          <p:cNvPr id="308" name="TextBox 307">
+            <a:extLst>
+              <a:ext uri="{FF2B5EF4-FFF2-40B4-BE49-F238E27FC236}">
+                <a16:creationId xmlns:a16="http://schemas.microsoft.com/office/drawing/2014/main" id="{D60BE9CC-0A52-40C8-8935-31C22BF73F14}"/>
+              </a:ext>
+            </a:extLst>
+          </p:cNvPr>
+          <p:cNvSpPr txBox="1"/>
+          <p:nvPr/>
+        </p:nvSpPr>
+        <p:spPr>
+          <a:xfrm rot="18270466">
+            <a:off x="7114195" y="2363850"/>
+            <a:ext cx="427989" cy="246221"/>
+          </a:xfrm>
+          <a:prstGeom prst="rect">
+            <a:avLst/>
+          </a:prstGeom>
+          <a:noFill/>
+        </p:spPr>
+        <p:txBody>
+          <a:bodyPr wrap="square" rtlCol="0">
+            <a:spAutoFit/>
+          </a:bodyPr>
+          <a:lstStyle/>
+          <a:p>
+            <a:r>
+              <a:rPr lang="en-US" sz="1000" i="1" dirty="0">
+                <a:latin typeface="+mj-lt"/>
+              </a:rPr>
+              <a:t>Tops</a:t>
+            </a:r>
+          </a:p>
+        </p:txBody>
+      </p:sp>
+      <p:sp>
+        <p:nvSpPr>
+          <p:cNvPr id="309" name="TextBox 308">
+            <a:extLst>
+              <a:ext uri="{FF2B5EF4-FFF2-40B4-BE49-F238E27FC236}">
+                <a16:creationId xmlns:a16="http://schemas.microsoft.com/office/drawing/2014/main" id="{F069B95E-D116-49C0-9F95-4BE43ACC9FE9}"/>
+              </a:ext>
+            </a:extLst>
+          </p:cNvPr>
+          <p:cNvSpPr txBox="1"/>
+          <p:nvPr/>
+        </p:nvSpPr>
+        <p:spPr>
+          <a:xfrm rot="18921377">
+            <a:off x="8217408" y="1521149"/>
+            <a:ext cx="427989" cy="246221"/>
+          </a:xfrm>
+          <a:prstGeom prst="rect">
+            <a:avLst/>
+          </a:prstGeom>
+          <a:noFill/>
+        </p:spPr>
+        <p:txBody>
+          <a:bodyPr wrap="square" rtlCol="0">
+            <a:spAutoFit/>
+          </a:bodyPr>
+          <a:lstStyle/>
+          <a:p>
+            <a:r>
+              <a:rPr lang="en-US" sz="1000" i="1" dirty="0">
+                <a:latin typeface="+mj-lt"/>
+              </a:rPr>
+              <a:t>Tops</a:t>
+            </a:r>
+          </a:p>
+        </p:txBody>
+      </p:sp>
+      <p:sp>
+        <p:nvSpPr>
+          <p:cNvPr id="310" name="TextBox 309">
+            <a:extLst>
+              <a:ext uri="{FF2B5EF4-FFF2-40B4-BE49-F238E27FC236}">
+                <a16:creationId xmlns:a16="http://schemas.microsoft.com/office/drawing/2014/main" id="{625CAD93-0457-4BFA-B3BF-54F25B3C928C}"/>
+              </a:ext>
+            </a:extLst>
+          </p:cNvPr>
+          <p:cNvSpPr txBox="1"/>
+          <p:nvPr/>
+        </p:nvSpPr>
+        <p:spPr>
+          <a:xfrm rot="19665179">
+            <a:off x="8012561" y="3062364"/>
+            <a:ext cx="427989" cy="246221"/>
+          </a:xfrm>
+          <a:prstGeom prst="rect">
+            <a:avLst/>
+          </a:prstGeom>
+          <a:noFill/>
+        </p:spPr>
+        <p:txBody>
+          <a:bodyPr wrap="square" rtlCol="0">
+            <a:spAutoFit/>
+          </a:bodyPr>
+          <a:lstStyle/>
+          <a:p>
+            <a:r>
+              <a:rPr lang="en-US" sz="1000" i="1" dirty="0">
+                <a:latin typeface="+mj-lt"/>
+              </a:rPr>
+              <a:t>Tops</a:t>
+            </a:r>
+          </a:p>
+        </p:txBody>
+      </p:sp>
+      <p:sp>
+        <p:nvSpPr>
+          <p:cNvPr id="311" name="TextBox 310">
+            <a:extLst>
+              <a:ext uri="{FF2B5EF4-FFF2-40B4-BE49-F238E27FC236}">
+                <a16:creationId xmlns:a16="http://schemas.microsoft.com/office/drawing/2014/main" id="{BF4413F5-5E01-49B4-916F-A0D8EA2189B6}"/>
+              </a:ext>
+            </a:extLst>
+          </p:cNvPr>
+          <p:cNvSpPr txBox="1"/>
+          <p:nvPr/>
+        </p:nvSpPr>
+        <p:spPr>
+          <a:xfrm rot="20553183">
+            <a:off x="9134029" y="3306272"/>
+            <a:ext cx="427989" cy="246221"/>
+          </a:xfrm>
+          <a:prstGeom prst="rect">
+            <a:avLst/>
+          </a:prstGeom>
+          <a:noFill/>
+        </p:spPr>
+        <p:txBody>
+          <a:bodyPr wrap="square" rtlCol="0">
+            <a:spAutoFit/>
+          </a:bodyPr>
+          <a:lstStyle/>
+          <a:p>
+            <a:r>
+              <a:rPr lang="en-US" sz="1000" i="1" dirty="0">
+                <a:latin typeface="+mj-lt"/>
+              </a:rPr>
+              <a:t>Tops</a:t>
+            </a:r>
+          </a:p>
+        </p:txBody>
+      </p:sp>
+      <p:sp>
+        <p:nvSpPr>
+          <p:cNvPr id="312" name="TextBox 311">
+            <a:extLst>
+              <a:ext uri="{FF2B5EF4-FFF2-40B4-BE49-F238E27FC236}">
+                <a16:creationId xmlns:a16="http://schemas.microsoft.com/office/drawing/2014/main" id="{2C6C0159-2A06-4FC6-A4BA-DFC9A273BF56}"/>
+              </a:ext>
+            </a:extLst>
+          </p:cNvPr>
+          <p:cNvSpPr txBox="1"/>
+          <p:nvPr/>
+        </p:nvSpPr>
+        <p:spPr>
+          <a:xfrm rot="19665179">
+            <a:off x="9108296" y="1880680"/>
+            <a:ext cx="427989" cy="246221"/>
+          </a:xfrm>
+          <a:prstGeom prst="rect">
+            <a:avLst/>
+          </a:prstGeom>
+          <a:noFill/>
+        </p:spPr>
+        <p:txBody>
+          <a:bodyPr wrap="square" rtlCol="0">
+            <a:spAutoFit/>
+          </a:bodyPr>
+          <a:lstStyle/>
+          <a:p>
+            <a:r>
+              <a:rPr lang="en-US" sz="1000" i="1" dirty="0">
+                <a:latin typeface="+mj-lt"/>
+              </a:rPr>
+              <a:t>Tops</a:t>
+            </a:r>
+          </a:p>
+        </p:txBody>
+      </p:sp>
+      <p:sp>
+        <p:nvSpPr>
+          <p:cNvPr id="313" name="TextBox 312">
+            <a:extLst>
+              <a:ext uri="{FF2B5EF4-FFF2-40B4-BE49-F238E27FC236}">
+                <a16:creationId xmlns:a16="http://schemas.microsoft.com/office/drawing/2014/main" id="{3650872B-27FA-4A71-9A53-3AB4C92ED262}"/>
+              </a:ext>
+            </a:extLst>
+          </p:cNvPr>
+          <p:cNvSpPr txBox="1"/>
+          <p:nvPr/>
+        </p:nvSpPr>
+        <p:spPr>
+          <a:xfrm rot="18126829">
+            <a:off x="10389750" y="3644049"/>
+            <a:ext cx="427989" cy="246221"/>
+          </a:xfrm>
+          <a:prstGeom prst="rect">
+            <a:avLst/>
+          </a:prstGeom>
+          <a:noFill/>
+        </p:spPr>
+        <p:txBody>
+          <a:bodyPr wrap="square" rtlCol="0">
+            <a:spAutoFit/>
+          </a:bodyPr>
+          <a:lstStyle/>
+          <a:p>
+            <a:r>
+              <a:rPr lang="en-US" sz="1000" i="1" dirty="0">
+                <a:latin typeface="+mj-lt"/>
+              </a:rPr>
+              <a:t>Tops</a:t>
+            </a:r>
+          </a:p>
+        </p:txBody>
+      </p:sp>
+    </p:spTree>
+    <p:extLst>
+      <p:ext uri="{BB962C8B-B14F-4D97-AF65-F5344CB8AC3E}">
+        <p14:creationId xmlns:p14="http://schemas.microsoft.com/office/powerpoint/2010/main" val="2035495261"/>
       </p:ext>
     </p:extLst>
   </p:cSld>

--- a/Notes/Diagrams.pptx
+++ b/Notes/Diagrams.pptx
@@ -18,6 +18,7 @@
     <p:sldId id="266" r:id="rId12"/>
     <p:sldId id="267" r:id="rId13"/>
     <p:sldId id="268" r:id="rId14"/>
+    <p:sldId id="269" r:id="rId15"/>
   </p:sldIdLst>
   <p:sldSz cx="12192000" cy="6858000"/>
   <p:notesSz cx="6858000" cy="9144000"/>
@@ -6338,7 +6339,7 @@
           <a:p>
             <a:fld id="{4F8D6774-96D8-4B42-A844-CE0CDD408D91}" type="datetimeFigureOut">
               <a:rPr lang="en-US" smtClean="0"/>
-              <a:t>4/3/2018</a:t>
+              <a:t>4/5/2018</a:t>
             </a:fld>
             <a:endParaRPr lang="en-US"/>
           </a:p>
@@ -6536,7 +6537,7 @@
           <a:p>
             <a:fld id="{4F8D6774-96D8-4B42-A844-CE0CDD408D91}" type="datetimeFigureOut">
               <a:rPr lang="en-US" smtClean="0"/>
-              <a:t>4/3/2018</a:t>
+              <a:t>4/5/2018</a:t>
             </a:fld>
             <a:endParaRPr lang="en-US"/>
           </a:p>
@@ -6744,7 +6745,7 @@
           <a:p>
             <a:fld id="{4F8D6774-96D8-4B42-A844-CE0CDD408D91}" type="datetimeFigureOut">
               <a:rPr lang="en-US" smtClean="0"/>
-              <a:t>4/3/2018</a:t>
+              <a:t>4/5/2018</a:t>
             </a:fld>
             <a:endParaRPr lang="en-US"/>
           </a:p>
@@ -6942,7 +6943,7 @@
           <a:p>
             <a:fld id="{4F8D6774-96D8-4B42-A844-CE0CDD408D91}" type="datetimeFigureOut">
               <a:rPr lang="en-US" smtClean="0"/>
-              <a:t>4/3/2018</a:t>
+              <a:t>4/5/2018</a:t>
             </a:fld>
             <a:endParaRPr lang="en-US"/>
           </a:p>
@@ -7217,7 +7218,7 @@
           <a:p>
             <a:fld id="{4F8D6774-96D8-4B42-A844-CE0CDD408D91}" type="datetimeFigureOut">
               <a:rPr lang="en-US" smtClean="0"/>
-              <a:t>4/3/2018</a:t>
+              <a:t>4/5/2018</a:t>
             </a:fld>
             <a:endParaRPr lang="en-US"/>
           </a:p>
@@ -7482,7 +7483,7 @@
           <a:p>
             <a:fld id="{4F8D6774-96D8-4B42-A844-CE0CDD408D91}" type="datetimeFigureOut">
               <a:rPr lang="en-US" smtClean="0"/>
-              <a:t>4/3/2018</a:t>
+              <a:t>4/5/2018</a:t>
             </a:fld>
             <a:endParaRPr lang="en-US"/>
           </a:p>
@@ -7894,7 +7895,7 @@
           <a:p>
             <a:fld id="{4F8D6774-96D8-4B42-A844-CE0CDD408D91}" type="datetimeFigureOut">
               <a:rPr lang="en-US" smtClean="0"/>
-              <a:t>4/3/2018</a:t>
+              <a:t>4/5/2018</a:t>
             </a:fld>
             <a:endParaRPr lang="en-US"/>
           </a:p>
@@ -8035,7 +8036,7 @@
           <a:p>
             <a:fld id="{4F8D6774-96D8-4B42-A844-CE0CDD408D91}" type="datetimeFigureOut">
               <a:rPr lang="en-US" smtClean="0"/>
-              <a:t>4/3/2018</a:t>
+              <a:t>4/5/2018</a:t>
             </a:fld>
             <a:endParaRPr lang="en-US"/>
           </a:p>
@@ -8148,7 +8149,7 @@
           <a:p>
             <a:fld id="{4F8D6774-96D8-4B42-A844-CE0CDD408D91}" type="datetimeFigureOut">
               <a:rPr lang="en-US" smtClean="0"/>
-              <a:t>4/3/2018</a:t>
+              <a:t>4/5/2018</a:t>
             </a:fld>
             <a:endParaRPr lang="en-US"/>
           </a:p>
@@ -8459,7 +8460,7 @@
           <a:p>
             <a:fld id="{4F8D6774-96D8-4B42-A844-CE0CDD408D91}" type="datetimeFigureOut">
               <a:rPr lang="en-US" smtClean="0"/>
-              <a:t>4/3/2018</a:t>
+              <a:t>4/5/2018</a:t>
             </a:fld>
             <a:endParaRPr lang="en-US"/>
           </a:p>
@@ -8747,7 +8748,7 @@
           <a:p>
             <a:fld id="{4F8D6774-96D8-4B42-A844-CE0CDD408D91}" type="datetimeFigureOut">
               <a:rPr lang="en-US" smtClean="0"/>
-              <a:t>4/3/2018</a:t>
+              <a:t>4/5/2018</a:t>
             </a:fld>
             <a:endParaRPr lang="en-US"/>
           </a:p>
@@ -8988,7 +8989,7 @@
           <a:p>
             <a:fld id="{4F8D6774-96D8-4B42-A844-CE0CDD408D91}" type="datetimeFigureOut">
               <a:rPr lang="en-US" smtClean="0"/>
-              <a:t>4/3/2018</a:t>
+              <a:t>4/5/2018</a:t>
             </a:fld>
             <a:endParaRPr lang="en-US"/>
           </a:p>
@@ -13882,6 +13883,69 @@
     <p:extLst>
       <p:ext uri="{BB962C8B-B14F-4D97-AF65-F5344CB8AC3E}">
         <p14:creationId xmlns:p14="http://schemas.microsoft.com/office/powerpoint/2010/main" val="2035495261"/>
+      </p:ext>
+    </p:extLst>
+  </p:cSld>
+  <p:clrMapOvr>
+    <a:masterClrMapping/>
+  </p:clrMapOvr>
+</p:sld>
+</file>
+
+<file path=ppt/slides/slide14.xml><?xml version="1.0" encoding="utf-8"?>
+<p:sld xmlns:a="http://schemas.openxmlformats.org/drawingml/2006/main" xmlns:r="http://schemas.openxmlformats.org/officeDocument/2006/relationships" xmlns:p="http://schemas.openxmlformats.org/presentationml/2006/main">
+  <p:cSld>
+    <p:spTree>
+      <p:nvGrpSpPr>
+        <p:cNvPr id="1" name=""/>
+        <p:cNvGrpSpPr/>
+        <p:nvPr/>
+      </p:nvGrpSpPr>
+      <p:grpSpPr>
+        <a:xfrm>
+          <a:off x="0" y="0"/>
+          <a:ext cx="0" cy="0"/>
+          <a:chOff x="0" y="0"/>
+          <a:chExt cx="0" cy="0"/>
+        </a:xfrm>
+      </p:grpSpPr>
+      <p:pic>
+        <p:nvPicPr>
+          <p:cNvPr id="68" name="Picture 67">
+            <a:extLst>
+              <a:ext uri="{FF2B5EF4-FFF2-40B4-BE49-F238E27FC236}">
+                <a16:creationId xmlns:a16="http://schemas.microsoft.com/office/drawing/2014/main" id="{D07805FA-FE15-48FB-8E30-89082D5B9A0A}"/>
+              </a:ext>
+            </a:extLst>
+          </p:cNvPr>
+          <p:cNvPicPr/>
+          <p:nvPr/>
+        </p:nvPicPr>
+        <p:blipFill>
+          <a:blip r:embed="rId2"/>
+          <a:stretch>
+            <a:fillRect/>
+          </a:stretch>
+        </p:blipFill>
+        <p:spPr>
+          <a:xfrm>
+            <a:off x="1313693" y="1934818"/>
+            <a:ext cx="10001179" cy="2212491"/>
+          </a:xfrm>
+          <a:prstGeom prst="rect">
+            <a:avLst/>
+          </a:prstGeom>
+          <a:ln>
+            <a:solidFill>
+              <a:schemeClr val="tx1"/>
+            </a:solidFill>
+          </a:ln>
+        </p:spPr>
+      </p:pic>
+    </p:spTree>
+    <p:extLst>
+      <p:ext uri="{BB962C8B-B14F-4D97-AF65-F5344CB8AC3E}">
+        <p14:creationId xmlns:p14="http://schemas.microsoft.com/office/powerpoint/2010/main" val="4219268109"/>
       </p:ext>
     </p:extLst>
   </p:cSld>
